--- a/figure/noc_map.pptx
+++ b/figure/noc_map.pptx
@@ -11,7 +11,7 @@
   <p:sldIdLst>
     <p:sldId id="256" r:id="rId3"/>
   </p:sldIdLst>
-  <p:sldSz cx="10752138" cy="10817225"/>
+  <p:sldSz cx="10752138" cy="10096500"/>
   <p:notesSz cx="6858000" cy="9144000"/>
   <p:defaultTextStyle>
     <a:defPPr>
@@ -198,7 +198,7 @@
           <a:p>
             <a:fld id="{7F0095D0-A9E1-4B64-AAAF-C179389DF804}" type="datetimeFigureOut">
               <a:rPr kumimoji="1" lang="ja-JP" altLang="en-US" smtClean="0"/>
-              <a:t>2017/1/23</a:t>
+              <a:t>2017/4/7</a:t>
             </a:fld>
             <a:endParaRPr kumimoji="1" lang="ja-JP" altLang="en-US"/>
           </a:p>
@@ -216,8 +216,8 @@
         </p:nvSpPr>
         <p:spPr>
           <a:xfrm>
-            <a:off x="1895475" y="1143000"/>
-            <a:ext cx="3067050" cy="3086100"/>
+            <a:off x="1785938" y="1143000"/>
+            <a:ext cx="3286125" cy="3086100"/>
           </a:xfrm>
           <a:prstGeom prst="rect">
             <a:avLst/>
@@ -527,8 +527,8 @@
         </p:nvSpPr>
         <p:spPr>
           <a:xfrm>
-            <a:off x="1895475" y="1143000"/>
-            <a:ext cx="3067050" cy="3086100"/>
+            <a:off x="1785938" y="1143000"/>
+            <a:ext cx="3286125" cy="3086100"/>
           </a:xfrm>
         </p:spPr>
       </p:sp>
@@ -680,8 +680,8 @@
         </p:nvSpPr>
         <p:spPr>
           <a:xfrm>
-            <a:off x="1344017" y="1770321"/>
-            <a:ext cx="8064104" cy="3765997"/>
+            <a:off x="1344017" y="1652369"/>
+            <a:ext cx="8064104" cy="3515078"/>
           </a:xfrm>
         </p:spPr>
         <p:txBody>
@@ -712,8 +712,8 @@
         </p:nvSpPr>
         <p:spPr>
           <a:xfrm>
-            <a:off x="1344017" y="5681548"/>
-            <a:ext cx="8064104" cy="2611658"/>
+            <a:off x="1344017" y="5303000"/>
+            <a:ext cx="8064104" cy="2437650"/>
           </a:xfrm>
         </p:spPr>
         <p:txBody>
@@ -782,7 +782,7 @@
           <a:p>
             <a:fld id="{05B1DBB0-D0CE-4499-8A6D-C73AC9430D35}" type="datetimeFigureOut">
               <a:rPr kumimoji="1" lang="ja-JP" altLang="en-US" smtClean="0"/>
-              <a:t>2017/1/23</a:t>
+              <a:t>2017/4/7</a:t>
             </a:fld>
             <a:endParaRPr kumimoji="1" lang="ja-JP" altLang="en-US"/>
           </a:p>
@@ -984,7 +984,7 @@
           <a:p>
             <a:fld id="{05B1DBB0-D0CE-4499-8A6D-C73AC9430D35}" type="datetimeFigureOut">
               <a:rPr kumimoji="1" lang="ja-JP" altLang="en-US" smtClean="0"/>
-              <a:t>2017/1/23</a:t>
+              <a:t>2017/4/7</a:t>
             </a:fld>
             <a:endParaRPr kumimoji="1" lang="ja-JP" altLang="en-US"/>
           </a:p>
@@ -1074,8 +1074,8 @@
         </p:nvSpPr>
         <p:spPr>
           <a:xfrm>
-            <a:off x="7694499" y="575917"/>
-            <a:ext cx="2318430" cy="9167098"/>
+            <a:off x="7694499" y="537545"/>
+            <a:ext cx="2318430" cy="8556317"/>
           </a:xfrm>
         </p:spPr>
         <p:txBody>
@@ -1102,8 +1102,8 @@
         </p:nvSpPr>
         <p:spPr>
           <a:xfrm>
-            <a:off x="739209" y="575917"/>
-            <a:ext cx="6820888" cy="9167098"/>
+            <a:off x="739209" y="537545"/>
+            <a:ext cx="6820888" cy="8556317"/>
           </a:xfrm>
         </p:spPr>
         <p:txBody>
@@ -1196,7 +1196,7 @@
           <a:p>
             <a:fld id="{05B1DBB0-D0CE-4499-8A6D-C73AC9430D35}" type="datetimeFigureOut">
               <a:rPr kumimoji="1" lang="ja-JP" altLang="en-US" smtClean="0"/>
-              <a:t>2017/1/23</a:t>
+              <a:t>2017/4/7</a:t>
             </a:fld>
             <a:endParaRPr kumimoji="1" lang="ja-JP" altLang="en-US"/>
           </a:p>
@@ -1286,7 +1286,7 @@
         </p:nvSpPr>
         <p:spPr>
           <a:xfrm>
-            <a:off x="807088" y="3353345"/>
+            <a:off x="807089" y="3129920"/>
             <a:ext cx="9146997" cy="276999"/>
           </a:xfrm>
           <a:prstGeom prst="rect">
@@ -1319,7 +1319,7 @@
         </p:nvSpPr>
         <p:spPr>
           <a:xfrm>
-            <a:off x="1614176" y="6057652"/>
+            <a:off x="1614176" y="5654046"/>
             <a:ext cx="7532822" cy="276999"/>
           </a:xfrm>
           <a:prstGeom prst="rect">
@@ -1396,7 +1396,7 @@
           <a:p>
             <a:fld id="{1D8BD707-D9CF-40AE-B4C6-C98DA3205C09}" type="datetimeFigureOut">
               <a:rPr lang="en-US"/>
-              <a:t>1/23/2017</a:t>
+              <a:t>4/7/2017</a:t>
             </a:fld>
             <a:endParaRPr lang="en-US"/>
           </a:p>
@@ -1566,7 +1566,7 @@
           <a:p>
             <a:fld id="{1D8BD707-D9CF-40AE-B4C6-C98DA3205C09}" type="datetimeFigureOut">
               <a:rPr lang="en-US"/>
-              <a:t>1/23/2017</a:t>
+              <a:t>4/7/2017</a:t>
             </a:fld>
             <a:endParaRPr lang="en-US"/>
           </a:p>
@@ -1669,7 +1669,7 @@
         </p:nvSpPr>
         <p:spPr>
           <a:xfrm>
-            <a:off x="538060" y="2487968"/>
+            <a:off x="538060" y="2322201"/>
             <a:ext cx="4681110" cy="276999"/>
           </a:xfrm>
           <a:prstGeom prst="rect">
@@ -1702,7 +1702,7 @@
         </p:nvSpPr>
         <p:spPr>
           <a:xfrm>
-            <a:off x="5542004" y="2487968"/>
+            <a:off x="5542004" y="2322201"/>
             <a:ext cx="4681110" cy="276999"/>
           </a:xfrm>
           <a:prstGeom prst="rect">
@@ -1779,7 +1779,7 @@
           <a:p>
             <a:fld id="{1D8BD707-D9CF-40AE-B4C6-C98DA3205C09}" type="datetimeFigureOut">
               <a:rPr lang="en-US"/>
-              <a:t>1/23/2017</a:t>
+              <a:t>4/7/2017</a:t>
             </a:fld>
             <a:endParaRPr lang="en-US"/>
           </a:p>
@@ -1926,7 +1926,7 @@
           <a:p>
             <a:fld id="{1D8BD707-D9CF-40AE-B4C6-C98DA3205C09}" type="datetimeFigureOut">
               <a:rPr lang="en-US"/>
-              <a:t>1/23/2017</a:t>
+              <a:t>4/7/2017</a:t>
             </a:fld>
             <a:endParaRPr lang="en-US"/>
           </a:p>
@@ -2050,7 +2050,7 @@
           <a:p>
             <a:fld id="{1D8BD707-D9CF-40AE-B4C6-C98DA3205C09}" type="datetimeFigureOut">
               <a:rPr lang="en-US"/>
-              <a:t>1/23/2017</a:t>
+              <a:t>4/7/2017</a:t>
             </a:fld>
             <a:endParaRPr lang="en-US"/>
           </a:p>
@@ -2242,7 +2242,7 @@
           <a:p>
             <a:fld id="{05B1DBB0-D0CE-4499-8A6D-C73AC9430D35}" type="datetimeFigureOut">
               <a:rPr kumimoji="1" lang="ja-JP" altLang="en-US" smtClean="0"/>
-              <a:t>2017/1/23</a:t>
+              <a:t>2017/4/7</a:t>
             </a:fld>
             <a:endParaRPr kumimoji="1" lang="ja-JP" altLang="en-US"/>
           </a:p>
@@ -2332,8 +2332,8 @@
         </p:nvSpPr>
         <p:spPr>
           <a:xfrm>
-            <a:off x="733609" y="2696796"/>
-            <a:ext cx="9273719" cy="4499664"/>
+            <a:off x="733610" y="2517115"/>
+            <a:ext cx="9273719" cy="4199862"/>
           </a:xfrm>
         </p:spPr>
         <p:txBody>
@@ -2364,8 +2364,8 @@
         </p:nvSpPr>
         <p:spPr>
           <a:xfrm>
-            <a:off x="733609" y="7239031"/>
-            <a:ext cx="9273719" cy="2366267"/>
+            <a:off x="733610" y="6756713"/>
+            <a:ext cx="9273719" cy="2208608"/>
           </a:xfrm>
         </p:spPr>
         <p:txBody>
@@ -2488,7 +2488,7 @@
           <a:p>
             <a:fld id="{05B1DBB0-D0CE-4499-8A6D-C73AC9430D35}" type="datetimeFigureOut">
               <a:rPr kumimoji="1" lang="ja-JP" altLang="en-US" smtClean="0"/>
-              <a:t>2017/1/23</a:t>
+              <a:t>2017/4/7</a:t>
             </a:fld>
             <a:endParaRPr kumimoji="1" lang="ja-JP" altLang="en-US"/>
           </a:p>
@@ -2601,8 +2601,8 @@
         </p:nvSpPr>
         <p:spPr>
           <a:xfrm>
-            <a:off x="739209" y="2879585"/>
-            <a:ext cx="4569659" cy="6863430"/>
+            <a:off x="739209" y="2687725"/>
+            <a:ext cx="4569659" cy="6406137"/>
           </a:xfrm>
         </p:spPr>
         <p:txBody>
@@ -2690,8 +2690,8 @@
         </p:nvSpPr>
         <p:spPr>
           <a:xfrm>
-            <a:off x="5443270" y="2879585"/>
-            <a:ext cx="4569659" cy="6863430"/>
+            <a:off x="5443271" y="2687725"/>
+            <a:ext cx="4569659" cy="6406137"/>
           </a:xfrm>
         </p:spPr>
         <p:txBody>
@@ -2784,7 +2784,7 @@
           <a:p>
             <a:fld id="{05B1DBB0-D0CE-4499-8A6D-C73AC9430D35}" type="datetimeFigureOut">
               <a:rPr kumimoji="1" lang="ja-JP" altLang="en-US" smtClean="0"/>
-              <a:t>2017/1/23</a:t>
+              <a:t>2017/4/7</a:t>
             </a:fld>
             <a:endParaRPr kumimoji="1" lang="ja-JP" altLang="en-US"/>
           </a:p>
@@ -2874,8 +2874,8 @@
         </p:nvSpPr>
         <p:spPr>
           <a:xfrm>
-            <a:off x="740610" y="575920"/>
-            <a:ext cx="9273719" cy="2090830"/>
+            <a:off x="740611" y="537548"/>
+            <a:ext cx="9273719" cy="1951523"/>
           </a:xfrm>
         </p:spPr>
         <p:txBody>
@@ -2902,8 +2902,8 @@
         </p:nvSpPr>
         <p:spPr>
           <a:xfrm>
-            <a:off x="740613" y="2651724"/>
-            <a:ext cx="4548658" cy="1299569"/>
+            <a:off x="740613" y="2475047"/>
+            <a:ext cx="4548658" cy="1212982"/>
           </a:xfrm>
         </p:spPr>
         <p:txBody>
@@ -2967,8 +2967,8 @@
         </p:nvSpPr>
         <p:spPr>
           <a:xfrm>
-            <a:off x="740613" y="3951293"/>
-            <a:ext cx="4548658" cy="5811755"/>
+            <a:off x="740613" y="3688029"/>
+            <a:ext cx="4548658" cy="5424532"/>
           </a:xfrm>
         </p:spPr>
         <p:txBody>
@@ -3056,8 +3056,8 @@
         </p:nvSpPr>
         <p:spPr>
           <a:xfrm>
-            <a:off x="5443270" y="2651724"/>
-            <a:ext cx="4571059" cy="1299569"/>
+            <a:off x="5443271" y="2475047"/>
+            <a:ext cx="4571059" cy="1212982"/>
           </a:xfrm>
         </p:spPr>
         <p:txBody>
@@ -3121,8 +3121,8 @@
         </p:nvSpPr>
         <p:spPr>
           <a:xfrm>
-            <a:off x="5443270" y="3951293"/>
-            <a:ext cx="4571059" cy="5811755"/>
+            <a:off x="5443271" y="3688029"/>
+            <a:ext cx="4571059" cy="5424532"/>
           </a:xfrm>
         </p:spPr>
         <p:txBody>
@@ -3215,7 +3215,7 @@
           <a:p>
             <a:fld id="{05B1DBB0-D0CE-4499-8A6D-C73AC9430D35}" type="datetimeFigureOut">
               <a:rPr kumimoji="1" lang="ja-JP" altLang="en-US" smtClean="0"/>
-              <a:t>2017/1/23</a:t>
+              <a:t>2017/4/7</a:t>
             </a:fld>
             <a:endParaRPr kumimoji="1" lang="ja-JP" altLang="en-US"/>
           </a:p>
@@ -3333,7 +3333,7 @@
           <a:p>
             <a:fld id="{05B1DBB0-D0CE-4499-8A6D-C73AC9430D35}" type="datetimeFigureOut">
               <a:rPr kumimoji="1" lang="ja-JP" altLang="en-US" smtClean="0"/>
-              <a:t>2017/1/23</a:t>
+              <a:t>2017/4/7</a:t>
             </a:fld>
             <a:endParaRPr kumimoji="1" lang="ja-JP" altLang="en-US"/>
           </a:p>
@@ -3428,7 +3428,7 @@
           <a:p>
             <a:fld id="{05B1DBB0-D0CE-4499-8A6D-C73AC9430D35}" type="datetimeFigureOut">
               <a:rPr kumimoji="1" lang="ja-JP" altLang="en-US" smtClean="0"/>
-              <a:t>2017/1/23</a:t>
+              <a:t>2017/4/7</a:t>
             </a:fld>
             <a:endParaRPr kumimoji="1" lang="ja-JP" altLang="en-US"/>
           </a:p>
@@ -3518,8 +3518,8 @@
         </p:nvSpPr>
         <p:spPr>
           <a:xfrm>
-            <a:off x="740613" y="721149"/>
-            <a:ext cx="3467844" cy="2524019"/>
+            <a:off x="740613" y="673101"/>
+            <a:ext cx="3467844" cy="2355850"/>
           </a:xfrm>
         </p:spPr>
         <p:txBody>
@@ -3550,8 +3550,8 @@
         </p:nvSpPr>
         <p:spPr>
           <a:xfrm>
-            <a:off x="4571059" y="1557483"/>
-            <a:ext cx="5443270" cy="7687241"/>
+            <a:off x="4571059" y="1453712"/>
+            <a:ext cx="5443270" cy="7175059"/>
           </a:xfrm>
         </p:spPr>
         <p:txBody>
@@ -3667,8 +3667,8 @@
         </p:nvSpPr>
         <p:spPr>
           <a:xfrm>
-            <a:off x="740613" y="3245168"/>
-            <a:ext cx="3467844" cy="6012074"/>
+            <a:off x="740613" y="3028951"/>
+            <a:ext cx="3467844" cy="5611504"/>
           </a:xfrm>
         </p:spPr>
         <p:txBody>
@@ -3737,7 +3737,7 @@
           <a:p>
             <a:fld id="{05B1DBB0-D0CE-4499-8A6D-C73AC9430D35}" type="datetimeFigureOut">
               <a:rPr kumimoji="1" lang="ja-JP" altLang="en-US" smtClean="0"/>
-              <a:t>2017/1/23</a:t>
+              <a:t>2017/4/7</a:t>
             </a:fld>
             <a:endParaRPr kumimoji="1" lang="ja-JP" altLang="en-US"/>
           </a:p>
@@ -3827,8 +3827,8 @@
         </p:nvSpPr>
         <p:spPr>
           <a:xfrm>
-            <a:off x="740613" y="721149"/>
-            <a:ext cx="3467844" cy="2524019"/>
+            <a:off x="740613" y="673101"/>
+            <a:ext cx="3467844" cy="2355850"/>
           </a:xfrm>
         </p:spPr>
         <p:txBody>
@@ -3859,8 +3859,8 @@
         </p:nvSpPr>
         <p:spPr>
           <a:xfrm>
-            <a:off x="4571059" y="1557483"/>
-            <a:ext cx="5443270" cy="7687241"/>
+            <a:off x="4571059" y="1453712"/>
+            <a:ext cx="5443270" cy="7175059"/>
           </a:xfrm>
         </p:spPr>
         <p:txBody>
@@ -3920,8 +3920,8 @@
         </p:nvSpPr>
         <p:spPr>
           <a:xfrm>
-            <a:off x="740613" y="3245168"/>
-            <a:ext cx="3467844" cy="6012074"/>
+            <a:off x="740613" y="3028951"/>
+            <a:ext cx="3467844" cy="5611504"/>
           </a:xfrm>
         </p:spPr>
         <p:txBody>
@@ -3990,7 +3990,7 @@
           <a:p>
             <a:fld id="{05B1DBB0-D0CE-4499-8A6D-C73AC9430D35}" type="datetimeFigureOut">
               <a:rPr kumimoji="1" lang="ja-JP" altLang="en-US" smtClean="0"/>
-              <a:t>2017/1/23</a:t>
+              <a:t>2017/4/7</a:t>
             </a:fld>
             <a:endParaRPr kumimoji="1" lang="ja-JP" altLang="en-US"/>
           </a:p>
@@ -4085,8 +4085,8 @@
         </p:nvSpPr>
         <p:spPr>
           <a:xfrm>
-            <a:off x="739210" y="575920"/>
-            <a:ext cx="9273719" cy="2090830"/>
+            <a:off x="739211" y="537548"/>
+            <a:ext cx="9273719" cy="1951523"/>
           </a:xfrm>
           <a:prstGeom prst="rect">
             <a:avLst/>
@@ -4118,8 +4118,8 @@
         </p:nvSpPr>
         <p:spPr>
           <a:xfrm>
-            <a:off x="739210" y="2879585"/>
-            <a:ext cx="9273719" cy="6863430"/>
+            <a:off x="739211" y="2687725"/>
+            <a:ext cx="9273719" cy="6406137"/>
           </a:xfrm>
           <a:prstGeom prst="rect">
             <a:avLst/>
@@ -4212,8 +4212,8 @@
         </p:nvSpPr>
         <p:spPr>
           <a:xfrm>
-            <a:off x="739210" y="10025968"/>
-            <a:ext cx="2419231" cy="575917"/>
+            <a:off x="739211" y="9357963"/>
+            <a:ext cx="2419231" cy="537545"/>
           </a:xfrm>
           <a:prstGeom prst="rect">
             <a:avLst/>
@@ -4235,7 +4235,7 @@
           <a:p>
             <a:fld id="{05B1DBB0-D0CE-4499-8A6D-C73AC9430D35}" type="datetimeFigureOut">
               <a:rPr kumimoji="1" lang="ja-JP" altLang="en-US" smtClean="0"/>
-              <a:t>2017/1/23</a:t>
+              <a:t>2017/4/7</a:t>
             </a:fld>
             <a:endParaRPr kumimoji="1" lang="ja-JP" altLang="en-US"/>
           </a:p>
@@ -4253,8 +4253,8 @@
         </p:nvSpPr>
         <p:spPr>
           <a:xfrm>
-            <a:off x="3561646" y="10025968"/>
-            <a:ext cx="3628847" cy="575917"/>
+            <a:off x="3561647" y="9357963"/>
+            <a:ext cx="3628847" cy="537545"/>
           </a:xfrm>
           <a:prstGeom prst="rect">
             <a:avLst/>
@@ -4290,8 +4290,8 @@
         </p:nvSpPr>
         <p:spPr>
           <a:xfrm>
-            <a:off x="7593697" y="10025968"/>
-            <a:ext cx="2419231" cy="575917"/>
+            <a:off x="7593698" y="9357963"/>
+            <a:ext cx="2419231" cy="537545"/>
           </a:xfrm>
           <a:prstGeom prst="rect">
             <a:avLst/>
@@ -4660,7 +4660,7 @@
         </p:nvSpPr>
         <p:spPr>
           <a:xfrm>
-            <a:off x="538063" y="432695"/>
+            <a:off x="538063" y="403866"/>
             <a:ext cx="9685056" cy="276999"/>
           </a:xfrm>
           <a:prstGeom prst="rect">
@@ -4693,7 +4693,7 @@
         </p:nvSpPr>
         <p:spPr>
           <a:xfrm>
-            <a:off x="538063" y="2487968"/>
+            <a:off x="538063" y="2322201"/>
             <a:ext cx="9685056" cy="276999"/>
           </a:xfrm>
           <a:prstGeom prst="rect">
@@ -4726,7 +4726,7 @@
         </p:nvSpPr>
         <p:spPr>
           <a:xfrm>
-            <a:off x="3658800" y="10060026"/>
+            <a:off x="3658800" y="9389752"/>
             <a:ext cx="3443576" cy="276999"/>
           </a:xfrm>
           <a:prstGeom prst="rect">
@@ -4765,7 +4765,7 @@
         </p:nvSpPr>
         <p:spPr>
           <a:xfrm>
-            <a:off x="538061" y="10060026"/>
+            <a:off x="538062" y="9389752"/>
             <a:ext cx="2475069" cy="276999"/>
           </a:xfrm>
           <a:prstGeom prst="rect">
@@ -4790,7 +4790,7 @@
           <a:p>
             <a:fld id="{1D8BD707-D9CF-40AE-B4C6-C98DA3205C09}" type="datetimeFigureOut">
               <a:rPr lang="en-US"/>
-              <a:t>1/23/2017</a:t>
+              <a:t>4/7/2017</a:t>
             </a:fld>
             <a:endParaRPr lang="en-US"/>
           </a:p>
@@ -4808,7 +4808,7 @@
         </p:nvSpPr>
         <p:spPr>
           <a:xfrm>
-            <a:off x="7748049" y="10060026"/>
+            <a:off x="7748050" y="9389752"/>
             <a:ext cx="2475069" cy="276999"/>
           </a:xfrm>
           <a:prstGeom prst="rect">
@@ -5022,7 +5022,7 @@
         </p:nvGrpSpPr>
         <p:grpSpPr>
           <a:xfrm>
-            <a:off x="2435251" y="6815679"/>
+            <a:off x="2435251" y="6480718"/>
             <a:ext cx="4926304" cy="232111"/>
             <a:chOff x="2411841" y="2692076"/>
             <a:chExt cx="4869913" cy="229454"/>
@@ -5822,7 +5822,7 @@
         </p:nvGrpSpPr>
         <p:grpSpPr>
           <a:xfrm>
-            <a:off x="2438041" y="5369191"/>
+            <a:off x="2438041" y="5034230"/>
             <a:ext cx="4926304" cy="232111"/>
             <a:chOff x="2411841" y="2692076"/>
             <a:chExt cx="4869913" cy="229454"/>
@@ -6622,7 +6622,7 @@
         </p:nvGrpSpPr>
         <p:grpSpPr>
           <a:xfrm>
-            <a:off x="2431888" y="3935559"/>
+            <a:off x="2431888" y="3600598"/>
             <a:ext cx="4926304" cy="232111"/>
             <a:chOff x="2411841" y="2692076"/>
             <a:chExt cx="4869913" cy="229454"/>
@@ -7422,7 +7422,7 @@
         </p:nvGrpSpPr>
         <p:grpSpPr>
           <a:xfrm>
-            <a:off x="2431888" y="2483513"/>
+            <a:off x="2431888" y="2148552"/>
             <a:ext cx="4926304" cy="232111"/>
             <a:chOff x="2411841" y="2692076"/>
             <a:chExt cx="4869913" cy="229454"/>
@@ -8222,7 +8222,7 @@
         </p:nvGrpSpPr>
         <p:grpSpPr>
           <a:xfrm>
-            <a:off x="3256767" y="1881532"/>
+            <a:off x="3256768" y="1546571"/>
             <a:ext cx="4843017" cy="2461195"/>
             <a:chOff x="3382689" y="1855837"/>
             <a:chExt cx="4787580" cy="2433022"/>
@@ -8597,7 +8597,7 @@
         </p:nvGrpSpPr>
         <p:grpSpPr>
           <a:xfrm rot="16200000" flipV="1">
-            <a:off x="5202015" y="3870335"/>
+            <a:off x="5202016" y="3535374"/>
             <a:ext cx="4891449" cy="2413339"/>
             <a:chOff x="3382689" y="4773392"/>
             <a:chExt cx="4787581" cy="2338705"/>
@@ -8972,7 +8972,7 @@
         </p:nvGrpSpPr>
         <p:grpSpPr>
           <a:xfrm rot="10800000">
-            <a:off x="2770129" y="6358068"/>
+            <a:off x="2770130" y="6023107"/>
             <a:ext cx="4842039" cy="2391881"/>
             <a:chOff x="3382690" y="1914880"/>
             <a:chExt cx="4786612" cy="2364502"/>
@@ -9347,7 +9347,7 @@
         </p:nvGrpSpPr>
         <p:grpSpPr>
           <a:xfrm rot="16200000" flipH="1">
-            <a:off x="785100" y="4376752"/>
+            <a:off x="785100" y="4041790"/>
             <a:ext cx="4839290" cy="2422396"/>
             <a:chOff x="3382689" y="1891287"/>
             <a:chExt cx="4783895" cy="2394666"/>
@@ -9722,7 +9722,7 @@
         </p:nvGrpSpPr>
         <p:grpSpPr>
           <a:xfrm>
-            <a:off x="3538214" y="2724183"/>
+            <a:off x="3538214" y="2389221"/>
             <a:ext cx="2298414" cy="4783236"/>
             <a:chOff x="3589421" y="2587243"/>
             <a:chExt cx="2272104" cy="4728482"/>
@@ -10097,7 +10097,7 @@
         </p:nvGrpSpPr>
         <p:grpSpPr>
           <a:xfrm rot="10800000">
-            <a:off x="4999425" y="3179986"/>
+            <a:off x="4999426" y="2845024"/>
             <a:ext cx="2307449" cy="4783236"/>
             <a:chOff x="3589030" y="2587243"/>
             <a:chExt cx="2281036" cy="4728482"/>
@@ -10472,7 +10472,7 @@
         </p:nvGrpSpPr>
         <p:grpSpPr>
           <a:xfrm rot="5400000">
-            <a:off x="4519307" y="3676039"/>
+            <a:off x="4519307" y="3341077"/>
             <a:ext cx="2298414" cy="4783236"/>
             <a:chOff x="3589421" y="2587244"/>
             <a:chExt cx="2272104" cy="4728481"/>
@@ -10847,7 +10847,7 @@
         </p:nvGrpSpPr>
         <p:grpSpPr>
           <a:xfrm rot="16200000">
-            <a:off x="4070211" y="2233394"/>
+            <a:off x="4070211" y="1898432"/>
             <a:ext cx="2298414" cy="4783234"/>
             <a:chOff x="3589421" y="2587246"/>
             <a:chExt cx="2272104" cy="4728480"/>
@@ -11225,7 +11225,7 @@
         </p:nvCxnSpPr>
         <p:spPr>
           <a:xfrm>
-            <a:off x="3231217" y="2069594"/>
+            <a:off x="3231217" y="1734633"/>
             <a:ext cx="0" cy="790429"/>
           </a:xfrm>
           <a:prstGeom prst="line">
@@ -11263,7 +11263,7 @@
         </p:nvCxnSpPr>
         <p:spPr>
           <a:xfrm>
-            <a:off x="4689574" y="2069594"/>
+            <a:off x="4689574" y="1734633"/>
             <a:ext cx="0" cy="790429"/>
           </a:xfrm>
           <a:prstGeom prst="line">
@@ -11301,7 +11301,7 @@
         </p:nvCxnSpPr>
         <p:spPr>
           <a:xfrm>
-            <a:off x="6150387" y="2069594"/>
+            <a:off x="6150387" y="1734633"/>
             <a:ext cx="0" cy="790429"/>
           </a:xfrm>
           <a:prstGeom prst="line">
@@ -11339,7 +11339,7 @@
         </p:nvCxnSpPr>
         <p:spPr>
           <a:xfrm>
-            <a:off x="7608744" y="2069594"/>
+            <a:off x="7608744" y="1734633"/>
             <a:ext cx="0" cy="790429"/>
           </a:xfrm>
           <a:prstGeom prst="line">
@@ -11377,7 +11377,7 @@
         </p:nvCxnSpPr>
         <p:spPr>
           <a:xfrm>
-            <a:off x="2085334" y="3180622"/>
+            <a:off x="2085334" y="2845661"/>
             <a:ext cx="829988" cy="1651"/>
           </a:xfrm>
           <a:prstGeom prst="line">
@@ -11415,7 +11415,7 @@
         </p:nvCxnSpPr>
         <p:spPr>
           <a:xfrm>
-            <a:off x="2085334" y="4629618"/>
+            <a:off x="2085334" y="4294657"/>
             <a:ext cx="829988" cy="1651"/>
           </a:xfrm>
           <a:prstGeom prst="line">
@@ -11453,7 +11453,7 @@
         </p:nvCxnSpPr>
         <p:spPr>
           <a:xfrm>
-            <a:off x="2085334" y="6064547"/>
+            <a:off x="2085334" y="5729586"/>
             <a:ext cx="829988" cy="1651"/>
           </a:xfrm>
           <a:prstGeom prst="line">
@@ -11491,7 +11491,7 @@
         </p:nvCxnSpPr>
         <p:spPr>
           <a:xfrm>
-            <a:off x="2093455" y="7508085"/>
+            <a:off x="2093455" y="7173124"/>
             <a:ext cx="829988" cy="1651"/>
           </a:xfrm>
           <a:prstGeom prst="line">
@@ -11529,7 +11529,7 @@
         </p:nvCxnSpPr>
         <p:spPr>
           <a:xfrm>
-            <a:off x="7924648" y="3182272"/>
+            <a:off x="7924648" y="2847310"/>
             <a:ext cx="826556" cy="11740"/>
           </a:xfrm>
           <a:prstGeom prst="line">
@@ -11567,7 +11567,7 @@
         </p:nvCxnSpPr>
         <p:spPr>
           <a:xfrm>
-            <a:off x="7924648" y="4631268"/>
+            <a:off x="7924648" y="4296306"/>
             <a:ext cx="826556" cy="11740"/>
           </a:xfrm>
           <a:prstGeom prst="line">
@@ -11605,7 +11605,7 @@
         </p:nvCxnSpPr>
         <p:spPr>
           <a:xfrm>
-            <a:off x="7924648" y="6066197"/>
+            <a:off x="7924648" y="5731235"/>
             <a:ext cx="826556" cy="11740"/>
           </a:xfrm>
           <a:prstGeom prst="line">
@@ -11643,7 +11643,7 @@
         </p:nvCxnSpPr>
         <p:spPr>
           <a:xfrm>
-            <a:off x="7932769" y="7509735"/>
+            <a:off x="7932769" y="7174773"/>
             <a:ext cx="826556" cy="11740"/>
           </a:xfrm>
           <a:prstGeom prst="line">
@@ -11681,7 +11681,7 @@
         </p:nvCxnSpPr>
         <p:spPr>
           <a:xfrm>
-            <a:off x="7616866" y="7831984"/>
+            <a:off x="7616866" y="7497023"/>
             <a:ext cx="0" cy="790429"/>
           </a:xfrm>
           <a:prstGeom prst="line">
@@ -11719,7 +11719,7 @@
         </p:nvCxnSpPr>
         <p:spPr>
           <a:xfrm>
-            <a:off x="6158509" y="7831984"/>
+            <a:off x="6158509" y="7497023"/>
             <a:ext cx="0" cy="790429"/>
           </a:xfrm>
           <a:prstGeom prst="line">
@@ -11757,7 +11757,7 @@
         </p:nvCxnSpPr>
         <p:spPr>
           <a:xfrm>
-            <a:off x="4697694" y="7831984"/>
+            <a:off x="4697694" y="7497023"/>
             <a:ext cx="0" cy="790429"/>
           </a:xfrm>
           <a:prstGeom prst="line">
@@ -11795,7 +11795,7 @@
         </p:nvCxnSpPr>
         <p:spPr>
           <a:xfrm>
-            <a:off x="3239339" y="7831984"/>
+            <a:off x="3239339" y="7497023"/>
             <a:ext cx="0" cy="790429"/>
           </a:xfrm>
           <a:prstGeom prst="line">
@@ -11830,7 +11830,7 @@
         </p:nvGrpSpPr>
         <p:grpSpPr>
           <a:xfrm>
-            <a:off x="1777267" y="2293969"/>
+            <a:off x="1777267" y="1959008"/>
             <a:ext cx="7322824" cy="4914123"/>
             <a:chOff x="1681480" y="2398450"/>
             <a:chExt cx="7239000" cy="4857870"/>
@@ -12205,7 +12205,7 @@
         </p:nvGrpSpPr>
         <p:grpSpPr>
           <a:xfrm rot="5400000">
-            <a:off x="2352573" y="2882178"/>
+            <a:off x="2352573" y="2547216"/>
             <a:ext cx="7322826" cy="4975788"/>
             <a:chOff x="1681480" y="2347650"/>
             <a:chExt cx="7239001" cy="4918830"/>
@@ -12582,7 +12582,7 @@
         </p:nvSpPr>
         <p:spPr bwMode="auto">
           <a:xfrm>
-            <a:off x="2884992" y="958747"/>
+            <a:off x="2884993" y="623785"/>
             <a:ext cx="692459" cy="300638"/>
           </a:xfrm>
           <a:prstGeom prst="rect">
@@ -12781,7 +12781,7 @@
         </p:nvSpPr>
         <p:spPr bwMode="auto">
           <a:xfrm>
-            <a:off x="4341191" y="961470"/>
+            <a:off x="4341192" y="626508"/>
             <a:ext cx="692459" cy="300638"/>
           </a:xfrm>
           <a:prstGeom prst="rect">
@@ -12980,7 +12980,7 @@
         </p:nvSpPr>
         <p:spPr bwMode="auto">
           <a:xfrm>
-            <a:off x="5803870" y="952771"/>
+            <a:off x="5803871" y="617809"/>
             <a:ext cx="692459" cy="300638"/>
           </a:xfrm>
           <a:prstGeom prst="rect">
@@ -13179,7 +13179,7 @@
         </p:nvSpPr>
         <p:spPr bwMode="auto">
           <a:xfrm>
-            <a:off x="7260069" y="961470"/>
+            <a:off x="7260070" y="626508"/>
             <a:ext cx="692459" cy="300638"/>
           </a:xfrm>
           <a:prstGeom prst="rect">
@@ -13379,7 +13379,7 @@
         </p:nvCxnSpPr>
         <p:spPr>
           <a:xfrm>
-            <a:off x="3231221" y="1259385"/>
+            <a:off x="3231221" y="924423"/>
             <a:ext cx="2" cy="165708"/>
           </a:xfrm>
           <a:prstGeom prst="line">
@@ -13417,7 +13417,7 @@
         </p:nvCxnSpPr>
         <p:spPr>
           <a:xfrm>
-            <a:off x="4687416" y="1262105"/>
+            <a:off x="4687416" y="927143"/>
             <a:ext cx="2158" cy="162984"/>
           </a:xfrm>
           <a:prstGeom prst="line">
@@ -13455,7 +13455,7 @@
         </p:nvCxnSpPr>
         <p:spPr>
           <a:xfrm>
-            <a:off x="6150095" y="1253410"/>
+            <a:off x="6150096" y="918449"/>
             <a:ext cx="293" cy="171683"/>
           </a:xfrm>
           <a:prstGeom prst="line">
@@ -13493,7 +13493,7 @@
         </p:nvCxnSpPr>
         <p:spPr>
           <a:xfrm>
-            <a:off x="7606298" y="1262105"/>
+            <a:off x="7606298" y="927143"/>
             <a:ext cx="2450" cy="162984"/>
           </a:xfrm>
           <a:prstGeom prst="line">
@@ -13530,7 +13530,7 @@
         </p:nvSpPr>
         <p:spPr bwMode="auto">
           <a:xfrm rot="5400000">
-            <a:off x="9378326" y="3058119"/>
+            <a:off x="9378327" y="2723157"/>
             <a:ext cx="692459" cy="273306"/>
           </a:xfrm>
           <a:prstGeom prst="rect">
@@ -13729,7 +13729,7 @@
         </p:nvSpPr>
         <p:spPr bwMode="auto">
           <a:xfrm rot="5400000">
-            <a:off x="9378327" y="4508606"/>
+            <a:off x="9378328" y="4173644"/>
             <a:ext cx="692459" cy="273306"/>
           </a:xfrm>
           <a:prstGeom prst="rect">
@@ -13928,7 +13928,7 @@
         </p:nvSpPr>
         <p:spPr bwMode="auto">
           <a:xfrm rot="5400000">
-            <a:off x="9387020" y="5940837"/>
+            <a:off x="9387021" y="5605875"/>
             <a:ext cx="692459" cy="273306"/>
           </a:xfrm>
           <a:prstGeom prst="rect">
@@ -14127,7 +14127,7 @@
         </p:nvSpPr>
         <p:spPr bwMode="auto">
           <a:xfrm rot="5400000">
-            <a:off x="9378327" y="7385200"/>
+            <a:off x="9378328" y="7050238"/>
             <a:ext cx="692459" cy="273306"/>
           </a:xfrm>
           <a:prstGeom prst="rect">
@@ -14327,7 +14327,7 @@
         </p:nvCxnSpPr>
         <p:spPr>
           <a:xfrm flipH="1" flipV="1">
-            <a:off x="9383005" y="3194013"/>
+            <a:off x="9383005" y="2859052"/>
             <a:ext cx="204898" cy="759"/>
           </a:xfrm>
           <a:prstGeom prst="line">
@@ -14365,7 +14365,7 @@
         </p:nvCxnSpPr>
         <p:spPr>
           <a:xfrm flipH="1" flipV="1">
-            <a:off x="9382999" y="4643009"/>
+            <a:off x="9382999" y="4308048"/>
             <a:ext cx="204900" cy="2251"/>
           </a:xfrm>
           <a:prstGeom prst="line">
@@ -14403,7 +14403,7 @@
         </p:nvCxnSpPr>
         <p:spPr>
           <a:xfrm flipH="1">
-            <a:off x="9382999" y="6077491"/>
+            <a:off x="9382999" y="5742529"/>
             <a:ext cx="213594" cy="446"/>
           </a:xfrm>
           <a:prstGeom prst="line">
@@ -14441,7 +14441,7 @@
         </p:nvCxnSpPr>
         <p:spPr>
           <a:xfrm flipH="1" flipV="1">
-            <a:off x="9391126" y="7521472"/>
+            <a:off x="9391126" y="7186511"/>
             <a:ext cx="196778" cy="379"/>
           </a:xfrm>
           <a:prstGeom prst="line">
@@ -14478,7 +14478,7 @@
         </p:nvSpPr>
         <p:spPr bwMode="auto">
           <a:xfrm rot="16200000">
-            <a:off x="794160" y="7356119"/>
+            <a:off x="794161" y="7021157"/>
             <a:ext cx="692459" cy="300638"/>
           </a:xfrm>
           <a:prstGeom prst="rect">
@@ -14677,7 +14677,7 @@
         </p:nvSpPr>
         <p:spPr bwMode="auto">
           <a:xfrm rot="16200000">
-            <a:off x="787644" y="5914226"/>
+            <a:off x="787645" y="5579264"/>
             <a:ext cx="692459" cy="300638"/>
           </a:xfrm>
           <a:prstGeom prst="rect">
@@ -14876,7 +14876,7 @@
         </p:nvSpPr>
         <p:spPr bwMode="auto">
           <a:xfrm rot="16200000">
-            <a:off x="790384" y="4478257"/>
+            <a:off x="790385" y="4143295"/>
             <a:ext cx="692459" cy="300638"/>
           </a:xfrm>
           <a:prstGeom prst="rect">
@@ -15075,7 +15075,7 @@
         </p:nvSpPr>
         <p:spPr bwMode="auto">
           <a:xfrm rot="16200000">
-            <a:off x="794160" y="3029681"/>
+            <a:off x="794161" y="2694719"/>
             <a:ext cx="692459" cy="300638"/>
           </a:xfrm>
           <a:prstGeom prst="rect">
@@ -15275,7 +15275,7 @@
         </p:nvCxnSpPr>
         <p:spPr>
           <a:xfrm>
-            <a:off x="1290704" y="7506439"/>
+            <a:off x="1290704" y="7171478"/>
             <a:ext cx="170946" cy="1645"/>
           </a:xfrm>
           <a:prstGeom prst="line">
@@ -15313,7 +15313,7 @@
         </p:nvCxnSpPr>
         <p:spPr>
           <a:xfrm flipV="1">
-            <a:off x="1284192" y="6064544"/>
+            <a:off x="1284192" y="5729582"/>
             <a:ext cx="169342" cy="2"/>
           </a:xfrm>
           <a:prstGeom prst="line">
@@ -15351,7 +15351,7 @@
         </p:nvCxnSpPr>
         <p:spPr>
           <a:xfrm>
-            <a:off x="1286928" y="4628577"/>
+            <a:off x="1286928" y="4293616"/>
             <a:ext cx="166602" cy="1039"/>
           </a:xfrm>
           <a:prstGeom prst="line">
@@ -15389,7 +15389,7 @@
         </p:nvCxnSpPr>
         <p:spPr>
           <a:xfrm>
-            <a:off x="1290704" y="3180001"/>
+            <a:off x="1290704" y="2845039"/>
             <a:ext cx="162826" cy="620"/>
           </a:xfrm>
           <a:prstGeom prst="line">
@@ -15426,7 +15426,7 @@
         </p:nvSpPr>
         <p:spPr bwMode="auto">
           <a:xfrm>
-            <a:off x="2893114" y="9495506"/>
+            <a:off x="2893115" y="9160544"/>
             <a:ext cx="692459" cy="300638"/>
           </a:xfrm>
           <a:prstGeom prst="rect">
@@ -15625,7 +15625,7 @@
         </p:nvSpPr>
         <p:spPr bwMode="auto">
           <a:xfrm>
-            <a:off x="4348735" y="9489298"/>
+            <a:off x="4348736" y="9154336"/>
             <a:ext cx="692459" cy="300638"/>
           </a:xfrm>
           <a:prstGeom prst="rect">
@@ -15824,7 +15824,7 @@
         </p:nvSpPr>
         <p:spPr bwMode="auto">
           <a:xfrm>
-            <a:off x="5811040" y="9487940"/>
+            <a:off x="5811041" y="9152978"/>
             <a:ext cx="692459" cy="300638"/>
           </a:xfrm>
           <a:prstGeom prst="rect">
@@ -16023,7 +16023,7 @@
         </p:nvSpPr>
         <p:spPr bwMode="auto">
           <a:xfrm>
-            <a:off x="7268033" y="9479053"/>
+            <a:off x="7268034" y="9144091"/>
             <a:ext cx="692459" cy="300638"/>
           </a:xfrm>
           <a:prstGeom prst="rect">
@@ -16223,7 +16223,7 @@
         </p:nvCxnSpPr>
         <p:spPr>
           <a:xfrm flipH="1">
-            <a:off x="3239341" y="9266910"/>
+            <a:off x="3239341" y="8931948"/>
             <a:ext cx="2" cy="228594"/>
           </a:xfrm>
           <a:prstGeom prst="line">
@@ -16261,7 +16261,7 @@
         </p:nvCxnSpPr>
         <p:spPr>
           <a:xfrm flipH="1">
-            <a:off x="4694960" y="9266908"/>
+            <a:off x="4694961" y="8931946"/>
             <a:ext cx="2735" cy="222386"/>
           </a:xfrm>
           <a:prstGeom prst="line">
@@ -16299,7 +16299,7 @@
         </p:nvCxnSpPr>
         <p:spPr>
           <a:xfrm flipH="1">
-            <a:off x="6157267" y="9266912"/>
+            <a:off x="6157268" y="8931950"/>
             <a:ext cx="1243" cy="221028"/>
           </a:xfrm>
           <a:prstGeom prst="line">
@@ -16337,7 +16337,7 @@
         </p:nvCxnSpPr>
         <p:spPr>
           <a:xfrm flipH="1">
-            <a:off x="7614263" y="9266914"/>
+            <a:off x="7614264" y="8931953"/>
             <a:ext cx="2607" cy="212141"/>
           </a:xfrm>
           <a:prstGeom prst="line">
@@ -16375,7 +16375,7 @@
         </p:nvCxnSpPr>
         <p:spPr>
           <a:xfrm>
-            <a:off x="2704144" y="2715628"/>
+            <a:off x="2704144" y="2380667"/>
             <a:ext cx="303704" cy="238779"/>
           </a:xfrm>
           <a:prstGeom prst="line">
@@ -16413,7 +16413,7 @@
         </p:nvCxnSpPr>
         <p:spPr>
           <a:xfrm>
-            <a:off x="4166558" y="2710407"/>
+            <a:off x="4166558" y="2375445"/>
             <a:ext cx="299644" cy="244000"/>
           </a:xfrm>
           <a:prstGeom prst="line">
@@ -16451,7 +16451,7 @@
         </p:nvCxnSpPr>
         <p:spPr>
           <a:xfrm>
-            <a:off x="5628114" y="2709389"/>
+            <a:off x="5628115" y="2374428"/>
             <a:ext cx="298901" cy="245019"/>
           </a:xfrm>
           <a:prstGeom prst="line">
@@ -16489,7 +16489,7 @@
         </p:nvCxnSpPr>
         <p:spPr>
           <a:xfrm>
-            <a:off x="7085941" y="2714051"/>
+            <a:off x="7085941" y="2379089"/>
             <a:ext cx="299428" cy="240356"/>
           </a:xfrm>
           <a:prstGeom prst="line">
@@ -16527,7 +16527,7 @@
         </p:nvCxnSpPr>
         <p:spPr>
           <a:xfrm>
-            <a:off x="2704144" y="4167669"/>
+            <a:off x="2704144" y="3832707"/>
             <a:ext cx="303704" cy="235730"/>
           </a:xfrm>
           <a:prstGeom prst="line">
@@ -16565,7 +16565,7 @@
         </p:nvCxnSpPr>
         <p:spPr>
           <a:xfrm>
-            <a:off x="4166558" y="4162455"/>
+            <a:off x="4166558" y="3827494"/>
             <a:ext cx="299644" cy="240949"/>
           </a:xfrm>
           <a:prstGeom prst="line">
@@ -16603,7 +16603,7 @@
         </p:nvCxnSpPr>
         <p:spPr>
           <a:xfrm>
-            <a:off x="5628114" y="4161435"/>
+            <a:off x="5628115" y="3826473"/>
             <a:ext cx="298901" cy="241968"/>
           </a:xfrm>
           <a:prstGeom prst="line">
@@ -16641,7 +16641,7 @@
         </p:nvCxnSpPr>
         <p:spPr>
           <a:xfrm>
-            <a:off x="7085941" y="4166093"/>
+            <a:off x="7085941" y="3831132"/>
             <a:ext cx="299428" cy="237307"/>
           </a:xfrm>
           <a:prstGeom prst="line">
@@ -16679,7 +16679,7 @@
         </p:nvCxnSpPr>
         <p:spPr>
           <a:xfrm>
-            <a:off x="2710299" y="5601302"/>
+            <a:off x="2710300" y="5266340"/>
             <a:ext cx="297549" cy="237026"/>
           </a:xfrm>
           <a:prstGeom prst="line">
@@ -16717,7 +16717,7 @@
         </p:nvCxnSpPr>
         <p:spPr>
           <a:xfrm>
-            <a:off x="4172710" y="5596086"/>
+            <a:off x="4172711" y="5261124"/>
             <a:ext cx="293491" cy="242246"/>
           </a:xfrm>
           <a:prstGeom prst="line">
@@ -16755,7 +16755,7 @@
         </p:nvCxnSpPr>
         <p:spPr>
           <a:xfrm>
-            <a:off x="5634266" y="5595066"/>
+            <a:off x="5634266" y="5260105"/>
             <a:ext cx="292746" cy="243265"/>
           </a:xfrm>
           <a:prstGeom prst="line">
@@ -16793,7 +16793,7 @@
         </p:nvCxnSpPr>
         <p:spPr>
           <a:xfrm>
-            <a:off x="7092098" y="5599724"/>
+            <a:off x="7092099" y="5264762"/>
             <a:ext cx="293275" cy="238604"/>
           </a:xfrm>
           <a:prstGeom prst="line">
@@ -16831,7 +16831,7 @@
         </p:nvCxnSpPr>
         <p:spPr>
           <a:xfrm>
-            <a:off x="2707508" y="7047790"/>
+            <a:off x="2707509" y="6712829"/>
             <a:ext cx="308461" cy="234077"/>
           </a:xfrm>
           <a:prstGeom prst="line">
@@ -16869,7 +16869,7 @@
         </p:nvCxnSpPr>
         <p:spPr>
           <a:xfrm>
-            <a:off x="4169924" y="7042574"/>
+            <a:off x="4169925" y="6707612"/>
             <a:ext cx="304401" cy="239296"/>
           </a:xfrm>
           <a:prstGeom prst="line">
@@ -16907,7 +16907,7 @@
         </p:nvCxnSpPr>
         <p:spPr>
           <a:xfrm>
-            <a:off x="5631476" y="7041556"/>
+            <a:off x="5631476" y="6706595"/>
             <a:ext cx="303658" cy="240315"/>
           </a:xfrm>
           <a:prstGeom prst="line">
@@ -16945,7 +16945,7 @@
         </p:nvCxnSpPr>
         <p:spPr>
           <a:xfrm>
-            <a:off x="7089309" y="7046212"/>
+            <a:off x="7089310" y="6711250"/>
             <a:ext cx="304187" cy="235654"/>
           </a:xfrm>
           <a:prstGeom prst="line">
@@ -16980,7 +16980,7 @@
         </p:nvGrpSpPr>
         <p:grpSpPr>
           <a:xfrm>
-            <a:off x="2688023" y="849550"/>
+            <a:off x="2688024" y="514588"/>
             <a:ext cx="4619185" cy="883266"/>
             <a:chOff x="2671166" y="839821"/>
             <a:chExt cx="4566309" cy="873155"/>
@@ -17355,7 +17355,7 @@
         </p:nvGrpSpPr>
         <p:grpSpPr>
           <a:xfrm flipV="1">
-            <a:off x="2694189" y="8992788"/>
+            <a:off x="2694190" y="8657826"/>
             <a:ext cx="4619185" cy="883266"/>
             <a:chOff x="2671166" y="839821"/>
             <a:chExt cx="4566309" cy="873155"/>
@@ -17730,7 +17730,7 @@
         </p:nvGrpSpPr>
         <p:grpSpPr>
           <a:xfrm rot="16200000" flipV="1">
-            <a:off x="7242712" y="5342689"/>
+            <a:off x="7242712" y="5007727"/>
             <a:ext cx="4588352" cy="883266"/>
             <a:chOff x="2701646" y="839821"/>
             <a:chExt cx="4535829" cy="873155"/>
@@ -18105,7 +18105,7 @@
         </p:nvGrpSpPr>
         <p:grpSpPr>
           <a:xfrm rot="5400000" flipH="1" flipV="1">
-            <a:off x="-973038" y="5335519"/>
+            <a:off x="-973038" y="5000557"/>
             <a:ext cx="4588352" cy="883266"/>
             <a:chOff x="2701646" y="839821"/>
             <a:chExt cx="4535829" cy="873155"/>
@@ -18480,7 +18480,7 @@
         </p:nvGrpSpPr>
         <p:grpSpPr>
           <a:xfrm>
-            <a:off x="1453534" y="1425094"/>
+            <a:off x="1453534" y="1090133"/>
             <a:ext cx="7937592" cy="7841821"/>
             <a:chOff x="1795380" y="1796005"/>
             <a:chExt cx="6322730" cy="6246443"/>
@@ -20515,7 +20515,7 @@
             <a:p>
               <a:pPr algn="ctr" defTabSz="924937"/>
               <a:r>
-                <a:rPr lang="en-US" altLang="ja-JP" sz="1215" dirty="0" smtClean="0">
+                <a:rPr lang="en-US" altLang="ja-JP" sz="1215" dirty="0">
                   <a:solidFill>
                     <a:prstClr val="black"/>
                   </a:solidFill>
@@ -20543,7 +20543,7 @@
         </p:nvGrpSpPr>
         <p:grpSpPr>
           <a:xfrm>
-            <a:off x="2483687" y="483322"/>
+            <a:off x="2483688" y="148361"/>
             <a:ext cx="6018199" cy="863563"/>
             <a:chOff x="2478283" y="565241"/>
             <a:chExt cx="5949308" cy="853678"/>
@@ -20954,7 +20954,7 @@
         </p:nvGrpSpPr>
         <p:grpSpPr>
           <a:xfrm rot="16200000">
-            <a:off x="-2070151" y="4937413"/>
+            <a:off x="-2070151" y="4602452"/>
             <a:ext cx="6018199" cy="863563"/>
             <a:chOff x="2478283" y="565241"/>
             <a:chExt cx="5949308" cy="853678"/>
@@ -21365,7 +21365,7 @@
         </p:nvGrpSpPr>
         <p:grpSpPr>
           <a:xfrm rot="5400000">
-            <a:off x="6913989" y="4937413"/>
+            <a:off x="6913990" y="4602452"/>
             <a:ext cx="6018199" cy="863563"/>
             <a:chOff x="2478283" y="565241"/>
             <a:chExt cx="5949308" cy="853678"/>
@@ -21776,7 +21776,7 @@
         </p:nvGrpSpPr>
         <p:grpSpPr>
           <a:xfrm rot="10800000">
-            <a:off x="2480816" y="9379852"/>
+            <a:off x="2480817" y="9044891"/>
             <a:ext cx="6018199" cy="863563"/>
             <a:chOff x="2478283" y="565241"/>
             <a:chExt cx="5949308" cy="853678"/>

--- a/figure/noc_map.pptx
+++ b/figure/noc_map.pptx
@@ -11,14 +11,14 @@
   <p:sldIdLst>
     <p:sldId id="256" r:id="rId3"/>
   </p:sldIdLst>
-  <p:sldSz cx="10752138" cy="10096500"/>
+  <p:sldSz cx="9202738" cy="9180513"/>
   <p:notesSz cx="6858000" cy="9144000"/>
   <p:defaultTextStyle>
     <a:defPPr>
       <a:defRPr lang="ja-JP"/>
     </a:defPPr>
-    <a:lvl1pPr marL="0" algn="l" defTabSz="914400" rtl="0" eaLnBrk="1" latinLnBrk="0" hangingPunct="1">
-      <a:defRPr kumimoji="1" sz="1800" kern="1200">
+    <a:lvl1pPr marL="0" algn="l" defTabSz="826697" rtl="0" eaLnBrk="1" latinLnBrk="0" hangingPunct="1">
+      <a:defRPr kumimoji="1" sz="1627" kern="1200">
         <a:solidFill>
           <a:schemeClr val="tx1"/>
         </a:solidFill>
@@ -27,8 +27,8 @@
         <a:cs typeface="+mn-cs"/>
       </a:defRPr>
     </a:lvl1pPr>
-    <a:lvl2pPr marL="457200" algn="l" defTabSz="914400" rtl="0" eaLnBrk="1" latinLnBrk="0" hangingPunct="1">
-      <a:defRPr kumimoji="1" sz="1800" kern="1200">
+    <a:lvl2pPr marL="413348" algn="l" defTabSz="826697" rtl="0" eaLnBrk="1" latinLnBrk="0" hangingPunct="1">
+      <a:defRPr kumimoji="1" sz="1627" kern="1200">
         <a:solidFill>
           <a:schemeClr val="tx1"/>
         </a:solidFill>
@@ -37,8 +37,8 @@
         <a:cs typeface="+mn-cs"/>
       </a:defRPr>
     </a:lvl2pPr>
-    <a:lvl3pPr marL="914400" algn="l" defTabSz="914400" rtl="0" eaLnBrk="1" latinLnBrk="0" hangingPunct="1">
-      <a:defRPr kumimoji="1" sz="1800" kern="1200">
+    <a:lvl3pPr marL="826697" algn="l" defTabSz="826697" rtl="0" eaLnBrk="1" latinLnBrk="0" hangingPunct="1">
+      <a:defRPr kumimoji="1" sz="1627" kern="1200">
         <a:solidFill>
           <a:schemeClr val="tx1"/>
         </a:solidFill>
@@ -47,8 +47,8 @@
         <a:cs typeface="+mn-cs"/>
       </a:defRPr>
     </a:lvl3pPr>
-    <a:lvl4pPr marL="1371600" algn="l" defTabSz="914400" rtl="0" eaLnBrk="1" latinLnBrk="0" hangingPunct="1">
-      <a:defRPr kumimoji="1" sz="1800" kern="1200">
+    <a:lvl4pPr marL="1240044" algn="l" defTabSz="826697" rtl="0" eaLnBrk="1" latinLnBrk="0" hangingPunct="1">
+      <a:defRPr kumimoji="1" sz="1627" kern="1200">
         <a:solidFill>
           <a:schemeClr val="tx1"/>
         </a:solidFill>
@@ -57,8 +57,8 @@
         <a:cs typeface="+mn-cs"/>
       </a:defRPr>
     </a:lvl4pPr>
-    <a:lvl5pPr marL="1828800" algn="l" defTabSz="914400" rtl="0" eaLnBrk="1" latinLnBrk="0" hangingPunct="1">
-      <a:defRPr kumimoji="1" sz="1800" kern="1200">
+    <a:lvl5pPr marL="1653393" algn="l" defTabSz="826697" rtl="0" eaLnBrk="1" latinLnBrk="0" hangingPunct="1">
+      <a:defRPr kumimoji="1" sz="1627" kern="1200">
         <a:solidFill>
           <a:schemeClr val="tx1"/>
         </a:solidFill>
@@ -67,8 +67,8 @@
         <a:cs typeface="+mn-cs"/>
       </a:defRPr>
     </a:lvl5pPr>
-    <a:lvl6pPr marL="2286000" algn="l" defTabSz="914400" rtl="0" eaLnBrk="1" latinLnBrk="0" hangingPunct="1">
-      <a:defRPr kumimoji="1" sz="1800" kern="1200">
+    <a:lvl6pPr marL="2066741" algn="l" defTabSz="826697" rtl="0" eaLnBrk="1" latinLnBrk="0" hangingPunct="1">
+      <a:defRPr kumimoji="1" sz="1627" kern="1200">
         <a:solidFill>
           <a:schemeClr val="tx1"/>
         </a:solidFill>
@@ -77,8 +77,8 @@
         <a:cs typeface="+mn-cs"/>
       </a:defRPr>
     </a:lvl6pPr>
-    <a:lvl7pPr marL="2743200" algn="l" defTabSz="914400" rtl="0" eaLnBrk="1" latinLnBrk="0" hangingPunct="1">
-      <a:defRPr kumimoji="1" sz="1800" kern="1200">
+    <a:lvl7pPr marL="2480089" algn="l" defTabSz="826697" rtl="0" eaLnBrk="1" latinLnBrk="0" hangingPunct="1">
+      <a:defRPr kumimoji="1" sz="1627" kern="1200">
         <a:solidFill>
           <a:schemeClr val="tx1"/>
         </a:solidFill>
@@ -87,8 +87,8 @@
         <a:cs typeface="+mn-cs"/>
       </a:defRPr>
     </a:lvl7pPr>
-    <a:lvl8pPr marL="3200400" algn="l" defTabSz="914400" rtl="0" eaLnBrk="1" latinLnBrk="0" hangingPunct="1">
-      <a:defRPr kumimoji="1" sz="1800" kern="1200">
+    <a:lvl8pPr marL="2893437" algn="l" defTabSz="826697" rtl="0" eaLnBrk="1" latinLnBrk="0" hangingPunct="1">
+      <a:defRPr kumimoji="1" sz="1627" kern="1200">
         <a:solidFill>
           <a:schemeClr val="tx1"/>
         </a:solidFill>
@@ -97,8 +97,8 @@
         <a:cs typeface="+mn-cs"/>
       </a:defRPr>
     </a:lvl8pPr>
-    <a:lvl9pPr marL="3657600" algn="l" defTabSz="914400" rtl="0" eaLnBrk="1" latinLnBrk="0" hangingPunct="1">
-      <a:defRPr kumimoji="1" sz="1800" kern="1200">
+    <a:lvl9pPr marL="3306785" algn="l" defTabSz="826697" rtl="0" eaLnBrk="1" latinLnBrk="0" hangingPunct="1">
+      <a:defRPr kumimoji="1" sz="1627" kern="1200">
         <a:solidFill>
           <a:schemeClr val="tx1"/>
         </a:solidFill>
@@ -198,7 +198,7 @@
           <a:p>
             <a:fld id="{7F0095D0-A9E1-4B64-AAAF-C179389DF804}" type="datetimeFigureOut">
               <a:rPr kumimoji="1" lang="ja-JP" altLang="en-US" smtClean="0"/>
-              <a:t>2017/4/7</a:t>
+              <a:t>2017/6/25</a:t>
             </a:fld>
             <a:endParaRPr kumimoji="1" lang="ja-JP" altLang="en-US"/>
           </a:p>
@@ -216,8 +216,8 @@
         </p:nvSpPr>
         <p:spPr>
           <a:xfrm>
-            <a:off x="1785938" y="1143000"/>
-            <a:ext cx="3286125" cy="3086100"/>
+            <a:off x="1882775" y="1143000"/>
+            <a:ext cx="3092450" cy="3086100"/>
           </a:xfrm>
           <a:prstGeom prst="rect">
             <a:avLst/>
@@ -404,8 +404,8 @@
   </p:cSld>
   <p:clrMap bg1="lt1" tx1="dk1" bg2="lt2" tx2="dk2" accent1="accent1" accent2="accent2" accent3="accent3" accent4="accent4" accent5="accent5" accent6="accent6" hlink="hlink" folHlink="folHlink"/>
   <p:notesStyle>
-    <a:lvl1pPr marL="0" algn="l" defTabSz="914400" rtl="0" eaLnBrk="1" latinLnBrk="0" hangingPunct="1">
-      <a:defRPr kumimoji="1" sz="1200" kern="1200">
+    <a:lvl1pPr marL="0" algn="l" defTabSz="826697" rtl="0" eaLnBrk="1" latinLnBrk="0" hangingPunct="1">
+      <a:defRPr kumimoji="1" sz="1085" kern="1200">
         <a:solidFill>
           <a:schemeClr val="tx1"/>
         </a:solidFill>
@@ -414,8 +414,8 @@
         <a:cs typeface="+mn-cs"/>
       </a:defRPr>
     </a:lvl1pPr>
-    <a:lvl2pPr marL="457200" algn="l" defTabSz="914400" rtl="0" eaLnBrk="1" latinLnBrk="0" hangingPunct="1">
-      <a:defRPr kumimoji="1" sz="1200" kern="1200">
+    <a:lvl2pPr marL="413348" algn="l" defTabSz="826697" rtl="0" eaLnBrk="1" latinLnBrk="0" hangingPunct="1">
+      <a:defRPr kumimoji="1" sz="1085" kern="1200">
         <a:solidFill>
           <a:schemeClr val="tx1"/>
         </a:solidFill>
@@ -424,8 +424,8 @@
         <a:cs typeface="+mn-cs"/>
       </a:defRPr>
     </a:lvl2pPr>
-    <a:lvl3pPr marL="914400" algn="l" defTabSz="914400" rtl="0" eaLnBrk="1" latinLnBrk="0" hangingPunct="1">
-      <a:defRPr kumimoji="1" sz="1200" kern="1200">
+    <a:lvl3pPr marL="826697" algn="l" defTabSz="826697" rtl="0" eaLnBrk="1" latinLnBrk="0" hangingPunct="1">
+      <a:defRPr kumimoji="1" sz="1085" kern="1200">
         <a:solidFill>
           <a:schemeClr val="tx1"/>
         </a:solidFill>
@@ -434,8 +434,8 @@
         <a:cs typeface="+mn-cs"/>
       </a:defRPr>
     </a:lvl3pPr>
-    <a:lvl4pPr marL="1371600" algn="l" defTabSz="914400" rtl="0" eaLnBrk="1" latinLnBrk="0" hangingPunct="1">
-      <a:defRPr kumimoji="1" sz="1200" kern="1200">
+    <a:lvl4pPr marL="1240044" algn="l" defTabSz="826697" rtl="0" eaLnBrk="1" latinLnBrk="0" hangingPunct="1">
+      <a:defRPr kumimoji="1" sz="1085" kern="1200">
         <a:solidFill>
           <a:schemeClr val="tx1"/>
         </a:solidFill>
@@ -444,8 +444,8 @@
         <a:cs typeface="+mn-cs"/>
       </a:defRPr>
     </a:lvl4pPr>
-    <a:lvl5pPr marL="1828800" algn="l" defTabSz="914400" rtl="0" eaLnBrk="1" latinLnBrk="0" hangingPunct="1">
-      <a:defRPr kumimoji="1" sz="1200" kern="1200">
+    <a:lvl5pPr marL="1653393" algn="l" defTabSz="826697" rtl="0" eaLnBrk="1" latinLnBrk="0" hangingPunct="1">
+      <a:defRPr kumimoji="1" sz="1085" kern="1200">
         <a:solidFill>
           <a:schemeClr val="tx1"/>
         </a:solidFill>
@@ -454,8 +454,8 @@
         <a:cs typeface="+mn-cs"/>
       </a:defRPr>
     </a:lvl5pPr>
-    <a:lvl6pPr marL="2286000" algn="l" defTabSz="914400" rtl="0" eaLnBrk="1" latinLnBrk="0" hangingPunct="1">
-      <a:defRPr kumimoji="1" sz="1200" kern="1200">
+    <a:lvl6pPr marL="2066741" algn="l" defTabSz="826697" rtl="0" eaLnBrk="1" latinLnBrk="0" hangingPunct="1">
+      <a:defRPr kumimoji="1" sz="1085" kern="1200">
         <a:solidFill>
           <a:schemeClr val="tx1"/>
         </a:solidFill>
@@ -464,8 +464,8 @@
         <a:cs typeface="+mn-cs"/>
       </a:defRPr>
     </a:lvl6pPr>
-    <a:lvl7pPr marL="2743200" algn="l" defTabSz="914400" rtl="0" eaLnBrk="1" latinLnBrk="0" hangingPunct="1">
-      <a:defRPr kumimoji="1" sz="1200" kern="1200">
+    <a:lvl7pPr marL="2480089" algn="l" defTabSz="826697" rtl="0" eaLnBrk="1" latinLnBrk="0" hangingPunct="1">
+      <a:defRPr kumimoji="1" sz="1085" kern="1200">
         <a:solidFill>
           <a:schemeClr val="tx1"/>
         </a:solidFill>
@@ -474,8 +474,8 @@
         <a:cs typeface="+mn-cs"/>
       </a:defRPr>
     </a:lvl7pPr>
-    <a:lvl8pPr marL="3200400" algn="l" defTabSz="914400" rtl="0" eaLnBrk="1" latinLnBrk="0" hangingPunct="1">
-      <a:defRPr kumimoji="1" sz="1200" kern="1200">
+    <a:lvl8pPr marL="2893437" algn="l" defTabSz="826697" rtl="0" eaLnBrk="1" latinLnBrk="0" hangingPunct="1">
+      <a:defRPr kumimoji="1" sz="1085" kern="1200">
         <a:solidFill>
           <a:schemeClr val="tx1"/>
         </a:solidFill>
@@ -484,8 +484,8 @@
         <a:cs typeface="+mn-cs"/>
       </a:defRPr>
     </a:lvl8pPr>
-    <a:lvl9pPr marL="3657600" algn="l" defTabSz="914400" rtl="0" eaLnBrk="1" latinLnBrk="0" hangingPunct="1">
-      <a:defRPr kumimoji="1" sz="1200" kern="1200">
+    <a:lvl9pPr marL="3306785" algn="l" defTabSz="826697" rtl="0" eaLnBrk="1" latinLnBrk="0" hangingPunct="1">
+      <a:defRPr kumimoji="1" sz="1085" kern="1200">
         <a:solidFill>
           <a:schemeClr val="tx1"/>
         </a:solidFill>
@@ -527,8 +527,8 @@
         </p:nvSpPr>
         <p:spPr>
           <a:xfrm>
-            <a:off x="1785938" y="1143000"/>
-            <a:ext cx="3286125" cy="3086100"/>
+            <a:off x="1882775" y="1143000"/>
+            <a:ext cx="3092450" cy="3086100"/>
           </a:xfrm>
         </p:spPr>
       </p:sp>
@@ -680,8 +680,8 @@
         </p:nvSpPr>
         <p:spPr>
           <a:xfrm>
-            <a:off x="1344017" y="1652369"/>
-            <a:ext cx="8064104" cy="3515078"/>
+            <a:off x="1150343" y="1502464"/>
+            <a:ext cx="6902054" cy="3196179"/>
           </a:xfrm>
         </p:spPr>
         <p:txBody>
@@ -712,8 +712,8 @@
         </p:nvSpPr>
         <p:spPr>
           <a:xfrm>
-            <a:off x="1344017" y="5303000"/>
-            <a:ext cx="8064104" cy="2437650"/>
+            <a:off x="1150343" y="4821897"/>
+            <a:ext cx="6902054" cy="2216499"/>
           </a:xfrm>
         </p:spPr>
         <p:txBody>
@@ -782,7 +782,7 @@
           <a:p>
             <a:fld id="{05B1DBB0-D0CE-4499-8A6D-C73AC9430D35}" type="datetimeFigureOut">
               <a:rPr kumimoji="1" lang="ja-JP" altLang="en-US" smtClean="0"/>
-              <a:t>2017/4/7</a:t>
+              <a:t>2017/6/25</a:t>
             </a:fld>
             <a:endParaRPr kumimoji="1" lang="ja-JP" altLang="en-US"/>
           </a:p>
@@ -984,7 +984,7 @@
           <a:p>
             <a:fld id="{05B1DBB0-D0CE-4499-8A6D-C73AC9430D35}" type="datetimeFigureOut">
               <a:rPr kumimoji="1" lang="ja-JP" altLang="en-US" smtClean="0"/>
-              <a:t>2017/4/7</a:t>
+              <a:t>2017/6/25</a:t>
             </a:fld>
             <a:endParaRPr kumimoji="1" lang="ja-JP" altLang="en-US"/>
           </a:p>
@@ -1074,8 +1074,8 @@
         </p:nvSpPr>
         <p:spPr>
           <a:xfrm>
-            <a:off x="7694499" y="537545"/>
-            <a:ext cx="2318430" cy="8556317"/>
+            <a:off x="6585710" y="488777"/>
+            <a:ext cx="1984341" cy="7780060"/>
           </a:xfrm>
         </p:spPr>
         <p:txBody>
@@ -1102,8 +1102,8 @@
         </p:nvSpPr>
         <p:spPr>
           <a:xfrm>
-            <a:off x="739209" y="537545"/>
-            <a:ext cx="6820888" cy="8556317"/>
+            <a:off x="632689" y="488777"/>
+            <a:ext cx="5837988" cy="7780060"/>
           </a:xfrm>
         </p:spPr>
         <p:txBody>
@@ -1196,7 +1196,7 @@
           <a:p>
             <a:fld id="{05B1DBB0-D0CE-4499-8A6D-C73AC9430D35}" type="datetimeFigureOut">
               <a:rPr kumimoji="1" lang="ja-JP" altLang="en-US" smtClean="0"/>
-              <a:t>2017/4/7</a:t>
+              <a:t>2017/6/25</a:t>
             </a:fld>
             <a:endParaRPr kumimoji="1" lang="ja-JP" altLang="en-US"/>
           </a:p>
@@ -1286,8 +1286,8 @@
         </p:nvSpPr>
         <p:spPr>
           <a:xfrm>
-            <a:off x="807089" y="3129920"/>
-            <a:ext cx="9146997" cy="276999"/>
+            <a:off x="690787" y="2845967"/>
+            <a:ext cx="7828900" cy="276999"/>
           </a:xfrm>
           <a:prstGeom prst="rect">
             <a:avLst/>
@@ -1319,8 +1319,8 @@
         </p:nvSpPr>
         <p:spPr>
           <a:xfrm>
-            <a:off x="1614176" y="5654046"/>
-            <a:ext cx="7532822" cy="276999"/>
+            <a:off x="1381573" y="5141097"/>
+            <a:ext cx="6447331" cy="276999"/>
           </a:xfrm>
           <a:prstGeom prst="rect">
             <a:avLst/>
@@ -1396,7 +1396,7 @@
           <a:p>
             <a:fld id="{1D8BD707-D9CF-40AE-B4C6-C98DA3205C09}" type="datetimeFigureOut">
               <a:rPr lang="en-US"/>
-              <a:t>4/7/2017</a:t>
+              <a:t>6/25/2017</a:t>
             </a:fld>
             <a:endParaRPr lang="en-US"/>
           </a:p>
@@ -1566,7 +1566,7 @@
           <a:p>
             <a:fld id="{1D8BD707-D9CF-40AE-B4C6-C98DA3205C09}" type="datetimeFigureOut">
               <a:rPr lang="en-US"/>
-              <a:t>4/7/2017</a:t>
+              <a:t>6/25/2017</a:t>
             </a:fld>
             <a:endParaRPr lang="en-US"/>
           </a:p>
@@ -1669,8 +1669,8 @@
         </p:nvSpPr>
         <p:spPr>
           <a:xfrm>
-            <a:off x="538060" y="2322201"/>
-            <a:ext cx="4681110" cy="276999"/>
+            <a:off x="460525" y="2111527"/>
+            <a:ext cx="4006554" cy="276999"/>
           </a:xfrm>
           <a:prstGeom prst="rect">
             <a:avLst/>
@@ -1702,8 +1702,8 @@
         </p:nvSpPr>
         <p:spPr>
           <a:xfrm>
-            <a:off x="5542004" y="2322201"/>
-            <a:ext cx="4681110" cy="276999"/>
+            <a:off x="4743394" y="2111527"/>
+            <a:ext cx="4006554" cy="276999"/>
           </a:xfrm>
           <a:prstGeom prst="rect">
             <a:avLst/>
@@ -1779,7 +1779,7 @@
           <a:p>
             <a:fld id="{1D8BD707-D9CF-40AE-B4C6-C98DA3205C09}" type="datetimeFigureOut">
               <a:rPr lang="en-US"/>
-              <a:t>4/7/2017</a:t>
+              <a:t>6/25/2017</a:t>
             </a:fld>
             <a:endParaRPr lang="en-US"/>
           </a:p>
@@ -1926,7 +1926,7 @@
           <a:p>
             <a:fld id="{1D8BD707-D9CF-40AE-B4C6-C98DA3205C09}" type="datetimeFigureOut">
               <a:rPr lang="en-US"/>
-              <a:t>4/7/2017</a:t>
+              <a:t>6/25/2017</a:t>
             </a:fld>
             <a:endParaRPr lang="en-US"/>
           </a:p>
@@ -2050,7 +2050,7 @@
           <a:p>
             <a:fld id="{1D8BD707-D9CF-40AE-B4C6-C98DA3205C09}" type="datetimeFigureOut">
               <a:rPr lang="en-US"/>
-              <a:t>4/7/2017</a:t>
+              <a:t>6/25/2017</a:t>
             </a:fld>
             <a:endParaRPr lang="en-US"/>
           </a:p>
@@ -2242,7 +2242,7 @@
           <a:p>
             <a:fld id="{05B1DBB0-D0CE-4499-8A6D-C73AC9430D35}" type="datetimeFigureOut">
               <a:rPr kumimoji="1" lang="ja-JP" altLang="en-US" smtClean="0"/>
-              <a:t>2017/4/7</a:t>
+              <a:t>2017/6/25</a:t>
             </a:fld>
             <a:endParaRPr kumimoji="1" lang="ja-JP" altLang="en-US"/>
           </a:p>
@@ -2332,8 +2332,8 @@
         </p:nvSpPr>
         <p:spPr>
           <a:xfrm>
-            <a:off x="733610" y="2517115"/>
-            <a:ext cx="9273719" cy="4199862"/>
+            <a:off x="627899" y="2288758"/>
+            <a:ext cx="7937362" cy="3818837"/>
           </a:xfrm>
         </p:spPr>
         <p:txBody>
@@ -2364,8 +2364,8 @@
         </p:nvSpPr>
         <p:spPr>
           <a:xfrm>
-            <a:off x="733610" y="6756713"/>
-            <a:ext cx="9273719" cy="2208608"/>
+            <a:off x="627899" y="6143722"/>
+            <a:ext cx="7937362" cy="2008236"/>
           </a:xfrm>
         </p:spPr>
         <p:txBody>
@@ -2488,7 +2488,7 @@
           <a:p>
             <a:fld id="{05B1DBB0-D0CE-4499-8A6D-C73AC9430D35}" type="datetimeFigureOut">
               <a:rPr kumimoji="1" lang="ja-JP" altLang="en-US" smtClean="0"/>
-              <a:t>2017/4/7</a:t>
+              <a:t>2017/6/25</a:t>
             </a:fld>
             <a:endParaRPr kumimoji="1" lang="ja-JP" altLang="en-US"/>
           </a:p>
@@ -2601,8 +2601,8 @@
         </p:nvSpPr>
         <p:spPr>
           <a:xfrm>
-            <a:off x="739209" y="2687725"/>
-            <a:ext cx="4569659" cy="6406137"/>
+            <a:off x="632689" y="2443887"/>
+            <a:ext cx="3911164" cy="5824952"/>
           </a:xfrm>
         </p:spPr>
         <p:txBody>
@@ -2690,8 +2690,8 @@
         </p:nvSpPr>
         <p:spPr>
           <a:xfrm>
-            <a:off x="5443271" y="2687725"/>
-            <a:ext cx="4569659" cy="6406137"/>
+            <a:off x="4658890" y="2443887"/>
+            <a:ext cx="3911164" cy="5824952"/>
           </a:xfrm>
         </p:spPr>
         <p:txBody>
@@ -2784,7 +2784,7 @@
           <a:p>
             <a:fld id="{05B1DBB0-D0CE-4499-8A6D-C73AC9430D35}" type="datetimeFigureOut">
               <a:rPr kumimoji="1" lang="ja-JP" altLang="en-US" smtClean="0"/>
-              <a:t>2017/4/7</a:t>
+              <a:t>2017/6/25</a:t>
             </a:fld>
             <a:endParaRPr kumimoji="1" lang="ja-JP" altLang="en-US"/>
           </a:p>
@@ -2874,8 +2874,8 @@
         </p:nvSpPr>
         <p:spPr>
           <a:xfrm>
-            <a:off x="740611" y="537548"/>
-            <a:ext cx="9273719" cy="1951523"/>
+            <a:off x="633890" y="488780"/>
+            <a:ext cx="7937362" cy="1774474"/>
           </a:xfrm>
         </p:spPr>
         <p:txBody>
@@ -2902,8 +2902,8 @@
         </p:nvSpPr>
         <p:spPr>
           <a:xfrm>
-            <a:off x="740613" y="2475047"/>
-            <a:ext cx="4548658" cy="1212982"/>
+            <a:off x="633889" y="2250503"/>
+            <a:ext cx="3893190" cy="1102936"/>
           </a:xfrm>
         </p:spPr>
         <p:txBody>
@@ -2967,8 +2967,8 @@
         </p:nvSpPr>
         <p:spPr>
           <a:xfrm>
-            <a:off x="740613" y="3688029"/>
-            <a:ext cx="4548658" cy="5424532"/>
+            <a:off x="633889" y="3353443"/>
+            <a:ext cx="3893190" cy="4932401"/>
           </a:xfrm>
         </p:spPr>
         <p:txBody>
@@ -3056,8 +3056,8 @@
         </p:nvSpPr>
         <p:spPr>
           <a:xfrm>
-            <a:off x="5443271" y="2475047"/>
-            <a:ext cx="4571059" cy="1212982"/>
+            <a:off x="4658888" y="2250503"/>
+            <a:ext cx="3912362" cy="1102936"/>
           </a:xfrm>
         </p:spPr>
         <p:txBody>
@@ -3121,8 +3121,8 @@
         </p:nvSpPr>
         <p:spPr>
           <a:xfrm>
-            <a:off x="5443271" y="3688029"/>
-            <a:ext cx="4571059" cy="5424532"/>
+            <a:off x="4658888" y="3353443"/>
+            <a:ext cx="3912362" cy="4932401"/>
           </a:xfrm>
         </p:spPr>
         <p:txBody>
@@ -3215,7 +3215,7 @@
           <a:p>
             <a:fld id="{05B1DBB0-D0CE-4499-8A6D-C73AC9430D35}" type="datetimeFigureOut">
               <a:rPr kumimoji="1" lang="ja-JP" altLang="en-US" smtClean="0"/>
-              <a:t>2017/4/7</a:t>
+              <a:t>2017/6/25</a:t>
             </a:fld>
             <a:endParaRPr kumimoji="1" lang="ja-JP" altLang="en-US"/>
           </a:p>
@@ -3333,7 +3333,7 @@
           <a:p>
             <a:fld id="{05B1DBB0-D0CE-4499-8A6D-C73AC9430D35}" type="datetimeFigureOut">
               <a:rPr kumimoji="1" lang="ja-JP" altLang="en-US" smtClean="0"/>
-              <a:t>2017/4/7</a:t>
+              <a:t>2017/6/25</a:t>
             </a:fld>
             <a:endParaRPr kumimoji="1" lang="ja-JP" altLang="en-US"/>
           </a:p>
@@ -3428,7 +3428,7 @@
           <a:p>
             <a:fld id="{05B1DBB0-D0CE-4499-8A6D-C73AC9430D35}" type="datetimeFigureOut">
               <a:rPr kumimoji="1" lang="ja-JP" altLang="en-US" smtClean="0"/>
-              <a:t>2017/4/7</a:t>
+              <a:t>2017/6/25</a:t>
             </a:fld>
             <a:endParaRPr kumimoji="1" lang="ja-JP" altLang="en-US"/>
           </a:p>
@@ -3518,8 +3518,8 @@
         </p:nvSpPr>
         <p:spPr>
           <a:xfrm>
-            <a:off x="740613" y="673101"/>
-            <a:ext cx="3467844" cy="2355850"/>
+            <a:off x="633890" y="612036"/>
+            <a:ext cx="2968123" cy="2142120"/>
           </a:xfrm>
         </p:spPr>
         <p:txBody>
@@ -3550,8 +3550,8 @@
         </p:nvSpPr>
         <p:spPr>
           <a:xfrm>
-            <a:off x="4571059" y="1453712"/>
-            <a:ext cx="5443270" cy="7175059"/>
+            <a:off x="3912363" y="1321828"/>
+            <a:ext cx="4658886" cy="6524114"/>
           </a:xfrm>
         </p:spPr>
         <p:txBody>
@@ -3667,8 +3667,8 @@
         </p:nvSpPr>
         <p:spPr>
           <a:xfrm>
-            <a:off x="740613" y="3028951"/>
-            <a:ext cx="3467844" cy="5611504"/>
+            <a:off x="633890" y="2754155"/>
+            <a:ext cx="2968123" cy="5102410"/>
           </a:xfrm>
         </p:spPr>
         <p:txBody>
@@ -3737,7 +3737,7 @@
           <a:p>
             <a:fld id="{05B1DBB0-D0CE-4499-8A6D-C73AC9430D35}" type="datetimeFigureOut">
               <a:rPr kumimoji="1" lang="ja-JP" altLang="en-US" smtClean="0"/>
-              <a:t>2017/4/7</a:t>
+              <a:t>2017/6/25</a:t>
             </a:fld>
             <a:endParaRPr kumimoji="1" lang="ja-JP" altLang="en-US"/>
           </a:p>
@@ -3827,8 +3827,8 @@
         </p:nvSpPr>
         <p:spPr>
           <a:xfrm>
-            <a:off x="740613" y="673101"/>
-            <a:ext cx="3467844" cy="2355850"/>
+            <a:off x="633890" y="612036"/>
+            <a:ext cx="2968123" cy="2142120"/>
           </a:xfrm>
         </p:spPr>
         <p:txBody>
@@ -3859,8 +3859,8 @@
         </p:nvSpPr>
         <p:spPr>
           <a:xfrm>
-            <a:off x="4571059" y="1453712"/>
-            <a:ext cx="5443270" cy="7175059"/>
+            <a:off x="3912363" y="1321828"/>
+            <a:ext cx="4658886" cy="6524114"/>
           </a:xfrm>
         </p:spPr>
         <p:txBody>
@@ -3920,8 +3920,8 @@
         </p:nvSpPr>
         <p:spPr>
           <a:xfrm>
-            <a:off x="740613" y="3028951"/>
-            <a:ext cx="3467844" cy="5611504"/>
+            <a:off x="633890" y="2754155"/>
+            <a:ext cx="2968123" cy="5102410"/>
           </a:xfrm>
         </p:spPr>
         <p:txBody>
@@ -3990,7 +3990,7 @@
           <a:p>
             <a:fld id="{05B1DBB0-D0CE-4499-8A6D-C73AC9430D35}" type="datetimeFigureOut">
               <a:rPr kumimoji="1" lang="ja-JP" altLang="en-US" smtClean="0"/>
-              <a:t>2017/4/7</a:t>
+              <a:t>2017/6/25</a:t>
             </a:fld>
             <a:endParaRPr kumimoji="1" lang="ja-JP" altLang="en-US"/>
           </a:p>
@@ -4085,8 +4085,8 @@
         </p:nvSpPr>
         <p:spPr>
           <a:xfrm>
-            <a:off x="739211" y="537548"/>
-            <a:ext cx="9273719" cy="1951523"/>
+            <a:off x="632691" y="488780"/>
+            <a:ext cx="7937362" cy="1774474"/>
           </a:xfrm>
           <a:prstGeom prst="rect">
             <a:avLst/>
@@ -4118,8 +4118,8 @@
         </p:nvSpPr>
         <p:spPr>
           <a:xfrm>
-            <a:off x="739211" y="2687725"/>
-            <a:ext cx="9273719" cy="6406137"/>
+            <a:off x="632691" y="2443887"/>
+            <a:ext cx="7937362" cy="5824952"/>
           </a:xfrm>
           <a:prstGeom prst="rect">
             <a:avLst/>
@@ -4212,8 +4212,8 @@
         </p:nvSpPr>
         <p:spPr>
           <a:xfrm>
-            <a:off x="739211" y="9357963"/>
-            <a:ext cx="2419231" cy="537545"/>
+            <a:off x="632690" y="8508983"/>
+            <a:ext cx="2070616" cy="488777"/>
           </a:xfrm>
           <a:prstGeom prst="rect">
             <a:avLst/>
@@ -4235,7 +4235,7 @@
           <a:p>
             <a:fld id="{05B1DBB0-D0CE-4499-8A6D-C73AC9430D35}" type="datetimeFigureOut">
               <a:rPr kumimoji="1" lang="ja-JP" altLang="en-US" smtClean="0"/>
-              <a:t>2017/4/7</a:t>
+              <a:t>2017/6/25</a:t>
             </a:fld>
             <a:endParaRPr kumimoji="1" lang="ja-JP" altLang="en-US"/>
           </a:p>
@@ -4253,8 +4253,8 @@
         </p:nvSpPr>
         <p:spPr>
           <a:xfrm>
-            <a:off x="3561647" y="9357963"/>
-            <a:ext cx="3628847" cy="537545"/>
+            <a:off x="3048410" y="8508983"/>
+            <a:ext cx="3105924" cy="488777"/>
           </a:xfrm>
           <a:prstGeom prst="rect">
             <a:avLst/>
@@ -4290,8 +4290,8 @@
         </p:nvSpPr>
         <p:spPr>
           <a:xfrm>
-            <a:off x="7593698" y="9357963"/>
-            <a:ext cx="2419231" cy="537545"/>
+            <a:off x="6499435" y="8508983"/>
+            <a:ext cx="2070616" cy="488777"/>
           </a:xfrm>
           <a:prstGeom prst="rect">
             <a:avLst/>
@@ -4660,8 +4660,8 @@
         </p:nvSpPr>
         <p:spPr>
           <a:xfrm>
-            <a:off x="538063" y="403866"/>
-            <a:ext cx="9685056" cy="276999"/>
+            <a:off x="460528" y="367230"/>
+            <a:ext cx="8289424" cy="276999"/>
           </a:xfrm>
           <a:prstGeom prst="rect">
             <a:avLst/>
@@ -4693,8 +4693,8 @@
         </p:nvSpPr>
         <p:spPr>
           <a:xfrm>
-            <a:off x="538063" y="2322201"/>
-            <a:ext cx="9685056" cy="276999"/>
+            <a:off x="460528" y="2111527"/>
+            <a:ext cx="8289424" cy="276999"/>
           </a:xfrm>
           <a:prstGeom prst="rect">
             <a:avLst/>
@@ -4726,8 +4726,8 @@
         </p:nvSpPr>
         <p:spPr>
           <a:xfrm>
-            <a:off x="3658800" y="9389752"/>
-            <a:ext cx="3443576" cy="276999"/>
+            <a:off x="3131564" y="8537887"/>
+            <a:ext cx="2947351" cy="251869"/>
           </a:xfrm>
           <a:prstGeom prst="rect">
             <a:avLst/>
@@ -4765,8 +4765,8 @@
         </p:nvSpPr>
         <p:spPr>
           <a:xfrm>
-            <a:off x="538062" y="9389752"/>
-            <a:ext cx="2475069" cy="276999"/>
+            <a:off x="460527" y="8537887"/>
+            <a:ext cx="2118408" cy="251869"/>
           </a:xfrm>
           <a:prstGeom prst="rect">
             <a:avLst/>
@@ -4790,7 +4790,7 @@
           <a:p>
             <a:fld id="{1D8BD707-D9CF-40AE-B4C6-C98DA3205C09}" type="datetimeFigureOut">
               <a:rPr lang="en-US"/>
-              <a:t>4/7/2017</a:t>
+              <a:t>6/25/2017</a:t>
             </a:fld>
             <a:endParaRPr lang="en-US"/>
           </a:p>
@@ -4808,8 +4808,8 @@
         </p:nvSpPr>
         <p:spPr>
           <a:xfrm>
-            <a:off x="7748050" y="9389752"/>
-            <a:ext cx="2475069" cy="276999"/>
+            <a:off x="6631545" y="8537887"/>
+            <a:ext cx="2118408" cy="251869"/>
           </a:xfrm>
           <a:prstGeom prst="rect">
             <a:avLst/>
@@ -5014,6 +5014,774 @@
           <a:chExt cx="0" cy="0"/>
         </a:xfrm>
       </p:grpSpPr>
+      <p:sp>
+        <p:nvSpPr>
+          <p:cNvPr id="354" name="タイトル 5"/>
+          <p:cNvSpPr txBox="1">
+            <a:spLocks/>
+          </p:cNvSpPr>
+          <p:nvPr/>
+        </p:nvSpPr>
+        <p:spPr bwMode="auto">
+          <a:xfrm rot="10800000">
+            <a:off x="1655321" y="8586904"/>
+            <a:ext cx="6018199" cy="485091"/>
+          </a:xfrm>
+          <a:prstGeom prst="rect">
+            <a:avLst/>
+          </a:prstGeom>
+          <a:noFill/>
+          <a:ln w="12700">
+            <a:solidFill>
+              <a:schemeClr val="tx1"/>
+            </a:solidFill>
+            <a:miter lim="800000"/>
+            <a:headEnd/>
+            <a:tailEnd/>
+          </a:ln>
+          <a:effectLst/>
+          <a:extLst/>
+        </p:spPr>
+        <p:txBody>
+          <a:bodyPr vert="horz" wrap="square" lIns="72834" tIns="46250" rIns="72834" bIns="46250" numCol="1" anchor="ctr" anchorCtr="0" compatLnSpc="1">
+            <a:prstTxWarp prst="textNoShape">
+              <a:avLst/>
+            </a:prstTxWarp>
+          </a:bodyPr>
+          <a:lstStyle>
+            <a:lvl1pPr algn="l" rtl="0" eaLnBrk="0" fontAlgn="base" hangingPunct="0">
+              <a:spcBef>
+                <a:spcPct val="0"/>
+              </a:spcBef>
+              <a:spcAft>
+                <a:spcPct val="0"/>
+              </a:spcAft>
+              <a:defRPr kumimoji="1" sz="3200">
+                <a:solidFill>
+                  <a:schemeClr val="tx2"/>
+                </a:solidFill>
+                <a:latin typeface="+mj-lt"/>
+                <a:ea typeface="+mj-ea"/>
+                <a:cs typeface="+mj-cs"/>
+              </a:defRPr>
+            </a:lvl1pPr>
+            <a:lvl2pPr algn="l" rtl="0" eaLnBrk="0" fontAlgn="base" hangingPunct="0">
+              <a:spcBef>
+                <a:spcPct val="0"/>
+              </a:spcBef>
+              <a:spcAft>
+                <a:spcPct val="0"/>
+              </a:spcAft>
+              <a:defRPr kumimoji="1" sz="3200">
+                <a:solidFill>
+                  <a:schemeClr val="tx2"/>
+                </a:solidFill>
+                <a:latin typeface="メイリオ" pitchFamily="50" charset="-128"/>
+                <a:ea typeface="メイリオ" pitchFamily="50" charset="-128"/>
+                <a:cs typeface="メイリオ" pitchFamily="50" charset="-128"/>
+              </a:defRPr>
+            </a:lvl2pPr>
+            <a:lvl3pPr algn="l" rtl="0" eaLnBrk="0" fontAlgn="base" hangingPunct="0">
+              <a:spcBef>
+                <a:spcPct val="0"/>
+              </a:spcBef>
+              <a:spcAft>
+                <a:spcPct val="0"/>
+              </a:spcAft>
+              <a:defRPr kumimoji="1" sz="3200">
+                <a:solidFill>
+                  <a:schemeClr val="tx2"/>
+                </a:solidFill>
+                <a:latin typeface="メイリオ" pitchFamily="50" charset="-128"/>
+                <a:ea typeface="メイリオ" pitchFamily="50" charset="-128"/>
+                <a:cs typeface="メイリオ" pitchFamily="50" charset="-128"/>
+              </a:defRPr>
+            </a:lvl3pPr>
+            <a:lvl4pPr algn="l" rtl="0" eaLnBrk="0" fontAlgn="base" hangingPunct="0">
+              <a:spcBef>
+                <a:spcPct val="0"/>
+              </a:spcBef>
+              <a:spcAft>
+                <a:spcPct val="0"/>
+              </a:spcAft>
+              <a:defRPr kumimoji="1" sz="3200">
+                <a:solidFill>
+                  <a:schemeClr val="tx2"/>
+                </a:solidFill>
+                <a:latin typeface="メイリオ" pitchFamily="50" charset="-128"/>
+                <a:ea typeface="メイリオ" pitchFamily="50" charset="-128"/>
+                <a:cs typeface="メイリオ" pitchFamily="50" charset="-128"/>
+              </a:defRPr>
+            </a:lvl4pPr>
+            <a:lvl5pPr algn="l" rtl="0" eaLnBrk="0" fontAlgn="base" hangingPunct="0">
+              <a:spcBef>
+                <a:spcPct val="0"/>
+              </a:spcBef>
+              <a:spcAft>
+                <a:spcPct val="0"/>
+              </a:spcAft>
+              <a:defRPr kumimoji="1" sz="3200">
+                <a:solidFill>
+                  <a:schemeClr val="tx2"/>
+                </a:solidFill>
+                <a:latin typeface="メイリオ" pitchFamily="50" charset="-128"/>
+                <a:ea typeface="メイリオ" pitchFamily="50" charset="-128"/>
+                <a:cs typeface="メイリオ" pitchFamily="50" charset="-128"/>
+              </a:defRPr>
+            </a:lvl5pPr>
+            <a:lvl6pPr marL="457200" algn="l" rtl="0" fontAlgn="base">
+              <a:spcBef>
+                <a:spcPct val="0"/>
+              </a:spcBef>
+              <a:spcAft>
+                <a:spcPct val="0"/>
+              </a:spcAft>
+              <a:defRPr kumimoji="1" sz="3200">
+                <a:solidFill>
+                  <a:schemeClr val="tx2"/>
+                </a:solidFill>
+                <a:latin typeface="メイリオ" pitchFamily="50" charset="-128"/>
+                <a:ea typeface="メイリオ" pitchFamily="50" charset="-128"/>
+                <a:cs typeface="メイリオ" pitchFamily="50" charset="-128"/>
+              </a:defRPr>
+            </a:lvl6pPr>
+            <a:lvl7pPr marL="914400" algn="l" rtl="0" fontAlgn="base">
+              <a:spcBef>
+                <a:spcPct val="0"/>
+              </a:spcBef>
+              <a:spcAft>
+                <a:spcPct val="0"/>
+              </a:spcAft>
+              <a:defRPr kumimoji="1" sz="3200">
+                <a:solidFill>
+                  <a:schemeClr val="tx2"/>
+                </a:solidFill>
+                <a:latin typeface="メイリオ" pitchFamily="50" charset="-128"/>
+                <a:ea typeface="メイリオ" pitchFamily="50" charset="-128"/>
+                <a:cs typeface="メイリオ" pitchFamily="50" charset="-128"/>
+              </a:defRPr>
+            </a:lvl7pPr>
+            <a:lvl8pPr marL="1371600" algn="l" rtl="0" fontAlgn="base">
+              <a:spcBef>
+                <a:spcPct val="0"/>
+              </a:spcBef>
+              <a:spcAft>
+                <a:spcPct val="0"/>
+              </a:spcAft>
+              <a:defRPr kumimoji="1" sz="3200">
+                <a:solidFill>
+                  <a:schemeClr val="tx2"/>
+                </a:solidFill>
+                <a:latin typeface="メイリオ" pitchFamily="50" charset="-128"/>
+                <a:ea typeface="メイリオ" pitchFamily="50" charset="-128"/>
+                <a:cs typeface="メイリオ" pitchFamily="50" charset="-128"/>
+              </a:defRPr>
+            </a:lvl8pPr>
+            <a:lvl9pPr marL="1828800" algn="l" rtl="0" fontAlgn="base">
+              <a:spcBef>
+                <a:spcPct val="0"/>
+              </a:spcBef>
+              <a:spcAft>
+                <a:spcPct val="0"/>
+              </a:spcAft>
+              <a:defRPr kumimoji="1" sz="3200">
+                <a:solidFill>
+                  <a:schemeClr val="tx2"/>
+                </a:solidFill>
+                <a:latin typeface="メイリオ" pitchFamily="50" charset="-128"/>
+                <a:ea typeface="メイリオ" pitchFamily="50" charset="-128"/>
+                <a:cs typeface="メイリオ" pitchFamily="50" charset="-128"/>
+              </a:defRPr>
+            </a:lvl9pPr>
+          </a:lstStyle>
+          <a:p>
+            <a:pPr algn="ctr" defTabSz="924937"/>
+            <a:endParaRPr lang="en-US" altLang="ja-JP" sz="1618" kern="0" dirty="0">
+              <a:solidFill>
+                <a:prstClr val="black"/>
+              </a:solidFill>
+              <a:latin typeface="Calibri"/>
+              <a:ea typeface="ＭＳ Ｐゴシック" panose="020B0600070205080204" pitchFamily="50" charset="-128"/>
+            </a:endParaRPr>
+          </a:p>
+        </p:txBody>
+      </p:sp>
+      <p:sp>
+        <p:nvSpPr>
+          <p:cNvPr id="360" name="タイトル 5"/>
+          <p:cNvSpPr txBox="1">
+            <a:spLocks/>
+          </p:cNvSpPr>
+          <p:nvPr/>
+        </p:nvSpPr>
+        <p:spPr bwMode="auto">
+          <a:xfrm rot="5400000">
+            <a:off x="5903973" y="4328979"/>
+            <a:ext cx="6018199" cy="494522"/>
+          </a:xfrm>
+          <a:prstGeom prst="rect">
+            <a:avLst/>
+          </a:prstGeom>
+          <a:noFill/>
+          <a:ln w="12700">
+            <a:solidFill>
+              <a:schemeClr val="tx1"/>
+            </a:solidFill>
+            <a:miter lim="800000"/>
+            <a:headEnd/>
+            <a:tailEnd/>
+          </a:ln>
+          <a:effectLst/>
+          <a:extLst/>
+        </p:spPr>
+        <p:txBody>
+          <a:bodyPr vert="horz" wrap="square" lIns="72834" tIns="46250" rIns="72834" bIns="46250" numCol="1" anchor="ctr" anchorCtr="0" compatLnSpc="1">
+            <a:prstTxWarp prst="textNoShape">
+              <a:avLst/>
+            </a:prstTxWarp>
+          </a:bodyPr>
+          <a:lstStyle>
+            <a:lvl1pPr algn="l" rtl="0" eaLnBrk="0" fontAlgn="base" hangingPunct="0">
+              <a:spcBef>
+                <a:spcPct val="0"/>
+              </a:spcBef>
+              <a:spcAft>
+                <a:spcPct val="0"/>
+              </a:spcAft>
+              <a:defRPr kumimoji="1" sz="3200">
+                <a:solidFill>
+                  <a:schemeClr val="tx2"/>
+                </a:solidFill>
+                <a:latin typeface="+mj-lt"/>
+                <a:ea typeface="+mj-ea"/>
+                <a:cs typeface="+mj-cs"/>
+              </a:defRPr>
+            </a:lvl1pPr>
+            <a:lvl2pPr algn="l" rtl="0" eaLnBrk="0" fontAlgn="base" hangingPunct="0">
+              <a:spcBef>
+                <a:spcPct val="0"/>
+              </a:spcBef>
+              <a:spcAft>
+                <a:spcPct val="0"/>
+              </a:spcAft>
+              <a:defRPr kumimoji="1" sz="3200">
+                <a:solidFill>
+                  <a:schemeClr val="tx2"/>
+                </a:solidFill>
+                <a:latin typeface="メイリオ" pitchFamily="50" charset="-128"/>
+                <a:ea typeface="メイリオ" pitchFamily="50" charset="-128"/>
+                <a:cs typeface="メイリオ" pitchFamily="50" charset="-128"/>
+              </a:defRPr>
+            </a:lvl2pPr>
+            <a:lvl3pPr algn="l" rtl="0" eaLnBrk="0" fontAlgn="base" hangingPunct="0">
+              <a:spcBef>
+                <a:spcPct val="0"/>
+              </a:spcBef>
+              <a:spcAft>
+                <a:spcPct val="0"/>
+              </a:spcAft>
+              <a:defRPr kumimoji="1" sz="3200">
+                <a:solidFill>
+                  <a:schemeClr val="tx2"/>
+                </a:solidFill>
+                <a:latin typeface="メイリオ" pitchFamily="50" charset="-128"/>
+                <a:ea typeface="メイリオ" pitchFamily="50" charset="-128"/>
+                <a:cs typeface="メイリオ" pitchFamily="50" charset="-128"/>
+              </a:defRPr>
+            </a:lvl3pPr>
+            <a:lvl4pPr algn="l" rtl="0" eaLnBrk="0" fontAlgn="base" hangingPunct="0">
+              <a:spcBef>
+                <a:spcPct val="0"/>
+              </a:spcBef>
+              <a:spcAft>
+                <a:spcPct val="0"/>
+              </a:spcAft>
+              <a:defRPr kumimoji="1" sz="3200">
+                <a:solidFill>
+                  <a:schemeClr val="tx2"/>
+                </a:solidFill>
+                <a:latin typeface="メイリオ" pitchFamily="50" charset="-128"/>
+                <a:ea typeface="メイリオ" pitchFamily="50" charset="-128"/>
+                <a:cs typeface="メイリオ" pitchFamily="50" charset="-128"/>
+              </a:defRPr>
+            </a:lvl4pPr>
+            <a:lvl5pPr algn="l" rtl="0" eaLnBrk="0" fontAlgn="base" hangingPunct="0">
+              <a:spcBef>
+                <a:spcPct val="0"/>
+              </a:spcBef>
+              <a:spcAft>
+                <a:spcPct val="0"/>
+              </a:spcAft>
+              <a:defRPr kumimoji="1" sz="3200">
+                <a:solidFill>
+                  <a:schemeClr val="tx2"/>
+                </a:solidFill>
+                <a:latin typeface="メイリオ" pitchFamily="50" charset="-128"/>
+                <a:ea typeface="メイリオ" pitchFamily="50" charset="-128"/>
+                <a:cs typeface="メイリオ" pitchFamily="50" charset="-128"/>
+              </a:defRPr>
+            </a:lvl5pPr>
+            <a:lvl6pPr marL="457200" algn="l" rtl="0" fontAlgn="base">
+              <a:spcBef>
+                <a:spcPct val="0"/>
+              </a:spcBef>
+              <a:spcAft>
+                <a:spcPct val="0"/>
+              </a:spcAft>
+              <a:defRPr kumimoji="1" sz="3200">
+                <a:solidFill>
+                  <a:schemeClr val="tx2"/>
+                </a:solidFill>
+                <a:latin typeface="メイリオ" pitchFamily="50" charset="-128"/>
+                <a:ea typeface="メイリオ" pitchFamily="50" charset="-128"/>
+                <a:cs typeface="メイリオ" pitchFamily="50" charset="-128"/>
+              </a:defRPr>
+            </a:lvl6pPr>
+            <a:lvl7pPr marL="914400" algn="l" rtl="0" fontAlgn="base">
+              <a:spcBef>
+                <a:spcPct val="0"/>
+              </a:spcBef>
+              <a:spcAft>
+                <a:spcPct val="0"/>
+              </a:spcAft>
+              <a:defRPr kumimoji="1" sz="3200">
+                <a:solidFill>
+                  <a:schemeClr val="tx2"/>
+                </a:solidFill>
+                <a:latin typeface="メイリオ" pitchFamily="50" charset="-128"/>
+                <a:ea typeface="メイリオ" pitchFamily="50" charset="-128"/>
+                <a:cs typeface="メイリオ" pitchFamily="50" charset="-128"/>
+              </a:defRPr>
+            </a:lvl7pPr>
+            <a:lvl8pPr marL="1371600" algn="l" rtl="0" fontAlgn="base">
+              <a:spcBef>
+                <a:spcPct val="0"/>
+              </a:spcBef>
+              <a:spcAft>
+                <a:spcPct val="0"/>
+              </a:spcAft>
+              <a:defRPr kumimoji="1" sz="3200">
+                <a:solidFill>
+                  <a:schemeClr val="tx2"/>
+                </a:solidFill>
+                <a:latin typeface="メイリオ" pitchFamily="50" charset="-128"/>
+                <a:ea typeface="メイリオ" pitchFamily="50" charset="-128"/>
+                <a:cs typeface="メイリオ" pitchFamily="50" charset="-128"/>
+              </a:defRPr>
+            </a:lvl8pPr>
+            <a:lvl9pPr marL="1828800" algn="l" rtl="0" fontAlgn="base">
+              <a:spcBef>
+                <a:spcPct val="0"/>
+              </a:spcBef>
+              <a:spcAft>
+                <a:spcPct val="0"/>
+              </a:spcAft>
+              <a:defRPr kumimoji="1" sz="3200">
+                <a:solidFill>
+                  <a:schemeClr val="tx2"/>
+                </a:solidFill>
+                <a:latin typeface="メイリオ" pitchFamily="50" charset="-128"/>
+                <a:ea typeface="メイリオ" pitchFamily="50" charset="-128"/>
+                <a:cs typeface="メイリオ" pitchFamily="50" charset="-128"/>
+              </a:defRPr>
+            </a:lvl9pPr>
+          </a:lstStyle>
+          <a:p>
+            <a:pPr algn="ctr" defTabSz="924937"/>
+            <a:endParaRPr lang="en-US" altLang="ja-JP" sz="1618" kern="0" dirty="0">
+              <a:solidFill>
+                <a:prstClr val="black"/>
+              </a:solidFill>
+              <a:latin typeface="Calibri"/>
+              <a:ea typeface="ＭＳ Ｐゴシック" panose="020B0600070205080204" pitchFamily="50" charset="-128"/>
+            </a:endParaRPr>
+          </a:p>
+        </p:txBody>
+      </p:sp>
+      <p:sp>
+        <p:nvSpPr>
+          <p:cNvPr id="357" name="タイトル 5"/>
+          <p:cNvSpPr txBox="1">
+            <a:spLocks/>
+          </p:cNvSpPr>
+          <p:nvPr/>
+        </p:nvSpPr>
+        <p:spPr bwMode="auto">
+          <a:xfrm rot="16200000">
+            <a:off x="-2713806" y="4326305"/>
+            <a:ext cx="6018199" cy="499873"/>
+          </a:xfrm>
+          <a:prstGeom prst="rect">
+            <a:avLst/>
+          </a:prstGeom>
+          <a:noFill/>
+          <a:ln w="12700">
+            <a:solidFill>
+              <a:schemeClr val="tx1"/>
+            </a:solidFill>
+            <a:miter lim="800000"/>
+            <a:headEnd/>
+            <a:tailEnd/>
+          </a:ln>
+          <a:effectLst/>
+          <a:extLst/>
+        </p:spPr>
+        <p:txBody>
+          <a:bodyPr vert="horz" wrap="square" lIns="72834" tIns="46250" rIns="72834" bIns="46250" numCol="1" anchor="ctr" anchorCtr="0" compatLnSpc="1">
+            <a:prstTxWarp prst="textNoShape">
+              <a:avLst/>
+            </a:prstTxWarp>
+          </a:bodyPr>
+          <a:lstStyle>
+            <a:lvl1pPr algn="l" rtl="0" eaLnBrk="0" fontAlgn="base" hangingPunct="0">
+              <a:spcBef>
+                <a:spcPct val="0"/>
+              </a:spcBef>
+              <a:spcAft>
+                <a:spcPct val="0"/>
+              </a:spcAft>
+              <a:defRPr kumimoji="1" sz="3200">
+                <a:solidFill>
+                  <a:schemeClr val="tx2"/>
+                </a:solidFill>
+                <a:latin typeface="+mj-lt"/>
+                <a:ea typeface="+mj-ea"/>
+                <a:cs typeface="+mj-cs"/>
+              </a:defRPr>
+            </a:lvl1pPr>
+            <a:lvl2pPr algn="l" rtl="0" eaLnBrk="0" fontAlgn="base" hangingPunct="0">
+              <a:spcBef>
+                <a:spcPct val="0"/>
+              </a:spcBef>
+              <a:spcAft>
+                <a:spcPct val="0"/>
+              </a:spcAft>
+              <a:defRPr kumimoji="1" sz="3200">
+                <a:solidFill>
+                  <a:schemeClr val="tx2"/>
+                </a:solidFill>
+                <a:latin typeface="メイリオ" pitchFamily="50" charset="-128"/>
+                <a:ea typeface="メイリオ" pitchFamily="50" charset="-128"/>
+                <a:cs typeface="メイリオ" pitchFamily="50" charset="-128"/>
+              </a:defRPr>
+            </a:lvl2pPr>
+            <a:lvl3pPr algn="l" rtl="0" eaLnBrk="0" fontAlgn="base" hangingPunct="0">
+              <a:spcBef>
+                <a:spcPct val="0"/>
+              </a:spcBef>
+              <a:spcAft>
+                <a:spcPct val="0"/>
+              </a:spcAft>
+              <a:defRPr kumimoji="1" sz="3200">
+                <a:solidFill>
+                  <a:schemeClr val="tx2"/>
+                </a:solidFill>
+                <a:latin typeface="メイリオ" pitchFamily="50" charset="-128"/>
+                <a:ea typeface="メイリオ" pitchFamily="50" charset="-128"/>
+                <a:cs typeface="メイリオ" pitchFamily="50" charset="-128"/>
+              </a:defRPr>
+            </a:lvl3pPr>
+            <a:lvl4pPr algn="l" rtl="0" eaLnBrk="0" fontAlgn="base" hangingPunct="0">
+              <a:spcBef>
+                <a:spcPct val="0"/>
+              </a:spcBef>
+              <a:spcAft>
+                <a:spcPct val="0"/>
+              </a:spcAft>
+              <a:defRPr kumimoji="1" sz="3200">
+                <a:solidFill>
+                  <a:schemeClr val="tx2"/>
+                </a:solidFill>
+                <a:latin typeface="メイリオ" pitchFamily="50" charset="-128"/>
+                <a:ea typeface="メイリオ" pitchFamily="50" charset="-128"/>
+                <a:cs typeface="メイリオ" pitchFamily="50" charset="-128"/>
+              </a:defRPr>
+            </a:lvl4pPr>
+            <a:lvl5pPr algn="l" rtl="0" eaLnBrk="0" fontAlgn="base" hangingPunct="0">
+              <a:spcBef>
+                <a:spcPct val="0"/>
+              </a:spcBef>
+              <a:spcAft>
+                <a:spcPct val="0"/>
+              </a:spcAft>
+              <a:defRPr kumimoji="1" sz="3200">
+                <a:solidFill>
+                  <a:schemeClr val="tx2"/>
+                </a:solidFill>
+                <a:latin typeface="メイリオ" pitchFamily="50" charset="-128"/>
+                <a:ea typeface="メイリオ" pitchFamily="50" charset="-128"/>
+                <a:cs typeface="メイリオ" pitchFamily="50" charset="-128"/>
+              </a:defRPr>
+            </a:lvl5pPr>
+            <a:lvl6pPr marL="457200" algn="l" rtl="0" fontAlgn="base">
+              <a:spcBef>
+                <a:spcPct val="0"/>
+              </a:spcBef>
+              <a:spcAft>
+                <a:spcPct val="0"/>
+              </a:spcAft>
+              <a:defRPr kumimoji="1" sz="3200">
+                <a:solidFill>
+                  <a:schemeClr val="tx2"/>
+                </a:solidFill>
+                <a:latin typeface="メイリオ" pitchFamily="50" charset="-128"/>
+                <a:ea typeface="メイリオ" pitchFamily="50" charset="-128"/>
+                <a:cs typeface="メイリオ" pitchFamily="50" charset="-128"/>
+              </a:defRPr>
+            </a:lvl6pPr>
+            <a:lvl7pPr marL="914400" algn="l" rtl="0" fontAlgn="base">
+              <a:spcBef>
+                <a:spcPct val="0"/>
+              </a:spcBef>
+              <a:spcAft>
+                <a:spcPct val="0"/>
+              </a:spcAft>
+              <a:defRPr kumimoji="1" sz="3200">
+                <a:solidFill>
+                  <a:schemeClr val="tx2"/>
+                </a:solidFill>
+                <a:latin typeface="メイリオ" pitchFamily="50" charset="-128"/>
+                <a:ea typeface="メイリオ" pitchFamily="50" charset="-128"/>
+                <a:cs typeface="メイリオ" pitchFamily="50" charset="-128"/>
+              </a:defRPr>
+            </a:lvl7pPr>
+            <a:lvl8pPr marL="1371600" algn="l" rtl="0" fontAlgn="base">
+              <a:spcBef>
+                <a:spcPct val="0"/>
+              </a:spcBef>
+              <a:spcAft>
+                <a:spcPct val="0"/>
+              </a:spcAft>
+              <a:defRPr kumimoji="1" sz="3200">
+                <a:solidFill>
+                  <a:schemeClr val="tx2"/>
+                </a:solidFill>
+                <a:latin typeface="メイリオ" pitchFamily="50" charset="-128"/>
+                <a:ea typeface="メイリオ" pitchFamily="50" charset="-128"/>
+                <a:cs typeface="メイリオ" pitchFamily="50" charset="-128"/>
+              </a:defRPr>
+            </a:lvl8pPr>
+            <a:lvl9pPr marL="1828800" algn="l" rtl="0" fontAlgn="base">
+              <a:spcBef>
+                <a:spcPct val="0"/>
+              </a:spcBef>
+              <a:spcAft>
+                <a:spcPct val="0"/>
+              </a:spcAft>
+              <a:defRPr kumimoji="1" sz="3200">
+                <a:solidFill>
+                  <a:schemeClr val="tx2"/>
+                </a:solidFill>
+                <a:latin typeface="メイリオ" pitchFamily="50" charset="-128"/>
+                <a:ea typeface="メイリオ" pitchFamily="50" charset="-128"/>
+                <a:cs typeface="メイリオ" pitchFamily="50" charset="-128"/>
+              </a:defRPr>
+            </a:lvl9pPr>
+          </a:lstStyle>
+          <a:p>
+            <a:pPr algn="ctr" defTabSz="924937"/>
+            <a:endParaRPr lang="en-US" altLang="ja-JP" sz="1618" kern="0" dirty="0">
+              <a:solidFill>
+                <a:prstClr val="black"/>
+              </a:solidFill>
+              <a:latin typeface="Calibri"/>
+              <a:ea typeface="ＭＳ Ｐゴシック" panose="020B0600070205080204" pitchFamily="50" charset="-128"/>
+            </a:endParaRPr>
+          </a:p>
+        </p:txBody>
+      </p:sp>
+      <p:sp>
+        <p:nvSpPr>
+          <p:cNvPr id="336" name="タイトル 5"/>
+          <p:cNvSpPr txBox="1">
+            <a:spLocks/>
+          </p:cNvSpPr>
+          <p:nvPr/>
+        </p:nvSpPr>
+        <p:spPr bwMode="auto">
+          <a:xfrm>
+            <a:off x="1658193" y="74108"/>
+            <a:ext cx="6018199" cy="479827"/>
+          </a:xfrm>
+          <a:prstGeom prst="rect">
+            <a:avLst/>
+          </a:prstGeom>
+          <a:noFill/>
+          <a:ln w="12700">
+            <a:solidFill>
+              <a:schemeClr val="tx1"/>
+            </a:solidFill>
+            <a:miter lim="800000"/>
+            <a:headEnd/>
+            <a:tailEnd/>
+          </a:ln>
+          <a:effectLst/>
+          <a:extLst/>
+        </p:spPr>
+        <p:txBody>
+          <a:bodyPr vert="horz" wrap="square" lIns="72834" tIns="46250" rIns="72834" bIns="46250" numCol="1" anchor="ctr" anchorCtr="0" compatLnSpc="1">
+            <a:prstTxWarp prst="textNoShape">
+              <a:avLst/>
+            </a:prstTxWarp>
+          </a:bodyPr>
+          <a:lstStyle>
+            <a:lvl1pPr algn="l" rtl="0" eaLnBrk="0" fontAlgn="base" hangingPunct="0">
+              <a:spcBef>
+                <a:spcPct val="0"/>
+              </a:spcBef>
+              <a:spcAft>
+                <a:spcPct val="0"/>
+              </a:spcAft>
+              <a:defRPr kumimoji="1" sz="3200">
+                <a:solidFill>
+                  <a:schemeClr val="tx2"/>
+                </a:solidFill>
+                <a:latin typeface="+mj-lt"/>
+                <a:ea typeface="+mj-ea"/>
+                <a:cs typeface="+mj-cs"/>
+              </a:defRPr>
+            </a:lvl1pPr>
+            <a:lvl2pPr algn="l" rtl="0" eaLnBrk="0" fontAlgn="base" hangingPunct="0">
+              <a:spcBef>
+                <a:spcPct val="0"/>
+              </a:spcBef>
+              <a:spcAft>
+                <a:spcPct val="0"/>
+              </a:spcAft>
+              <a:defRPr kumimoji="1" sz="3200">
+                <a:solidFill>
+                  <a:schemeClr val="tx2"/>
+                </a:solidFill>
+                <a:latin typeface="メイリオ" pitchFamily="50" charset="-128"/>
+                <a:ea typeface="メイリオ" pitchFamily="50" charset="-128"/>
+                <a:cs typeface="メイリオ" pitchFamily="50" charset="-128"/>
+              </a:defRPr>
+            </a:lvl2pPr>
+            <a:lvl3pPr algn="l" rtl="0" eaLnBrk="0" fontAlgn="base" hangingPunct="0">
+              <a:spcBef>
+                <a:spcPct val="0"/>
+              </a:spcBef>
+              <a:spcAft>
+                <a:spcPct val="0"/>
+              </a:spcAft>
+              <a:defRPr kumimoji="1" sz="3200">
+                <a:solidFill>
+                  <a:schemeClr val="tx2"/>
+                </a:solidFill>
+                <a:latin typeface="メイリオ" pitchFamily="50" charset="-128"/>
+                <a:ea typeface="メイリオ" pitchFamily="50" charset="-128"/>
+                <a:cs typeface="メイリオ" pitchFamily="50" charset="-128"/>
+              </a:defRPr>
+            </a:lvl3pPr>
+            <a:lvl4pPr algn="l" rtl="0" eaLnBrk="0" fontAlgn="base" hangingPunct="0">
+              <a:spcBef>
+                <a:spcPct val="0"/>
+              </a:spcBef>
+              <a:spcAft>
+                <a:spcPct val="0"/>
+              </a:spcAft>
+              <a:defRPr kumimoji="1" sz="3200">
+                <a:solidFill>
+                  <a:schemeClr val="tx2"/>
+                </a:solidFill>
+                <a:latin typeface="メイリオ" pitchFamily="50" charset="-128"/>
+                <a:ea typeface="メイリオ" pitchFamily="50" charset="-128"/>
+                <a:cs typeface="メイリオ" pitchFamily="50" charset="-128"/>
+              </a:defRPr>
+            </a:lvl4pPr>
+            <a:lvl5pPr algn="l" rtl="0" eaLnBrk="0" fontAlgn="base" hangingPunct="0">
+              <a:spcBef>
+                <a:spcPct val="0"/>
+              </a:spcBef>
+              <a:spcAft>
+                <a:spcPct val="0"/>
+              </a:spcAft>
+              <a:defRPr kumimoji="1" sz="3200">
+                <a:solidFill>
+                  <a:schemeClr val="tx2"/>
+                </a:solidFill>
+                <a:latin typeface="メイリオ" pitchFamily="50" charset="-128"/>
+                <a:ea typeface="メイリオ" pitchFamily="50" charset="-128"/>
+                <a:cs typeface="メイリオ" pitchFamily="50" charset="-128"/>
+              </a:defRPr>
+            </a:lvl5pPr>
+            <a:lvl6pPr marL="457200" algn="l" rtl="0" fontAlgn="base">
+              <a:spcBef>
+                <a:spcPct val="0"/>
+              </a:spcBef>
+              <a:spcAft>
+                <a:spcPct val="0"/>
+              </a:spcAft>
+              <a:defRPr kumimoji="1" sz="3200">
+                <a:solidFill>
+                  <a:schemeClr val="tx2"/>
+                </a:solidFill>
+                <a:latin typeface="メイリオ" pitchFamily="50" charset="-128"/>
+                <a:ea typeface="メイリオ" pitchFamily="50" charset="-128"/>
+                <a:cs typeface="メイリオ" pitchFamily="50" charset="-128"/>
+              </a:defRPr>
+            </a:lvl6pPr>
+            <a:lvl7pPr marL="914400" algn="l" rtl="0" fontAlgn="base">
+              <a:spcBef>
+                <a:spcPct val="0"/>
+              </a:spcBef>
+              <a:spcAft>
+                <a:spcPct val="0"/>
+              </a:spcAft>
+              <a:defRPr kumimoji="1" sz="3200">
+                <a:solidFill>
+                  <a:schemeClr val="tx2"/>
+                </a:solidFill>
+                <a:latin typeface="メイリオ" pitchFamily="50" charset="-128"/>
+                <a:ea typeface="メイリオ" pitchFamily="50" charset="-128"/>
+                <a:cs typeface="メイリオ" pitchFamily="50" charset="-128"/>
+              </a:defRPr>
+            </a:lvl7pPr>
+            <a:lvl8pPr marL="1371600" algn="l" rtl="0" fontAlgn="base">
+              <a:spcBef>
+                <a:spcPct val="0"/>
+              </a:spcBef>
+              <a:spcAft>
+                <a:spcPct val="0"/>
+              </a:spcAft>
+              <a:defRPr kumimoji="1" sz="3200">
+                <a:solidFill>
+                  <a:schemeClr val="tx2"/>
+                </a:solidFill>
+                <a:latin typeface="メイリオ" pitchFamily="50" charset="-128"/>
+                <a:ea typeface="メイリオ" pitchFamily="50" charset="-128"/>
+                <a:cs typeface="メイリオ" pitchFamily="50" charset="-128"/>
+              </a:defRPr>
+            </a:lvl8pPr>
+            <a:lvl9pPr marL="1828800" algn="l" rtl="0" fontAlgn="base">
+              <a:spcBef>
+                <a:spcPct val="0"/>
+              </a:spcBef>
+              <a:spcAft>
+                <a:spcPct val="0"/>
+              </a:spcAft>
+              <a:defRPr kumimoji="1" sz="3200">
+                <a:solidFill>
+                  <a:schemeClr val="tx2"/>
+                </a:solidFill>
+                <a:latin typeface="メイリオ" pitchFamily="50" charset="-128"/>
+                <a:ea typeface="メイリオ" pitchFamily="50" charset="-128"/>
+                <a:cs typeface="メイリオ" pitchFamily="50" charset="-128"/>
+              </a:defRPr>
+            </a:lvl9pPr>
+          </a:lstStyle>
+          <a:p>
+            <a:pPr algn="ctr" defTabSz="924937"/>
+            <a:endParaRPr lang="en-US" altLang="ja-JP" sz="1618" kern="0" dirty="0">
+              <a:solidFill>
+                <a:prstClr val="black"/>
+              </a:solidFill>
+              <a:latin typeface="Calibri"/>
+              <a:ea typeface="ＭＳ Ｐゴシック" panose="020B0600070205080204" pitchFamily="50" charset="-128"/>
+            </a:endParaRPr>
+          </a:p>
+        </p:txBody>
+      </p:sp>
       <p:grpSp>
         <p:nvGrpSpPr>
           <p:cNvPr id="277" name="グループ化 276"/>
@@ -5022,7 +5790,7 @@
         </p:nvGrpSpPr>
         <p:grpSpPr>
           <a:xfrm>
-            <a:off x="2435251" y="6480718"/>
+            <a:off x="1609751" y="6022729"/>
             <a:ext cx="4926304" cy="232111"/>
             <a:chOff x="2411841" y="2692076"/>
             <a:chExt cx="4869913" cy="229454"/>
@@ -5223,7 +5991,7 @@
                   <a:latin typeface="Calibri"/>
                   <a:ea typeface="ＭＳ Ｐゴシック" panose="020B0600070205080204" pitchFamily="50" charset="-128"/>
                 </a:rPr>
-                <a:t>DMA0</a:t>
+                <a:t>DMA</a:t>
               </a:r>
             </a:p>
           </p:txBody>
@@ -5418,7 +6186,7 @@
                   <a:latin typeface="Calibri"/>
                   <a:ea typeface="ＭＳ Ｐゴシック" panose="020B0600070205080204" pitchFamily="50" charset="-128"/>
                 </a:rPr>
-                <a:t>DMA0</a:t>
+                <a:t>DMA</a:t>
               </a:r>
             </a:p>
           </p:txBody>
@@ -5613,7 +6381,7 @@
                   <a:latin typeface="Calibri"/>
                   <a:ea typeface="ＭＳ Ｐゴシック" panose="020B0600070205080204" pitchFamily="50" charset="-128"/>
                 </a:rPr>
-                <a:t>DMA0</a:t>
+                <a:t>DMA</a:t>
               </a:r>
             </a:p>
           </p:txBody>
@@ -5808,7 +6576,7 @@
                   <a:latin typeface="Calibri"/>
                   <a:ea typeface="ＭＳ Ｐゴシック" panose="020B0600070205080204" pitchFamily="50" charset="-128"/>
                 </a:rPr>
-                <a:t>DMA0</a:t>
+                <a:t>DMA</a:t>
               </a:r>
             </a:p>
           </p:txBody>
@@ -5822,7 +6590,7 @@
         </p:nvGrpSpPr>
         <p:grpSpPr>
           <a:xfrm>
-            <a:off x="2438041" y="5034230"/>
+            <a:off x="1612541" y="4576241"/>
             <a:ext cx="4926304" cy="232111"/>
             <a:chOff x="2411841" y="2692076"/>
             <a:chExt cx="4869913" cy="229454"/>
@@ -6023,7 +6791,7 @@
                   <a:latin typeface="Calibri"/>
                   <a:ea typeface="ＭＳ Ｐゴシック" panose="020B0600070205080204" pitchFamily="50" charset="-128"/>
                 </a:rPr>
-                <a:t>DMA0</a:t>
+                <a:t>DMA</a:t>
               </a:r>
             </a:p>
           </p:txBody>
@@ -6218,7 +6986,7 @@
                   <a:latin typeface="Calibri"/>
                   <a:ea typeface="ＭＳ Ｐゴシック" panose="020B0600070205080204" pitchFamily="50" charset="-128"/>
                 </a:rPr>
-                <a:t>DMA0</a:t>
+                <a:t>DMA</a:t>
               </a:r>
             </a:p>
           </p:txBody>
@@ -6413,7 +7181,7 @@
                   <a:latin typeface="Calibri"/>
                   <a:ea typeface="ＭＳ Ｐゴシック" panose="020B0600070205080204" pitchFamily="50" charset="-128"/>
                 </a:rPr>
-                <a:t>DMA0</a:t>
+                <a:t>DMA</a:t>
               </a:r>
             </a:p>
           </p:txBody>
@@ -6608,7 +7376,7 @@
                   <a:latin typeface="Calibri"/>
                   <a:ea typeface="ＭＳ Ｐゴシック" panose="020B0600070205080204" pitchFamily="50" charset="-128"/>
                 </a:rPr>
-                <a:t>DMA0</a:t>
+                <a:t>DMA</a:t>
               </a:r>
             </a:p>
           </p:txBody>
@@ -6622,7 +7390,7 @@
         </p:nvGrpSpPr>
         <p:grpSpPr>
           <a:xfrm>
-            <a:off x="2431888" y="3600598"/>
+            <a:off x="1606388" y="3142609"/>
             <a:ext cx="4926304" cy="232111"/>
             <a:chOff x="2411841" y="2692076"/>
             <a:chExt cx="4869913" cy="229454"/>
@@ -6823,7 +7591,7 @@
                   <a:latin typeface="Calibri"/>
                   <a:ea typeface="ＭＳ Ｐゴシック" panose="020B0600070205080204" pitchFamily="50" charset="-128"/>
                 </a:rPr>
-                <a:t>DMA0</a:t>
+                <a:t>DMA</a:t>
               </a:r>
             </a:p>
           </p:txBody>
@@ -7018,7 +7786,7 @@
                   <a:latin typeface="Calibri"/>
                   <a:ea typeface="ＭＳ Ｐゴシック" panose="020B0600070205080204" pitchFamily="50" charset="-128"/>
                 </a:rPr>
-                <a:t>DMA0</a:t>
+                <a:t>DMA</a:t>
               </a:r>
             </a:p>
           </p:txBody>
@@ -7213,7 +7981,7 @@
                   <a:latin typeface="Calibri"/>
                   <a:ea typeface="ＭＳ Ｐゴシック" panose="020B0600070205080204" pitchFamily="50" charset="-128"/>
                 </a:rPr>
-                <a:t>DMA0</a:t>
+                <a:t>DMA</a:t>
               </a:r>
             </a:p>
           </p:txBody>
@@ -7408,7 +8176,7 @@
                   <a:latin typeface="Calibri"/>
                   <a:ea typeface="ＭＳ Ｐゴシック" panose="020B0600070205080204" pitchFamily="50" charset="-128"/>
                 </a:rPr>
-                <a:t>DMA0</a:t>
+                <a:t>DMA</a:t>
               </a:r>
             </a:p>
           </p:txBody>
@@ -7422,7 +8190,7 @@
         </p:nvGrpSpPr>
         <p:grpSpPr>
           <a:xfrm>
-            <a:off x="2431888" y="2148552"/>
+            <a:off x="1606388" y="1690563"/>
             <a:ext cx="4926304" cy="232111"/>
             <a:chOff x="2411841" y="2692076"/>
             <a:chExt cx="4869913" cy="229454"/>
@@ -7623,7 +8391,7 @@
                   <a:latin typeface="Calibri"/>
                   <a:ea typeface="ＭＳ Ｐゴシック" panose="020B0600070205080204" pitchFamily="50" charset="-128"/>
                 </a:rPr>
-                <a:t>DMA0</a:t>
+                <a:t>DMA</a:t>
               </a:r>
             </a:p>
           </p:txBody>
@@ -7818,7 +8586,7 @@
                   <a:latin typeface="Calibri"/>
                   <a:ea typeface="ＭＳ Ｐゴシック" panose="020B0600070205080204" pitchFamily="50" charset="-128"/>
                 </a:rPr>
-                <a:t>DMA0</a:t>
+                <a:t>DMA</a:t>
               </a:r>
             </a:p>
           </p:txBody>
@@ -8013,7 +8781,7 @@
                   <a:latin typeface="Calibri"/>
                   <a:ea typeface="ＭＳ Ｐゴシック" panose="020B0600070205080204" pitchFamily="50" charset="-128"/>
                 </a:rPr>
-                <a:t>DMA0</a:t>
+                <a:t>DMA</a:t>
               </a:r>
             </a:p>
           </p:txBody>
@@ -8208,7 +8976,7 @@
                   <a:latin typeface="Calibri"/>
                   <a:ea typeface="ＭＳ Ｐゴシック" panose="020B0600070205080204" pitchFamily="50" charset="-128"/>
                 </a:rPr>
-                <a:t>DMA0</a:t>
+                <a:t>DMA</a:t>
               </a:r>
             </a:p>
           </p:txBody>
@@ -8222,7 +8990,7 @@
         </p:nvGrpSpPr>
         <p:grpSpPr>
           <a:xfrm>
-            <a:off x="3256768" y="1546571"/>
+            <a:off x="2431273" y="1088582"/>
             <a:ext cx="4843017" cy="2461195"/>
             <a:chOff x="3382689" y="1855837"/>
             <a:chExt cx="4787580" cy="2433022"/>
@@ -8597,7 +9365,7 @@
         </p:nvGrpSpPr>
         <p:grpSpPr>
           <a:xfrm rot="16200000" flipV="1">
-            <a:off x="5202016" y="3535374"/>
+            <a:off x="4376521" y="3077385"/>
             <a:ext cx="4891449" cy="2413339"/>
             <a:chOff x="3382689" y="4773392"/>
             <a:chExt cx="4787581" cy="2338705"/>
@@ -8972,7 +9740,7 @@
         </p:nvGrpSpPr>
         <p:grpSpPr>
           <a:xfrm rot="10800000">
-            <a:off x="2770130" y="6023107"/>
+            <a:off x="1944635" y="5565118"/>
             <a:ext cx="4842039" cy="2391881"/>
             <a:chOff x="3382690" y="1914880"/>
             <a:chExt cx="4786612" cy="2364502"/>
@@ -9347,7 +10115,7 @@
         </p:nvGrpSpPr>
         <p:grpSpPr>
           <a:xfrm rot="16200000" flipH="1">
-            <a:off x="785100" y="4041790"/>
+            <a:off x="-40400" y="3583796"/>
             <a:ext cx="4839290" cy="2422396"/>
             <a:chOff x="3382689" y="1891287"/>
             <a:chExt cx="4783895" cy="2394666"/>
@@ -9722,7 +10490,7 @@
         </p:nvGrpSpPr>
         <p:grpSpPr>
           <a:xfrm>
-            <a:off x="3538214" y="2389221"/>
+            <a:off x="2712714" y="1931227"/>
             <a:ext cx="2298414" cy="4783236"/>
             <a:chOff x="3589421" y="2587243"/>
             <a:chExt cx="2272104" cy="4728482"/>
@@ -10097,7 +10865,7 @@
         </p:nvGrpSpPr>
         <p:grpSpPr>
           <a:xfrm rot="10800000">
-            <a:off x="4999426" y="2845024"/>
+            <a:off x="4173931" y="2387030"/>
             <a:ext cx="2307449" cy="4783236"/>
             <a:chOff x="3589030" y="2587243"/>
             <a:chExt cx="2281036" cy="4728482"/>
@@ -10472,7 +11240,7 @@
         </p:nvGrpSpPr>
         <p:grpSpPr>
           <a:xfrm rot="5400000">
-            <a:off x="4519307" y="3341077"/>
+            <a:off x="3693807" y="2883083"/>
             <a:ext cx="2298414" cy="4783236"/>
             <a:chOff x="3589421" y="2587244"/>
             <a:chExt cx="2272104" cy="4728481"/>
@@ -10847,7 +11615,7 @@
         </p:nvGrpSpPr>
         <p:grpSpPr>
           <a:xfrm rot="16200000">
-            <a:off x="4070211" y="1898432"/>
+            <a:off x="3244711" y="1440438"/>
             <a:ext cx="2298414" cy="4783234"/>
             <a:chOff x="3589421" y="2587246"/>
             <a:chExt cx="2272104" cy="4728480"/>
@@ -11225,7 +11993,7 @@
         </p:nvCxnSpPr>
         <p:spPr>
           <a:xfrm>
-            <a:off x="3231217" y="1734633"/>
+            <a:off x="2405717" y="1276644"/>
             <a:ext cx="0" cy="790429"/>
           </a:xfrm>
           <a:prstGeom prst="line">
@@ -11263,7 +12031,7 @@
         </p:nvCxnSpPr>
         <p:spPr>
           <a:xfrm>
-            <a:off x="4689574" y="1734633"/>
+            <a:off x="3864074" y="1276644"/>
             <a:ext cx="0" cy="790429"/>
           </a:xfrm>
           <a:prstGeom prst="line">
@@ -11301,7 +12069,7 @@
         </p:nvCxnSpPr>
         <p:spPr>
           <a:xfrm>
-            <a:off x="6150387" y="1734633"/>
+            <a:off x="5324887" y="1276644"/>
             <a:ext cx="0" cy="790429"/>
           </a:xfrm>
           <a:prstGeom prst="line">
@@ -11339,7 +12107,7 @@
         </p:nvCxnSpPr>
         <p:spPr>
           <a:xfrm>
-            <a:off x="7608744" y="1734633"/>
+            <a:off x="6783244" y="1276644"/>
             <a:ext cx="0" cy="790429"/>
           </a:xfrm>
           <a:prstGeom prst="line">
@@ -11377,7 +12145,7 @@
         </p:nvCxnSpPr>
         <p:spPr>
           <a:xfrm>
-            <a:off x="2085334" y="2845661"/>
+            <a:off x="1259834" y="2387672"/>
             <a:ext cx="829988" cy="1651"/>
           </a:xfrm>
           <a:prstGeom prst="line">
@@ -11415,7 +12183,7 @@
         </p:nvCxnSpPr>
         <p:spPr>
           <a:xfrm>
-            <a:off x="2085334" y="4294657"/>
+            <a:off x="1259834" y="3836668"/>
             <a:ext cx="829988" cy="1651"/>
           </a:xfrm>
           <a:prstGeom prst="line">
@@ -11453,7 +12221,7 @@
         </p:nvCxnSpPr>
         <p:spPr>
           <a:xfrm>
-            <a:off x="2085334" y="5729586"/>
+            <a:off x="1259834" y="5271597"/>
             <a:ext cx="829988" cy="1651"/>
           </a:xfrm>
           <a:prstGeom prst="line">
@@ -11491,7 +12259,7 @@
         </p:nvCxnSpPr>
         <p:spPr>
           <a:xfrm>
-            <a:off x="2093455" y="7173124"/>
+            <a:off x="1267955" y="6715135"/>
             <a:ext cx="829988" cy="1651"/>
           </a:xfrm>
           <a:prstGeom prst="line">
@@ -11529,7 +12297,7 @@
         </p:nvCxnSpPr>
         <p:spPr>
           <a:xfrm>
-            <a:off x="7924648" y="2847310"/>
+            <a:off x="7099148" y="2389316"/>
             <a:ext cx="826556" cy="11740"/>
           </a:xfrm>
           <a:prstGeom prst="line">
@@ -11567,7 +12335,7 @@
         </p:nvCxnSpPr>
         <p:spPr>
           <a:xfrm>
-            <a:off x="7924648" y="4296306"/>
+            <a:off x="7099148" y="3838312"/>
             <a:ext cx="826556" cy="11740"/>
           </a:xfrm>
           <a:prstGeom prst="line">
@@ -11605,7 +12373,7 @@
         </p:nvCxnSpPr>
         <p:spPr>
           <a:xfrm>
-            <a:off x="7924648" y="5731235"/>
+            <a:off x="7099148" y="5273241"/>
             <a:ext cx="826556" cy="11740"/>
           </a:xfrm>
           <a:prstGeom prst="line">
@@ -11643,7 +12411,7 @@
         </p:nvCxnSpPr>
         <p:spPr>
           <a:xfrm>
-            <a:off x="7932769" y="7174773"/>
+            <a:off x="7107269" y="6716779"/>
             <a:ext cx="826556" cy="11740"/>
           </a:xfrm>
           <a:prstGeom prst="line">
@@ -11681,7 +12449,7 @@
         </p:nvCxnSpPr>
         <p:spPr>
           <a:xfrm>
-            <a:off x="7616866" y="7497023"/>
+            <a:off x="6791366" y="7039034"/>
             <a:ext cx="0" cy="790429"/>
           </a:xfrm>
           <a:prstGeom prst="line">
@@ -11719,7 +12487,7 @@
         </p:nvCxnSpPr>
         <p:spPr>
           <a:xfrm>
-            <a:off x="6158509" y="7497023"/>
+            <a:off x="5333009" y="7039034"/>
             <a:ext cx="0" cy="790429"/>
           </a:xfrm>
           <a:prstGeom prst="line">
@@ -11757,7 +12525,7 @@
         </p:nvCxnSpPr>
         <p:spPr>
           <a:xfrm>
-            <a:off x="4697694" y="7497023"/>
+            <a:off x="3872194" y="7039034"/>
             <a:ext cx="0" cy="790429"/>
           </a:xfrm>
           <a:prstGeom prst="line">
@@ -11795,7 +12563,7 @@
         </p:nvCxnSpPr>
         <p:spPr>
           <a:xfrm>
-            <a:off x="3239339" y="7497023"/>
+            <a:off x="2413839" y="7039034"/>
             <a:ext cx="0" cy="790429"/>
           </a:xfrm>
           <a:prstGeom prst="line">
@@ -11830,7 +12598,7 @@
         </p:nvGrpSpPr>
         <p:grpSpPr>
           <a:xfrm>
-            <a:off x="1777267" y="1959008"/>
+            <a:off x="951767" y="1501019"/>
             <a:ext cx="7322824" cy="4914123"/>
             <a:chOff x="1681480" y="2398450"/>
             <a:chExt cx="7239000" cy="4857870"/>
@@ -12205,7 +12973,7 @@
         </p:nvGrpSpPr>
         <p:grpSpPr>
           <a:xfrm rot="5400000">
-            <a:off x="2352573" y="2547216"/>
+            <a:off x="1527073" y="2089222"/>
             <a:ext cx="7322826" cy="4975788"/>
             <a:chOff x="1681480" y="2347650"/>
             <a:chExt cx="7239001" cy="4918830"/>
@@ -12582,7 +13350,7 @@
         </p:nvSpPr>
         <p:spPr bwMode="auto">
           <a:xfrm>
-            <a:off x="2884993" y="623785"/>
+            <a:off x="2059498" y="165791"/>
             <a:ext cx="692459" cy="300638"/>
           </a:xfrm>
           <a:prstGeom prst="rect">
@@ -12766,7 +13534,7 @@
                 <a:latin typeface="Calibri"/>
                 <a:ea typeface="ＭＳ Ｐゴシック" panose="020B0600070205080204" pitchFamily="50" charset="-128"/>
               </a:rPr>
-              <a:t>DMA0</a:t>
+              <a:t>DMA1</a:t>
             </a:r>
           </a:p>
         </p:txBody>
@@ -12781,7 +13549,7 @@
         </p:nvSpPr>
         <p:spPr bwMode="auto">
           <a:xfrm>
-            <a:off x="4341192" y="626508"/>
+            <a:off x="3515697" y="168514"/>
             <a:ext cx="692459" cy="300638"/>
           </a:xfrm>
           <a:prstGeom prst="rect">
@@ -12965,7 +13733,7 @@
                 <a:latin typeface="Calibri"/>
                 <a:ea typeface="ＭＳ Ｐゴシック" panose="020B0600070205080204" pitchFamily="50" charset="-128"/>
               </a:rPr>
-              <a:t>DMA1</a:t>
+              <a:t>DMA2</a:t>
             </a:r>
           </a:p>
         </p:txBody>
@@ -12980,7 +13748,7 @@
         </p:nvSpPr>
         <p:spPr bwMode="auto">
           <a:xfrm>
-            <a:off x="5803871" y="617809"/>
+            <a:off x="4978376" y="159815"/>
             <a:ext cx="692459" cy="300638"/>
           </a:xfrm>
           <a:prstGeom prst="rect">
@@ -13164,7 +13932,7 @@
                 <a:latin typeface="Calibri"/>
                 <a:ea typeface="ＭＳ Ｐゴシック" panose="020B0600070205080204" pitchFamily="50" charset="-128"/>
               </a:rPr>
-              <a:t>DMA2</a:t>
+              <a:t>DMA3</a:t>
             </a:r>
           </a:p>
         </p:txBody>
@@ -13179,7 +13947,7 @@
         </p:nvSpPr>
         <p:spPr bwMode="auto">
           <a:xfrm>
-            <a:off x="7260070" y="626508"/>
+            <a:off x="6434575" y="168514"/>
             <a:ext cx="692459" cy="300638"/>
           </a:xfrm>
           <a:prstGeom prst="rect">
@@ -13363,7 +14131,7 @@
                 <a:latin typeface="Calibri"/>
                 <a:ea typeface="ＭＳ Ｐゴシック" panose="020B0600070205080204" pitchFamily="50" charset="-128"/>
               </a:rPr>
-              <a:t>DMA3</a:t>
+              <a:t>DMA4</a:t>
             </a:r>
           </a:p>
         </p:txBody>
@@ -13379,7 +14147,7 @@
         </p:nvCxnSpPr>
         <p:spPr>
           <a:xfrm>
-            <a:off x="3231221" y="924423"/>
+            <a:off x="2405721" y="466429"/>
             <a:ext cx="2" cy="165708"/>
           </a:xfrm>
           <a:prstGeom prst="line">
@@ -13417,7 +14185,7 @@
         </p:nvCxnSpPr>
         <p:spPr>
           <a:xfrm>
-            <a:off x="4687416" y="927143"/>
+            <a:off x="3861916" y="469149"/>
             <a:ext cx="2158" cy="162984"/>
           </a:xfrm>
           <a:prstGeom prst="line">
@@ -13455,7 +14223,7 @@
         </p:nvCxnSpPr>
         <p:spPr>
           <a:xfrm>
-            <a:off x="6150096" y="918449"/>
+            <a:off x="5324601" y="460460"/>
             <a:ext cx="293" cy="171683"/>
           </a:xfrm>
           <a:prstGeom prst="line">
@@ -13493,7 +14261,7 @@
         </p:nvCxnSpPr>
         <p:spPr>
           <a:xfrm>
-            <a:off x="7606298" y="927143"/>
+            <a:off x="6780798" y="469149"/>
             <a:ext cx="2450" cy="162984"/>
           </a:xfrm>
           <a:prstGeom prst="line">
@@ -13530,7 +14298,7 @@
         </p:nvSpPr>
         <p:spPr bwMode="auto">
           <a:xfrm rot="5400000">
-            <a:off x="9378327" y="2723157"/>
+            <a:off x="8552832" y="2265163"/>
             <a:ext cx="692459" cy="273306"/>
           </a:xfrm>
           <a:prstGeom prst="rect">
@@ -13714,7 +14482,7 @@
                 <a:latin typeface="Calibri"/>
                 <a:ea typeface="ＭＳ Ｐゴシック" panose="020B0600070205080204" pitchFamily="50" charset="-128"/>
               </a:rPr>
-              <a:t>DMA0</a:t>
+              <a:t>DMA1</a:t>
             </a:r>
           </a:p>
         </p:txBody>
@@ -13729,7 +14497,7 @@
         </p:nvSpPr>
         <p:spPr bwMode="auto">
           <a:xfrm rot="5400000">
-            <a:off x="9378328" y="4173644"/>
+            <a:off x="8552833" y="3715650"/>
             <a:ext cx="692459" cy="273306"/>
           </a:xfrm>
           <a:prstGeom prst="rect">
@@ -13913,7 +14681,7 @@
                 <a:latin typeface="Calibri"/>
                 <a:ea typeface="ＭＳ Ｐゴシック" panose="020B0600070205080204" pitchFamily="50" charset="-128"/>
               </a:rPr>
-              <a:t>DMA1</a:t>
+              <a:t>DMA2</a:t>
             </a:r>
           </a:p>
         </p:txBody>
@@ -13928,7 +14696,7 @@
         </p:nvSpPr>
         <p:spPr bwMode="auto">
           <a:xfrm rot="5400000">
-            <a:off x="9387021" y="5605875"/>
+            <a:off x="8561526" y="5147881"/>
             <a:ext cx="692459" cy="273306"/>
           </a:xfrm>
           <a:prstGeom prst="rect">
@@ -14112,7 +14880,7 @@
                 <a:latin typeface="Calibri"/>
                 <a:ea typeface="ＭＳ Ｐゴシック" panose="020B0600070205080204" pitchFamily="50" charset="-128"/>
               </a:rPr>
-              <a:t>DMA2</a:t>
+              <a:t>DMA3</a:t>
             </a:r>
           </a:p>
         </p:txBody>
@@ -14127,7 +14895,7 @@
         </p:nvSpPr>
         <p:spPr bwMode="auto">
           <a:xfrm rot="5400000">
-            <a:off x="9378328" y="7050238"/>
+            <a:off x="8552833" y="6592244"/>
             <a:ext cx="692459" cy="273306"/>
           </a:xfrm>
           <a:prstGeom prst="rect">
@@ -14311,7 +15079,7 @@
                 <a:latin typeface="Calibri"/>
                 <a:ea typeface="ＭＳ Ｐゴシック" panose="020B0600070205080204" pitchFamily="50" charset="-128"/>
               </a:rPr>
-              <a:t>DMA3</a:t>
+              <a:t>DMA4</a:t>
             </a:r>
           </a:p>
         </p:txBody>
@@ -14327,7 +15095,7 @@
         </p:nvCxnSpPr>
         <p:spPr>
           <a:xfrm flipH="1" flipV="1">
-            <a:off x="9383005" y="2859052"/>
+            <a:off x="8557505" y="2401063"/>
             <a:ext cx="204898" cy="759"/>
           </a:xfrm>
           <a:prstGeom prst="line">
@@ -14365,7 +15133,7 @@
         </p:nvCxnSpPr>
         <p:spPr>
           <a:xfrm flipH="1" flipV="1">
-            <a:off x="9382999" y="4308048"/>
+            <a:off x="8557499" y="3850059"/>
             <a:ext cx="204900" cy="2251"/>
           </a:xfrm>
           <a:prstGeom prst="line">
@@ -14403,7 +15171,7 @@
         </p:nvCxnSpPr>
         <p:spPr>
           <a:xfrm flipH="1">
-            <a:off x="9382999" y="5742529"/>
+            <a:off x="8557499" y="5284535"/>
             <a:ext cx="213594" cy="446"/>
           </a:xfrm>
           <a:prstGeom prst="line">
@@ -14441,7 +15209,7 @@
         </p:nvCxnSpPr>
         <p:spPr>
           <a:xfrm flipH="1" flipV="1">
-            <a:off x="9391126" y="7186511"/>
+            <a:off x="8565626" y="6728522"/>
             <a:ext cx="196778" cy="379"/>
           </a:xfrm>
           <a:prstGeom prst="line">
@@ -14478,7 +15246,7 @@
         </p:nvSpPr>
         <p:spPr bwMode="auto">
           <a:xfrm rot="16200000">
-            <a:off x="794161" y="7021157"/>
+            <a:off x="-31336" y="6563163"/>
             <a:ext cx="692459" cy="300638"/>
           </a:xfrm>
           <a:prstGeom prst="rect">
@@ -14662,7 +15430,7 @@
                 <a:latin typeface="Calibri"/>
                 <a:ea typeface="ＭＳ Ｐゴシック" panose="020B0600070205080204" pitchFamily="50" charset="-128"/>
               </a:rPr>
-              <a:t>DMA0</a:t>
+              <a:t>DMA1</a:t>
             </a:r>
           </a:p>
         </p:txBody>
@@ -14677,7 +15445,7 @@
         </p:nvSpPr>
         <p:spPr bwMode="auto">
           <a:xfrm rot="16200000">
-            <a:off x="787645" y="5579264"/>
+            <a:off x="-37852" y="5121270"/>
             <a:ext cx="692459" cy="300638"/>
           </a:xfrm>
           <a:prstGeom prst="rect">
@@ -14861,7 +15629,7 @@
                 <a:latin typeface="Calibri"/>
                 <a:ea typeface="ＭＳ Ｐゴシック" panose="020B0600070205080204" pitchFamily="50" charset="-128"/>
               </a:rPr>
-              <a:t>DMA1</a:t>
+              <a:t>DMA2</a:t>
             </a:r>
           </a:p>
         </p:txBody>
@@ -14876,7 +15644,7 @@
         </p:nvSpPr>
         <p:spPr bwMode="auto">
           <a:xfrm rot="16200000">
-            <a:off x="790385" y="4143295"/>
+            <a:off x="-35112" y="3685301"/>
             <a:ext cx="692459" cy="300638"/>
           </a:xfrm>
           <a:prstGeom prst="rect">
@@ -15060,7 +15828,7 @@
                 <a:latin typeface="Calibri"/>
                 <a:ea typeface="ＭＳ Ｐゴシック" panose="020B0600070205080204" pitchFamily="50" charset="-128"/>
               </a:rPr>
-              <a:t>DMA2</a:t>
+              <a:t>DMA3</a:t>
             </a:r>
           </a:p>
         </p:txBody>
@@ -15075,7 +15843,7 @@
         </p:nvSpPr>
         <p:spPr bwMode="auto">
           <a:xfrm rot="16200000">
-            <a:off x="794161" y="2694719"/>
+            <a:off x="-31336" y="2236725"/>
             <a:ext cx="692459" cy="300638"/>
           </a:xfrm>
           <a:prstGeom prst="rect">
@@ -15259,7 +16027,7 @@
                 <a:latin typeface="Calibri"/>
                 <a:ea typeface="ＭＳ Ｐゴシック" panose="020B0600070205080204" pitchFamily="50" charset="-128"/>
               </a:rPr>
-              <a:t>DMA3</a:t>
+              <a:t>DMA4</a:t>
             </a:r>
           </a:p>
         </p:txBody>
@@ -15275,7 +16043,7 @@
         </p:nvCxnSpPr>
         <p:spPr>
           <a:xfrm>
-            <a:off x="1290704" y="7171478"/>
+            <a:off x="465204" y="6713489"/>
             <a:ext cx="170946" cy="1645"/>
           </a:xfrm>
           <a:prstGeom prst="line">
@@ -15313,7 +16081,7 @@
         </p:nvCxnSpPr>
         <p:spPr>
           <a:xfrm flipV="1">
-            <a:off x="1284192" y="5729582"/>
+            <a:off x="458692" y="5271588"/>
             <a:ext cx="169342" cy="2"/>
           </a:xfrm>
           <a:prstGeom prst="line">
@@ -15351,7 +16119,7 @@
         </p:nvCxnSpPr>
         <p:spPr>
           <a:xfrm>
-            <a:off x="1286928" y="4293616"/>
+            <a:off x="461428" y="3835627"/>
             <a:ext cx="166602" cy="1039"/>
           </a:xfrm>
           <a:prstGeom prst="line">
@@ -15389,7 +16157,7 @@
         </p:nvCxnSpPr>
         <p:spPr>
           <a:xfrm>
-            <a:off x="1290704" y="2845039"/>
+            <a:off x="465204" y="2387045"/>
             <a:ext cx="162826" cy="620"/>
           </a:xfrm>
           <a:prstGeom prst="line">
@@ -15426,7 +16194,7 @@
         </p:nvSpPr>
         <p:spPr bwMode="auto">
           <a:xfrm>
-            <a:off x="2893115" y="9160544"/>
+            <a:off x="2067620" y="8702550"/>
             <a:ext cx="692459" cy="300638"/>
           </a:xfrm>
           <a:prstGeom prst="rect">
@@ -15610,7 +16378,7 @@
                 <a:latin typeface="Calibri"/>
                 <a:ea typeface="ＭＳ Ｐゴシック" panose="020B0600070205080204" pitchFamily="50" charset="-128"/>
               </a:rPr>
-              <a:t>DMA0</a:t>
+              <a:t>DMA1</a:t>
             </a:r>
           </a:p>
         </p:txBody>
@@ -15625,7 +16393,7 @@
         </p:nvSpPr>
         <p:spPr bwMode="auto">
           <a:xfrm>
-            <a:off x="4348736" y="9154336"/>
+            <a:off x="3523241" y="8696342"/>
             <a:ext cx="692459" cy="300638"/>
           </a:xfrm>
           <a:prstGeom prst="rect">
@@ -15809,7 +16577,7 @@
                 <a:latin typeface="Calibri"/>
                 <a:ea typeface="ＭＳ Ｐゴシック" panose="020B0600070205080204" pitchFamily="50" charset="-128"/>
               </a:rPr>
-              <a:t>DMA1</a:t>
+              <a:t>DMA2</a:t>
             </a:r>
           </a:p>
         </p:txBody>
@@ -15824,7 +16592,7 @@
         </p:nvSpPr>
         <p:spPr bwMode="auto">
           <a:xfrm>
-            <a:off x="5811041" y="9152978"/>
+            <a:off x="4985546" y="8694984"/>
             <a:ext cx="692459" cy="300638"/>
           </a:xfrm>
           <a:prstGeom prst="rect">
@@ -16008,7 +16776,7 @@
                 <a:latin typeface="Calibri"/>
                 <a:ea typeface="ＭＳ Ｐゴシック" panose="020B0600070205080204" pitchFamily="50" charset="-128"/>
               </a:rPr>
-              <a:t>DMA2</a:t>
+              <a:t>DMA3</a:t>
             </a:r>
           </a:p>
         </p:txBody>
@@ -16023,7 +16791,7 @@
         </p:nvSpPr>
         <p:spPr bwMode="auto">
           <a:xfrm>
-            <a:off x="7268034" y="9144091"/>
+            <a:off x="6442539" y="8686097"/>
             <a:ext cx="692459" cy="300638"/>
           </a:xfrm>
           <a:prstGeom prst="rect">
@@ -16207,7 +16975,7 @@
                 <a:latin typeface="Calibri"/>
                 <a:ea typeface="ＭＳ Ｐゴシック" panose="020B0600070205080204" pitchFamily="50" charset="-128"/>
               </a:rPr>
-              <a:t>DMA3</a:t>
+              <a:t>DMA4</a:t>
             </a:r>
           </a:p>
         </p:txBody>
@@ -16223,7 +16991,7 @@
         </p:nvCxnSpPr>
         <p:spPr>
           <a:xfrm flipH="1">
-            <a:off x="3239341" y="8931948"/>
+            <a:off x="2413841" y="8473954"/>
             <a:ext cx="2" cy="228594"/>
           </a:xfrm>
           <a:prstGeom prst="line">
@@ -16261,7 +17029,7 @@
         </p:nvCxnSpPr>
         <p:spPr>
           <a:xfrm flipH="1">
-            <a:off x="4694961" y="8931946"/>
+            <a:off x="3869466" y="8473952"/>
             <a:ext cx="2735" cy="222386"/>
           </a:xfrm>
           <a:prstGeom prst="line">
@@ -16299,7 +17067,7 @@
         </p:nvCxnSpPr>
         <p:spPr>
           <a:xfrm flipH="1">
-            <a:off x="6157268" y="8931950"/>
+            <a:off x="5331773" y="8473956"/>
             <a:ext cx="1243" cy="221028"/>
           </a:xfrm>
           <a:prstGeom prst="line">
@@ -16337,7 +17105,7 @@
         </p:nvCxnSpPr>
         <p:spPr>
           <a:xfrm flipH="1">
-            <a:off x="7614264" y="8931953"/>
+            <a:off x="6788769" y="8473964"/>
             <a:ext cx="2607" cy="212141"/>
           </a:xfrm>
           <a:prstGeom prst="line">
@@ -16375,7 +17143,7 @@
         </p:nvCxnSpPr>
         <p:spPr>
           <a:xfrm>
-            <a:off x="2704144" y="2380667"/>
+            <a:off x="1878644" y="1922678"/>
             <a:ext cx="303704" cy="238779"/>
           </a:xfrm>
           <a:prstGeom prst="line">
@@ -16413,7 +17181,7 @@
         </p:nvCxnSpPr>
         <p:spPr>
           <a:xfrm>
-            <a:off x="4166558" y="2375445"/>
+            <a:off x="3341058" y="1917451"/>
             <a:ext cx="299644" cy="244000"/>
           </a:xfrm>
           <a:prstGeom prst="line">
@@ -16451,7 +17219,7 @@
         </p:nvCxnSpPr>
         <p:spPr>
           <a:xfrm>
-            <a:off x="5628115" y="2374428"/>
+            <a:off x="4802620" y="1916439"/>
             <a:ext cx="298901" cy="245019"/>
           </a:xfrm>
           <a:prstGeom prst="line">
@@ -16489,7 +17257,7 @@
         </p:nvCxnSpPr>
         <p:spPr>
           <a:xfrm>
-            <a:off x="7085941" y="2379089"/>
+            <a:off x="6260441" y="1921095"/>
             <a:ext cx="299428" cy="240356"/>
           </a:xfrm>
           <a:prstGeom prst="line">
@@ -16527,7 +17295,7 @@
         </p:nvCxnSpPr>
         <p:spPr>
           <a:xfrm>
-            <a:off x="2704144" y="3832707"/>
+            <a:off x="1878644" y="3374713"/>
             <a:ext cx="303704" cy="235730"/>
           </a:xfrm>
           <a:prstGeom prst="line">
@@ -16565,7 +17333,7 @@
         </p:nvCxnSpPr>
         <p:spPr>
           <a:xfrm>
-            <a:off x="4166558" y="3827494"/>
+            <a:off x="3341058" y="3369505"/>
             <a:ext cx="299644" cy="240949"/>
           </a:xfrm>
           <a:prstGeom prst="line">
@@ -16603,7 +17371,7 @@
         </p:nvCxnSpPr>
         <p:spPr>
           <a:xfrm>
-            <a:off x="5628115" y="3826473"/>
+            <a:off x="4802620" y="3368479"/>
             <a:ext cx="298901" cy="241968"/>
           </a:xfrm>
           <a:prstGeom prst="line">
@@ -16641,7 +17409,7 @@
         </p:nvCxnSpPr>
         <p:spPr>
           <a:xfrm>
-            <a:off x="7085941" y="3831132"/>
+            <a:off x="6260441" y="3373143"/>
             <a:ext cx="299428" cy="237307"/>
           </a:xfrm>
           <a:prstGeom prst="line">
@@ -16679,7 +17447,7 @@
         </p:nvCxnSpPr>
         <p:spPr>
           <a:xfrm>
-            <a:off x="2710300" y="5266340"/>
+            <a:off x="1884805" y="4808346"/>
             <a:ext cx="297549" cy="237026"/>
           </a:xfrm>
           <a:prstGeom prst="line">
@@ -16717,7 +17485,7 @@
         </p:nvCxnSpPr>
         <p:spPr>
           <a:xfrm>
-            <a:off x="4172711" y="5261124"/>
+            <a:off x="3347216" y="4803130"/>
             <a:ext cx="293491" cy="242246"/>
           </a:xfrm>
           <a:prstGeom prst="line">
@@ -16755,7 +17523,7 @@
         </p:nvCxnSpPr>
         <p:spPr>
           <a:xfrm>
-            <a:off x="5634266" y="5260105"/>
+            <a:off x="4808766" y="4802116"/>
             <a:ext cx="292746" cy="243265"/>
           </a:xfrm>
           <a:prstGeom prst="line">
@@ -16793,7 +17561,7 @@
         </p:nvCxnSpPr>
         <p:spPr>
           <a:xfrm>
-            <a:off x="7092099" y="5264762"/>
+            <a:off x="6266604" y="4806768"/>
             <a:ext cx="293275" cy="238604"/>
           </a:xfrm>
           <a:prstGeom prst="line">
@@ -16831,7 +17599,7 @@
         </p:nvCxnSpPr>
         <p:spPr>
           <a:xfrm>
-            <a:off x="2707509" y="6712829"/>
+            <a:off x="1882014" y="6254840"/>
             <a:ext cx="308461" cy="234077"/>
           </a:xfrm>
           <a:prstGeom prst="line">
@@ -16869,7 +17637,7 @@
         </p:nvCxnSpPr>
         <p:spPr>
           <a:xfrm>
-            <a:off x="4169925" y="6707612"/>
+            <a:off x="3344430" y="6249618"/>
             <a:ext cx="304401" cy="239296"/>
           </a:xfrm>
           <a:prstGeom prst="line">
@@ -16907,7 +17675,7 @@
         </p:nvCxnSpPr>
         <p:spPr>
           <a:xfrm>
-            <a:off x="5631476" y="6706595"/>
+            <a:off x="4805976" y="6248606"/>
             <a:ext cx="303658" cy="240315"/>
           </a:xfrm>
           <a:prstGeom prst="line">
@@ -16945,7 +17713,7 @@
         </p:nvCxnSpPr>
         <p:spPr>
           <a:xfrm>
-            <a:off x="7089310" y="6711250"/>
+            <a:off x="6263815" y="6253256"/>
             <a:ext cx="304187" cy="235654"/>
           </a:xfrm>
           <a:prstGeom prst="line">
@@ -16974,1513 +17742,13 @@
       </p:cxnSp>
       <p:grpSp>
         <p:nvGrpSpPr>
-          <p:cNvPr id="366" name="グループ化 365"/>
-          <p:cNvGrpSpPr/>
-          <p:nvPr/>
-        </p:nvGrpSpPr>
-        <p:grpSpPr>
-          <a:xfrm>
-            <a:off x="2688024" y="514588"/>
-            <a:ext cx="4619185" cy="883266"/>
-            <a:chOff x="2671166" y="839821"/>
-            <a:chExt cx="4566309" cy="873155"/>
-          </a:xfrm>
-        </p:grpSpPr>
-        <p:sp>
-          <p:nvSpPr>
-            <p:cNvPr id="362" name="フリーフォーム 361"/>
-            <p:cNvSpPr/>
-            <p:nvPr/>
-          </p:nvSpPr>
-          <p:spPr>
-            <a:xfrm>
-              <a:off x="2671166" y="859536"/>
-              <a:ext cx="230530" cy="853440"/>
-            </a:xfrm>
-            <a:custGeom>
-              <a:avLst/>
-              <a:gdLst>
-                <a:gd name="connsiteX0" fmla="*/ 230530 w 230530"/>
-                <a:gd name="connsiteY0" fmla="*/ 853440 h 853440"/>
-                <a:gd name="connsiteX1" fmla="*/ 4978 w 230530"/>
-                <a:gd name="connsiteY1" fmla="*/ 469392 h 853440"/>
-                <a:gd name="connsiteX2" fmla="*/ 96418 w 230530"/>
-                <a:gd name="connsiteY2" fmla="*/ 0 h 853440"/>
-              </a:gdLst>
-              <a:ahLst/>
-              <a:cxnLst>
-                <a:cxn ang="0">
-                  <a:pos x="connsiteX0" y="connsiteY0"/>
-                </a:cxn>
-                <a:cxn ang="0">
-                  <a:pos x="connsiteX1" y="connsiteY1"/>
-                </a:cxn>
-                <a:cxn ang="0">
-                  <a:pos x="connsiteX2" y="connsiteY2"/>
-                </a:cxn>
-              </a:cxnLst>
-              <a:rect l="l" t="t" r="r" b="b"/>
-              <a:pathLst>
-                <a:path w="230530" h="853440">
-                  <a:moveTo>
-                    <a:pt x="230530" y="853440"/>
-                  </a:moveTo>
-                  <a:cubicBezTo>
-                    <a:pt x="128930" y="732536"/>
-                    <a:pt x="27330" y="611632"/>
-                    <a:pt x="4978" y="469392"/>
-                  </a:cubicBezTo>
-                  <a:cubicBezTo>
-                    <a:pt x="-17374" y="327152"/>
-                    <a:pt x="39522" y="163576"/>
-                    <a:pt x="96418" y="0"/>
-                  </a:cubicBezTo>
-                </a:path>
-              </a:pathLst>
-            </a:custGeom>
-            <a:noFill/>
-            <a:ln w="12700">
-              <a:solidFill>
-                <a:srgbClr val="FF0000"/>
-              </a:solidFill>
-            </a:ln>
-          </p:spPr>
-          <p:style>
-            <a:lnRef idx="2">
-              <a:schemeClr val="accent1">
-                <a:shade val="50000"/>
-              </a:schemeClr>
-            </a:lnRef>
-            <a:fillRef idx="1">
-              <a:schemeClr val="accent1"/>
-            </a:fillRef>
-            <a:effectRef idx="0">
-              <a:schemeClr val="accent1"/>
-            </a:effectRef>
-            <a:fontRef idx="minor">
-              <a:schemeClr val="lt1"/>
-            </a:fontRef>
-          </p:style>
-          <p:txBody>
-            <a:bodyPr rtlCol="0" anchor="ctr"/>
-            <a:lstStyle/>
-            <a:p>
-              <a:pPr algn="ctr" defTabSz="924937"/>
-              <a:endParaRPr lang="ja-JP" altLang="en-US" sz="1820">
-                <a:solidFill>
-                  <a:prstClr val="white"/>
-                </a:solidFill>
-                <a:latin typeface="Calibri"/>
-                <a:ea typeface="ＭＳ Ｐゴシック" panose="020B0600070205080204" pitchFamily="50" charset="-128"/>
-              </a:endParaRPr>
-            </a:p>
-          </p:txBody>
-        </p:sp>
-        <p:sp>
-          <p:nvSpPr>
-            <p:cNvPr id="363" name="フリーフォーム 362"/>
-            <p:cNvSpPr/>
-            <p:nvPr/>
-          </p:nvSpPr>
-          <p:spPr>
-            <a:xfrm>
-              <a:off x="4117081" y="859536"/>
-              <a:ext cx="230530" cy="853440"/>
-            </a:xfrm>
-            <a:custGeom>
-              <a:avLst/>
-              <a:gdLst>
-                <a:gd name="connsiteX0" fmla="*/ 230530 w 230530"/>
-                <a:gd name="connsiteY0" fmla="*/ 853440 h 853440"/>
-                <a:gd name="connsiteX1" fmla="*/ 4978 w 230530"/>
-                <a:gd name="connsiteY1" fmla="*/ 469392 h 853440"/>
-                <a:gd name="connsiteX2" fmla="*/ 96418 w 230530"/>
-                <a:gd name="connsiteY2" fmla="*/ 0 h 853440"/>
-              </a:gdLst>
-              <a:ahLst/>
-              <a:cxnLst>
-                <a:cxn ang="0">
-                  <a:pos x="connsiteX0" y="connsiteY0"/>
-                </a:cxn>
-                <a:cxn ang="0">
-                  <a:pos x="connsiteX1" y="connsiteY1"/>
-                </a:cxn>
-                <a:cxn ang="0">
-                  <a:pos x="connsiteX2" y="connsiteY2"/>
-                </a:cxn>
-              </a:cxnLst>
-              <a:rect l="l" t="t" r="r" b="b"/>
-              <a:pathLst>
-                <a:path w="230530" h="853440">
-                  <a:moveTo>
-                    <a:pt x="230530" y="853440"/>
-                  </a:moveTo>
-                  <a:cubicBezTo>
-                    <a:pt x="128930" y="732536"/>
-                    <a:pt x="27330" y="611632"/>
-                    <a:pt x="4978" y="469392"/>
-                  </a:cubicBezTo>
-                  <a:cubicBezTo>
-                    <a:pt x="-17374" y="327152"/>
-                    <a:pt x="39522" y="163576"/>
-                    <a:pt x="96418" y="0"/>
-                  </a:cubicBezTo>
-                </a:path>
-              </a:pathLst>
-            </a:custGeom>
-            <a:noFill/>
-            <a:ln w="12700">
-              <a:solidFill>
-                <a:srgbClr val="FF0000"/>
-              </a:solidFill>
-            </a:ln>
-          </p:spPr>
-          <p:style>
-            <a:lnRef idx="2">
-              <a:schemeClr val="accent1">
-                <a:shade val="50000"/>
-              </a:schemeClr>
-            </a:lnRef>
-            <a:fillRef idx="1">
-              <a:schemeClr val="accent1"/>
-            </a:fillRef>
-            <a:effectRef idx="0">
-              <a:schemeClr val="accent1"/>
-            </a:effectRef>
-            <a:fontRef idx="minor">
-              <a:schemeClr val="lt1"/>
-            </a:fontRef>
-          </p:style>
-          <p:txBody>
-            <a:bodyPr rtlCol="0" anchor="ctr"/>
-            <a:lstStyle/>
-            <a:p>
-              <a:pPr algn="ctr" defTabSz="924937"/>
-              <a:endParaRPr lang="ja-JP" altLang="en-US" sz="1820">
-                <a:solidFill>
-                  <a:prstClr val="white"/>
-                </a:solidFill>
-                <a:latin typeface="Calibri"/>
-                <a:ea typeface="ＭＳ Ｐゴシック" panose="020B0600070205080204" pitchFamily="50" charset="-128"/>
-              </a:endParaRPr>
-            </a:p>
-          </p:txBody>
-        </p:sp>
-        <p:sp>
-          <p:nvSpPr>
-            <p:cNvPr id="364" name="フリーフォーム 363"/>
-            <p:cNvSpPr/>
-            <p:nvPr/>
-          </p:nvSpPr>
-          <p:spPr>
-            <a:xfrm>
-              <a:off x="5556125" y="858422"/>
-              <a:ext cx="230530" cy="853440"/>
-            </a:xfrm>
-            <a:custGeom>
-              <a:avLst/>
-              <a:gdLst>
-                <a:gd name="connsiteX0" fmla="*/ 230530 w 230530"/>
-                <a:gd name="connsiteY0" fmla="*/ 853440 h 853440"/>
-                <a:gd name="connsiteX1" fmla="*/ 4978 w 230530"/>
-                <a:gd name="connsiteY1" fmla="*/ 469392 h 853440"/>
-                <a:gd name="connsiteX2" fmla="*/ 96418 w 230530"/>
-                <a:gd name="connsiteY2" fmla="*/ 0 h 853440"/>
-              </a:gdLst>
-              <a:ahLst/>
-              <a:cxnLst>
-                <a:cxn ang="0">
-                  <a:pos x="connsiteX0" y="connsiteY0"/>
-                </a:cxn>
-                <a:cxn ang="0">
-                  <a:pos x="connsiteX1" y="connsiteY1"/>
-                </a:cxn>
-                <a:cxn ang="0">
-                  <a:pos x="connsiteX2" y="connsiteY2"/>
-                </a:cxn>
-              </a:cxnLst>
-              <a:rect l="l" t="t" r="r" b="b"/>
-              <a:pathLst>
-                <a:path w="230530" h="853440">
-                  <a:moveTo>
-                    <a:pt x="230530" y="853440"/>
-                  </a:moveTo>
-                  <a:cubicBezTo>
-                    <a:pt x="128930" y="732536"/>
-                    <a:pt x="27330" y="611632"/>
-                    <a:pt x="4978" y="469392"/>
-                  </a:cubicBezTo>
-                  <a:cubicBezTo>
-                    <a:pt x="-17374" y="327152"/>
-                    <a:pt x="39522" y="163576"/>
-                    <a:pt x="96418" y="0"/>
-                  </a:cubicBezTo>
-                </a:path>
-              </a:pathLst>
-            </a:custGeom>
-            <a:noFill/>
-            <a:ln w="12700">
-              <a:solidFill>
-                <a:srgbClr val="FF0000"/>
-              </a:solidFill>
-            </a:ln>
-          </p:spPr>
-          <p:style>
-            <a:lnRef idx="2">
-              <a:schemeClr val="accent1">
-                <a:shade val="50000"/>
-              </a:schemeClr>
-            </a:lnRef>
-            <a:fillRef idx="1">
-              <a:schemeClr val="accent1"/>
-            </a:fillRef>
-            <a:effectRef idx="0">
-              <a:schemeClr val="accent1"/>
-            </a:effectRef>
-            <a:fontRef idx="minor">
-              <a:schemeClr val="lt1"/>
-            </a:fontRef>
-          </p:style>
-          <p:txBody>
-            <a:bodyPr rtlCol="0" anchor="ctr"/>
-            <a:lstStyle/>
-            <a:p>
-              <a:pPr algn="ctr" defTabSz="924937"/>
-              <a:endParaRPr lang="ja-JP" altLang="en-US" sz="1820">
-                <a:solidFill>
-                  <a:prstClr val="white"/>
-                </a:solidFill>
-                <a:latin typeface="Calibri"/>
-                <a:ea typeface="ＭＳ Ｐゴシック" panose="020B0600070205080204" pitchFamily="50" charset="-128"/>
-              </a:endParaRPr>
-            </a:p>
-          </p:txBody>
-        </p:sp>
-        <p:sp>
-          <p:nvSpPr>
-            <p:cNvPr id="365" name="フリーフォーム 364"/>
-            <p:cNvSpPr/>
-            <p:nvPr/>
-          </p:nvSpPr>
-          <p:spPr>
-            <a:xfrm>
-              <a:off x="7006945" y="839821"/>
-              <a:ext cx="230530" cy="853440"/>
-            </a:xfrm>
-            <a:custGeom>
-              <a:avLst/>
-              <a:gdLst>
-                <a:gd name="connsiteX0" fmla="*/ 230530 w 230530"/>
-                <a:gd name="connsiteY0" fmla="*/ 853440 h 853440"/>
-                <a:gd name="connsiteX1" fmla="*/ 4978 w 230530"/>
-                <a:gd name="connsiteY1" fmla="*/ 469392 h 853440"/>
-                <a:gd name="connsiteX2" fmla="*/ 96418 w 230530"/>
-                <a:gd name="connsiteY2" fmla="*/ 0 h 853440"/>
-              </a:gdLst>
-              <a:ahLst/>
-              <a:cxnLst>
-                <a:cxn ang="0">
-                  <a:pos x="connsiteX0" y="connsiteY0"/>
-                </a:cxn>
-                <a:cxn ang="0">
-                  <a:pos x="connsiteX1" y="connsiteY1"/>
-                </a:cxn>
-                <a:cxn ang="0">
-                  <a:pos x="connsiteX2" y="connsiteY2"/>
-                </a:cxn>
-              </a:cxnLst>
-              <a:rect l="l" t="t" r="r" b="b"/>
-              <a:pathLst>
-                <a:path w="230530" h="853440">
-                  <a:moveTo>
-                    <a:pt x="230530" y="853440"/>
-                  </a:moveTo>
-                  <a:cubicBezTo>
-                    <a:pt x="128930" y="732536"/>
-                    <a:pt x="27330" y="611632"/>
-                    <a:pt x="4978" y="469392"/>
-                  </a:cubicBezTo>
-                  <a:cubicBezTo>
-                    <a:pt x="-17374" y="327152"/>
-                    <a:pt x="39522" y="163576"/>
-                    <a:pt x="96418" y="0"/>
-                  </a:cubicBezTo>
-                </a:path>
-              </a:pathLst>
-            </a:custGeom>
-            <a:noFill/>
-            <a:ln w="12700">
-              <a:solidFill>
-                <a:srgbClr val="FF0000"/>
-              </a:solidFill>
-            </a:ln>
-          </p:spPr>
-          <p:style>
-            <a:lnRef idx="2">
-              <a:schemeClr val="accent1">
-                <a:shade val="50000"/>
-              </a:schemeClr>
-            </a:lnRef>
-            <a:fillRef idx="1">
-              <a:schemeClr val="accent1"/>
-            </a:fillRef>
-            <a:effectRef idx="0">
-              <a:schemeClr val="accent1"/>
-            </a:effectRef>
-            <a:fontRef idx="minor">
-              <a:schemeClr val="lt1"/>
-            </a:fontRef>
-          </p:style>
-          <p:txBody>
-            <a:bodyPr rtlCol="0" anchor="ctr"/>
-            <a:lstStyle/>
-            <a:p>
-              <a:pPr algn="ctr" defTabSz="924937"/>
-              <a:endParaRPr lang="ja-JP" altLang="en-US" sz="1820">
-                <a:solidFill>
-                  <a:prstClr val="white"/>
-                </a:solidFill>
-                <a:latin typeface="Calibri"/>
-                <a:ea typeface="ＭＳ Ｐゴシック" panose="020B0600070205080204" pitchFamily="50" charset="-128"/>
-              </a:endParaRPr>
-            </a:p>
-          </p:txBody>
-        </p:sp>
-      </p:grpSp>
-      <p:grpSp>
-        <p:nvGrpSpPr>
-          <p:cNvPr id="367" name="グループ化 366"/>
-          <p:cNvGrpSpPr/>
-          <p:nvPr/>
-        </p:nvGrpSpPr>
-        <p:grpSpPr>
-          <a:xfrm flipV="1">
-            <a:off x="2694190" y="8657826"/>
-            <a:ext cx="4619185" cy="883266"/>
-            <a:chOff x="2671166" y="839821"/>
-            <a:chExt cx="4566309" cy="873155"/>
-          </a:xfrm>
-        </p:grpSpPr>
-        <p:sp>
-          <p:nvSpPr>
-            <p:cNvPr id="368" name="フリーフォーム 367"/>
-            <p:cNvSpPr/>
-            <p:nvPr/>
-          </p:nvSpPr>
-          <p:spPr>
-            <a:xfrm>
-              <a:off x="2671166" y="859536"/>
-              <a:ext cx="230530" cy="853440"/>
-            </a:xfrm>
-            <a:custGeom>
-              <a:avLst/>
-              <a:gdLst>
-                <a:gd name="connsiteX0" fmla="*/ 230530 w 230530"/>
-                <a:gd name="connsiteY0" fmla="*/ 853440 h 853440"/>
-                <a:gd name="connsiteX1" fmla="*/ 4978 w 230530"/>
-                <a:gd name="connsiteY1" fmla="*/ 469392 h 853440"/>
-                <a:gd name="connsiteX2" fmla="*/ 96418 w 230530"/>
-                <a:gd name="connsiteY2" fmla="*/ 0 h 853440"/>
-              </a:gdLst>
-              <a:ahLst/>
-              <a:cxnLst>
-                <a:cxn ang="0">
-                  <a:pos x="connsiteX0" y="connsiteY0"/>
-                </a:cxn>
-                <a:cxn ang="0">
-                  <a:pos x="connsiteX1" y="connsiteY1"/>
-                </a:cxn>
-                <a:cxn ang="0">
-                  <a:pos x="connsiteX2" y="connsiteY2"/>
-                </a:cxn>
-              </a:cxnLst>
-              <a:rect l="l" t="t" r="r" b="b"/>
-              <a:pathLst>
-                <a:path w="230530" h="853440">
-                  <a:moveTo>
-                    <a:pt x="230530" y="853440"/>
-                  </a:moveTo>
-                  <a:cubicBezTo>
-                    <a:pt x="128930" y="732536"/>
-                    <a:pt x="27330" y="611632"/>
-                    <a:pt x="4978" y="469392"/>
-                  </a:cubicBezTo>
-                  <a:cubicBezTo>
-                    <a:pt x="-17374" y="327152"/>
-                    <a:pt x="39522" y="163576"/>
-                    <a:pt x="96418" y="0"/>
-                  </a:cubicBezTo>
-                </a:path>
-              </a:pathLst>
-            </a:custGeom>
-            <a:noFill/>
-            <a:ln w="12700">
-              <a:solidFill>
-                <a:srgbClr val="FF0000"/>
-              </a:solidFill>
-            </a:ln>
-          </p:spPr>
-          <p:style>
-            <a:lnRef idx="2">
-              <a:schemeClr val="accent1">
-                <a:shade val="50000"/>
-              </a:schemeClr>
-            </a:lnRef>
-            <a:fillRef idx="1">
-              <a:schemeClr val="accent1"/>
-            </a:fillRef>
-            <a:effectRef idx="0">
-              <a:schemeClr val="accent1"/>
-            </a:effectRef>
-            <a:fontRef idx="minor">
-              <a:schemeClr val="lt1"/>
-            </a:fontRef>
-          </p:style>
-          <p:txBody>
-            <a:bodyPr rtlCol="0" anchor="ctr"/>
-            <a:lstStyle/>
-            <a:p>
-              <a:pPr algn="ctr" defTabSz="924937"/>
-              <a:endParaRPr lang="ja-JP" altLang="en-US" sz="1820">
-                <a:solidFill>
-                  <a:prstClr val="white"/>
-                </a:solidFill>
-                <a:latin typeface="Calibri"/>
-                <a:ea typeface="ＭＳ Ｐゴシック" panose="020B0600070205080204" pitchFamily="50" charset="-128"/>
-              </a:endParaRPr>
-            </a:p>
-          </p:txBody>
-        </p:sp>
-        <p:sp>
-          <p:nvSpPr>
-            <p:cNvPr id="369" name="フリーフォーム 368"/>
-            <p:cNvSpPr/>
-            <p:nvPr/>
-          </p:nvSpPr>
-          <p:spPr>
-            <a:xfrm>
-              <a:off x="4117081" y="859536"/>
-              <a:ext cx="230530" cy="853440"/>
-            </a:xfrm>
-            <a:custGeom>
-              <a:avLst/>
-              <a:gdLst>
-                <a:gd name="connsiteX0" fmla="*/ 230530 w 230530"/>
-                <a:gd name="connsiteY0" fmla="*/ 853440 h 853440"/>
-                <a:gd name="connsiteX1" fmla="*/ 4978 w 230530"/>
-                <a:gd name="connsiteY1" fmla="*/ 469392 h 853440"/>
-                <a:gd name="connsiteX2" fmla="*/ 96418 w 230530"/>
-                <a:gd name="connsiteY2" fmla="*/ 0 h 853440"/>
-              </a:gdLst>
-              <a:ahLst/>
-              <a:cxnLst>
-                <a:cxn ang="0">
-                  <a:pos x="connsiteX0" y="connsiteY0"/>
-                </a:cxn>
-                <a:cxn ang="0">
-                  <a:pos x="connsiteX1" y="connsiteY1"/>
-                </a:cxn>
-                <a:cxn ang="0">
-                  <a:pos x="connsiteX2" y="connsiteY2"/>
-                </a:cxn>
-              </a:cxnLst>
-              <a:rect l="l" t="t" r="r" b="b"/>
-              <a:pathLst>
-                <a:path w="230530" h="853440">
-                  <a:moveTo>
-                    <a:pt x="230530" y="853440"/>
-                  </a:moveTo>
-                  <a:cubicBezTo>
-                    <a:pt x="128930" y="732536"/>
-                    <a:pt x="27330" y="611632"/>
-                    <a:pt x="4978" y="469392"/>
-                  </a:cubicBezTo>
-                  <a:cubicBezTo>
-                    <a:pt x="-17374" y="327152"/>
-                    <a:pt x="39522" y="163576"/>
-                    <a:pt x="96418" y="0"/>
-                  </a:cubicBezTo>
-                </a:path>
-              </a:pathLst>
-            </a:custGeom>
-            <a:noFill/>
-            <a:ln w="12700">
-              <a:solidFill>
-                <a:srgbClr val="FF0000"/>
-              </a:solidFill>
-            </a:ln>
-          </p:spPr>
-          <p:style>
-            <a:lnRef idx="2">
-              <a:schemeClr val="accent1">
-                <a:shade val="50000"/>
-              </a:schemeClr>
-            </a:lnRef>
-            <a:fillRef idx="1">
-              <a:schemeClr val="accent1"/>
-            </a:fillRef>
-            <a:effectRef idx="0">
-              <a:schemeClr val="accent1"/>
-            </a:effectRef>
-            <a:fontRef idx="minor">
-              <a:schemeClr val="lt1"/>
-            </a:fontRef>
-          </p:style>
-          <p:txBody>
-            <a:bodyPr rtlCol="0" anchor="ctr"/>
-            <a:lstStyle/>
-            <a:p>
-              <a:pPr algn="ctr" defTabSz="924937"/>
-              <a:endParaRPr lang="ja-JP" altLang="en-US" sz="1820">
-                <a:solidFill>
-                  <a:prstClr val="white"/>
-                </a:solidFill>
-                <a:latin typeface="Calibri"/>
-                <a:ea typeface="ＭＳ Ｐゴシック" panose="020B0600070205080204" pitchFamily="50" charset="-128"/>
-              </a:endParaRPr>
-            </a:p>
-          </p:txBody>
-        </p:sp>
-        <p:sp>
-          <p:nvSpPr>
-            <p:cNvPr id="370" name="フリーフォーム 369"/>
-            <p:cNvSpPr/>
-            <p:nvPr/>
-          </p:nvSpPr>
-          <p:spPr>
-            <a:xfrm>
-              <a:off x="5556125" y="858422"/>
-              <a:ext cx="230530" cy="853440"/>
-            </a:xfrm>
-            <a:custGeom>
-              <a:avLst/>
-              <a:gdLst>
-                <a:gd name="connsiteX0" fmla="*/ 230530 w 230530"/>
-                <a:gd name="connsiteY0" fmla="*/ 853440 h 853440"/>
-                <a:gd name="connsiteX1" fmla="*/ 4978 w 230530"/>
-                <a:gd name="connsiteY1" fmla="*/ 469392 h 853440"/>
-                <a:gd name="connsiteX2" fmla="*/ 96418 w 230530"/>
-                <a:gd name="connsiteY2" fmla="*/ 0 h 853440"/>
-              </a:gdLst>
-              <a:ahLst/>
-              <a:cxnLst>
-                <a:cxn ang="0">
-                  <a:pos x="connsiteX0" y="connsiteY0"/>
-                </a:cxn>
-                <a:cxn ang="0">
-                  <a:pos x="connsiteX1" y="connsiteY1"/>
-                </a:cxn>
-                <a:cxn ang="0">
-                  <a:pos x="connsiteX2" y="connsiteY2"/>
-                </a:cxn>
-              </a:cxnLst>
-              <a:rect l="l" t="t" r="r" b="b"/>
-              <a:pathLst>
-                <a:path w="230530" h="853440">
-                  <a:moveTo>
-                    <a:pt x="230530" y="853440"/>
-                  </a:moveTo>
-                  <a:cubicBezTo>
-                    <a:pt x="128930" y="732536"/>
-                    <a:pt x="27330" y="611632"/>
-                    <a:pt x="4978" y="469392"/>
-                  </a:cubicBezTo>
-                  <a:cubicBezTo>
-                    <a:pt x="-17374" y="327152"/>
-                    <a:pt x="39522" y="163576"/>
-                    <a:pt x="96418" y="0"/>
-                  </a:cubicBezTo>
-                </a:path>
-              </a:pathLst>
-            </a:custGeom>
-            <a:noFill/>
-            <a:ln w="12700">
-              <a:solidFill>
-                <a:srgbClr val="FF0000"/>
-              </a:solidFill>
-            </a:ln>
-          </p:spPr>
-          <p:style>
-            <a:lnRef idx="2">
-              <a:schemeClr val="accent1">
-                <a:shade val="50000"/>
-              </a:schemeClr>
-            </a:lnRef>
-            <a:fillRef idx="1">
-              <a:schemeClr val="accent1"/>
-            </a:fillRef>
-            <a:effectRef idx="0">
-              <a:schemeClr val="accent1"/>
-            </a:effectRef>
-            <a:fontRef idx="minor">
-              <a:schemeClr val="lt1"/>
-            </a:fontRef>
-          </p:style>
-          <p:txBody>
-            <a:bodyPr rtlCol="0" anchor="ctr"/>
-            <a:lstStyle/>
-            <a:p>
-              <a:pPr algn="ctr" defTabSz="924937"/>
-              <a:endParaRPr lang="ja-JP" altLang="en-US" sz="1820">
-                <a:solidFill>
-                  <a:prstClr val="white"/>
-                </a:solidFill>
-                <a:latin typeface="Calibri"/>
-                <a:ea typeface="ＭＳ Ｐゴシック" panose="020B0600070205080204" pitchFamily="50" charset="-128"/>
-              </a:endParaRPr>
-            </a:p>
-          </p:txBody>
-        </p:sp>
-        <p:sp>
-          <p:nvSpPr>
-            <p:cNvPr id="371" name="フリーフォーム 370"/>
-            <p:cNvSpPr/>
-            <p:nvPr/>
-          </p:nvSpPr>
-          <p:spPr>
-            <a:xfrm>
-              <a:off x="7006945" y="839821"/>
-              <a:ext cx="230530" cy="853440"/>
-            </a:xfrm>
-            <a:custGeom>
-              <a:avLst/>
-              <a:gdLst>
-                <a:gd name="connsiteX0" fmla="*/ 230530 w 230530"/>
-                <a:gd name="connsiteY0" fmla="*/ 853440 h 853440"/>
-                <a:gd name="connsiteX1" fmla="*/ 4978 w 230530"/>
-                <a:gd name="connsiteY1" fmla="*/ 469392 h 853440"/>
-                <a:gd name="connsiteX2" fmla="*/ 96418 w 230530"/>
-                <a:gd name="connsiteY2" fmla="*/ 0 h 853440"/>
-              </a:gdLst>
-              <a:ahLst/>
-              <a:cxnLst>
-                <a:cxn ang="0">
-                  <a:pos x="connsiteX0" y="connsiteY0"/>
-                </a:cxn>
-                <a:cxn ang="0">
-                  <a:pos x="connsiteX1" y="connsiteY1"/>
-                </a:cxn>
-                <a:cxn ang="0">
-                  <a:pos x="connsiteX2" y="connsiteY2"/>
-                </a:cxn>
-              </a:cxnLst>
-              <a:rect l="l" t="t" r="r" b="b"/>
-              <a:pathLst>
-                <a:path w="230530" h="853440">
-                  <a:moveTo>
-                    <a:pt x="230530" y="853440"/>
-                  </a:moveTo>
-                  <a:cubicBezTo>
-                    <a:pt x="128930" y="732536"/>
-                    <a:pt x="27330" y="611632"/>
-                    <a:pt x="4978" y="469392"/>
-                  </a:cubicBezTo>
-                  <a:cubicBezTo>
-                    <a:pt x="-17374" y="327152"/>
-                    <a:pt x="39522" y="163576"/>
-                    <a:pt x="96418" y="0"/>
-                  </a:cubicBezTo>
-                </a:path>
-              </a:pathLst>
-            </a:custGeom>
-            <a:noFill/>
-            <a:ln w="12700">
-              <a:solidFill>
-                <a:srgbClr val="FF0000"/>
-              </a:solidFill>
-            </a:ln>
-          </p:spPr>
-          <p:style>
-            <a:lnRef idx="2">
-              <a:schemeClr val="accent1">
-                <a:shade val="50000"/>
-              </a:schemeClr>
-            </a:lnRef>
-            <a:fillRef idx="1">
-              <a:schemeClr val="accent1"/>
-            </a:fillRef>
-            <a:effectRef idx="0">
-              <a:schemeClr val="accent1"/>
-            </a:effectRef>
-            <a:fontRef idx="minor">
-              <a:schemeClr val="lt1"/>
-            </a:fontRef>
-          </p:style>
-          <p:txBody>
-            <a:bodyPr rtlCol="0" anchor="ctr"/>
-            <a:lstStyle/>
-            <a:p>
-              <a:pPr algn="ctr" defTabSz="924937"/>
-              <a:endParaRPr lang="ja-JP" altLang="en-US" sz="1820">
-                <a:solidFill>
-                  <a:prstClr val="white"/>
-                </a:solidFill>
-                <a:latin typeface="Calibri"/>
-                <a:ea typeface="ＭＳ Ｐゴシック" panose="020B0600070205080204" pitchFamily="50" charset="-128"/>
-              </a:endParaRPr>
-            </a:p>
-          </p:txBody>
-        </p:sp>
-      </p:grpSp>
-      <p:grpSp>
-        <p:nvGrpSpPr>
-          <p:cNvPr id="372" name="グループ化 371"/>
-          <p:cNvGrpSpPr/>
-          <p:nvPr/>
-        </p:nvGrpSpPr>
-        <p:grpSpPr>
-          <a:xfrm rot="16200000" flipV="1">
-            <a:off x="7242712" y="5007727"/>
-            <a:ext cx="4588352" cy="883266"/>
-            <a:chOff x="2701646" y="839821"/>
-            <a:chExt cx="4535829" cy="873155"/>
-          </a:xfrm>
-        </p:grpSpPr>
-        <p:sp>
-          <p:nvSpPr>
-            <p:cNvPr id="373" name="フリーフォーム 372"/>
-            <p:cNvSpPr/>
-            <p:nvPr/>
-          </p:nvSpPr>
-          <p:spPr>
-            <a:xfrm>
-              <a:off x="2701646" y="859536"/>
-              <a:ext cx="230530" cy="853440"/>
-            </a:xfrm>
-            <a:custGeom>
-              <a:avLst/>
-              <a:gdLst>
-                <a:gd name="connsiteX0" fmla="*/ 230530 w 230530"/>
-                <a:gd name="connsiteY0" fmla="*/ 853440 h 853440"/>
-                <a:gd name="connsiteX1" fmla="*/ 4978 w 230530"/>
-                <a:gd name="connsiteY1" fmla="*/ 469392 h 853440"/>
-                <a:gd name="connsiteX2" fmla="*/ 96418 w 230530"/>
-                <a:gd name="connsiteY2" fmla="*/ 0 h 853440"/>
-              </a:gdLst>
-              <a:ahLst/>
-              <a:cxnLst>
-                <a:cxn ang="0">
-                  <a:pos x="connsiteX0" y="connsiteY0"/>
-                </a:cxn>
-                <a:cxn ang="0">
-                  <a:pos x="connsiteX1" y="connsiteY1"/>
-                </a:cxn>
-                <a:cxn ang="0">
-                  <a:pos x="connsiteX2" y="connsiteY2"/>
-                </a:cxn>
-              </a:cxnLst>
-              <a:rect l="l" t="t" r="r" b="b"/>
-              <a:pathLst>
-                <a:path w="230530" h="853440">
-                  <a:moveTo>
-                    <a:pt x="230530" y="853440"/>
-                  </a:moveTo>
-                  <a:cubicBezTo>
-                    <a:pt x="128930" y="732536"/>
-                    <a:pt x="27330" y="611632"/>
-                    <a:pt x="4978" y="469392"/>
-                  </a:cubicBezTo>
-                  <a:cubicBezTo>
-                    <a:pt x="-17374" y="327152"/>
-                    <a:pt x="39522" y="163576"/>
-                    <a:pt x="96418" y="0"/>
-                  </a:cubicBezTo>
-                </a:path>
-              </a:pathLst>
-            </a:custGeom>
-            <a:noFill/>
-            <a:ln w="12700">
-              <a:solidFill>
-                <a:srgbClr val="FF0000"/>
-              </a:solidFill>
-            </a:ln>
-          </p:spPr>
-          <p:style>
-            <a:lnRef idx="2">
-              <a:schemeClr val="accent1">
-                <a:shade val="50000"/>
-              </a:schemeClr>
-            </a:lnRef>
-            <a:fillRef idx="1">
-              <a:schemeClr val="accent1"/>
-            </a:fillRef>
-            <a:effectRef idx="0">
-              <a:schemeClr val="accent1"/>
-            </a:effectRef>
-            <a:fontRef idx="minor">
-              <a:schemeClr val="lt1"/>
-            </a:fontRef>
-          </p:style>
-          <p:txBody>
-            <a:bodyPr rtlCol="0" anchor="ctr"/>
-            <a:lstStyle/>
-            <a:p>
-              <a:pPr algn="ctr" defTabSz="924937"/>
-              <a:endParaRPr lang="ja-JP" altLang="en-US" sz="1820">
-                <a:solidFill>
-                  <a:prstClr val="white"/>
-                </a:solidFill>
-                <a:latin typeface="Calibri"/>
-                <a:ea typeface="ＭＳ Ｐゴシック" panose="020B0600070205080204" pitchFamily="50" charset="-128"/>
-              </a:endParaRPr>
-            </a:p>
-          </p:txBody>
-        </p:sp>
-        <p:sp>
-          <p:nvSpPr>
-            <p:cNvPr id="374" name="フリーフォーム 373"/>
-            <p:cNvSpPr/>
-            <p:nvPr/>
-          </p:nvSpPr>
-          <p:spPr>
-            <a:xfrm>
-              <a:off x="4135369" y="859536"/>
-              <a:ext cx="230530" cy="853440"/>
-            </a:xfrm>
-            <a:custGeom>
-              <a:avLst/>
-              <a:gdLst>
-                <a:gd name="connsiteX0" fmla="*/ 230530 w 230530"/>
-                <a:gd name="connsiteY0" fmla="*/ 853440 h 853440"/>
-                <a:gd name="connsiteX1" fmla="*/ 4978 w 230530"/>
-                <a:gd name="connsiteY1" fmla="*/ 469392 h 853440"/>
-                <a:gd name="connsiteX2" fmla="*/ 96418 w 230530"/>
-                <a:gd name="connsiteY2" fmla="*/ 0 h 853440"/>
-              </a:gdLst>
-              <a:ahLst/>
-              <a:cxnLst>
-                <a:cxn ang="0">
-                  <a:pos x="connsiteX0" y="connsiteY0"/>
-                </a:cxn>
-                <a:cxn ang="0">
-                  <a:pos x="connsiteX1" y="connsiteY1"/>
-                </a:cxn>
-                <a:cxn ang="0">
-                  <a:pos x="connsiteX2" y="connsiteY2"/>
-                </a:cxn>
-              </a:cxnLst>
-              <a:rect l="l" t="t" r="r" b="b"/>
-              <a:pathLst>
-                <a:path w="230530" h="853440">
-                  <a:moveTo>
-                    <a:pt x="230530" y="853440"/>
-                  </a:moveTo>
-                  <a:cubicBezTo>
-                    <a:pt x="128930" y="732536"/>
-                    <a:pt x="27330" y="611632"/>
-                    <a:pt x="4978" y="469392"/>
-                  </a:cubicBezTo>
-                  <a:cubicBezTo>
-                    <a:pt x="-17374" y="327152"/>
-                    <a:pt x="39522" y="163576"/>
-                    <a:pt x="96418" y="0"/>
-                  </a:cubicBezTo>
-                </a:path>
-              </a:pathLst>
-            </a:custGeom>
-            <a:noFill/>
-            <a:ln w="12700">
-              <a:solidFill>
-                <a:srgbClr val="FF0000"/>
-              </a:solidFill>
-            </a:ln>
-          </p:spPr>
-          <p:style>
-            <a:lnRef idx="2">
-              <a:schemeClr val="accent1">
-                <a:shade val="50000"/>
-              </a:schemeClr>
-            </a:lnRef>
-            <a:fillRef idx="1">
-              <a:schemeClr val="accent1"/>
-            </a:fillRef>
-            <a:effectRef idx="0">
-              <a:schemeClr val="accent1"/>
-            </a:effectRef>
-            <a:fontRef idx="minor">
-              <a:schemeClr val="lt1"/>
-            </a:fontRef>
-          </p:style>
-          <p:txBody>
-            <a:bodyPr rtlCol="0" anchor="ctr"/>
-            <a:lstStyle/>
-            <a:p>
-              <a:pPr algn="ctr" defTabSz="924937"/>
-              <a:endParaRPr lang="ja-JP" altLang="en-US" sz="1820">
-                <a:solidFill>
-                  <a:prstClr val="white"/>
-                </a:solidFill>
-                <a:latin typeface="Calibri"/>
-                <a:ea typeface="ＭＳ Ｐゴシック" panose="020B0600070205080204" pitchFamily="50" charset="-128"/>
-              </a:endParaRPr>
-            </a:p>
-          </p:txBody>
-        </p:sp>
-        <p:sp>
-          <p:nvSpPr>
-            <p:cNvPr id="375" name="フリーフォーム 374"/>
-            <p:cNvSpPr/>
-            <p:nvPr/>
-          </p:nvSpPr>
-          <p:spPr>
-            <a:xfrm>
-              <a:off x="5556125" y="858422"/>
-              <a:ext cx="230530" cy="853440"/>
-            </a:xfrm>
-            <a:custGeom>
-              <a:avLst/>
-              <a:gdLst>
-                <a:gd name="connsiteX0" fmla="*/ 230530 w 230530"/>
-                <a:gd name="connsiteY0" fmla="*/ 853440 h 853440"/>
-                <a:gd name="connsiteX1" fmla="*/ 4978 w 230530"/>
-                <a:gd name="connsiteY1" fmla="*/ 469392 h 853440"/>
-                <a:gd name="connsiteX2" fmla="*/ 96418 w 230530"/>
-                <a:gd name="connsiteY2" fmla="*/ 0 h 853440"/>
-              </a:gdLst>
-              <a:ahLst/>
-              <a:cxnLst>
-                <a:cxn ang="0">
-                  <a:pos x="connsiteX0" y="connsiteY0"/>
-                </a:cxn>
-                <a:cxn ang="0">
-                  <a:pos x="connsiteX1" y="connsiteY1"/>
-                </a:cxn>
-                <a:cxn ang="0">
-                  <a:pos x="connsiteX2" y="connsiteY2"/>
-                </a:cxn>
-              </a:cxnLst>
-              <a:rect l="l" t="t" r="r" b="b"/>
-              <a:pathLst>
-                <a:path w="230530" h="853440">
-                  <a:moveTo>
-                    <a:pt x="230530" y="853440"/>
-                  </a:moveTo>
-                  <a:cubicBezTo>
-                    <a:pt x="128930" y="732536"/>
-                    <a:pt x="27330" y="611632"/>
-                    <a:pt x="4978" y="469392"/>
-                  </a:cubicBezTo>
-                  <a:cubicBezTo>
-                    <a:pt x="-17374" y="327152"/>
-                    <a:pt x="39522" y="163576"/>
-                    <a:pt x="96418" y="0"/>
-                  </a:cubicBezTo>
-                </a:path>
-              </a:pathLst>
-            </a:custGeom>
-            <a:noFill/>
-            <a:ln w="12700">
-              <a:solidFill>
-                <a:srgbClr val="FF0000"/>
-              </a:solidFill>
-            </a:ln>
-          </p:spPr>
-          <p:style>
-            <a:lnRef idx="2">
-              <a:schemeClr val="accent1">
-                <a:shade val="50000"/>
-              </a:schemeClr>
-            </a:lnRef>
-            <a:fillRef idx="1">
-              <a:schemeClr val="accent1"/>
-            </a:fillRef>
-            <a:effectRef idx="0">
-              <a:schemeClr val="accent1"/>
-            </a:effectRef>
-            <a:fontRef idx="minor">
-              <a:schemeClr val="lt1"/>
-            </a:fontRef>
-          </p:style>
-          <p:txBody>
-            <a:bodyPr rtlCol="0" anchor="ctr"/>
-            <a:lstStyle/>
-            <a:p>
-              <a:pPr algn="ctr" defTabSz="924937"/>
-              <a:endParaRPr lang="ja-JP" altLang="en-US" sz="1820">
-                <a:solidFill>
-                  <a:prstClr val="white"/>
-                </a:solidFill>
-                <a:latin typeface="Calibri"/>
-                <a:ea typeface="ＭＳ Ｐゴシック" panose="020B0600070205080204" pitchFamily="50" charset="-128"/>
-              </a:endParaRPr>
-            </a:p>
-          </p:txBody>
-        </p:sp>
-        <p:sp>
-          <p:nvSpPr>
-            <p:cNvPr id="376" name="フリーフォーム 375"/>
-            <p:cNvSpPr/>
-            <p:nvPr/>
-          </p:nvSpPr>
-          <p:spPr>
-            <a:xfrm>
-              <a:off x="7006945" y="839821"/>
-              <a:ext cx="230530" cy="853440"/>
-            </a:xfrm>
-            <a:custGeom>
-              <a:avLst/>
-              <a:gdLst>
-                <a:gd name="connsiteX0" fmla="*/ 230530 w 230530"/>
-                <a:gd name="connsiteY0" fmla="*/ 853440 h 853440"/>
-                <a:gd name="connsiteX1" fmla="*/ 4978 w 230530"/>
-                <a:gd name="connsiteY1" fmla="*/ 469392 h 853440"/>
-                <a:gd name="connsiteX2" fmla="*/ 96418 w 230530"/>
-                <a:gd name="connsiteY2" fmla="*/ 0 h 853440"/>
-              </a:gdLst>
-              <a:ahLst/>
-              <a:cxnLst>
-                <a:cxn ang="0">
-                  <a:pos x="connsiteX0" y="connsiteY0"/>
-                </a:cxn>
-                <a:cxn ang="0">
-                  <a:pos x="connsiteX1" y="connsiteY1"/>
-                </a:cxn>
-                <a:cxn ang="0">
-                  <a:pos x="connsiteX2" y="connsiteY2"/>
-                </a:cxn>
-              </a:cxnLst>
-              <a:rect l="l" t="t" r="r" b="b"/>
-              <a:pathLst>
-                <a:path w="230530" h="853440">
-                  <a:moveTo>
-                    <a:pt x="230530" y="853440"/>
-                  </a:moveTo>
-                  <a:cubicBezTo>
-                    <a:pt x="128930" y="732536"/>
-                    <a:pt x="27330" y="611632"/>
-                    <a:pt x="4978" y="469392"/>
-                  </a:cubicBezTo>
-                  <a:cubicBezTo>
-                    <a:pt x="-17374" y="327152"/>
-                    <a:pt x="39522" y="163576"/>
-                    <a:pt x="96418" y="0"/>
-                  </a:cubicBezTo>
-                </a:path>
-              </a:pathLst>
-            </a:custGeom>
-            <a:noFill/>
-            <a:ln w="12700">
-              <a:solidFill>
-                <a:srgbClr val="FF0000"/>
-              </a:solidFill>
-            </a:ln>
-          </p:spPr>
-          <p:style>
-            <a:lnRef idx="2">
-              <a:schemeClr val="accent1">
-                <a:shade val="50000"/>
-              </a:schemeClr>
-            </a:lnRef>
-            <a:fillRef idx="1">
-              <a:schemeClr val="accent1"/>
-            </a:fillRef>
-            <a:effectRef idx="0">
-              <a:schemeClr val="accent1"/>
-            </a:effectRef>
-            <a:fontRef idx="minor">
-              <a:schemeClr val="lt1"/>
-            </a:fontRef>
-          </p:style>
-          <p:txBody>
-            <a:bodyPr rtlCol="0" anchor="ctr"/>
-            <a:lstStyle/>
-            <a:p>
-              <a:pPr algn="ctr" defTabSz="924937"/>
-              <a:endParaRPr lang="ja-JP" altLang="en-US" sz="1820">
-                <a:solidFill>
-                  <a:prstClr val="white"/>
-                </a:solidFill>
-                <a:latin typeface="Calibri"/>
-                <a:ea typeface="ＭＳ Ｐゴシック" panose="020B0600070205080204" pitchFamily="50" charset="-128"/>
-              </a:endParaRPr>
-            </a:p>
-          </p:txBody>
-        </p:sp>
-      </p:grpSp>
-      <p:grpSp>
-        <p:nvGrpSpPr>
-          <p:cNvPr id="377" name="グループ化 376"/>
-          <p:cNvGrpSpPr/>
-          <p:nvPr/>
-        </p:nvGrpSpPr>
-        <p:grpSpPr>
-          <a:xfrm rot="5400000" flipH="1" flipV="1">
-            <a:off x="-973038" y="5000557"/>
-            <a:ext cx="4588352" cy="883266"/>
-            <a:chOff x="2701646" y="839821"/>
-            <a:chExt cx="4535829" cy="873155"/>
-          </a:xfrm>
-        </p:grpSpPr>
-        <p:sp>
-          <p:nvSpPr>
-            <p:cNvPr id="378" name="フリーフォーム 377"/>
-            <p:cNvSpPr/>
-            <p:nvPr/>
-          </p:nvSpPr>
-          <p:spPr>
-            <a:xfrm>
-              <a:off x="2701646" y="859536"/>
-              <a:ext cx="230530" cy="853440"/>
-            </a:xfrm>
-            <a:custGeom>
-              <a:avLst/>
-              <a:gdLst>
-                <a:gd name="connsiteX0" fmla="*/ 230530 w 230530"/>
-                <a:gd name="connsiteY0" fmla="*/ 853440 h 853440"/>
-                <a:gd name="connsiteX1" fmla="*/ 4978 w 230530"/>
-                <a:gd name="connsiteY1" fmla="*/ 469392 h 853440"/>
-                <a:gd name="connsiteX2" fmla="*/ 96418 w 230530"/>
-                <a:gd name="connsiteY2" fmla="*/ 0 h 853440"/>
-              </a:gdLst>
-              <a:ahLst/>
-              <a:cxnLst>
-                <a:cxn ang="0">
-                  <a:pos x="connsiteX0" y="connsiteY0"/>
-                </a:cxn>
-                <a:cxn ang="0">
-                  <a:pos x="connsiteX1" y="connsiteY1"/>
-                </a:cxn>
-                <a:cxn ang="0">
-                  <a:pos x="connsiteX2" y="connsiteY2"/>
-                </a:cxn>
-              </a:cxnLst>
-              <a:rect l="l" t="t" r="r" b="b"/>
-              <a:pathLst>
-                <a:path w="230530" h="853440">
-                  <a:moveTo>
-                    <a:pt x="230530" y="853440"/>
-                  </a:moveTo>
-                  <a:cubicBezTo>
-                    <a:pt x="128930" y="732536"/>
-                    <a:pt x="27330" y="611632"/>
-                    <a:pt x="4978" y="469392"/>
-                  </a:cubicBezTo>
-                  <a:cubicBezTo>
-                    <a:pt x="-17374" y="327152"/>
-                    <a:pt x="39522" y="163576"/>
-                    <a:pt x="96418" y="0"/>
-                  </a:cubicBezTo>
-                </a:path>
-              </a:pathLst>
-            </a:custGeom>
-            <a:noFill/>
-            <a:ln w="12700">
-              <a:solidFill>
-                <a:srgbClr val="FF0000"/>
-              </a:solidFill>
-            </a:ln>
-          </p:spPr>
-          <p:style>
-            <a:lnRef idx="2">
-              <a:schemeClr val="accent1">
-                <a:shade val="50000"/>
-              </a:schemeClr>
-            </a:lnRef>
-            <a:fillRef idx="1">
-              <a:schemeClr val="accent1"/>
-            </a:fillRef>
-            <a:effectRef idx="0">
-              <a:schemeClr val="accent1"/>
-            </a:effectRef>
-            <a:fontRef idx="minor">
-              <a:schemeClr val="lt1"/>
-            </a:fontRef>
-          </p:style>
-          <p:txBody>
-            <a:bodyPr rtlCol="0" anchor="ctr"/>
-            <a:lstStyle/>
-            <a:p>
-              <a:pPr algn="ctr" defTabSz="924937"/>
-              <a:endParaRPr lang="ja-JP" altLang="en-US" sz="1820">
-                <a:solidFill>
-                  <a:prstClr val="white"/>
-                </a:solidFill>
-                <a:latin typeface="Calibri"/>
-                <a:ea typeface="ＭＳ Ｐゴシック" panose="020B0600070205080204" pitchFamily="50" charset="-128"/>
-              </a:endParaRPr>
-            </a:p>
-          </p:txBody>
-        </p:sp>
-        <p:sp>
-          <p:nvSpPr>
-            <p:cNvPr id="379" name="フリーフォーム 378"/>
-            <p:cNvSpPr/>
-            <p:nvPr/>
-          </p:nvSpPr>
-          <p:spPr>
-            <a:xfrm>
-              <a:off x="4135369" y="859536"/>
-              <a:ext cx="230530" cy="853440"/>
-            </a:xfrm>
-            <a:custGeom>
-              <a:avLst/>
-              <a:gdLst>
-                <a:gd name="connsiteX0" fmla="*/ 230530 w 230530"/>
-                <a:gd name="connsiteY0" fmla="*/ 853440 h 853440"/>
-                <a:gd name="connsiteX1" fmla="*/ 4978 w 230530"/>
-                <a:gd name="connsiteY1" fmla="*/ 469392 h 853440"/>
-                <a:gd name="connsiteX2" fmla="*/ 96418 w 230530"/>
-                <a:gd name="connsiteY2" fmla="*/ 0 h 853440"/>
-              </a:gdLst>
-              <a:ahLst/>
-              <a:cxnLst>
-                <a:cxn ang="0">
-                  <a:pos x="connsiteX0" y="connsiteY0"/>
-                </a:cxn>
-                <a:cxn ang="0">
-                  <a:pos x="connsiteX1" y="connsiteY1"/>
-                </a:cxn>
-                <a:cxn ang="0">
-                  <a:pos x="connsiteX2" y="connsiteY2"/>
-                </a:cxn>
-              </a:cxnLst>
-              <a:rect l="l" t="t" r="r" b="b"/>
-              <a:pathLst>
-                <a:path w="230530" h="853440">
-                  <a:moveTo>
-                    <a:pt x="230530" y="853440"/>
-                  </a:moveTo>
-                  <a:cubicBezTo>
-                    <a:pt x="128930" y="732536"/>
-                    <a:pt x="27330" y="611632"/>
-                    <a:pt x="4978" y="469392"/>
-                  </a:cubicBezTo>
-                  <a:cubicBezTo>
-                    <a:pt x="-17374" y="327152"/>
-                    <a:pt x="39522" y="163576"/>
-                    <a:pt x="96418" y="0"/>
-                  </a:cubicBezTo>
-                </a:path>
-              </a:pathLst>
-            </a:custGeom>
-            <a:noFill/>
-            <a:ln w="12700">
-              <a:solidFill>
-                <a:srgbClr val="FF0000"/>
-              </a:solidFill>
-            </a:ln>
-          </p:spPr>
-          <p:style>
-            <a:lnRef idx="2">
-              <a:schemeClr val="accent1">
-                <a:shade val="50000"/>
-              </a:schemeClr>
-            </a:lnRef>
-            <a:fillRef idx="1">
-              <a:schemeClr val="accent1"/>
-            </a:fillRef>
-            <a:effectRef idx="0">
-              <a:schemeClr val="accent1"/>
-            </a:effectRef>
-            <a:fontRef idx="minor">
-              <a:schemeClr val="lt1"/>
-            </a:fontRef>
-          </p:style>
-          <p:txBody>
-            <a:bodyPr rtlCol="0" anchor="ctr"/>
-            <a:lstStyle/>
-            <a:p>
-              <a:pPr algn="ctr" defTabSz="924937"/>
-              <a:endParaRPr lang="ja-JP" altLang="en-US" sz="1820">
-                <a:solidFill>
-                  <a:prstClr val="white"/>
-                </a:solidFill>
-                <a:latin typeface="Calibri"/>
-                <a:ea typeface="ＭＳ Ｐゴシック" panose="020B0600070205080204" pitchFamily="50" charset="-128"/>
-              </a:endParaRPr>
-            </a:p>
-          </p:txBody>
-        </p:sp>
-        <p:sp>
-          <p:nvSpPr>
-            <p:cNvPr id="380" name="フリーフォーム 379"/>
-            <p:cNvSpPr/>
-            <p:nvPr/>
-          </p:nvSpPr>
-          <p:spPr>
-            <a:xfrm>
-              <a:off x="5556125" y="858422"/>
-              <a:ext cx="230530" cy="853440"/>
-            </a:xfrm>
-            <a:custGeom>
-              <a:avLst/>
-              <a:gdLst>
-                <a:gd name="connsiteX0" fmla="*/ 230530 w 230530"/>
-                <a:gd name="connsiteY0" fmla="*/ 853440 h 853440"/>
-                <a:gd name="connsiteX1" fmla="*/ 4978 w 230530"/>
-                <a:gd name="connsiteY1" fmla="*/ 469392 h 853440"/>
-                <a:gd name="connsiteX2" fmla="*/ 96418 w 230530"/>
-                <a:gd name="connsiteY2" fmla="*/ 0 h 853440"/>
-              </a:gdLst>
-              <a:ahLst/>
-              <a:cxnLst>
-                <a:cxn ang="0">
-                  <a:pos x="connsiteX0" y="connsiteY0"/>
-                </a:cxn>
-                <a:cxn ang="0">
-                  <a:pos x="connsiteX1" y="connsiteY1"/>
-                </a:cxn>
-                <a:cxn ang="0">
-                  <a:pos x="connsiteX2" y="connsiteY2"/>
-                </a:cxn>
-              </a:cxnLst>
-              <a:rect l="l" t="t" r="r" b="b"/>
-              <a:pathLst>
-                <a:path w="230530" h="853440">
-                  <a:moveTo>
-                    <a:pt x="230530" y="853440"/>
-                  </a:moveTo>
-                  <a:cubicBezTo>
-                    <a:pt x="128930" y="732536"/>
-                    <a:pt x="27330" y="611632"/>
-                    <a:pt x="4978" y="469392"/>
-                  </a:cubicBezTo>
-                  <a:cubicBezTo>
-                    <a:pt x="-17374" y="327152"/>
-                    <a:pt x="39522" y="163576"/>
-                    <a:pt x="96418" y="0"/>
-                  </a:cubicBezTo>
-                </a:path>
-              </a:pathLst>
-            </a:custGeom>
-            <a:noFill/>
-            <a:ln w="12700">
-              <a:solidFill>
-                <a:srgbClr val="FF0000"/>
-              </a:solidFill>
-            </a:ln>
-          </p:spPr>
-          <p:style>
-            <a:lnRef idx="2">
-              <a:schemeClr val="accent1">
-                <a:shade val="50000"/>
-              </a:schemeClr>
-            </a:lnRef>
-            <a:fillRef idx="1">
-              <a:schemeClr val="accent1"/>
-            </a:fillRef>
-            <a:effectRef idx="0">
-              <a:schemeClr val="accent1"/>
-            </a:effectRef>
-            <a:fontRef idx="minor">
-              <a:schemeClr val="lt1"/>
-            </a:fontRef>
-          </p:style>
-          <p:txBody>
-            <a:bodyPr rtlCol="0" anchor="ctr"/>
-            <a:lstStyle/>
-            <a:p>
-              <a:pPr algn="ctr" defTabSz="924937"/>
-              <a:endParaRPr lang="ja-JP" altLang="en-US" sz="1820">
-                <a:solidFill>
-                  <a:prstClr val="white"/>
-                </a:solidFill>
-                <a:latin typeface="Calibri"/>
-                <a:ea typeface="ＭＳ Ｐゴシック" panose="020B0600070205080204" pitchFamily="50" charset="-128"/>
-              </a:endParaRPr>
-            </a:p>
-          </p:txBody>
-        </p:sp>
-        <p:sp>
-          <p:nvSpPr>
-            <p:cNvPr id="381" name="フリーフォーム 380"/>
-            <p:cNvSpPr/>
-            <p:nvPr/>
-          </p:nvSpPr>
-          <p:spPr>
-            <a:xfrm>
-              <a:off x="7006945" y="839821"/>
-              <a:ext cx="230530" cy="853440"/>
-            </a:xfrm>
-            <a:custGeom>
-              <a:avLst/>
-              <a:gdLst>
-                <a:gd name="connsiteX0" fmla="*/ 230530 w 230530"/>
-                <a:gd name="connsiteY0" fmla="*/ 853440 h 853440"/>
-                <a:gd name="connsiteX1" fmla="*/ 4978 w 230530"/>
-                <a:gd name="connsiteY1" fmla="*/ 469392 h 853440"/>
-                <a:gd name="connsiteX2" fmla="*/ 96418 w 230530"/>
-                <a:gd name="connsiteY2" fmla="*/ 0 h 853440"/>
-              </a:gdLst>
-              <a:ahLst/>
-              <a:cxnLst>
-                <a:cxn ang="0">
-                  <a:pos x="connsiteX0" y="connsiteY0"/>
-                </a:cxn>
-                <a:cxn ang="0">
-                  <a:pos x="connsiteX1" y="connsiteY1"/>
-                </a:cxn>
-                <a:cxn ang="0">
-                  <a:pos x="connsiteX2" y="connsiteY2"/>
-                </a:cxn>
-              </a:cxnLst>
-              <a:rect l="l" t="t" r="r" b="b"/>
-              <a:pathLst>
-                <a:path w="230530" h="853440">
-                  <a:moveTo>
-                    <a:pt x="230530" y="853440"/>
-                  </a:moveTo>
-                  <a:cubicBezTo>
-                    <a:pt x="128930" y="732536"/>
-                    <a:pt x="27330" y="611632"/>
-                    <a:pt x="4978" y="469392"/>
-                  </a:cubicBezTo>
-                  <a:cubicBezTo>
-                    <a:pt x="-17374" y="327152"/>
-                    <a:pt x="39522" y="163576"/>
-                    <a:pt x="96418" y="0"/>
-                  </a:cubicBezTo>
-                </a:path>
-              </a:pathLst>
-            </a:custGeom>
-            <a:noFill/>
-            <a:ln w="12700">
-              <a:solidFill>
-                <a:srgbClr val="FF0000"/>
-              </a:solidFill>
-            </a:ln>
-          </p:spPr>
-          <p:style>
-            <a:lnRef idx="2">
-              <a:schemeClr val="accent1">
-                <a:shade val="50000"/>
-              </a:schemeClr>
-            </a:lnRef>
-            <a:fillRef idx="1">
-              <a:schemeClr val="accent1"/>
-            </a:fillRef>
-            <a:effectRef idx="0">
-              <a:schemeClr val="accent1"/>
-            </a:effectRef>
-            <a:fontRef idx="minor">
-              <a:schemeClr val="lt1"/>
-            </a:fontRef>
-          </p:style>
-          <p:txBody>
-            <a:bodyPr rtlCol="0" anchor="ctr"/>
-            <a:lstStyle/>
-            <a:p>
-              <a:pPr algn="ctr" defTabSz="924937"/>
-              <a:endParaRPr lang="ja-JP" altLang="en-US" sz="1820">
-                <a:solidFill>
-                  <a:prstClr val="white"/>
-                </a:solidFill>
-                <a:latin typeface="Calibri"/>
-                <a:ea typeface="ＭＳ Ｐゴシック" panose="020B0600070205080204" pitchFamily="50" charset="-128"/>
-              </a:endParaRPr>
-            </a:p>
-          </p:txBody>
-        </p:sp>
-      </p:grpSp>
-      <p:grpSp>
-        <p:nvGrpSpPr>
           <p:cNvPr id="68" name="グループ化 67"/>
           <p:cNvGrpSpPr/>
           <p:nvPr/>
         </p:nvGrpSpPr>
         <p:grpSpPr>
           <a:xfrm>
-            <a:off x="1453534" y="1090133"/>
+            <a:off x="628034" y="632144"/>
             <a:ext cx="7937592" cy="7841821"/>
             <a:chOff x="1795380" y="1796005"/>
             <a:chExt cx="6322730" cy="6246443"/>
@@ -18531,7 +17799,7 @@
             <a:p>
               <a:pPr algn="ctr" defTabSz="924937"/>
               <a:r>
-                <a:rPr lang="en-US" altLang="ja-JP" sz="1215" dirty="0">
+                <a:rPr lang="en-US" altLang="ja-JP" sz="1700" dirty="0">
                   <a:solidFill>
                     <a:prstClr val="black"/>
                   </a:solidFill>
@@ -18540,7 +17808,7 @@
                 </a:rPr>
                 <a:t>R0</a:t>
               </a:r>
-              <a:endParaRPr lang="ja-JP" altLang="en-US" sz="1215" dirty="0">
+              <a:endParaRPr lang="ja-JP" altLang="en-US" sz="1700" dirty="0">
                 <a:solidFill>
                   <a:prstClr val="black"/>
                 </a:solidFill>
@@ -18595,7 +17863,7 @@
             <a:p>
               <a:pPr algn="ctr" defTabSz="924937"/>
               <a:r>
-                <a:rPr lang="en-US" altLang="ja-JP" sz="1215" dirty="0">
+                <a:rPr lang="en-US" altLang="ja-JP" sz="1700" dirty="0">
                   <a:solidFill>
                     <a:prstClr val="black"/>
                   </a:solidFill>
@@ -18604,7 +17872,7 @@
                 </a:rPr>
                 <a:t>R1</a:t>
               </a:r>
-              <a:endParaRPr lang="ja-JP" altLang="en-US" sz="1215" dirty="0">
+              <a:endParaRPr lang="ja-JP" altLang="en-US" sz="1700" dirty="0">
                 <a:solidFill>
                   <a:prstClr val="black"/>
                 </a:solidFill>
@@ -18659,7 +17927,7 @@
             <a:p>
               <a:pPr algn="ctr" defTabSz="924937"/>
               <a:r>
-                <a:rPr lang="en-US" altLang="ja-JP" sz="1215" dirty="0">
+                <a:rPr lang="en-US" altLang="ja-JP" sz="1700" dirty="0">
                   <a:solidFill>
                     <a:prstClr val="black"/>
                   </a:solidFill>
@@ -18668,7 +17936,7 @@
                 </a:rPr>
                 <a:t>R128</a:t>
               </a:r>
-              <a:endParaRPr lang="ja-JP" altLang="en-US" sz="1215" dirty="0">
+              <a:endParaRPr lang="ja-JP" altLang="en-US" sz="1700" dirty="0">
                 <a:solidFill>
                   <a:prstClr val="black"/>
                 </a:solidFill>
@@ -18723,7 +17991,7 @@
             <a:p>
               <a:pPr algn="ctr" defTabSz="924937"/>
               <a:r>
-                <a:rPr lang="en-US" altLang="ja-JP" sz="1215" dirty="0">
+                <a:rPr lang="en-US" altLang="ja-JP" sz="1700" dirty="0">
                   <a:solidFill>
                     <a:prstClr val="black"/>
                   </a:solidFill>
@@ -18732,7 +18000,7 @@
                 </a:rPr>
                 <a:t>R129</a:t>
               </a:r>
-              <a:endParaRPr lang="ja-JP" altLang="en-US" sz="1215" dirty="0">
+              <a:endParaRPr lang="ja-JP" altLang="en-US" sz="1700" dirty="0">
                 <a:solidFill>
                   <a:prstClr val="black"/>
                 </a:solidFill>
@@ -18787,7 +18055,7 @@
             <a:p>
               <a:pPr algn="ctr" defTabSz="924937"/>
               <a:r>
-                <a:rPr lang="en-US" altLang="ja-JP" sz="1215" dirty="0">
+                <a:rPr lang="en-US" altLang="ja-JP" sz="1700" dirty="0">
                   <a:solidFill>
                     <a:prstClr val="black"/>
                   </a:solidFill>
@@ -18796,7 +18064,7 @@
                 </a:rPr>
                 <a:t>R2</a:t>
               </a:r>
-              <a:endParaRPr lang="ja-JP" altLang="en-US" sz="1215" dirty="0">
+              <a:endParaRPr lang="ja-JP" altLang="en-US" sz="1700" dirty="0">
                 <a:solidFill>
                   <a:prstClr val="black"/>
                 </a:solidFill>
@@ -18851,7 +18119,7 @@
             <a:p>
               <a:pPr algn="ctr" defTabSz="924937"/>
               <a:r>
-                <a:rPr lang="en-US" altLang="ja-JP" sz="1215" dirty="0">
+                <a:rPr lang="en-US" altLang="ja-JP" sz="1700" dirty="0">
                   <a:solidFill>
                     <a:prstClr val="black"/>
                   </a:solidFill>
@@ -18860,7 +18128,7 @@
                 </a:rPr>
                 <a:t>R3</a:t>
               </a:r>
-              <a:endParaRPr lang="ja-JP" altLang="en-US" sz="1215" dirty="0">
+              <a:endParaRPr lang="ja-JP" altLang="en-US" sz="1700" dirty="0">
                 <a:solidFill>
                   <a:prstClr val="black"/>
                 </a:solidFill>
@@ -18915,7 +18183,7 @@
             <a:p>
               <a:pPr algn="ctr" defTabSz="924937"/>
               <a:r>
-                <a:rPr lang="en-US" altLang="ja-JP" sz="1215" dirty="0">
+                <a:rPr lang="en-US" altLang="ja-JP" sz="1700" dirty="0">
                   <a:solidFill>
                     <a:prstClr val="black"/>
                   </a:solidFill>
@@ -18924,7 +18192,7 @@
                 </a:rPr>
                 <a:t>R130</a:t>
               </a:r>
-              <a:endParaRPr lang="ja-JP" altLang="en-US" sz="1215" dirty="0">
+              <a:endParaRPr lang="ja-JP" altLang="en-US" sz="1700" dirty="0">
                 <a:solidFill>
                   <a:prstClr val="black"/>
                 </a:solidFill>
@@ -18979,7 +18247,7 @@
             <a:p>
               <a:pPr algn="ctr" defTabSz="924937"/>
               <a:r>
-                <a:rPr lang="en-US" altLang="ja-JP" sz="1215" dirty="0">
+                <a:rPr lang="en-US" altLang="ja-JP" sz="1700" dirty="0">
                   <a:solidFill>
                     <a:prstClr val="black"/>
                   </a:solidFill>
@@ -18988,7 +18256,7 @@
                 </a:rPr>
                 <a:t>R131</a:t>
               </a:r>
-              <a:endParaRPr lang="ja-JP" altLang="en-US" sz="1215" dirty="0">
+              <a:endParaRPr lang="ja-JP" altLang="en-US" sz="1700" dirty="0">
                 <a:solidFill>
                   <a:prstClr val="black"/>
                 </a:solidFill>
@@ -19043,7 +18311,7 @@
             <a:p>
               <a:pPr algn="ctr" defTabSz="924937"/>
               <a:r>
-                <a:rPr lang="en-US" altLang="ja-JP" sz="1215" dirty="0">
+                <a:rPr lang="en-US" altLang="ja-JP" sz="1700" dirty="0">
                   <a:solidFill>
                     <a:prstClr val="black"/>
                   </a:solidFill>
@@ -19052,7 +18320,7 @@
                 </a:rPr>
                 <a:t>R8</a:t>
               </a:r>
-              <a:endParaRPr lang="ja-JP" altLang="en-US" sz="1215" dirty="0">
+              <a:endParaRPr lang="ja-JP" altLang="en-US" sz="1700" dirty="0">
                 <a:solidFill>
                   <a:prstClr val="black"/>
                 </a:solidFill>
@@ -19107,7 +18375,7 @@
             <a:p>
               <a:pPr algn="ctr" defTabSz="924937"/>
               <a:r>
-                <a:rPr lang="en-US" altLang="ja-JP" sz="1215" dirty="0">
+                <a:rPr lang="en-US" altLang="ja-JP" sz="1700" dirty="0">
                   <a:solidFill>
                     <a:prstClr val="black"/>
                   </a:solidFill>
@@ -19116,7 +18384,7 @@
                 </a:rPr>
                 <a:t>R9</a:t>
               </a:r>
-              <a:endParaRPr lang="ja-JP" altLang="en-US" sz="1215" dirty="0">
+              <a:endParaRPr lang="ja-JP" altLang="en-US" sz="1700" dirty="0">
                 <a:solidFill>
                   <a:prstClr val="black"/>
                 </a:solidFill>
@@ -19171,7 +18439,7 @@
             <a:p>
               <a:pPr algn="ctr" defTabSz="924937"/>
               <a:r>
-                <a:rPr lang="en-US" altLang="ja-JP" sz="1215" dirty="0">
+                <a:rPr lang="en-US" altLang="ja-JP" sz="1700" dirty="0">
                   <a:solidFill>
                     <a:prstClr val="black"/>
                   </a:solidFill>
@@ -19180,7 +18448,7 @@
                 </a:rPr>
                 <a:t>R4</a:t>
               </a:r>
-              <a:endParaRPr lang="ja-JP" altLang="en-US" sz="1215" dirty="0">
+              <a:endParaRPr lang="ja-JP" altLang="en-US" sz="1700" dirty="0">
                 <a:solidFill>
                   <a:prstClr val="black"/>
                 </a:solidFill>
@@ -19235,7 +18503,7 @@
             <a:p>
               <a:pPr algn="ctr" defTabSz="924937"/>
               <a:r>
-                <a:rPr lang="en-US" altLang="ja-JP" sz="1215" dirty="0">
+                <a:rPr lang="en-US" altLang="ja-JP" sz="1700" dirty="0">
                   <a:solidFill>
                     <a:prstClr val="black"/>
                   </a:solidFill>
@@ -19244,7 +18512,7 @@
                 </a:rPr>
                 <a:t>R5</a:t>
               </a:r>
-              <a:endParaRPr lang="ja-JP" altLang="en-US" sz="1215" dirty="0">
+              <a:endParaRPr lang="ja-JP" altLang="en-US" sz="1700" dirty="0">
                 <a:solidFill>
                   <a:prstClr val="black"/>
                 </a:solidFill>
@@ -19299,7 +18567,7 @@
             <a:p>
               <a:pPr algn="ctr" defTabSz="924937"/>
               <a:r>
-                <a:rPr lang="en-US" altLang="ja-JP" sz="1215" dirty="0">
+                <a:rPr lang="en-US" altLang="ja-JP" sz="1700" dirty="0">
                   <a:solidFill>
                     <a:prstClr val="black"/>
                   </a:solidFill>
@@ -19308,7 +18576,7 @@
                 </a:rPr>
                 <a:t>R10</a:t>
               </a:r>
-              <a:endParaRPr lang="ja-JP" altLang="en-US" sz="1215" dirty="0">
+              <a:endParaRPr lang="ja-JP" altLang="en-US" sz="1700" dirty="0">
                 <a:solidFill>
                   <a:prstClr val="black"/>
                 </a:solidFill>
@@ -19363,7 +18631,7 @@
             <a:p>
               <a:pPr algn="ctr" defTabSz="924937"/>
               <a:r>
-                <a:rPr lang="en-US" altLang="ja-JP" sz="1215" dirty="0">
+                <a:rPr lang="en-US" altLang="ja-JP" sz="1700" dirty="0">
                   <a:solidFill>
                     <a:prstClr val="black"/>
                   </a:solidFill>
@@ -19372,7 +18640,7 @@
                 </a:rPr>
                 <a:t>R11</a:t>
               </a:r>
-              <a:endParaRPr lang="ja-JP" altLang="en-US" sz="1215" dirty="0">
+              <a:endParaRPr lang="ja-JP" altLang="en-US" sz="1700" dirty="0">
                 <a:solidFill>
                   <a:prstClr val="black"/>
                 </a:solidFill>
@@ -19427,7 +18695,7 @@
             <a:p>
               <a:pPr algn="ctr" defTabSz="924937"/>
               <a:r>
-                <a:rPr lang="en-US" altLang="ja-JP" sz="1215" dirty="0">
+                <a:rPr lang="en-US" altLang="ja-JP" sz="1700" dirty="0">
                   <a:solidFill>
                     <a:prstClr val="black"/>
                   </a:solidFill>
@@ -19436,7 +18704,7 @@
                 </a:rPr>
                 <a:t>R6</a:t>
               </a:r>
-              <a:endParaRPr lang="ja-JP" altLang="en-US" sz="1215" dirty="0">
+              <a:endParaRPr lang="ja-JP" altLang="en-US" sz="1700" dirty="0">
                 <a:solidFill>
                   <a:prstClr val="black"/>
                 </a:solidFill>
@@ -19491,7 +18759,7 @@
             <a:p>
               <a:pPr algn="ctr" defTabSz="924937"/>
               <a:r>
-                <a:rPr lang="en-US" altLang="ja-JP" sz="1215" dirty="0">
+                <a:rPr lang="en-US" altLang="ja-JP" sz="1700" dirty="0">
                   <a:solidFill>
                     <a:prstClr val="black"/>
                   </a:solidFill>
@@ -19500,7 +18768,7 @@
                 </a:rPr>
                 <a:t>R7</a:t>
               </a:r>
-              <a:endParaRPr lang="ja-JP" altLang="en-US" sz="1215" dirty="0">
+              <a:endParaRPr lang="ja-JP" altLang="en-US" sz="1700" dirty="0">
                 <a:solidFill>
                   <a:prstClr val="black"/>
                 </a:solidFill>
@@ -19555,7 +18823,7 @@
             <a:p>
               <a:pPr algn="ctr" defTabSz="924937"/>
               <a:r>
-                <a:rPr lang="en-US" altLang="ja-JP" sz="1215" dirty="0">
+                <a:rPr lang="en-US" altLang="ja-JP" sz="1700" dirty="0">
                   <a:solidFill>
                     <a:prstClr val="black"/>
                   </a:solidFill>
@@ -19564,7 +18832,7 @@
                 </a:rPr>
                 <a:t>R192</a:t>
               </a:r>
-              <a:endParaRPr lang="ja-JP" altLang="en-US" sz="1215" dirty="0">
+              <a:endParaRPr lang="ja-JP" altLang="en-US" sz="1700" dirty="0">
                 <a:solidFill>
                   <a:prstClr val="black"/>
                 </a:solidFill>
@@ -19619,7 +18887,7 @@
             <a:p>
               <a:pPr algn="ctr" defTabSz="924937"/>
               <a:r>
-                <a:rPr lang="en-US" altLang="ja-JP" sz="1215" dirty="0">
+                <a:rPr lang="en-US" altLang="ja-JP" sz="1700" dirty="0">
                   <a:solidFill>
                     <a:prstClr val="black"/>
                   </a:solidFill>
@@ -19628,7 +18896,7 @@
                 </a:rPr>
                 <a:t>R193</a:t>
               </a:r>
-              <a:endParaRPr lang="ja-JP" altLang="en-US" sz="1215" dirty="0">
+              <a:endParaRPr lang="ja-JP" altLang="en-US" sz="1700" dirty="0">
                 <a:solidFill>
                   <a:prstClr val="black"/>
                 </a:solidFill>
@@ -19683,7 +18951,7 @@
             <a:p>
               <a:pPr algn="ctr" defTabSz="924937"/>
               <a:r>
-                <a:rPr lang="en-US" altLang="ja-JP" sz="1215" dirty="0">
+                <a:rPr lang="en-US" altLang="ja-JP" sz="1700" dirty="0">
                   <a:solidFill>
                     <a:prstClr val="black"/>
                   </a:solidFill>
@@ -19692,7 +18960,7 @@
                 </a:rPr>
                 <a:t>R12</a:t>
               </a:r>
-              <a:endParaRPr lang="ja-JP" altLang="en-US" sz="1215" dirty="0">
+              <a:endParaRPr lang="ja-JP" altLang="en-US" sz="1700" dirty="0">
                 <a:solidFill>
                   <a:prstClr val="black"/>
                 </a:solidFill>
@@ -19747,7 +19015,7 @@
             <a:p>
               <a:pPr algn="ctr" defTabSz="924937"/>
               <a:r>
-                <a:rPr lang="en-US" altLang="ja-JP" sz="1215" dirty="0">
+                <a:rPr lang="en-US" altLang="ja-JP" sz="1700" dirty="0">
                   <a:solidFill>
                     <a:prstClr val="black"/>
                   </a:solidFill>
@@ -19756,7 +19024,7 @@
                 </a:rPr>
                 <a:t>R13</a:t>
               </a:r>
-              <a:endParaRPr lang="ja-JP" altLang="en-US" sz="1215" dirty="0">
+              <a:endParaRPr lang="ja-JP" altLang="en-US" sz="1700" dirty="0">
                 <a:solidFill>
                   <a:prstClr val="black"/>
                 </a:solidFill>
@@ -19811,7 +19079,7 @@
             <a:p>
               <a:pPr algn="ctr" defTabSz="924937"/>
               <a:r>
-                <a:rPr lang="en-US" altLang="ja-JP" sz="1215" dirty="0">
+                <a:rPr lang="en-US" altLang="ja-JP" sz="1700" dirty="0">
                   <a:solidFill>
                     <a:prstClr val="black"/>
                   </a:solidFill>
@@ -19820,7 +19088,7 @@
                 </a:rPr>
                 <a:t>R194</a:t>
               </a:r>
-              <a:endParaRPr lang="ja-JP" altLang="en-US" sz="1215" dirty="0">
+              <a:endParaRPr lang="ja-JP" altLang="en-US" sz="1700" dirty="0">
                 <a:solidFill>
                   <a:prstClr val="black"/>
                 </a:solidFill>
@@ -19875,7 +19143,7 @@
             <a:p>
               <a:pPr algn="ctr" defTabSz="924937"/>
               <a:r>
-                <a:rPr lang="en-US" altLang="ja-JP" sz="1215" dirty="0">
+                <a:rPr lang="en-US" altLang="ja-JP" sz="1700" dirty="0">
                   <a:solidFill>
                     <a:prstClr val="black"/>
                   </a:solidFill>
@@ -19884,7 +19152,7 @@
                 </a:rPr>
                 <a:t>R195</a:t>
               </a:r>
-              <a:endParaRPr lang="ja-JP" altLang="en-US" sz="1215" dirty="0">
+              <a:endParaRPr lang="ja-JP" altLang="en-US" sz="1700" dirty="0">
                 <a:solidFill>
                   <a:prstClr val="black"/>
                 </a:solidFill>
@@ -19939,7 +19207,7 @@
             <a:p>
               <a:pPr algn="ctr" defTabSz="924937"/>
               <a:r>
-                <a:rPr lang="en-US" altLang="ja-JP" sz="1215" dirty="0">
+                <a:rPr lang="en-US" altLang="ja-JP" sz="1700" dirty="0">
                   <a:solidFill>
                     <a:prstClr val="black"/>
                   </a:solidFill>
@@ -19948,7 +19216,7 @@
                 </a:rPr>
                 <a:t>R14</a:t>
               </a:r>
-              <a:endParaRPr lang="ja-JP" altLang="en-US" sz="1215" dirty="0">
+              <a:endParaRPr lang="ja-JP" altLang="en-US" sz="1700" dirty="0">
                 <a:solidFill>
                   <a:prstClr val="black"/>
                 </a:solidFill>
@@ -20003,7 +19271,7 @@
             <a:p>
               <a:pPr algn="ctr" defTabSz="924937"/>
               <a:r>
-                <a:rPr lang="en-US" altLang="ja-JP" sz="1215" dirty="0">
+                <a:rPr lang="en-US" altLang="ja-JP" sz="1700" dirty="0">
                   <a:solidFill>
                     <a:prstClr val="black"/>
                   </a:solidFill>
@@ -20012,7 +19280,7 @@
                 </a:rPr>
                 <a:t>R15</a:t>
               </a:r>
-              <a:endParaRPr lang="ja-JP" altLang="en-US" sz="1215" dirty="0">
+              <a:endParaRPr lang="ja-JP" altLang="en-US" sz="1700" dirty="0">
                 <a:solidFill>
                   <a:prstClr val="black"/>
                 </a:solidFill>
@@ -20067,7 +19335,7 @@
             <a:p>
               <a:pPr algn="ctr" defTabSz="924937"/>
               <a:r>
-                <a:rPr lang="en-US" altLang="ja-JP" sz="1215" dirty="0">
+                <a:rPr lang="en-US" altLang="ja-JP" sz="1700" dirty="0">
                   <a:solidFill>
                     <a:prstClr val="black"/>
                   </a:solidFill>
@@ -20076,7 +19344,7 @@
                 </a:rPr>
                 <a:t>R160</a:t>
               </a:r>
-              <a:endParaRPr lang="ja-JP" altLang="en-US" sz="1215" dirty="0">
+              <a:endParaRPr lang="ja-JP" altLang="en-US" sz="1700" dirty="0">
                 <a:solidFill>
                   <a:prstClr val="black"/>
                 </a:solidFill>
@@ -20131,7 +19399,7 @@
             <a:p>
               <a:pPr algn="ctr" defTabSz="924937"/>
               <a:r>
-                <a:rPr lang="en-US" altLang="ja-JP" sz="1215" dirty="0">
+                <a:rPr lang="en-US" altLang="ja-JP" sz="1700" dirty="0">
                   <a:solidFill>
                     <a:prstClr val="black"/>
                   </a:solidFill>
@@ -20140,7 +19408,7 @@
                 </a:rPr>
                 <a:t>R162</a:t>
               </a:r>
-              <a:endParaRPr lang="ja-JP" altLang="en-US" sz="1215" dirty="0">
+              <a:endParaRPr lang="ja-JP" altLang="en-US" sz="1700" dirty="0">
                 <a:solidFill>
                   <a:prstClr val="black"/>
                 </a:solidFill>
@@ -20195,7 +19463,7 @@
             <a:p>
               <a:pPr algn="ctr" defTabSz="924937"/>
               <a:r>
-                <a:rPr lang="en-US" altLang="ja-JP" sz="1215" dirty="0">
+                <a:rPr lang="en-US" altLang="ja-JP" sz="1700" dirty="0">
                   <a:solidFill>
                     <a:prstClr val="black"/>
                   </a:solidFill>
@@ -20204,7 +19472,7 @@
                 </a:rPr>
                 <a:t>R161</a:t>
               </a:r>
-              <a:endParaRPr lang="ja-JP" altLang="en-US" sz="1215" dirty="0">
+              <a:endParaRPr lang="ja-JP" altLang="en-US" sz="1700" dirty="0">
                 <a:solidFill>
                   <a:prstClr val="black"/>
                 </a:solidFill>
@@ -20259,7 +19527,7 @@
             <a:p>
               <a:pPr algn="ctr" defTabSz="924937"/>
               <a:r>
-                <a:rPr lang="en-US" altLang="ja-JP" sz="1215" dirty="0">
+                <a:rPr lang="en-US" altLang="ja-JP" sz="1700" dirty="0">
                   <a:solidFill>
                     <a:prstClr val="black"/>
                   </a:solidFill>
@@ -20268,7 +19536,7 @@
                 </a:rPr>
                 <a:t>R163</a:t>
               </a:r>
-              <a:endParaRPr lang="ja-JP" altLang="en-US" sz="1215" dirty="0">
+              <a:endParaRPr lang="ja-JP" altLang="en-US" sz="1700" dirty="0">
                 <a:solidFill>
                   <a:prstClr val="black"/>
                 </a:solidFill>
@@ -20323,7 +19591,7 @@
             <a:p>
               <a:pPr algn="ctr" defTabSz="924937"/>
               <a:r>
-                <a:rPr lang="en-US" altLang="ja-JP" sz="1215" dirty="0">
+                <a:rPr lang="en-US" altLang="ja-JP" sz="1700" dirty="0">
                   <a:solidFill>
                     <a:prstClr val="black"/>
                   </a:solidFill>
@@ -20332,7 +19600,7 @@
                 </a:rPr>
                 <a:t>R224</a:t>
               </a:r>
-              <a:endParaRPr lang="ja-JP" altLang="en-US" sz="1215" dirty="0">
+              <a:endParaRPr lang="ja-JP" altLang="en-US" sz="1700" dirty="0">
                 <a:solidFill>
                   <a:prstClr val="black"/>
                 </a:solidFill>
@@ -20387,7 +19655,7 @@
             <a:p>
               <a:pPr algn="ctr" defTabSz="924937"/>
               <a:r>
-                <a:rPr lang="en-US" altLang="ja-JP" sz="1215" dirty="0">
+                <a:rPr lang="en-US" altLang="ja-JP" sz="1700" dirty="0">
                   <a:solidFill>
                     <a:prstClr val="black"/>
                   </a:solidFill>
@@ -20396,7 +19664,7 @@
                 </a:rPr>
                 <a:t>R226</a:t>
               </a:r>
-              <a:endParaRPr lang="ja-JP" altLang="en-US" sz="1215" dirty="0">
+              <a:endParaRPr lang="ja-JP" altLang="en-US" sz="1700" dirty="0">
                 <a:solidFill>
                   <a:prstClr val="black"/>
                 </a:solidFill>
@@ -20451,7 +19719,7 @@
             <a:p>
               <a:pPr algn="ctr" defTabSz="924937"/>
               <a:r>
-                <a:rPr lang="en-US" altLang="ja-JP" sz="1215" dirty="0">
+                <a:rPr lang="en-US" altLang="ja-JP" sz="1700" dirty="0">
                   <a:solidFill>
                     <a:prstClr val="black"/>
                   </a:solidFill>
@@ -20460,7 +19728,7 @@
                 </a:rPr>
                 <a:t>R225</a:t>
               </a:r>
-              <a:endParaRPr lang="ja-JP" altLang="en-US" sz="1215" dirty="0">
+              <a:endParaRPr lang="ja-JP" altLang="en-US" sz="1700" dirty="0">
                 <a:solidFill>
                   <a:prstClr val="black"/>
                 </a:solidFill>
@@ -20515,7 +19783,7 @@
             <a:p>
               <a:pPr algn="ctr" defTabSz="924937"/>
               <a:r>
-                <a:rPr lang="en-US" altLang="ja-JP" sz="1215" dirty="0">
+                <a:rPr lang="en-US" altLang="ja-JP" sz="1700" dirty="0">
                   <a:solidFill>
                     <a:prstClr val="black"/>
                   </a:solidFill>
@@ -20524,1651 +19792,7 @@
                 </a:rPr>
                 <a:t>R227</a:t>
               </a:r>
-              <a:endParaRPr lang="ja-JP" altLang="en-US" sz="1215" dirty="0">
-                <a:solidFill>
-                  <a:prstClr val="black"/>
-                </a:solidFill>
-                <a:latin typeface="Calibri"/>
-                <a:ea typeface="ＭＳ Ｐゴシック" panose="020B0600070205080204" pitchFamily="50" charset="-128"/>
-              </a:endParaRPr>
-            </a:p>
-          </p:txBody>
-        </p:sp>
-      </p:grpSp>
-      <p:grpSp>
-        <p:nvGrpSpPr>
-          <p:cNvPr id="352" name="グループ化 351"/>
-          <p:cNvGrpSpPr/>
-          <p:nvPr/>
-        </p:nvGrpSpPr>
-        <p:grpSpPr>
-          <a:xfrm>
-            <a:off x="2483688" y="148361"/>
-            <a:ext cx="6018199" cy="863563"/>
-            <a:chOff x="2478283" y="565241"/>
-            <a:chExt cx="5949308" cy="853678"/>
-          </a:xfrm>
-        </p:grpSpPr>
-        <p:sp>
-          <p:nvSpPr>
-            <p:cNvPr id="336" name="タイトル 5"/>
-            <p:cNvSpPr txBox="1">
-              <a:spLocks/>
-            </p:cNvSpPr>
-            <p:nvPr/>
-          </p:nvSpPr>
-          <p:spPr bwMode="auto">
-            <a:xfrm>
-              <a:off x="2478283" y="565241"/>
-              <a:ext cx="5949308" cy="853678"/>
-            </a:xfrm>
-            <a:prstGeom prst="rect">
-              <a:avLst/>
-            </a:prstGeom>
-            <a:noFill/>
-            <a:ln w="12700">
-              <a:solidFill>
-                <a:schemeClr val="tx1"/>
-              </a:solidFill>
-              <a:miter lim="800000"/>
-              <a:headEnd/>
-              <a:tailEnd/>
-            </a:ln>
-            <a:effectLst/>
-            <a:extLst/>
-          </p:spPr>
-          <p:txBody>
-            <a:bodyPr vert="horz" wrap="square" lIns="72834" tIns="46250" rIns="72834" bIns="46250" numCol="1" anchor="ctr" anchorCtr="0" compatLnSpc="1">
-              <a:prstTxWarp prst="textNoShape">
-                <a:avLst/>
-              </a:prstTxWarp>
-            </a:bodyPr>
-            <a:lstStyle>
-              <a:lvl1pPr algn="l" rtl="0" eaLnBrk="0" fontAlgn="base" hangingPunct="0">
-                <a:spcBef>
-                  <a:spcPct val="0"/>
-                </a:spcBef>
-                <a:spcAft>
-                  <a:spcPct val="0"/>
-                </a:spcAft>
-                <a:defRPr kumimoji="1" sz="3200">
-                  <a:solidFill>
-                    <a:schemeClr val="tx2"/>
-                  </a:solidFill>
-                  <a:latin typeface="+mj-lt"/>
-                  <a:ea typeface="+mj-ea"/>
-                  <a:cs typeface="+mj-cs"/>
-                </a:defRPr>
-              </a:lvl1pPr>
-              <a:lvl2pPr algn="l" rtl="0" eaLnBrk="0" fontAlgn="base" hangingPunct="0">
-                <a:spcBef>
-                  <a:spcPct val="0"/>
-                </a:spcBef>
-                <a:spcAft>
-                  <a:spcPct val="0"/>
-                </a:spcAft>
-                <a:defRPr kumimoji="1" sz="3200">
-                  <a:solidFill>
-                    <a:schemeClr val="tx2"/>
-                  </a:solidFill>
-                  <a:latin typeface="メイリオ" pitchFamily="50" charset="-128"/>
-                  <a:ea typeface="メイリオ" pitchFamily="50" charset="-128"/>
-                  <a:cs typeface="メイリオ" pitchFamily="50" charset="-128"/>
-                </a:defRPr>
-              </a:lvl2pPr>
-              <a:lvl3pPr algn="l" rtl="0" eaLnBrk="0" fontAlgn="base" hangingPunct="0">
-                <a:spcBef>
-                  <a:spcPct val="0"/>
-                </a:spcBef>
-                <a:spcAft>
-                  <a:spcPct val="0"/>
-                </a:spcAft>
-                <a:defRPr kumimoji="1" sz="3200">
-                  <a:solidFill>
-                    <a:schemeClr val="tx2"/>
-                  </a:solidFill>
-                  <a:latin typeface="メイリオ" pitchFamily="50" charset="-128"/>
-                  <a:ea typeface="メイリオ" pitchFamily="50" charset="-128"/>
-                  <a:cs typeface="メイリオ" pitchFamily="50" charset="-128"/>
-                </a:defRPr>
-              </a:lvl3pPr>
-              <a:lvl4pPr algn="l" rtl="0" eaLnBrk="0" fontAlgn="base" hangingPunct="0">
-                <a:spcBef>
-                  <a:spcPct val="0"/>
-                </a:spcBef>
-                <a:spcAft>
-                  <a:spcPct val="0"/>
-                </a:spcAft>
-                <a:defRPr kumimoji="1" sz="3200">
-                  <a:solidFill>
-                    <a:schemeClr val="tx2"/>
-                  </a:solidFill>
-                  <a:latin typeface="メイリオ" pitchFamily="50" charset="-128"/>
-                  <a:ea typeface="メイリオ" pitchFamily="50" charset="-128"/>
-                  <a:cs typeface="メイリオ" pitchFamily="50" charset="-128"/>
-                </a:defRPr>
-              </a:lvl4pPr>
-              <a:lvl5pPr algn="l" rtl="0" eaLnBrk="0" fontAlgn="base" hangingPunct="0">
-                <a:spcBef>
-                  <a:spcPct val="0"/>
-                </a:spcBef>
-                <a:spcAft>
-                  <a:spcPct val="0"/>
-                </a:spcAft>
-                <a:defRPr kumimoji="1" sz="3200">
-                  <a:solidFill>
-                    <a:schemeClr val="tx2"/>
-                  </a:solidFill>
-                  <a:latin typeface="メイリオ" pitchFamily="50" charset="-128"/>
-                  <a:ea typeface="メイリオ" pitchFamily="50" charset="-128"/>
-                  <a:cs typeface="メイリオ" pitchFamily="50" charset="-128"/>
-                </a:defRPr>
-              </a:lvl5pPr>
-              <a:lvl6pPr marL="457200" algn="l" rtl="0" fontAlgn="base">
-                <a:spcBef>
-                  <a:spcPct val="0"/>
-                </a:spcBef>
-                <a:spcAft>
-                  <a:spcPct val="0"/>
-                </a:spcAft>
-                <a:defRPr kumimoji="1" sz="3200">
-                  <a:solidFill>
-                    <a:schemeClr val="tx2"/>
-                  </a:solidFill>
-                  <a:latin typeface="メイリオ" pitchFamily="50" charset="-128"/>
-                  <a:ea typeface="メイリオ" pitchFamily="50" charset="-128"/>
-                  <a:cs typeface="メイリオ" pitchFamily="50" charset="-128"/>
-                </a:defRPr>
-              </a:lvl6pPr>
-              <a:lvl7pPr marL="914400" algn="l" rtl="0" fontAlgn="base">
-                <a:spcBef>
-                  <a:spcPct val="0"/>
-                </a:spcBef>
-                <a:spcAft>
-                  <a:spcPct val="0"/>
-                </a:spcAft>
-                <a:defRPr kumimoji="1" sz="3200">
-                  <a:solidFill>
-                    <a:schemeClr val="tx2"/>
-                  </a:solidFill>
-                  <a:latin typeface="メイリオ" pitchFamily="50" charset="-128"/>
-                  <a:ea typeface="メイリオ" pitchFamily="50" charset="-128"/>
-                  <a:cs typeface="メイリオ" pitchFamily="50" charset="-128"/>
-                </a:defRPr>
-              </a:lvl7pPr>
-              <a:lvl8pPr marL="1371600" algn="l" rtl="0" fontAlgn="base">
-                <a:spcBef>
-                  <a:spcPct val="0"/>
-                </a:spcBef>
-                <a:spcAft>
-                  <a:spcPct val="0"/>
-                </a:spcAft>
-                <a:defRPr kumimoji="1" sz="3200">
-                  <a:solidFill>
-                    <a:schemeClr val="tx2"/>
-                  </a:solidFill>
-                  <a:latin typeface="メイリオ" pitchFamily="50" charset="-128"/>
-                  <a:ea typeface="メイリオ" pitchFamily="50" charset="-128"/>
-                  <a:cs typeface="メイリオ" pitchFamily="50" charset="-128"/>
-                </a:defRPr>
-              </a:lvl8pPr>
-              <a:lvl9pPr marL="1828800" algn="l" rtl="0" fontAlgn="base">
-                <a:spcBef>
-                  <a:spcPct val="0"/>
-                </a:spcBef>
-                <a:spcAft>
-                  <a:spcPct val="0"/>
-                </a:spcAft>
-                <a:defRPr kumimoji="1" sz="3200">
-                  <a:solidFill>
-                    <a:schemeClr val="tx2"/>
-                  </a:solidFill>
-                  <a:latin typeface="メイリオ" pitchFamily="50" charset="-128"/>
-                  <a:ea typeface="メイリオ" pitchFamily="50" charset="-128"/>
-                  <a:cs typeface="メイリオ" pitchFamily="50" charset="-128"/>
-                </a:defRPr>
-              </a:lvl9pPr>
-            </a:lstStyle>
-            <a:p>
-              <a:pPr algn="ctr" defTabSz="924937"/>
-              <a:endParaRPr lang="en-US" altLang="ja-JP" sz="1618" kern="0" dirty="0">
-                <a:solidFill>
-                  <a:prstClr val="black"/>
-                </a:solidFill>
-                <a:latin typeface="Calibri"/>
-                <a:ea typeface="ＭＳ Ｐゴシック" panose="020B0600070205080204" pitchFamily="50" charset="-128"/>
-              </a:endParaRPr>
-            </a:p>
-          </p:txBody>
-        </p:sp>
-        <p:sp>
-          <p:nvSpPr>
-            <p:cNvPr id="349" name="タイトル 5"/>
-            <p:cNvSpPr txBox="1">
-              <a:spLocks/>
-            </p:cNvSpPr>
-            <p:nvPr/>
-          </p:nvSpPr>
-          <p:spPr bwMode="auto">
-            <a:xfrm>
-              <a:off x="2666796" y="648682"/>
-              <a:ext cx="5572281" cy="297196"/>
-            </a:xfrm>
-            <a:prstGeom prst="rect">
-              <a:avLst/>
-            </a:prstGeom>
-            <a:solidFill>
-              <a:schemeClr val="bg1"/>
-            </a:solidFill>
-            <a:ln w="12700">
-              <a:solidFill>
-                <a:schemeClr val="tx1"/>
-              </a:solidFill>
-              <a:miter lim="800000"/>
-              <a:headEnd/>
-              <a:tailEnd/>
-            </a:ln>
-            <a:effectLst/>
-            <a:extLst/>
-          </p:spPr>
-          <p:txBody>
-            <a:bodyPr vert="horz" wrap="square" lIns="72834" tIns="46250" rIns="72834" bIns="46250" numCol="1" anchor="ctr" anchorCtr="0" compatLnSpc="1">
-              <a:prstTxWarp prst="textNoShape">
-                <a:avLst/>
-              </a:prstTxWarp>
-            </a:bodyPr>
-            <a:lstStyle>
-              <a:lvl1pPr algn="l" rtl="0" eaLnBrk="0" fontAlgn="base" hangingPunct="0">
-                <a:spcBef>
-                  <a:spcPct val="0"/>
-                </a:spcBef>
-                <a:spcAft>
-                  <a:spcPct val="0"/>
-                </a:spcAft>
-                <a:defRPr kumimoji="1" sz="3200">
-                  <a:solidFill>
-                    <a:schemeClr val="tx2"/>
-                  </a:solidFill>
-                  <a:latin typeface="+mj-lt"/>
-                  <a:ea typeface="+mj-ea"/>
-                  <a:cs typeface="+mj-cs"/>
-                </a:defRPr>
-              </a:lvl1pPr>
-              <a:lvl2pPr algn="l" rtl="0" eaLnBrk="0" fontAlgn="base" hangingPunct="0">
-                <a:spcBef>
-                  <a:spcPct val="0"/>
-                </a:spcBef>
-                <a:spcAft>
-                  <a:spcPct val="0"/>
-                </a:spcAft>
-                <a:defRPr kumimoji="1" sz="3200">
-                  <a:solidFill>
-                    <a:schemeClr val="tx2"/>
-                  </a:solidFill>
-                  <a:latin typeface="メイリオ" pitchFamily="50" charset="-128"/>
-                  <a:ea typeface="メイリオ" pitchFamily="50" charset="-128"/>
-                  <a:cs typeface="メイリオ" pitchFamily="50" charset="-128"/>
-                </a:defRPr>
-              </a:lvl2pPr>
-              <a:lvl3pPr algn="l" rtl="0" eaLnBrk="0" fontAlgn="base" hangingPunct="0">
-                <a:spcBef>
-                  <a:spcPct val="0"/>
-                </a:spcBef>
-                <a:spcAft>
-                  <a:spcPct val="0"/>
-                </a:spcAft>
-                <a:defRPr kumimoji="1" sz="3200">
-                  <a:solidFill>
-                    <a:schemeClr val="tx2"/>
-                  </a:solidFill>
-                  <a:latin typeface="メイリオ" pitchFamily="50" charset="-128"/>
-                  <a:ea typeface="メイリオ" pitchFamily="50" charset="-128"/>
-                  <a:cs typeface="メイリオ" pitchFamily="50" charset="-128"/>
-                </a:defRPr>
-              </a:lvl3pPr>
-              <a:lvl4pPr algn="l" rtl="0" eaLnBrk="0" fontAlgn="base" hangingPunct="0">
-                <a:spcBef>
-                  <a:spcPct val="0"/>
-                </a:spcBef>
-                <a:spcAft>
-                  <a:spcPct val="0"/>
-                </a:spcAft>
-                <a:defRPr kumimoji="1" sz="3200">
-                  <a:solidFill>
-                    <a:schemeClr val="tx2"/>
-                  </a:solidFill>
-                  <a:latin typeface="メイリオ" pitchFamily="50" charset="-128"/>
-                  <a:ea typeface="メイリオ" pitchFamily="50" charset="-128"/>
-                  <a:cs typeface="メイリオ" pitchFamily="50" charset="-128"/>
-                </a:defRPr>
-              </a:lvl4pPr>
-              <a:lvl5pPr algn="l" rtl="0" eaLnBrk="0" fontAlgn="base" hangingPunct="0">
-                <a:spcBef>
-                  <a:spcPct val="0"/>
-                </a:spcBef>
-                <a:spcAft>
-                  <a:spcPct val="0"/>
-                </a:spcAft>
-                <a:defRPr kumimoji="1" sz="3200">
-                  <a:solidFill>
-                    <a:schemeClr val="tx2"/>
-                  </a:solidFill>
-                  <a:latin typeface="メイリオ" pitchFamily="50" charset="-128"/>
-                  <a:ea typeface="メイリオ" pitchFamily="50" charset="-128"/>
-                  <a:cs typeface="メイリオ" pitchFamily="50" charset="-128"/>
-                </a:defRPr>
-              </a:lvl5pPr>
-              <a:lvl6pPr marL="457200" algn="l" rtl="0" fontAlgn="base">
-                <a:spcBef>
-                  <a:spcPct val="0"/>
-                </a:spcBef>
-                <a:spcAft>
-                  <a:spcPct val="0"/>
-                </a:spcAft>
-                <a:defRPr kumimoji="1" sz="3200">
-                  <a:solidFill>
-                    <a:schemeClr val="tx2"/>
-                  </a:solidFill>
-                  <a:latin typeface="メイリオ" pitchFamily="50" charset="-128"/>
-                  <a:ea typeface="メイリオ" pitchFamily="50" charset="-128"/>
-                  <a:cs typeface="メイリオ" pitchFamily="50" charset="-128"/>
-                </a:defRPr>
-              </a:lvl6pPr>
-              <a:lvl7pPr marL="914400" algn="l" rtl="0" fontAlgn="base">
-                <a:spcBef>
-                  <a:spcPct val="0"/>
-                </a:spcBef>
-                <a:spcAft>
-                  <a:spcPct val="0"/>
-                </a:spcAft>
-                <a:defRPr kumimoji="1" sz="3200">
-                  <a:solidFill>
-                    <a:schemeClr val="tx2"/>
-                  </a:solidFill>
-                  <a:latin typeface="メイリオ" pitchFamily="50" charset="-128"/>
-                  <a:ea typeface="メイリオ" pitchFamily="50" charset="-128"/>
-                  <a:cs typeface="メイリオ" pitchFamily="50" charset="-128"/>
-                </a:defRPr>
-              </a:lvl7pPr>
-              <a:lvl8pPr marL="1371600" algn="l" rtl="0" fontAlgn="base">
-                <a:spcBef>
-                  <a:spcPct val="0"/>
-                </a:spcBef>
-                <a:spcAft>
-                  <a:spcPct val="0"/>
-                </a:spcAft>
-                <a:defRPr kumimoji="1" sz="3200">
-                  <a:solidFill>
-                    <a:schemeClr val="tx2"/>
-                  </a:solidFill>
-                  <a:latin typeface="メイリオ" pitchFamily="50" charset="-128"/>
-                  <a:ea typeface="メイリオ" pitchFamily="50" charset="-128"/>
-                  <a:cs typeface="メイリオ" pitchFamily="50" charset="-128"/>
-                </a:defRPr>
-              </a:lvl8pPr>
-              <a:lvl9pPr marL="1828800" algn="l" rtl="0" fontAlgn="base">
-                <a:spcBef>
-                  <a:spcPct val="0"/>
-                </a:spcBef>
-                <a:spcAft>
-                  <a:spcPct val="0"/>
-                </a:spcAft>
-                <a:defRPr kumimoji="1" sz="3200">
-                  <a:solidFill>
-                    <a:schemeClr val="tx2"/>
-                  </a:solidFill>
-                  <a:latin typeface="メイリオ" pitchFamily="50" charset="-128"/>
-                  <a:ea typeface="メイリオ" pitchFamily="50" charset="-128"/>
-                  <a:cs typeface="メイリオ" pitchFamily="50" charset="-128"/>
-                </a:defRPr>
-              </a:lvl9pPr>
-            </a:lstStyle>
-            <a:p>
-              <a:pPr algn="ctr" defTabSz="924937"/>
-              <a:r>
-                <a:rPr lang="en-US" altLang="ja-JP" sz="1618" kern="0" dirty="0" err="1">
-                  <a:solidFill>
-                    <a:prstClr val="black"/>
-                  </a:solidFill>
-                  <a:latin typeface="Calibri"/>
-                  <a:ea typeface="ＭＳ Ｐゴシック" panose="020B0600070205080204" pitchFamily="50" charset="-128"/>
-                </a:rPr>
-                <a:t>interlaken</a:t>
-              </a:r>
-              <a:endParaRPr lang="en-US" altLang="ja-JP" sz="1618" kern="0" dirty="0">
-                <a:solidFill>
-                  <a:prstClr val="black"/>
-                </a:solidFill>
-                <a:latin typeface="Calibri"/>
-                <a:ea typeface="ＭＳ Ｐゴシック" panose="020B0600070205080204" pitchFamily="50" charset="-128"/>
-              </a:endParaRPr>
-            </a:p>
-          </p:txBody>
-        </p:sp>
-      </p:grpSp>
-      <p:grpSp>
-        <p:nvGrpSpPr>
-          <p:cNvPr id="356" name="グループ化 355"/>
-          <p:cNvGrpSpPr/>
-          <p:nvPr/>
-        </p:nvGrpSpPr>
-        <p:grpSpPr>
-          <a:xfrm rot="16200000">
-            <a:off x="-2070151" y="4602452"/>
-            <a:ext cx="6018199" cy="863563"/>
-            <a:chOff x="2478283" y="565241"/>
-            <a:chExt cx="5949308" cy="853678"/>
-          </a:xfrm>
-        </p:grpSpPr>
-        <p:sp>
-          <p:nvSpPr>
-            <p:cNvPr id="357" name="タイトル 5"/>
-            <p:cNvSpPr txBox="1">
-              <a:spLocks/>
-            </p:cNvSpPr>
-            <p:nvPr/>
-          </p:nvSpPr>
-          <p:spPr bwMode="auto">
-            <a:xfrm>
-              <a:off x="2478283" y="565241"/>
-              <a:ext cx="5949308" cy="853678"/>
-            </a:xfrm>
-            <a:prstGeom prst="rect">
-              <a:avLst/>
-            </a:prstGeom>
-            <a:noFill/>
-            <a:ln w="12700">
-              <a:solidFill>
-                <a:schemeClr val="tx1"/>
-              </a:solidFill>
-              <a:miter lim="800000"/>
-              <a:headEnd/>
-              <a:tailEnd/>
-            </a:ln>
-            <a:effectLst/>
-            <a:extLst/>
-          </p:spPr>
-          <p:txBody>
-            <a:bodyPr vert="horz" wrap="square" lIns="72834" tIns="46250" rIns="72834" bIns="46250" numCol="1" anchor="ctr" anchorCtr="0" compatLnSpc="1">
-              <a:prstTxWarp prst="textNoShape">
-                <a:avLst/>
-              </a:prstTxWarp>
-            </a:bodyPr>
-            <a:lstStyle>
-              <a:lvl1pPr algn="l" rtl="0" eaLnBrk="0" fontAlgn="base" hangingPunct="0">
-                <a:spcBef>
-                  <a:spcPct val="0"/>
-                </a:spcBef>
-                <a:spcAft>
-                  <a:spcPct val="0"/>
-                </a:spcAft>
-                <a:defRPr kumimoji="1" sz="3200">
-                  <a:solidFill>
-                    <a:schemeClr val="tx2"/>
-                  </a:solidFill>
-                  <a:latin typeface="+mj-lt"/>
-                  <a:ea typeface="+mj-ea"/>
-                  <a:cs typeface="+mj-cs"/>
-                </a:defRPr>
-              </a:lvl1pPr>
-              <a:lvl2pPr algn="l" rtl="0" eaLnBrk="0" fontAlgn="base" hangingPunct="0">
-                <a:spcBef>
-                  <a:spcPct val="0"/>
-                </a:spcBef>
-                <a:spcAft>
-                  <a:spcPct val="0"/>
-                </a:spcAft>
-                <a:defRPr kumimoji="1" sz="3200">
-                  <a:solidFill>
-                    <a:schemeClr val="tx2"/>
-                  </a:solidFill>
-                  <a:latin typeface="メイリオ" pitchFamily="50" charset="-128"/>
-                  <a:ea typeface="メイリオ" pitchFamily="50" charset="-128"/>
-                  <a:cs typeface="メイリオ" pitchFamily="50" charset="-128"/>
-                </a:defRPr>
-              </a:lvl2pPr>
-              <a:lvl3pPr algn="l" rtl="0" eaLnBrk="0" fontAlgn="base" hangingPunct="0">
-                <a:spcBef>
-                  <a:spcPct val="0"/>
-                </a:spcBef>
-                <a:spcAft>
-                  <a:spcPct val="0"/>
-                </a:spcAft>
-                <a:defRPr kumimoji="1" sz="3200">
-                  <a:solidFill>
-                    <a:schemeClr val="tx2"/>
-                  </a:solidFill>
-                  <a:latin typeface="メイリオ" pitchFamily="50" charset="-128"/>
-                  <a:ea typeface="メイリオ" pitchFamily="50" charset="-128"/>
-                  <a:cs typeface="メイリオ" pitchFamily="50" charset="-128"/>
-                </a:defRPr>
-              </a:lvl3pPr>
-              <a:lvl4pPr algn="l" rtl="0" eaLnBrk="0" fontAlgn="base" hangingPunct="0">
-                <a:spcBef>
-                  <a:spcPct val="0"/>
-                </a:spcBef>
-                <a:spcAft>
-                  <a:spcPct val="0"/>
-                </a:spcAft>
-                <a:defRPr kumimoji="1" sz="3200">
-                  <a:solidFill>
-                    <a:schemeClr val="tx2"/>
-                  </a:solidFill>
-                  <a:latin typeface="メイリオ" pitchFamily="50" charset="-128"/>
-                  <a:ea typeface="メイリオ" pitchFamily="50" charset="-128"/>
-                  <a:cs typeface="メイリオ" pitchFamily="50" charset="-128"/>
-                </a:defRPr>
-              </a:lvl4pPr>
-              <a:lvl5pPr algn="l" rtl="0" eaLnBrk="0" fontAlgn="base" hangingPunct="0">
-                <a:spcBef>
-                  <a:spcPct val="0"/>
-                </a:spcBef>
-                <a:spcAft>
-                  <a:spcPct val="0"/>
-                </a:spcAft>
-                <a:defRPr kumimoji="1" sz="3200">
-                  <a:solidFill>
-                    <a:schemeClr val="tx2"/>
-                  </a:solidFill>
-                  <a:latin typeface="メイリオ" pitchFamily="50" charset="-128"/>
-                  <a:ea typeface="メイリオ" pitchFamily="50" charset="-128"/>
-                  <a:cs typeface="メイリオ" pitchFamily="50" charset="-128"/>
-                </a:defRPr>
-              </a:lvl5pPr>
-              <a:lvl6pPr marL="457200" algn="l" rtl="0" fontAlgn="base">
-                <a:spcBef>
-                  <a:spcPct val="0"/>
-                </a:spcBef>
-                <a:spcAft>
-                  <a:spcPct val="0"/>
-                </a:spcAft>
-                <a:defRPr kumimoji="1" sz="3200">
-                  <a:solidFill>
-                    <a:schemeClr val="tx2"/>
-                  </a:solidFill>
-                  <a:latin typeface="メイリオ" pitchFamily="50" charset="-128"/>
-                  <a:ea typeface="メイリオ" pitchFamily="50" charset="-128"/>
-                  <a:cs typeface="メイリオ" pitchFamily="50" charset="-128"/>
-                </a:defRPr>
-              </a:lvl6pPr>
-              <a:lvl7pPr marL="914400" algn="l" rtl="0" fontAlgn="base">
-                <a:spcBef>
-                  <a:spcPct val="0"/>
-                </a:spcBef>
-                <a:spcAft>
-                  <a:spcPct val="0"/>
-                </a:spcAft>
-                <a:defRPr kumimoji="1" sz="3200">
-                  <a:solidFill>
-                    <a:schemeClr val="tx2"/>
-                  </a:solidFill>
-                  <a:latin typeface="メイリオ" pitchFamily="50" charset="-128"/>
-                  <a:ea typeface="メイリオ" pitchFamily="50" charset="-128"/>
-                  <a:cs typeface="メイリオ" pitchFamily="50" charset="-128"/>
-                </a:defRPr>
-              </a:lvl7pPr>
-              <a:lvl8pPr marL="1371600" algn="l" rtl="0" fontAlgn="base">
-                <a:spcBef>
-                  <a:spcPct val="0"/>
-                </a:spcBef>
-                <a:spcAft>
-                  <a:spcPct val="0"/>
-                </a:spcAft>
-                <a:defRPr kumimoji="1" sz="3200">
-                  <a:solidFill>
-                    <a:schemeClr val="tx2"/>
-                  </a:solidFill>
-                  <a:latin typeface="メイリオ" pitchFamily="50" charset="-128"/>
-                  <a:ea typeface="メイリオ" pitchFamily="50" charset="-128"/>
-                  <a:cs typeface="メイリオ" pitchFamily="50" charset="-128"/>
-                </a:defRPr>
-              </a:lvl8pPr>
-              <a:lvl9pPr marL="1828800" algn="l" rtl="0" fontAlgn="base">
-                <a:spcBef>
-                  <a:spcPct val="0"/>
-                </a:spcBef>
-                <a:spcAft>
-                  <a:spcPct val="0"/>
-                </a:spcAft>
-                <a:defRPr kumimoji="1" sz="3200">
-                  <a:solidFill>
-                    <a:schemeClr val="tx2"/>
-                  </a:solidFill>
-                  <a:latin typeface="メイリオ" pitchFamily="50" charset="-128"/>
-                  <a:ea typeface="メイリオ" pitchFamily="50" charset="-128"/>
-                  <a:cs typeface="メイリオ" pitchFamily="50" charset="-128"/>
-                </a:defRPr>
-              </a:lvl9pPr>
-            </a:lstStyle>
-            <a:p>
-              <a:pPr algn="ctr" defTabSz="924937"/>
-              <a:endParaRPr lang="en-US" altLang="ja-JP" sz="1618" kern="0" dirty="0">
-                <a:solidFill>
-                  <a:prstClr val="black"/>
-                </a:solidFill>
-                <a:latin typeface="Calibri"/>
-                <a:ea typeface="ＭＳ Ｐゴシック" panose="020B0600070205080204" pitchFamily="50" charset="-128"/>
-              </a:endParaRPr>
-            </a:p>
-          </p:txBody>
-        </p:sp>
-        <p:sp>
-          <p:nvSpPr>
-            <p:cNvPr id="358" name="タイトル 5"/>
-            <p:cNvSpPr txBox="1">
-              <a:spLocks/>
-            </p:cNvSpPr>
-            <p:nvPr/>
-          </p:nvSpPr>
-          <p:spPr bwMode="auto">
-            <a:xfrm>
-              <a:off x="2666796" y="648682"/>
-              <a:ext cx="5572281" cy="297196"/>
-            </a:xfrm>
-            <a:prstGeom prst="rect">
-              <a:avLst/>
-            </a:prstGeom>
-            <a:solidFill>
-              <a:schemeClr val="bg1"/>
-            </a:solidFill>
-            <a:ln w="12700">
-              <a:solidFill>
-                <a:schemeClr val="tx1"/>
-              </a:solidFill>
-              <a:miter lim="800000"/>
-              <a:headEnd/>
-              <a:tailEnd/>
-            </a:ln>
-            <a:effectLst/>
-            <a:extLst/>
-          </p:spPr>
-          <p:txBody>
-            <a:bodyPr vert="horz" wrap="square" lIns="72834" tIns="46250" rIns="72834" bIns="46250" numCol="1" anchor="ctr" anchorCtr="0" compatLnSpc="1">
-              <a:prstTxWarp prst="textNoShape">
-                <a:avLst/>
-              </a:prstTxWarp>
-            </a:bodyPr>
-            <a:lstStyle>
-              <a:lvl1pPr algn="l" rtl="0" eaLnBrk="0" fontAlgn="base" hangingPunct="0">
-                <a:spcBef>
-                  <a:spcPct val="0"/>
-                </a:spcBef>
-                <a:spcAft>
-                  <a:spcPct val="0"/>
-                </a:spcAft>
-                <a:defRPr kumimoji="1" sz="3200">
-                  <a:solidFill>
-                    <a:schemeClr val="tx2"/>
-                  </a:solidFill>
-                  <a:latin typeface="+mj-lt"/>
-                  <a:ea typeface="+mj-ea"/>
-                  <a:cs typeface="+mj-cs"/>
-                </a:defRPr>
-              </a:lvl1pPr>
-              <a:lvl2pPr algn="l" rtl="0" eaLnBrk="0" fontAlgn="base" hangingPunct="0">
-                <a:spcBef>
-                  <a:spcPct val="0"/>
-                </a:spcBef>
-                <a:spcAft>
-                  <a:spcPct val="0"/>
-                </a:spcAft>
-                <a:defRPr kumimoji="1" sz="3200">
-                  <a:solidFill>
-                    <a:schemeClr val="tx2"/>
-                  </a:solidFill>
-                  <a:latin typeface="メイリオ" pitchFamily="50" charset="-128"/>
-                  <a:ea typeface="メイリオ" pitchFamily="50" charset="-128"/>
-                  <a:cs typeface="メイリオ" pitchFamily="50" charset="-128"/>
-                </a:defRPr>
-              </a:lvl2pPr>
-              <a:lvl3pPr algn="l" rtl="0" eaLnBrk="0" fontAlgn="base" hangingPunct="0">
-                <a:spcBef>
-                  <a:spcPct val="0"/>
-                </a:spcBef>
-                <a:spcAft>
-                  <a:spcPct val="0"/>
-                </a:spcAft>
-                <a:defRPr kumimoji="1" sz="3200">
-                  <a:solidFill>
-                    <a:schemeClr val="tx2"/>
-                  </a:solidFill>
-                  <a:latin typeface="メイリオ" pitchFamily="50" charset="-128"/>
-                  <a:ea typeface="メイリオ" pitchFamily="50" charset="-128"/>
-                  <a:cs typeface="メイリオ" pitchFamily="50" charset="-128"/>
-                </a:defRPr>
-              </a:lvl3pPr>
-              <a:lvl4pPr algn="l" rtl="0" eaLnBrk="0" fontAlgn="base" hangingPunct="0">
-                <a:spcBef>
-                  <a:spcPct val="0"/>
-                </a:spcBef>
-                <a:spcAft>
-                  <a:spcPct val="0"/>
-                </a:spcAft>
-                <a:defRPr kumimoji="1" sz="3200">
-                  <a:solidFill>
-                    <a:schemeClr val="tx2"/>
-                  </a:solidFill>
-                  <a:latin typeface="メイリオ" pitchFamily="50" charset="-128"/>
-                  <a:ea typeface="メイリオ" pitchFamily="50" charset="-128"/>
-                  <a:cs typeface="メイリオ" pitchFamily="50" charset="-128"/>
-                </a:defRPr>
-              </a:lvl4pPr>
-              <a:lvl5pPr algn="l" rtl="0" eaLnBrk="0" fontAlgn="base" hangingPunct="0">
-                <a:spcBef>
-                  <a:spcPct val="0"/>
-                </a:spcBef>
-                <a:spcAft>
-                  <a:spcPct val="0"/>
-                </a:spcAft>
-                <a:defRPr kumimoji="1" sz="3200">
-                  <a:solidFill>
-                    <a:schemeClr val="tx2"/>
-                  </a:solidFill>
-                  <a:latin typeface="メイリオ" pitchFamily="50" charset="-128"/>
-                  <a:ea typeface="メイリオ" pitchFamily="50" charset="-128"/>
-                  <a:cs typeface="メイリオ" pitchFamily="50" charset="-128"/>
-                </a:defRPr>
-              </a:lvl5pPr>
-              <a:lvl6pPr marL="457200" algn="l" rtl="0" fontAlgn="base">
-                <a:spcBef>
-                  <a:spcPct val="0"/>
-                </a:spcBef>
-                <a:spcAft>
-                  <a:spcPct val="0"/>
-                </a:spcAft>
-                <a:defRPr kumimoji="1" sz="3200">
-                  <a:solidFill>
-                    <a:schemeClr val="tx2"/>
-                  </a:solidFill>
-                  <a:latin typeface="メイリオ" pitchFamily="50" charset="-128"/>
-                  <a:ea typeface="メイリオ" pitchFamily="50" charset="-128"/>
-                  <a:cs typeface="メイリオ" pitchFamily="50" charset="-128"/>
-                </a:defRPr>
-              </a:lvl6pPr>
-              <a:lvl7pPr marL="914400" algn="l" rtl="0" fontAlgn="base">
-                <a:spcBef>
-                  <a:spcPct val="0"/>
-                </a:spcBef>
-                <a:spcAft>
-                  <a:spcPct val="0"/>
-                </a:spcAft>
-                <a:defRPr kumimoji="1" sz="3200">
-                  <a:solidFill>
-                    <a:schemeClr val="tx2"/>
-                  </a:solidFill>
-                  <a:latin typeface="メイリオ" pitchFamily="50" charset="-128"/>
-                  <a:ea typeface="メイリオ" pitchFamily="50" charset="-128"/>
-                  <a:cs typeface="メイリオ" pitchFamily="50" charset="-128"/>
-                </a:defRPr>
-              </a:lvl7pPr>
-              <a:lvl8pPr marL="1371600" algn="l" rtl="0" fontAlgn="base">
-                <a:spcBef>
-                  <a:spcPct val="0"/>
-                </a:spcBef>
-                <a:spcAft>
-                  <a:spcPct val="0"/>
-                </a:spcAft>
-                <a:defRPr kumimoji="1" sz="3200">
-                  <a:solidFill>
-                    <a:schemeClr val="tx2"/>
-                  </a:solidFill>
-                  <a:latin typeface="メイリオ" pitchFamily="50" charset="-128"/>
-                  <a:ea typeface="メイリオ" pitchFamily="50" charset="-128"/>
-                  <a:cs typeface="メイリオ" pitchFamily="50" charset="-128"/>
-                </a:defRPr>
-              </a:lvl8pPr>
-              <a:lvl9pPr marL="1828800" algn="l" rtl="0" fontAlgn="base">
-                <a:spcBef>
-                  <a:spcPct val="0"/>
-                </a:spcBef>
-                <a:spcAft>
-                  <a:spcPct val="0"/>
-                </a:spcAft>
-                <a:defRPr kumimoji="1" sz="3200">
-                  <a:solidFill>
-                    <a:schemeClr val="tx2"/>
-                  </a:solidFill>
-                  <a:latin typeface="メイリオ" pitchFamily="50" charset="-128"/>
-                  <a:ea typeface="メイリオ" pitchFamily="50" charset="-128"/>
-                  <a:cs typeface="メイリオ" pitchFamily="50" charset="-128"/>
-                </a:defRPr>
-              </a:lvl9pPr>
-            </a:lstStyle>
-            <a:p>
-              <a:pPr algn="ctr" defTabSz="924937"/>
-              <a:r>
-                <a:rPr lang="en-US" altLang="ja-JP" sz="1618" kern="0" dirty="0" err="1">
-                  <a:solidFill>
-                    <a:prstClr val="black"/>
-                  </a:solidFill>
-                  <a:latin typeface="Calibri"/>
-                  <a:ea typeface="ＭＳ Ｐゴシック" panose="020B0600070205080204" pitchFamily="50" charset="-128"/>
-                </a:rPr>
-                <a:t>interlaken</a:t>
-              </a:r>
-              <a:endParaRPr lang="en-US" altLang="ja-JP" sz="1618" kern="0" dirty="0">
-                <a:solidFill>
-                  <a:prstClr val="black"/>
-                </a:solidFill>
-                <a:latin typeface="Calibri"/>
-                <a:ea typeface="ＭＳ Ｐゴシック" panose="020B0600070205080204" pitchFamily="50" charset="-128"/>
-              </a:endParaRPr>
-            </a:p>
-          </p:txBody>
-        </p:sp>
-      </p:grpSp>
-      <p:grpSp>
-        <p:nvGrpSpPr>
-          <p:cNvPr id="359" name="グループ化 358"/>
-          <p:cNvGrpSpPr/>
-          <p:nvPr/>
-        </p:nvGrpSpPr>
-        <p:grpSpPr>
-          <a:xfrm rot="5400000">
-            <a:off x="6913990" y="4602452"/>
-            <a:ext cx="6018199" cy="863563"/>
-            <a:chOff x="2478283" y="565241"/>
-            <a:chExt cx="5949308" cy="853678"/>
-          </a:xfrm>
-        </p:grpSpPr>
-        <p:sp>
-          <p:nvSpPr>
-            <p:cNvPr id="360" name="タイトル 5"/>
-            <p:cNvSpPr txBox="1">
-              <a:spLocks/>
-            </p:cNvSpPr>
-            <p:nvPr/>
-          </p:nvSpPr>
-          <p:spPr bwMode="auto">
-            <a:xfrm>
-              <a:off x="2478283" y="565241"/>
-              <a:ext cx="5949308" cy="853678"/>
-            </a:xfrm>
-            <a:prstGeom prst="rect">
-              <a:avLst/>
-            </a:prstGeom>
-            <a:noFill/>
-            <a:ln w="12700">
-              <a:solidFill>
-                <a:schemeClr val="tx1"/>
-              </a:solidFill>
-              <a:miter lim="800000"/>
-              <a:headEnd/>
-              <a:tailEnd/>
-            </a:ln>
-            <a:effectLst/>
-            <a:extLst/>
-          </p:spPr>
-          <p:txBody>
-            <a:bodyPr vert="horz" wrap="square" lIns="72834" tIns="46250" rIns="72834" bIns="46250" numCol="1" anchor="ctr" anchorCtr="0" compatLnSpc="1">
-              <a:prstTxWarp prst="textNoShape">
-                <a:avLst/>
-              </a:prstTxWarp>
-            </a:bodyPr>
-            <a:lstStyle>
-              <a:lvl1pPr algn="l" rtl="0" eaLnBrk="0" fontAlgn="base" hangingPunct="0">
-                <a:spcBef>
-                  <a:spcPct val="0"/>
-                </a:spcBef>
-                <a:spcAft>
-                  <a:spcPct val="0"/>
-                </a:spcAft>
-                <a:defRPr kumimoji="1" sz="3200">
-                  <a:solidFill>
-                    <a:schemeClr val="tx2"/>
-                  </a:solidFill>
-                  <a:latin typeface="+mj-lt"/>
-                  <a:ea typeface="+mj-ea"/>
-                  <a:cs typeface="+mj-cs"/>
-                </a:defRPr>
-              </a:lvl1pPr>
-              <a:lvl2pPr algn="l" rtl="0" eaLnBrk="0" fontAlgn="base" hangingPunct="0">
-                <a:spcBef>
-                  <a:spcPct val="0"/>
-                </a:spcBef>
-                <a:spcAft>
-                  <a:spcPct val="0"/>
-                </a:spcAft>
-                <a:defRPr kumimoji="1" sz="3200">
-                  <a:solidFill>
-                    <a:schemeClr val="tx2"/>
-                  </a:solidFill>
-                  <a:latin typeface="メイリオ" pitchFamily="50" charset="-128"/>
-                  <a:ea typeface="メイリオ" pitchFamily="50" charset="-128"/>
-                  <a:cs typeface="メイリオ" pitchFamily="50" charset="-128"/>
-                </a:defRPr>
-              </a:lvl2pPr>
-              <a:lvl3pPr algn="l" rtl="0" eaLnBrk="0" fontAlgn="base" hangingPunct="0">
-                <a:spcBef>
-                  <a:spcPct val="0"/>
-                </a:spcBef>
-                <a:spcAft>
-                  <a:spcPct val="0"/>
-                </a:spcAft>
-                <a:defRPr kumimoji="1" sz="3200">
-                  <a:solidFill>
-                    <a:schemeClr val="tx2"/>
-                  </a:solidFill>
-                  <a:latin typeface="メイリオ" pitchFamily="50" charset="-128"/>
-                  <a:ea typeface="メイリオ" pitchFamily="50" charset="-128"/>
-                  <a:cs typeface="メイリオ" pitchFamily="50" charset="-128"/>
-                </a:defRPr>
-              </a:lvl3pPr>
-              <a:lvl4pPr algn="l" rtl="0" eaLnBrk="0" fontAlgn="base" hangingPunct="0">
-                <a:spcBef>
-                  <a:spcPct val="0"/>
-                </a:spcBef>
-                <a:spcAft>
-                  <a:spcPct val="0"/>
-                </a:spcAft>
-                <a:defRPr kumimoji="1" sz="3200">
-                  <a:solidFill>
-                    <a:schemeClr val="tx2"/>
-                  </a:solidFill>
-                  <a:latin typeface="メイリオ" pitchFamily="50" charset="-128"/>
-                  <a:ea typeface="メイリオ" pitchFamily="50" charset="-128"/>
-                  <a:cs typeface="メイリオ" pitchFamily="50" charset="-128"/>
-                </a:defRPr>
-              </a:lvl4pPr>
-              <a:lvl5pPr algn="l" rtl="0" eaLnBrk="0" fontAlgn="base" hangingPunct="0">
-                <a:spcBef>
-                  <a:spcPct val="0"/>
-                </a:spcBef>
-                <a:spcAft>
-                  <a:spcPct val="0"/>
-                </a:spcAft>
-                <a:defRPr kumimoji="1" sz="3200">
-                  <a:solidFill>
-                    <a:schemeClr val="tx2"/>
-                  </a:solidFill>
-                  <a:latin typeface="メイリオ" pitchFamily="50" charset="-128"/>
-                  <a:ea typeface="メイリオ" pitchFamily="50" charset="-128"/>
-                  <a:cs typeface="メイリオ" pitchFamily="50" charset="-128"/>
-                </a:defRPr>
-              </a:lvl5pPr>
-              <a:lvl6pPr marL="457200" algn="l" rtl="0" fontAlgn="base">
-                <a:spcBef>
-                  <a:spcPct val="0"/>
-                </a:spcBef>
-                <a:spcAft>
-                  <a:spcPct val="0"/>
-                </a:spcAft>
-                <a:defRPr kumimoji="1" sz="3200">
-                  <a:solidFill>
-                    <a:schemeClr val="tx2"/>
-                  </a:solidFill>
-                  <a:latin typeface="メイリオ" pitchFamily="50" charset="-128"/>
-                  <a:ea typeface="メイリオ" pitchFamily="50" charset="-128"/>
-                  <a:cs typeface="メイリオ" pitchFamily="50" charset="-128"/>
-                </a:defRPr>
-              </a:lvl6pPr>
-              <a:lvl7pPr marL="914400" algn="l" rtl="0" fontAlgn="base">
-                <a:spcBef>
-                  <a:spcPct val="0"/>
-                </a:spcBef>
-                <a:spcAft>
-                  <a:spcPct val="0"/>
-                </a:spcAft>
-                <a:defRPr kumimoji="1" sz="3200">
-                  <a:solidFill>
-                    <a:schemeClr val="tx2"/>
-                  </a:solidFill>
-                  <a:latin typeface="メイリオ" pitchFamily="50" charset="-128"/>
-                  <a:ea typeface="メイリオ" pitchFamily="50" charset="-128"/>
-                  <a:cs typeface="メイリオ" pitchFamily="50" charset="-128"/>
-                </a:defRPr>
-              </a:lvl7pPr>
-              <a:lvl8pPr marL="1371600" algn="l" rtl="0" fontAlgn="base">
-                <a:spcBef>
-                  <a:spcPct val="0"/>
-                </a:spcBef>
-                <a:spcAft>
-                  <a:spcPct val="0"/>
-                </a:spcAft>
-                <a:defRPr kumimoji="1" sz="3200">
-                  <a:solidFill>
-                    <a:schemeClr val="tx2"/>
-                  </a:solidFill>
-                  <a:latin typeface="メイリオ" pitchFamily="50" charset="-128"/>
-                  <a:ea typeface="メイリオ" pitchFamily="50" charset="-128"/>
-                  <a:cs typeface="メイリオ" pitchFamily="50" charset="-128"/>
-                </a:defRPr>
-              </a:lvl8pPr>
-              <a:lvl9pPr marL="1828800" algn="l" rtl="0" fontAlgn="base">
-                <a:spcBef>
-                  <a:spcPct val="0"/>
-                </a:spcBef>
-                <a:spcAft>
-                  <a:spcPct val="0"/>
-                </a:spcAft>
-                <a:defRPr kumimoji="1" sz="3200">
-                  <a:solidFill>
-                    <a:schemeClr val="tx2"/>
-                  </a:solidFill>
-                  <a:latin typeface="メイリオ" pitchFamily="50" charset="-128"/>
-                  <a:ea typeface="メイリオ" pitchFamily="50" charset="-128"/>
-                  <a:cs typeface="メイリオ" pitchFamily="50" charset="-128"/>
-                </a:defRPr>
-              </a:lvl9pPr>
-            </a:lstStyle>
-            <a:p>
-              <a:pPr algn="ctr" defTabSz="924937"/>
-              <a:endParaRPr lang="en-US" altLang="ja-JP" sz="1618" kern="0" dirty="0">
-                <a:solidFill>
-                  <a:prstClr val="black"/>
-                </a:solidFill>
-                <a:latin typeface="Calibri"/>
-                <a:ea typeface="ＭＳ Ｐゴシック" panose="020B0600070205080204" pitchFamily="50" charset="-128"/>
-              </a:endParaRPr>
-            </a:p>
-          </p:txBody>
-        </p:sp>
-        <p:sp>
-          <p:nvSpPr>
-            <p:cNvPr id="361" name="タイトル 5"/>
-            <p:cNvSpPr txBox="1">
-              <a:spLocks/>
-            </p:cNvSpPr>
-            <p:nvPr/>
-          </p:nvSpPr>
-          <p:spPr bwMode="auto">
-            <a:xfrm>
-              <a:off x="2666796" y="648682"/>
-              <a:ext cx="5572281" cy="297196"/>
-            </a:xfrm>
-            <a:prstGeom prst="rect">
-              <a:avLst/>
-            </a:prstGeom>
-            <a:solidFill>
-              <a:schemeClr val="bg1"/>
-            </a:solidFill>
-            <a:ln w="12700">
-              <a:solidFill>
-                <a:schemeClr val="tx1"/>
-              </a:solidFill>
-              <a:miter lim="800000"/>
-              <a:headEnd/>
-              <a:tailEnd/>
-            </a:ln>
-            <a:effectLst/>
-            <a:extLst/>
-          </p:spPr>
-          <p:txBody>
-            <a:bodyPr vert="horz" wrap="square" lIns="72834" tIns="46250" rIns="72834" bIns="46250" numCol="1" anchor="ctr" anchorCtr="0" compatLnSpc="1">
-              <a:prstTxWarp prst="textNoShape">
-                <a:avLst/>
-              </a:prstTxWarp>
-            </a:bodyPr>
-            <a:lstStyle>
-              <a:lvl1pPr algn="l" rtl="0" eaLnBrk="0" fontAlgn="base" hangingPunct="0">
-                <a:spcBef>
-                  <a:spcPct val="0"/>
-                </a:spcBef>
-                <a:spcAft>
-                  <a:spcPct val="0"/>
-                </a:spcAft>
-                <a:defRPr kumimoji="1" sz="3200">
-                  <a:solidFill>
-                    <a:schemeClr val="tx2"/>
-                  </a:solidFill>
-                  <a:latin typeface="+mj-lt"/>
-                  <a:ea typeface="+mj-ea"/>
-                  <a:cs typeface="+mj-cs"/>
-                </a:defRPr>
-              </a:lvl1pPr>
-              <a:lvl2pPr algn="l" rtl="0" eaLnBrk="0" fontAlgn="base" hangingPunct="0">
-                <a:spcBef>
-                  <a:spcPct val="0"/>
-                </a:spcBef>
-                <a:spcAft>
-                  <a:spcPct val="0"/>
-                </a:spcAft>
-                <a:defRPr kumimoji="1" sz="3200">
-                  <a:solidFill>
-                    <a:schemeClr val="tx2"/>
-                  </a:solidFill>
-                  <a:latin typeface="メイリオ" pitchFamily="50" charset="-128"/>
-                  <a:ea typeface="メイリオ" pitchFamily="50" charset="-128"/>
-                  <a:cs typeface="メイリオ" pitchFamily="50" charset="-128"/>
-                </a:defRPr>
-              </a:lvl2pPr>
-              <a:lvl3pPr algn="l" rtl="0" eaLnBrk="0" fontAlgn="base" hangingPunct="0">
-                <a:spcBef>
-                  <a:spcPct val="0"/>
-                </a:spcBef>
-                <a:spcAft>
-                  <a:spcPct val="0"/>
-                </a:spcAft>
-                <a:defRPr kumimoji="1" sz="3200">
-                  <a:solidFill>
-                    <a:schemeClr val="tx2"/>
-                  </a:solidFill>
-                  <a:latin typeface="メイリオ" pitchFamily="50" charset="-128"/>
-                  <a:ea typeface="メイリオ" pitchFamily="50" charset="-128"/>
-                  <a:cs typeface="メイリオ" pitchFamily="50" charset="-128"/>
-                </a:defRPr>
-              </a:lvl3pPr>
-              <a:lvl4pPr algn="l" rtl="0" eaLnBrk="0" fontAlgn="base" hangingPunct="0">
-                <a:spcBef>
-                  <a:spcPct val="0"/>
-                </a:spcBef>
-                <a:spcAft>
-                  <a:spcPct val="0"/>
-                </a:spcAft>
-                <a:defRPr kumimoji="1" sz="3200">
-                  <a:solidFill>
-                    <a:schemeClr val="tx2"/>
-                  </a:solidFill>
-                  <a:latin typeface="メイリオ" pitchFamily="50" charset="-128"/>
-                  <a:ea typeface="メイリオ" pitchFamily="50" charset="-128"/>
-                  <a:cs typeface="メイリオ" pitchFamily="50" charset="-128"/>
-                </a:defRPr>
-              </a:lvl4pPr>
-              <a:lvl5pPr algn="l" rtl="0" eaLnBrk="0" fontAlgn="base" hangingPunct="0">
-                <a:spcBef>
-                  <a:spcPct val="0"/>
-                </a:spcBef>
-                <a:spcAft>
-                  <a:spcPct val="0"/>
-                </a:spcAft>
-                <a:defRPr kumimoji="1" sz="3200">
-                  <a:solidFill>
-                    <a:schemeClr val="tx2"/>
-                  </a:solidFill>
-                  <a:latin typeface="メイリオ" pitchFamily="50" charset="-128"/>
-                  <a:ea typeface="メイリオ" pitchFamily="50" charset="-128"/>
-                  <a:cs typeface="メイリオ" pitchFamily="50" charset="-128"/>
-                </a:defRPr>
-              </a:lvl5pPr>
-              <a:lvl6pPr marL="457200" algn="l" rtl="0" fontAlgn="base">
-                <a:spcBef>
-                  <a:spcPct val="0"/>
-                </a:spcBef>
-                <a:spcAft>
-                  <a:spcPct val="0"/>
-                </a:spcAft>
-                <a:defRPr kumimoji="1" sz="3200">
-                  <a:solidFill>
-                    <a:schemeClr val="tx2"/>
-                  </a:solidFill>
-                  <a:latin typeface="メイリオ" pitchFamily="50" charset="-128"/>
-                  <a:ea typeface="メイリオ" pitchFamily="50" charset="-128"/>
-                  <a:cs typeface="メイリオ" pitchFamily="50" charset="-128"/>
-                </a:defRPr>
-              </a:lvl6pPr>
-              <a:lvl7pPr marL="914400" algn="l" rtl="0" fontAlgn="base">
-                <a:spcBef>
-                  <a:spcPct val="0"/>
-                </a:spcBef>
-                <a:spcAft>
-                  <a:spcPct val="0"/>
-                </a:spcAft>
-                <a:defRPr kumimoji="1" sz="3200">
-                  <a:solidFill>
-                    <a:schemeClr val="tx2"/>
-                  </a:solidFill>
-                  <a:latin typeface="メイリオ" pitchFamily="50" charset="-128"/>
-                  <a:ea typeface="メイリオ" pitchFamily="50" charset="-128"/>
-                  <a:cs typeface="メイリオ" pitchFamily="50" charset="-128"/>
-                </a:defRPr>
-              </a:lvl7pPr>
-              <a:lvl8pPr marL="1371600" algn="l" rtl="0" fontAlgn="base">
-                <a:spcBef>
-                  <a:spcPct val="0"/>
-                </a:spcBef>
-                <a:spcAft>
-                  <a:spcPct val="0"/>
-                </a:spcAft>
-                <a:defRPr kumimoji="1" sz="3200">
-                  <a:solidFill>
-                    <a:schemeClr val="tx2"/>
-                  </a:solidFill>
-                  <a:latin typeface="メイリオ" pitchFamily="50" charset="-128"/>
-                  <a:ea typeface="メイリオ" pitchFamily="50" charset="-128"/>
-                  <a:cs typeface="メイリオ" pitchFamily="50" charset="-128"/>
-                </a:defRPr>
-              </a:lvl8pPr>
-              <a:lvl9pPr marL="1828800" algn="l" rtl="0" fontAlgn="base">
-                <a:spcBef>
-                  <a:spcPct val="0"/>
-                </a:spcBef>
-                <a:spcAft>
-                  <a:spcPct val="0"/>
-                </a:spcAft>
-                <a:defRPr kumimoji="1" sz="3200">
-                  <a:solidFill>
-                    <a:schemeClr val="tx2"/>
-                  </a:solidFill>
-                  <a:latin typeface="メイリオ" pitchFamily="50" charset="-128"/>
-                  <a:ea typeface="メイリオ" pitchFamily="50" charset="-128"/>
-                  <a:cs typeface="メイリオ" pitchFamily="50" charset="-128"/>
-                </a:defRPr>
-              </a:lvl9pPr>
-            </a:lstStyle>
-            <a:p>
-              <a:pPr algn="ctr" defTabSz="924937"/>
-              <a:r>
-                <a:rPr lang="en-US" altLang="ja-JP" sz="1618" kern="0" dirty="0" err="1">
-                  <a:solidFill>
-                    <a:prstClr val="black"/>
-                  </a:solidFill>
-                  <a:latin typeface="Calibri"/>
-                  <a:ea typeface="ＭＳ Ｐゴシック" panose="020B0600070205080204" pitchFamily="50" charset="-128"/>
-                </a:rPr>
-                <a:t>interlaken</a:t>
-              </a:r>
-              <a:endParaRPr lang="en-US" altLang="ja-JP" sz="1618" kern="0" dirty="0">
-                <a:solidFill>
-                  <a:prstClr val="black"/>
-                </a:solidFill>
-                <a:latin typeface="Calibri"/>
-                <a:ea typeface="ＭＳ Ｐゴシック" panose="020B0600070205080204" pitchFamily="50" charset="-128"/>
-              </a:endParaRPr>
-            </a:p>
-          </p:txBody>
-        </p:sp>
-      </p:grpSp>
-      <p:grpSp>
-        <p:nvGrpSpPr>
-          <p:cNvPr id="353" name="グループ化 352"/>
-          <p:cNvGrpSpPr/>
-          <p:nvPr/>
-        </p:nvGrpSpPr>
-        <p:grpSpPr>
-          <a:xfrm rot="10800000">
-            <a:off x="2480817" y="9044891"/>
-            <a:ext cx="6018199" cy="863563"/>
-            <a:chOff x="2478283" y="565241"/>
-            <a:chExt cx="5949308" cy="853678"/>
-          </a:xfrm>
-        </p:grpSpPr>
-        <p:sp>
-          <p:nvSpPr>
-            <p:cNvPr id="354" name="タイトル 5"/>
-            <p:cNvSpPr txBox="1">
-              <a:spLocks/>
-            </p:cNvSpPr>
-            <p:nvPr/>
-          </p:nvSpPr>
-          <p:spPr bwMode="auto">
-            <a:xfrm>
-              <a:off x="2478283" y="565241"/>
-              <a:ext cx="5949308" cy="853678"/>
-            </a:xfrm>
-            <a:prstGeom prst="rect">
-              <a:avLst/>
-            </a:prstGeom>
-            <a:noFill/>
-            <a:ln w="12700">
-              <a:solidFill>
-                <a:schemeClr val="tx1"/>
-              </a:solidFill>
-              <a:miter lim="800000"/>
-              <a:headEnd/>
-              <a:tailEnd/>
-            </a:ln>
-            <a:effectLst/>
-            <a:extLst/>
-          </p:spPr>
-          <p:txBody>
-            <a:bodyPr vert="horz" wrap="square" lIns="72834" tIns="46250" rIns="72834" bIns="46250" numCol="1" anchor="ctr" anchorCtr="0" compatLnSpc="1">
-              <a:prstTxWarp prst="textNoShape">
-                <a:avLst/>
-              </a:prstTxWarp>
-            </a:bodyPr>
-            <a:lstStyle>
-              <a:lvl1pPr algn="l" rtl="0" eaLnBrk="0" fontAlgn="base" hangingPunct="0">
-                <a:spcBef>
-                  <a:spcPct val="0"/>
-                </a:spcBef>
-                <a:spcAft>
-                  <a:spcPct val="0"/>
-                </a:spcAft>
-                <a:defRPr kumimoji="1" sz="3200">
-                  <a:solidFill>
-                    <a:schemeClr val="tx2"/>
-                  </a:solidFill>
-                  <a:latin typeface="+mj-lt"/>
-                  <a:ea typeface="+mj-ea"/>
-                  <a:cs typeface="+mj-cs"/>
-                </a:defRPr>
-              </a:lvl1pPr>
-              <a:lvl2pPr algn="l" rtl="0" eaLnBrk="0" fontAlgn="base" hangingPunct="0">
-                <a:spcBef>
-                  <a:spcPct val="0"/>
-                </a:spcBef>
-                <a:spcAft>
-                  <a:spcPct val="0"/>
-                </a:spcAft>
-                <a:defRPr kumimoji="1" sz="3200">
-                  <a:solidFill>
-                    <a:schemeClr val="tx2"/>
-                  </a:solidFill>
-                  <a:latin typeface="メイリオ" pitchFamily="50" charset="-128"/>
-                  <a:ea typeface="メイリオ" pitchFamily="50" charset="-128"/>
-                  <a:cs typeface="メイリオ" pitchFamily="50" charset="-128"/>
-                </a:defRPr>
-              </a:lvl2pPr>
-              <a:lvl3pPr algn="l" rtl="0" eaLnBrk="0" fontAlgn="base" hangingPunct="0">
-                <a:spcBef>
-                  <a:spcPct val="0"/>
-                </a:spcBef>
-                <a:spcAft>
-                  <a:spcPct val="0"/>
-                </a:spcAft>
-                <a:defRPr kumimoji="1" sz="3200">
-                  <a:solidFill>
-                    <a:schemeClr val="tx2"/>
-                  </a:solidFill>
-                  <a:latin typeface="メイリオ" pitchFamily="50" charset="-128"/>
-                  <a:ea typeface="メイリオ" pitchFamily="50" charset="-128"/>
-                  <a:cs typeface="メイリオ" pitchFamily="50" charset="-128"/>
-                </a:defRPr>
-              </a:lvl3pPr>
-              <a:lvl4pPr algn="l" rtl="0" eaLnBrk="0" fontAlgn="base" hangingPunct="0">
-                <a:spcBef>
-                  <a:spcPct val="0"/>
-                </a:spcBef>
-                <a:spcAft>
-                  <a:spcPct val="0"/>
-                </a:spcAft>
-                <a:defRPr kumimoji="1" sz="3200">
-                  <a:solidFill>
-                    <a:schemeClr val="tx2"/>
-                  </a:solidFill>
-                  <a:latin typeface="メイリオ" pitchFamily="50" charset="-128"/>
-                  <a:ea typeface="メイリオ" pitchFamily="50" charset="-128"/>
-                  <a:cs typeface="メイリオ" pitchFamily="50" charset="-128"/>
-                </a:defRPr>
-              </a:lvl4pPr>
-              <a:lvl5pPr algn="l" rtl="0" eaLnBrk="0" fontAlgn="base" hangingPunct="0">
-                <a:spcBef>
-                  <a:spcPct val="0"/>
-                </a:spcBef>
-                <a:spcAft>
-                  <a:spcPct val="0"/>
-                </a:spcAft>
-                <a:defRPr kumimoji="1" sz="3200">
-                  <a:solidFill>
-                    <a:schemeClr val="tx2"/>
-                  </a:solidFill>
-                  <a:latin typeface="メイリオ" pitchFamily="50" charset="-128"/>
-                  <a:ea typeface="メイリオ" pitchFamily="50" charset="-128"/>
-                  <a:cs typeface="メイリオ" pitchFamily="50" charset="-128"/>
-                </a:defRPr>
-              </a:lvl5pPr>
-              <a:lvl6pPr marL="457200" algn="l" rtl="0" fontAlgn="base">
-                <a:spcBef>
-                  <a:spcPct val="0"/>
-                </a:spcBef>
-                <a:spcAft>
-                  <a:spcPct val="0"/>
-                </a:spcAft>
-                <a:defRPr kumimoji="1" sz="3200">
-                  <a:solidFill>
-                    <a:schemeClr val="tx2"/>
-                  </a:solidFill>
-                  <a:latin typeface="メイリオ" pitchFamily="50" charset="-128"/>
-                  <a:ea typeface="メイリオ" pitchFamily="50" charset="-128"/>
-                  <a:cs typeface="メイリオ" pitchFamily="50" charset="-128"/>
-                </a:defRPr>
-              </a:lvl6pPr>
-              <a:lvl7pPr marL="914400" algn="l" rtl="0" fontAlgn="base">
-                <a:spcBef>
-                  <a:spcPct val="0"/>
-                </a:spcBef>
-                <a:spcAft>
-                  <a:spcPct val="0"/>
-                </a:spcAft>
-                <a:defRPr kumimoji="1" sz="3200">
-                  <a:solidFill>
-                    <a:schemeClr val="tx2"/>
-                  </a:solidFill>
-                  <a:latin typeface="メイリオ" pitchFamily="50" charset="-128"/>
-                  <a:ea typeface="メイリオ" pitchFamily="50" charset="-128"/>
-                  <a:cs typeface="メイリオ" pitchFamily="50" charset="-128"/>
-                </a:defRPr>
-              </a:lvl7pPr>
-              <a:lvl8pPr marL="1371600" algn="l" rtl="0" fontAlgn="base">
-                <a:spcBef>
-                  <a:spcPct val="0"/>
-                </a:spcBef>
-                <a:spcAft>
-                  <a:spcPct val="0"/>
-                </a:spcAft>
-                <a:defRPr kumimoji="1" sz="3200">
-                  <a:solidFill>
-                    <a:schemeClr val="tx2"/>
-                  </a:solidFill>
-                  <a:latin typeface="メイリオ" pitchFamily="50" charset="-128"/>
-                  <a:ea typeface="メイリオ" pitchFamily="50" charset="-128"/>
-                  <a:cs typeface="メイリオ" pitchFamily="50" charset="-128"/>
-                </a:defRPr>
-              </a:lvl8pPr>
-              <a:lvl9pPr marL="1828800" algn="l" rtl="0" fontAlgn="base">
-                <a:spcBef>
-                  <a:spcPct val="0"/>
-                </a:spcBef>
-                <a:spcAft>
-                  <a:spcPct val="0"/>
-                </a:spcAft>
-                <a:defRPr kumimoji="1" sz="3200">
-                  <a:solidFill>
-                    <a:schemeClr val="tx2"/>
-                  </a:solidFill>
-                  <a:latin typeface="メイリオ" pitchFamily="50" charset="-128"/>
-                  <a:ea typeface="メイリオ" pitchFamily="50" charset="-128"/>
-                  <a:cs typeface="メイリオ" pitchFamily="50" charset="-128"/>
-                </a:defRPr>
-              </a:lvl9pPr>
-            </a:lstStyle>
-            <a:p>
-              <a:pPr algn="ctr" defTabSz="924937"/>
-              <a:endParaRPr lang="en-US" altLang="ja-JP" sz="1618" kern="0" dirty="0">
-                <a:solidFill>
-                  <a:prstClr val="black"/>
-                </a:solidFill>
-                <a:latin typeface="Calibri"/>
-                <a:ea typeface="ＭＳ Ｐゴシック" panose="020B0600070205080204" pitchFamily="50" charset="-128"/>
-              </a:endParaRPr>
-            </a:p>
-          </p:txBody>
-        </p:sp>
-        <p:sp>
-          <p:nvSpPr>
-            <p:cNvPr id="355" name="タイトル 5"/>
-            <p:cNvSpPr txBox="1">
-              <a:spLocks/>
-            </p:cNvSpPr>
-            <p:nvPr/>
-          </p:nvSpPr>
-          <p:spPr bwMode="auto">
-            <a:xfrm rot="10800000">
-              <a:off x="2666796" y="648682"/>
-              <a:ext cx="5572281" cy="297196"/>
-            </a:xfrm>
-            <a:prstGeom prst="rect">
-              <a:avLst/>
-            </a:prstGeom>
-            <a:solidFill>
-              <a:schemeClr val="bg1"/>
-            </a:solidFill>
-            <a:ln w="12700">
-              <a:solidFill>
-                <a:schemeClr val="tx1"/>
-              </a:solidFill>
-              <a:miter lim="800000"/>
-              <a:headEnd/>
-              <a:tailEnd/>
-            </a:ln>
-            <a:effectLst/>
-            <a:extLst/>
-          </p:spPr>
-          <p:txBody>
-            <a:bodyPr vert="horz" wrap="square" lIns="72834" tIns="46250" rIns="72834" bIns="46250" numCol="1" anchor="ctr" anchorCtr="0" compatLnSpc="1">
-              <a:prstTxWarp prst="textNoShape">
-                <a:avLst/>
-              </a:prstTxWarp>
-            </a:bodyPr>
-            <a:lstStyle>
-              <a:lvl1pPr algn="l" rtl="0" eaLnBrk="0" fontAlgn="base" hangingPunct="0">
-                <a:spcBef>
-                  <a:spcPct val="0"/>
-                </a:spcBef>
-                <a:spcAft>
-                  <a:spcPct val="0"/>
-                </a:spcAft>
-                <a:defRPr kumimoji="1" sz="3200">
-                  <a:solidFill>
-                    <a:schemeClr val="tx2"/>
-                  </a:solidFill>
-                  <a:latin typeface="+mj-lt"/>
-                  <a:ea typeface="+mj-ea"/>
-                  <a:cs typeface="+mj-cs"/>
-                </a:defRPr>
-              </a:lvl1pPr>
-              <a:lvl2pPr algn="l" rtl="0" eaLnBrk="0" fontAlgn="base" hangingPunct="0">
-                <a:spcBef>
-                  <a:spcPct val="0"/>
-                </a:spcBef>
-                <a:spcAft>
-                  <a:spcPct val="0"/>
-                </a:spcAft>
-                <a:defRPr kumimoji="1" sz="3200">
-                  <a:solidFill>
-                    <a:schemeClr val="tx2"/>
-                  </a:solidFill>
-                  <a:latin typeface="メイリオ" pitchFamily="50" charset="-128"/>
-                  <a:ea typeface="メイリオ" pitchFamily="50" charset="-128"/>
-                  <a:cs typeface="メイリオ" pitchFamily="50" charset="-128"/>
-                </a:defRPr>
-              </a:lvl2pPr>
-              <a:lvl3pPr algn="l" rtl="0" eaLnBrk="0" fontAlgn="base" hangingPunct="0">
-                <a:spcBef>
-                  <a:spcPct val="0"/>
-                </a:spcBef>
-                <a:spcAft>
-                  <a:spcPct val="0"/>
-                </a:spcAft>
-                <a:defRPr kumimoji="1" sz="3200">
-                  <a:solidFill>
-                    <a:schemeClr val="tx2"/>
-                  </a:solidFill>
-                  <a:latin typeface="メイリオ" pitchFamily="50" charset="-128"/>
-                  <a:ea typeface="メイリオ" pitchFamily="50" charset="-128"/>
-                  <a:cs typeface="メイリオ" pitchFamily="50" charset="-128"/>
-                </a:defRPr>
-              </a:lvl3pPr>
-              <a:lvl4pPr algn="l" rtl="0" eaLnBrk="0" fontAlgn="base" hangingPunct="0">
-                <a:spcBef>
-                  <a:spcPct val="0"/>
-                </a:spcBef>
-                <a:spcAft>
-                  <a:spcPct val="0"/>
-                </a:spcAft>
-                <a:defRPr kumimoji="1" sz="3200">
-                  <a:solidFill>
-                    <a:schemeClr val="tx2"/>
-                  </a:solidFill>
-                  <a:latin typeface="メイリオ" pitchFamily="50" charset="-128"/>
-                  <a:ea typeface="メイリオ" pitchFamily="50" charset="-128"/>
-                  <a:cs typeface="メイリオ" pitchFamily="50" charset="-128"/>
-                </a:defRPr>
-              </a:lvl4pPr>
-              <a:lvl5pPr algn="l" rtl="0" eaLnBrk="0" fontAlgn="base" hangingPunct="0">
-                <a:spcBef>
-                  <a:spcPct val="0"/>
-                </a:spcBef>
-                <a:spcAft>
-                  <a:spcPct val="0"/>
-                </a:spcAft>
-                <a:defRPr kumimoji="1" sz="3200">
-                  <a:solidFill>
-                    <a:schemeClr val="tx2"/>
-                  </a:solidFill>
-                  <a:latin typeface="メイリオ" pitchFamily="50" charset="-128"/>
-                  <a:ea typeface="メイリオ" pitchFamily="50" charset="-128"/>
-                  <a:cs typeface="メイリオ" pitchFamily="50" charset="-128"/>
-                </a:defRPr>
-              </a:lvl5pPr>
-              <a:lvl6pPr marL="457200" algn="l" rtl="0" fontAlgn="base">
-                <a:spcBef>
-                  <a:spcPct val="0"/>
-                </a:spcBef>
-                <a:spcAft>
-                  <a:spcPct val="0"/>
-                </a:spcAft>
-                <a:defRPr kumimoji="1" sz="3200">
-                  <a:solidFill>
-                    <a:schemeClr val="tx2"/>
-                  </a:solidFill>
-                  <a:latin typeface="メイリオ" pitchFamily="50" charset="-128"/>
-                  <a:ea typeface="メイリオ" pitchFamily="50" charset="-128"/>
-                  <a:cs typeface="メイリオ" pitchFamily="50" charset="-128"/>
-                </a:defRPr>
-              </a:lvl6pPr>
-              <a:lvl7pPr marL="914400" algn="l" rtl="0" fontAlgn="base">
-                <a:spcBef>
-                  <a:spcPct val="0"/>
-                </a:spcBef>
-                <a:spcAft>
-                  <a:spcPct val="0"/>
-                </a:spcAft>
-                <a:defRPr kumimoji="1" sz="3200">
-                  <a:solidFill>
-                    <a:schemeClr val="tx2"/>
-                  </a:solidFill>
-                  <a:latin typeface="メイリオ" pitchFamily="50" charset="-128"/>
-                  <a:ea typeface="メイリオ" pitchFamily="50" charset="-128"/>
-                  <a:cs typeface="メイリオ" pitchFamily="50" charset="-128"/>
-                </a:defRPr>
-              </a:lvl7pPr>
-              <a:lvl8pPr marL="1371600" algn="l" rtl="0" fontAlgn="base">
-                <a:spcBef>
-                  <a:spcPct val="0"/>
-                </a:spcBef>
-                <a:spcAft>
-                  <a:spcPct val="0"/>
-                </a:spcAft>
-                <a:defRPr kumimoji="1" sz="3200">
-                  <a:solidFill>
-                    <a:schemeClr val="tx2"/>
-                  </a:solidFill>
-                  <a:latin typeface="メイリオ" pitchFamily="50" charset="-128"/>
-                  <a:ea typeface="メイリオ" pitchFamily="50" charset="-128"/>
-                  <a:cs typeface="メイリオ" pitchFamily="50" charset="-128"/>
-                </a:defRPr>
-              </a:lvl8pPr>
-              <a:lvl9pPr marL="1828800" algn="l" rtl="0" fontAlgn="base">
-                <a:spcBef>
-                  <a:spcPct val="0"/>
-                </a:spcBef>
-                <a:spcAft>
-                  <a:spcPct val="0"/>
-                </a:spcAft>
-                <a:defRPr kumimoji="1" sz="3200">
-                  <a:solidFill>
-                    <a:schemeClr val="tx2"/>
-                  </a:solidFill>
-                  <a:latin typeface="メイリオ" pitchFamily="50" charset="-128"/>
-                  <a:ea typeface="メイリオ" pitchFamily="50" charset="-128"/>
-                  <a:cs typeface="メイリオ" pitchFamily="50" charset="-128"/>
-                </a:defRPr>
-              </a:lvl9pPr>
-            </a:lstStyle>
-            <a:p>
-              <a:pPr algn="ctr" defTabSz="924937"/>
-              <a:r>
-                <a:rPr lang="en-US" altLang="ja-JP" sz="1618" kern="0" dirty="0" err="1">
-                  <a:solidFill>
-                    <a:prstClr val="black"/>
-                  </a:solidFill>
-                  <a:latin typeface="Calibri"/>
-                  <a:ea typeface="ＭＳ Ｐゴシック" panose="020B0600070205080204" pitchFamily="50" charset="-128"/>
-                </a:rPr>
-                <a:t>interlaken</a:t>
-              </a:r>
-              <a:endParaRPr lang="en-US" altLang="ja-JP" sz="1618" kern="0" dirty="0">
+              <a:endParaRPr lang="ja-JP" altLang="en-US" sz="1700" dirty="0">
                 <a:solidFill>
                   <a:prstClr val="black"/>
                 </a:solidFill>

--- a/figure/noc_map.pptx
+++ b/figure/noc_map.pptx
@@ -198,7 +198,7 @@
           <a:p>
             <a:fld id="{7F0095D0-A9E1-4B64-AAAF-C179389DF804}" type="datetimeFigureOut">
               <a:rPr kumimoji="1" lang="ja-JP" altLang="en-US" smtClean="0"/>
-              <a:t>2017/6/25</a:t>
+              <a:t>2017/6/28</a:t>
             </a:fld>
             <a:endParaRPr kumimoji="1" lang="ja-JP" altLang="en-US"/>
           </a:p>
@@ -782,7 +782,7 @@
           <a:p>
             <a:fld id="{05B1DBB0-D0CE-4499-8A6D-C73AC9430D35}" type="datetimeFigureOut">
               <a:rPr kumimoji="1" lang="ja-JP" altLang="en-US" smtClean="0"/>
-              <a:t>2017/6/25</a:t>
+              <a:t>2017/6/28</a:t>
             </a:fld>
             <a:endParaRPr kumimoji="1" lang="ja-JP" altLang="en-US"/>
           </a:p>
@@ -984,7 +984,7 @@
           <a:p>
             <a:fld id="{05B1DBB0-D0CE-4499-8A6D-C73AC9430D35}" type="datetimeFigureOut">
               <a:rPr kumimoji="1" lang="ja-JP" altLang="en-US" smtClean="0"/>
-              <a:t>2017/6/25</a:t>
+              <a:t>2017/6/28</a:t>
             </a:fld>
             <a:endParaRPr kumimoji="1" lang="ja-JP" altLang="en-US"/>
           </a:p>
@@ -1196,7 +1196,7 @@
           <a:p>
             <a:fld id="{05B1DBB0-D0CE-4499-8A6D-C73AC9430D35}" type="datetimeFigureOut">
               <a:rPr kumimoji="1" lang="ja-JP" altLang="en-US" smtClean="0"/>
-              <a:t>2017/6/25</a:t>
+              <a:t>2017/6/28</a:t>
             </a:fld>
             <a:endParaRPr kumimoji="1" lang="ja-JP" altLang="en-US"/>
           </a:p>
@@ -1396,7 +1396,7 @@
           <a:p>
             <a:fld id="{1D8BD707-D9CF-40AE-B4C6-C98DA3205C09}" type="datetimeFigureOut">
               <a:rPr lang="en-US"/>
-              <a:t>6/25/2017</a:t>
+              <a:t>6/28/2017</a:t>
             </a:fld>
             <a:endParaRPr lang="en-US"/>
           </a:p>
@@ -1566,7 +1566,7 @@
           <a:p>
             <a:fld id="{1D8BD707-D9CF-40AE-B4C6-C98DA3205C09}" type="datetimeFigureOut">
               <a:rPr lang="en-US"/>
-              <a:t>6/25/2017</a:t>
+              <a:t>6/28/2017</a:t>
             </a:fld>
             <a:endParaRPr lang="en-US"/>
           </a:p>
@@ -1779,7 +1779,7 @@
           <a:p>
             <a:fld id="{1D8BD707-D9CF-40AE-B4C6-C98DA3205C09}" type="datetimeFigureOut">
               <a:rPr lang="en-US"/>
-              <a:t>6/25/2017</a:t>
+              <a:t>6/28/2017</a:t>
             </a:fld>
             <a:endParaRPr lang="en-US"/>
           </a:p>
@@ -1926,7 +1926,7 @@
           <a:p>
             <a:fld id="{1D8BD707-D9CF-40AE-B4C6-C98DA3205C09}" type="datetimeFigureOut">
               <a:rPr lang="en-US"/>
-              <a:t>6/25/2017</a:t>
+              <a:t>6/28/2017</a:t>
             </a:fld>
             <a:endParaRPr lang="en-US"/>
           </a:p>
@@ -2050,7 +2050,7 @@
           <a:p>
             <a:fld id="{1D8BD707-D9CF-40AE-B4C6-C98DA3205C09}" type="datetimeFigureOut">
               <a:rPr lang="en-US"/>
-              <a:t>6/25/2017</a:t>
+              <a:t>6/28/2017</a:t>
             </a:fld>
             <a:endParaRPr lang="en-US"/>
           </a:p>
@@ -2242,7 +2242,7 @@
           <a:p>
             <a:fld id="{05B1DBB0-D0CE-4499-8A6D-C73AC9430D35}" type="datetimeFigureOut">
               <a:rPr kumimoji="1" lang="ja-JP" altLang="en-US" smtClean="0"/>
-              <a:t>2017/6/25</a:t>
+              <a:t>2017/6/28</a:t>
             </a:fld>
             <a:endParaRPr kumimoji="1" lang="ja-JP" altLang="en-US"/>
           </a:p>
@@ -2488,7 +2488,7 @@
           <a:p>
             <a:fld id="{05B1DBB0-D0CE-4499-8A6D-C73AC9430D35}" type="datetimeFigureOut">
               <a:rPr kumimoji="1" lang="ja-JP" altLang="en-US" smtClean="0"/>
-              <a:t>2017/6/25</a:t>
+              <a:t>2017/6/28</a:t>
             </a:fld>
             <a:endParaRPr kumimoji="1" lang="ja-JP" altLang="en-US"/>
           </a:p>
@@ -2784,7 +2784,7 @@
           <a:p>
             <a:fld id="{05B1DBB0-D0CE-4499-8A6D-C73AC9430D35}" type="datetimeFigureOut">
               <a:rPr kumimoji="1" lang="ja-JP" altLang="en-US" smtClean="0"/>
-              <a:t>2017/6/25</a:t>
+              <a:t>2017/6/28</a:t>
             </a:fld>
             <a:endParaRPr kumimoji="1" lang="ja-JP" altLang="en-US"/>
           </a:p>
@@ -3215,7 +3215,7 @@
           <a:p>
             <a:fld id="{05B1DBB0-D0CE-4499-8A6D-C73AC9430D35}" type="datetimeFigureOut">
               <a:rPr kumimoji="1" lang="ja-JP" altLang="en-US" smtClean="0"/>
-              <a:t>2017/6/25</a:t>
+              <a:t>2017/6/28</a:t>
             </a:fld>
             <a:endParaRPr kumimoji="1" lang="ja-JP" altLang="en-US"/>
           </a:p>
@@ -3333,7 +3333,7 @@
           <a:p>
             <a:fld id="{05B1DBB0-D0CE-4499-8A6D-C73AC9430D35}" type="datetimeFigureOut">
               <a:rPr kumimoji="1" lang="ja-JP" altLang="en-US" smtClean="0"/>
-              <a:t>2017/6/25</a:t>
+              <a:t>2017/6/28</a:t>
             </a:fld>
             <a:endParaRPr kumimoji="1" lang="ja-JP" altLang="en-US"/>
           </a:p>
@@ -3428,7 +3428,7 @@
           <a:p>
             <a:fld id="{05B1DBB0-D0CE-4499-8A6D-C73AC9430D35}" type="datetimeFigureOut">
               <a:rPr kumimoji="1" lang="ja-JP" altLang="en-US" smtClean="0"/>
-              <a:t>2017/6/25</a:t>
+              <a:t>2017/6/28</a:t>
             </a:fld>
             <a:endParaRPr kumimoji="1" lang="ja-JP" altLang="en-US"/>
           </a:p>
@@ -3737,7 +3737,7 @@
           <a:p>
             <a:fld id="{05B1DBB0-D0CE-4499-8A6D-C73AC9430D35}" type="datetimeFigureOut">
               <a:rPr kumimoji="1" lang="ja-JP" altLang="en-US" smtClean="0"/>
-              <a:t>2017/6/25</a:t>
+              <a:t>2017/6/28</a:t>
             </a:fld>
             <a:endParaRPr kumimoji="1" lang="ja-JP" altLang="en-US"/>
           </a:p>
@@ -3990,7 +3990,7 @@
           <a:p>
             <a:fld id="{05B1DBB0-D0CE-4499-8A6D-C73AC9430D35}" type="datetimeFigureOut">
               <a:rPr kumimoji="1" lang="ja-JP" altLang="en-US" smtClean="0"/>
-              <a:t>2017/6/25</a:t>
+              <a:t>2017/6/28</a:t>
             </a:fld>
             <a:endParaRPr kumimoji="1" lang="ja-JP" altLang="en-US"/>
           </a:p>
@@ -4235,7 +4235,7 @@
           <a:p>
             <a:fld id="{05B1DBB0-D0CE-4499-8A6D-C73AC9430D35}" type="datetimeFigureOut">
               <a:rPr kumimoji="1" lang="ja-JP" altLang="en-US" smtClean="0"/>
-              <a:t>2017/6/25</a:t>
+              <a:t>2017/6/28</a:t>
             </a:fld>
             <a:endParaRPr kumimoji="1" lang="ja-JP" altLang="en-US"/>
           </a:p>
@@ -4790,7 +4790,7 @@
           <a:p>
             <a:fld id="{1D8BD707-D9CF-40AE-B4C6-C98DA3205C09}" type="datetimeFigureOut">
               <a:rPr lang="en-US"/>
-              <a:t>6/25/2017</a:t>
+              <a:t>6/28/2017</a:t>
             </a:fld>
             <a:endParaRPr lang="en-US"/>
           </a:p>
@@ -5014,6 +5014,2412 @@
           <a:chExt cx="0" cy="0"/>
         </a:xfrm>
       </p:grpSpPr>
+      <p:grpSp>
+        <p:nvGrpSpPr>
+          <p:cNvPr id="205" name="グループ化 204"/>
+          <p:cNvGrpSpPr>
+            <a:grpSpLocks noChangeAspect="1"/>
+          </p:cNvGrpSpPr>
+          <p:nvPr/>
+        </p:nvGrpSpPr>
+        <p:grpSpPr>
+          <a:xfrm>
+            <a:off x="1613869" y="6023354"/>
+            <a:ext cx="5112000" cy="240859"/>
+            <a:chOff x="2411841" y="2692076"/>
+            <a:chExt cx="4869913" cy="229454"/>
+          </a:xfrm>
+          <a:solidFill>
+            <a:schemeClr val="bg1">
+              <a:lumMod val="95000"/>
+            </a:schemeClr>
+          </a:solidFill>
+        </p:grpSpPr>
+        <p:sp>
+          <p:nvSpPr>
+            <p:cNvPr id="206" name="タイトル 5"/>
+            <p:cNvSpPr txBox="1">
+              <a:spLocks/>
+            </p:cNvSpPr>
+            <p:nvPr/>
+          </p:nvSpPr>
+          <p:spPr bwMode="auto">
+            <a:xfrm>
+              <a:off x="3857516" y="2693083"/>
+              <a:ext cx="538271" cy="223287"/>
+            </a:xfrm>
+            <a:prstGeom prst="rect">
+              <a:avLst/>
+            </a:prstGeom>
+            <a:grpFill/>
+            <a:ln w="12700">
+              <a:solidFill>
+                <a:schemeClr val="tx1"/>
+              </a:solidFill>
+              <a:miter lim="800000"/>
+              <a:headEnd/>
+              <a:tailEnd/>
+            </a:ln>
+            <a:effectLst/>
+            <a:extLst/>
+          </p:spPr>
+          <p:txBody>
+            <a:bodyPr vert="horz" wrap="square" lIns="72834" tIns="46250" rIns="72834" bIns="46250" numCol="1" anchor="ctr" anchorCtr="0" compatLnSpc="1">
+              <a:prstTxWarp prst="textNoShape">
+                <a:avLst/>
+              </a:prstTxWarp>
+            </a:bodyPr>
+            <a:lstStyle>
+              <a:lvl1pPr algn="l" rtl="0" eaLnBrk="0" fontAlgn="base" hangingPunct="0">
+                <a:spcBef>
+                  <a:spcPct val="0"/>
+                </a:spcBef>
+                <a:spcAft>
+                  <a:spcPct val="0"/>
+                </a:spcAft>
+                <a:defRPr kumimoji="1" sz="3200">
+                  <a:solidFill>
+                    <a:schemeClr val="tx2"/>
+                  </a:solidFill>
+                  <a:latin typeface="+mj-lt"/>
+                  <a:ea typeface="+mj-ea"/>
+                  <a:cs typeface="+mj-cs"/>
+                </a:defRPr>
+              </a:lvl1pPr>
+              <a:lvl2pPr algn="l" rtl="0" eaLnBrk="0" fontAlgn="base" hangingPunct="0">
+                <a:spcBef>
+                  <a:spcPct val="0"/>
+                </a:spcBef>
+                <a:spcAft>
+                  <a:spcPct val="0"/>
+                </a:spcAft>
+                <a:defRPr kumimoji="1" sz="3200">
+                  <a:solidFill>
+                    <a:schemeClr val="tx2"/>
+                  </a:solidFill>
+                  <a:latin typeface="メイリオ" pitchFamily="50" charset="-128"/>
+                  <a:ea typeface="メイリオ" pitchFamily="50" charset="-128"/>
+                  <a:cs typeface="メイリオ" pitchFamily="50" charset="-128"/>
+                </a:defRPr>
+              </a:lvl2pPr>
+              <a:lvl3pPr algn="l" rtl="0" eaLnBrk="0" fontAlgn="base" hangingPunct="0">
+                <a:spcBef>
+                  <a:spcPct val="0"/>
+                </a:spcBef>
+                <a:spcAft>
+                  <a:spcPct val="0"/>
+                </a:spcAft>
+                <a:defRPr kumimoji="1" sz="3200">
+                  <a:solidFill>
+                    <a:schemeClr val="tx2"/>
+                  </a:solidFill>
+                  <a:latin typeface="メイリオ" pitchFamily="50" charset="-128"/>
+                  <a:ea typeface="メイリオ" pitchFamily="50" charset="-128"/>
+                  <a:cs typeface="メイリオ" pitchFamily="50" charset="-128"/>
+                </a:defRPr>
+              </a:lvl3pPr>
+              <a:lvl4pPr algn="l" rtl="0" eaLnBrk="0" fontAlgn="base" hangingPunct="0">
+                <a:spcBef>
+                  <a:spcPct val="0"/>
+                </a:spcBef>
+                <a:spcAft>
+                  <a:spcPct val="0"/>
+                </a:spcAft>
+                <a:defRPr kumimoji="1" sz="3200">
+                  <a:solidFill>
+                    <a:schemeClr val="tx2"/>
+                  </a:solidFill>
+                  <a:latin typeface="メイリオ" pitchFamily="50" charset="-128"/>
+                  <a:ea typeface="メイリオ" pitchFamily="50" charset="-128"/>
+                  <a:cs typeface="メイリオ" pitchFamily="50" charset="-128"/>
+                </a:defRPr>
+              </a:lvl4pPr>
+              <a:lvl5pPr algn="l" rtl="0" eaLnBrk="0" fontAlgn="base" hangingPunct="0">
+                <a:spcBef>
+                  <a:spcPct val="0"/>
+                </a:spcBef>
+                <a:spcAft>
+                  <a:spcPct val="0"/>
+                </a:spcAft>
+                <a:defRPr kumimoji="1" sz="3200">
+                  <a:solidFill>
+                    <a:schemeClr val="tx2"/>
+                  </a:solidFill>
+                  <a:latin typeface="メイリオ" pitchFamily="50" charset="-128"/>
+                  <a:ea typeface="メイリオ" pitchFamily="50" charset="-128"/>
+                  <a:cs typeface="メイリオ" pitchFamily="50" charset="-128"/>
+                </a:defRPr>
+              </a:lvl5pPr>
+              <a:lvl6pPr marL="457200" algn="l" rtl="0" fontAlgn="base">
+                <a:spcBef>
+                  <a:spcPct val="0"/>
+                </a:spcBef>
+                <a:spcAft>
+                  <a:spcPct val="0"/>
+                </a:spcAft>
+                <a:defRPr kumimoji="1" sz="3200">
+                  <a:solidFill>
+                    <a:schemeClr val="tx2"/>
+                  </a:solidFill>
+                  <a:latin typeface="メイリオ" pitchFamily="50" charset="-128"/>
+                  <a:ea typeface="メイリオ" pitchFamily="50" charset="-128"/>
+                  <a:cs typeface="メイリオ" pitchFamily="50" charset="-128"/>
+                </a:defRPr>
+              </a:lvl6pPr>
+              <a:lvl7pPr marL="914400" algn="l" rtl="0" fontAlgn="base">
+                <a:spcBef>
+                  <a:spcPct val="0"/>
+                </a:spcBef>
+                <a:spcAft>
+                  <a:spcPct val="0"/>
+                </a:spcAft>
+                <a:defRPr kumimoji="1" sz="3200">
+                  <a:solidFill>
+                    <a:schemeClr val="tx2"/>
+                  </a:solidFill>
+                  <a:latin typeface="メイリオ" pitchFamily="50" charset="-128"/>
+                  <a:ea typeface="メイリオ" pitchFamily="50" charset="-128"/>
+                  <a:cs typeface="メイリオ" pitchFamily="50" charset="-128"/>
+                </a:defRPr>
+              </a:lvl7pPr>
+              <a:lvl8pPr marL="1371600" algn="l" rtl="0" fontAlgn="base">
+                <a:spcBef>
+                  <a:spcPct val="0"/>
+                </a:spcBef>
+                <a:spcAft>
+                  <a:spcPct val="0"/>
+                </a:spcAft>
+                <a:defRPr kumimoji="1" sz="3200">
+                  <a:solidFill>
+                    <a:schemeClr val="tx2"/>
+                  </a:solidFill>
+                  <a:latin typeface="メイリオ" pitchFamily="50" charset="-128"/>
+                  <a:ea typeface="メイリオ" pitchFamily="50" charset="-128"/>
+                  <a:cs typeface="メイリオ" pitchFamily="50" charset="-128"/>
+                </a:defRPr>
+              </a:lvl8pPr>
+              <a:lvl9pPr marL="1828800" algn="l" rtl="0" fontAlgn="base">
+                <a:spcBef>
+                  <a:spcPct val="0"/>
+                </a:spcBef>
+                <a:spcAft>
+                  <a:spcPct val="0"/>
+                </a:spcAft>
+                <a:defRPr kumimoji="1" sz="3200">
+                  <a:solidFill>
+                    <a:schemeClr val="tx2"/>
+                  </a:solidFill>
+                  <a:latin typeface="メイリオ" pitchFamily="50" charset="-128"/>
+                  <a:ea typeface="メイリオ" pitchFamily="50" charset="-128"/>
+                  <a:cs typeface="メイリオ" pitchFamily="50" charset="-128"/>
+                </a:defRPr>
+              </a:lvl9pPr>
+            </a:lstStyle>
+            <a:p>
+              <a:pPr algn="ctr" defTabSz="924937"/>
+              <a:r>
+                <a:rPr lang="en-US" altLang="ja-JP" sz="1600" kern="0" dirty="0">
+                  <a:solidFill>
+                    <a:prstClr val="black"/>
+                  </a:solidFill>
+                  <a:latin typeface="Calibri"/>
+                  <a:ea typeface="ＭＳ Ｐゴシック" panose="020B0600070205080204" pitchFamily="50" charset="-128"/>
+                </a:rPr>
+                <a:t>DMA</a:t>
+              </a:r>
+            </a:p>
+          </p:txBody>
+        </p:sp>
+        <p:sp>
+          <p:nvSpPr>
+            <p:cNvPr id="207" name="タイトル 5"/>
+            <p:cNvSpPr txBox="1">
+              <a:spLocks/>
+            </p:cNvSpPr>
+            <p:nvPr/>
+          </p:nvSpPr>
+          <p:spPr bwMode="auto">
+            <a:xfrm>
+              <a:off x="2411841" y="2698243"/>
+              <a:ext cx="538271" cy="223287"/>
+            </a:xfrm>
+            <a:prstGeom prst="rect">
+              <a:avLst/>
+            </a:prstGeom>
+            <a:grpFill/>
+            <a:ln w="12700">
+              <a:solidFill>
+                <a:schemeClr val="tx1"/>
+              </a:solidFill>
+              <a:miter lim="800000"/>
+              <a:headEnd/>
+              <a:tailEnd/>
+            </a:ln>
+            <a:effectLst/>
+            <a:extLst/>
+          </p:spPr>
+          <p:txBody>
+            <a:bodyPr vert="horz" wrap="square" lIns="72834" tIns="46250" rIns="72834" bIns="46250" numCol="1" anchor="ctr" anchorCtr="0" compatLnSpc="1">
+              <a:prstTxWarp prst="textNoShape">
+                <a:avLst/>
+              </a:prstTxWarp>
+            </a:bodyPr>
+            <a:lstStyle>
+              <a:lvl1pPr algn="l" rtl="0" eaLnBrk="0" fontAlgn="base" hangingPunct="0">
+                <a:spcBef>
+                  <a:spcPct val="0"/>
+                </a:spcBef>
+                <a:spcAft>
+                  <a:spcPct val="0"/>
+                </a:spcAft>
+                <a:defRPr kumimoji="1" sz="3200">
+                  <a:solidFill>
+                    <a:schemeClr val="tx2"/>
+                  </a:solidFill>
+                  <a:latin typeface="+mj-lt"/>
+                  <a:ea typeface="+mj-ea"/>
+                  <a:cs typeface="+mj-cs"/>
+                </a:defRPr>
+              </a:lvl1pPr>
+              <a:lvl2pPr algn="l" rtl="0" eaLnBrk="0" fontAlgn="base" hangingPunct="0">
+                <a:spcBef>
+                  <a:spcPct val="0"/>
+                </a:spcBef>
+                <a:spcAft>
+                  <a:spcPct val="0"/>
+                </a:spcAft>
+                <a:defRPr kumimoji="1" sz="3200">
+                  <a:solidFill>
+                    <a:schemeClr val="tx2"/>
+                  </a:solidFill>
+                  <a:latin typeface="メイリオ" pitchFamily="50" charset="-128"/>
+                  <a:ea typeface="メイリオ" pitchFamily="50" charset="-128"/>
+                  <a:cs typeface="メイリオ" pitchFamily="50" charset="-128"/>
+                </a:defRPr>
+              </a:lvl2pPr>
+              <a:lvl3pPr algn="l" rtl="0" eaLnBrk="0" fontAlgn="base" hangingPunct="0">
+                <a:spcBef>
+                  <a:spcPct val="0"/>
+                </a:spcBef>
+                <a:spcAft>
+                  <a:spcPct val="0"/>
+                </a:spcAft>
+                <a:defRPr kumimoji="1" sz="3200">
+                  <a:solidFill>
+                    <a:schemeClr val="tx2"/>
+                  </a:solidFill>
+                  <a:latin typeface="メイリオ" pitchFamily="50" charset="-128"/>
+                  <a:ea typeface="メイリオ" pitchFamily="50" charset="-128"/>
+                  <a:cs typeface="メイリオ" pitchFamily="50" charset="-128"/>
+                </a:defRPr>
+              </a:lvl3pPr>
+              <a:lvl4pPr algn="l" rtl="0" eaLnBrk="0" fontAlgn="base" hangingPunct="0">
+                <a:spcBef>
+                  <a:spcPct val="0"/>
+                </a:spcBef>
+                <a:spcAft>
+                  <a:spcPct val="0"/>
+                </a:spcAft>
+                <a:defRPr kumimoji="1" sz="3200">
+                  <a:solidFill>
+                    <a:schemeClr val="tx2"/>
+                  </a:solidFill>
+                  <a:latin typeface="メイリオ" pitchFamily="50" charset="-128"/>
+                  <a:ea typeface="メイリオ" pitchFamily="50" charset="-128"/>
+                  <a:cs typeface="メイリオ" pitchFamily="50" charset="-128"/>
+                </a:defRPr>
+              </a:lvl4pPr>
+              <a:lvl5pPr algn="l" rtl="0" eaLnBrk="0" fontAlgn="base" hangingPunct="0">
+                <a:spcBef>
+                  <a:spcPct val="0"/>
+                </a:spcBef>
+                <a:spcAft>
+                  <a:spcPct val="0"/>
+                </a:spcAft>
+                <a:defRPr kumimoji="1" sz="3200">
+                  <a:solidFill>
+                    <a:schemeClr val="tx2"/>
+                  </a:solidFill>
+                  <a:latin typeface="メイリオ" pitchFamily="50" charset="-128"/>
+                  <a:ea typeface="メイリオ" pitchFamily="50" charset="-128"/>
+                  <a:cs typeface="メイリオ" pitchFamily="50" charset="-128"/>
+                </a:defRPr>
+              </a:lvl5pPr>
+              <a:lvl6pPr marL="457200" algn="l" rtl="0" fontAlgn="base">
+                <a:spcBef>
+                  <a:spcPct val="0"/>
+                </a:spcBef>
+                <a:spcAft>
+                  <a:spcPct val="0"/>
+                </a:spcAft>
+                <a:defRPr kumimoji="1" sz="3200">
+                  <a:solidFill>
+                    <a:schemeClr val="tx2"/>
+                  </a:solidFill>
+                  <a:latin typeface="メイリオ" pitchFamily="50" charset="-128"/>
+                  <a:ea typeface="メイリオ" pitchFamily="50" charset="-128"/>
+                  <a:cs typeface="メイリオ" pitchFamily="50" charset="-128"/>
+                </a:defRPr>
+              </a:lvl6pPr>
+              <a:lvl7pPr marL="914400" algn="l" rtl="0" fontAlgn="base">
+                <a:spcBef>
+                  <a:spcPct val="0"/>
+                </a:spcBef>
+                <a:spcAft>
+                  <a:spcPct val="0"/>
+                </a:spcAft>
+                <a:defRPr kumimoji="1" sz="3200">
+                  <a:solidFill>
+                    <a:schemeClr val="tx2"/>
+                  </a:solidFill>
+                  <a:latin typeface="メイリオ" pitchFamily="50" charset="-128"/>
+                  <a:ea typeface="メイリオ" pitchFamily="50" charset="-128"/>
+                  <a:cs typeface="メイリオ" pitchFamily="50" charset="-128"/>
+                </a:defRPr>
+              </a:lvl7pPr>
+              <a:lvl8pPr marL="1371600" algn="l" rtl="0" fontAlgn="base">
+                <a:spcBef>
+                  <a:spcPct val="0"/>
+                </a:spcBef>
+                <a:spcAft>
+                  <a:spcPct val="0"/>
+                </a:spcAft>
+                <a:defRPr kumimoji="1" sz="3200">
+                  <a:solidFill>
+                    <a:schemeClr val="tx2"/>
+                  </a:solidFill>
+                  <a:latin typeface="メイリオ" pitchFamily="50" charset="-128"/>
+                  <a:ea typeface="メイリオ" pitchFamily="50" charset="-128"/>
+                  <a:cs typeface="メイリオ" pitchFamily="50" charset="-128"/>
+                </a:defRPr>
+              </a:lvl8pPr>
+              <a:lvl9pPr marL="1828800" algn="l" rtl="0" fontAlgn="base">
+                <a:spcBef>
+                  <a:spcPct val="0"/>
+                </a:spcBef>
+                <a:spcAft>
+                  <a:spcPct val="0"/>
+                </a:spcAft>
+                <a:defRPr kumimoji="1" sz="3200">
+                  <a:solidFill>
+                    <a:schemeClr val="tx2"/>
+                  </a:solidFill>
+                  <a:latin typeface="メイリオ" pitchFamily="50" charset="-128"/>
+                  <a:ea typeface="メイリオ" pitchFamily="50" charset="-128"/>
+                  <a:cs typeface="メイリオ" pitchFamily="50" charset="-128"/>
+                </a:defRPr>
+              </a:lvl9pPr>
+            </a:lstStyle>
+            <a:p>
+              <a:pPr algn="ctr" defTabSz="924937"/>
+              <a:r>
+                <a:rPr lang="en-US" altLang="ja-JP" sz="1600" kern="0" dirty="0">
+                  <a:solidFill>
+                    <a:prstClr val="black"/>
+                  </a:solidFill>
+                  <a:latin typeface="Calibri"/>
+                  <a:ea typeface="ＭＳ Ｐゴシック" panose="020B0600070205080204" pitchFamily="50" charset="-128"/>
+                </a:rPr>
+                <a:t>DMA</a:t>
+              </a:r>
+            </a:p>
+          </p:txBody>
+        </p:sp>
+        <p:sp>
+          <p:nvSpPr>
+            <p:cNvPr id="208" name="タイトル 5"/>
+            <p:cNvSpPr txBox="1">
+              <a:spLocks/>
+            </p:cNvSpPr>
+            <p:nvPr/>
+          </p:nvSpPr>
+          <p:spPr bwMode="auto">
+            <a:xfrm>
+              <a:off x="6743483" y="2696684"/>
+              <a:ext cx="538271" cy="223287"/>
+            </a:xfrm>
+            <a:prstGeom prst="rect">
+              <a:avLst/>
+            </a:prstGeom>
+            <a:grpFill/>
+            <a:ln w="12700">
+              <a:solidFill>
+                <a:schemeClr val="tx1"/>
+              </a:solidFill>
+              <a:miter lim="800000"/>
+              <a:headEnd/>
+              <a:tailEnd/>
+            </a:ln>
+            <a:effectLst/>
+            <a:extLst/>
+          </p:spPr>
+          <p:txBody>
+            <a:bodyPr vert="horz" wrap="square" lIns="72834" tIns="46250" rIns="72834" bIns="46250" numCol="1" anchor="ctr" anchorCtr="0" compatLnSpc="1">
+              <a:prstTxWarp prst="textNoShape">
+                <a:avLst/>
+              </a:prstTxWarp>
+            </a:bodyPr>
+            <a:lstStyle>
+              <a:lvl1pPr algn="l" rtl="0" eaLnBrk="0" fontAlgn="base" hangingPunct="0">
+                <a:spcBef>
+                  <a:spcPct val="0"/>
+                </a:spcBef>
+                <a:spcAft>
+                  <a:spcPct val="0"/>
+                </a:spcAft>
+                <a:defRPr kumimoji="1" sz="3200">
+                  <a:solidFill>
+                    <a:schemeClr val="tx2"/>
+                  </a:solidFill>
+                  <a:latin typeface="+mj-lt"/>
+                  <a:ea typeface="+mj-ea"/>
+                  <a:cs typeface="+mj-cs"/>
+                </a:defRPr>
+              </a:lvl1pPr>
+              <a:lvl2pPr algn="l" rtl="0" eaLnBrk="0" fontAlgn="base" hangingPunct="0">
+                <a:spcBef>
+                  <a:spcPct val="0"/>
+                </a:spcBef>
+                <a:spcAft>
+                  <a:spcPct val="0"/>
+                </a:spcAft>
+                <a:defRPr kumimoji="1" sz="3200">
+                  <a:solidFill>
+                    <a:schemeClr val="tx2"/>
+                  </a:solidFill>
+                  <a:latin typeface="メイリオ" pitchFamily="50" charset="-128"/>
+                  <a:ea typeface="メイリオ" pitchFamily="50" charset="-128"/>
+                  <a:cs typeface="メイリオ" pitchFamily="50" charset="-128"/>
+                </a:defRPr>
+              </a:lvl2pPr>
+              <a:lvl3pPr algn="l" rtl="0" eaLnBrk="0" fontAlgn="base" hangingPunct="0">
+                <a:spcBef>
+                  <a:spcPct val="0"/>
+                </a:spcBef>
+                <a:spcAft>
+                  <a:spcPct val="0"/>
+                </a:spcAft>
+                <a:defRPr kumimoji="1" sz="3200">
+                  <a:solidFill>
+                    <a:schemeClr val="tx2"/>
+                  </a:solidFill>
+                  <a:latin typeface="メイリオ" pitchFamily="50" charset="-128"/>
+                  <a:ea typeface="メイリオ" pitchFamily="50" charset="-128"/>
+                  <a:cs typeface="メイリオ" pitchFamily="50" charset="-128"/>
+                </a:defRPr>
+              </a:lvl3pPr>
+              <a:lvl4pPr algn="l" rtl="0" eaLnBrk="0" fontAlgn="base" hangingPunct="0">
+                <a:spcBef>
+                  <a:spcPct val="0"/>
+                </a:spcBef>
+                <a:spcAft>
+                  <a:spcPct val="0"/>
+                </a:spcAft>
+                <a:defRPr kumimoji="1" sz="3200">
+                  <a:solidFill>
+                    <a:schemeClr val="tx2"/>
+                  </a:solidFill>
+                  <a:latin typeface="メイリオ" pitchFamily="50" charset="-128"/>
+                  <a:ea typeface="メイリオ" pitchFamily="50" charset="-128"/>
+                  <a:cs typeface="メイリオ" pitchFamily="50" charset="-128"/>
+                </a:defRPr>
+              </a:lvl4pPr>
+              <a:lvl5pPr algn="l" rtl="0" eaLnBrk="0" fontAlgn="base" hangingPunct="0">
+                <a:spcBef>
+                  <a:spcPct val="0"/>
+                </a:spcBef>
+                <a:spcAft>
+                  <a:spcPct val="0"/>
+                </a:spcAft>
+                <a:defRPr kumimoji="1" sz="3200">
+                  <a:solidFill>
+                    <a:schemeClr val="tx2"/>
+                  </a:solidFill>
+                  <a:latin typeface="メイリオ" pitchFamily="50" charset="-128"/>
+                  <a:ea typeface="メイリオ" pitchFamily="50" charset="-128"/>
+                  <a:cs typeface="メイリオ" pitchFamily="50" charset="-128"/>
+                </a:defRPr>
+              </a:lvl5pPr>
+              <a:lvl6pPr marL="457200" algn="l" rtl="0" fontAlgn="base">
+                <a:spcBef>
+                  <a:spcPct val="0"/>
+                </a:spcBef>
+                <a:spcAft>
+                  <a:spcPct val="0"/>
+                </a:spcAft>
+                <a:defRPr kumimoji="1" sz="3200">
+                  <a:solidFill>
+                    <a:schemeClr val="tx2"/>
+                  </a:solidFill>
+                  <a:latin typeface="メイリオ" pitchFamily="50" charset="-128"/>
+                  <a:ea typeface="メイリオ" pitchFamily="50" charset="-128"/>
+                  <a:cs typeface="メイリオ" pitchFamily="50" charset="-128"/>
+                </a:defRPr>
+              </a:lvl6pPr>
+              <a:lvl7pPr marL="914400" algn="l" rtl="0" fontAlgn="base">
+                <a:spcBef>
+                  <a:spcPct val="0"/>
+                </a:spcBef>
+                <a:spcAft>
+                  <a:spcPct val="0"/>
+                </a:spcAft>
+                <a:defRPr kumimoji="1" sz="3200">
+                  <a:solidFill>
+                    <a:schemeClr val="tx2"/>
+                  </a:solidFill>
+                  <a:latin typeface="メイリオ" pitchFamily="50" charset="-128"/>
+                  <a:ea typeface="メイリオ" pitchFamily="50" charset="-128"/>
+                  <a:cs typeface="メイリオ" pitchFamily="50" charset="-128"/>
+                </a:defRPr>
+              </a:lvl7pPr>
+              <a:lvl8pPr marL="1371600" algn="l" rtl="0" fontAlgn="base">
+                <a:spcBef>
+                  <a:spcPct val="0"/>
+                </a:spcBef>
+                <a:spcAft>
+                  <a:spcPct val="0"/>
+                </a:spcAft>
+                <a:defRPr kumimoji="1" sz="3200">
+                  <a:solidFill>
+                    <a:schemeClr val="tx2"/>
+                  </a:solidFill>
+                  <a:latin typeface="メイリオ" pitchFamily="50" charset="-128"/>
+                  <a:ea typeface="メイリオ" pitchFamily="50" charset="-128"/>
+                  <a:cs typeface="メイリオ" pitchFamily="50" charset="-128"/>
+                </a:defRPr>
+              </a:lvl8pPr>
+              <a:lvl9pPr marL="1828800" algn="l" rtl="0" fontAlgn="base">
+                <a:spcBef>
+                  <a:spcPct val="0"/>
+                </a:spcBef>
+                <a:spcAft>
+                  <a:spcPct val="0"/>
+                </a:spcAft>
+                <a:defRPr kumimoji="1" sz="3200">
+                  <a:solidFill>
+                    <a:schemeClr val="tx2"/>
+                  </a:solidFill>
+                  <a:latin typeface="メイリオ" pitchFamily="50" charset="-128"/>
+                  <a:ea typeface="メイリオ" pitchFamily="50" charset="-128"/>
+                  <a:cs typeface="メイリオ" pitchFamily="50" charset="-128"/>
+                </a:defRPr>
+              </a:lvl9pPr>
+            </a:lstStyle>
+            <a:p>
+              <a:pPr algn="ctr" defTabSz="924937"/>
+              <a:r>
+                <a:rPr lang="en-US" altLang="ja-JP" sz="1600" kern="0" dirty="0">
+                  <a:solidFill>
+                    <a:prstClr val="black"/>
+                  </a:solidFill>
+                  <a:latin typeface="Calibri"/>
+                  <a:ea typeface="ＭＳ Ｐゴシック" panose="020B0600070205080204" pitchFamily="50" charset="-128"/>
+                </a:rPr>
+                <a:t>DMA</a:t>
+              </a:r>
+            </a:p>
+          </p:txBody>
+        </p:sp>
+        <p:sp>
+          <p:nvSpPr>
+            <p:cNvPr id="209" name="タイトル 5"/>
+            <p:cNvSpPr txBox="1">
+              <a:spLocks/>
+            </p:cNvSpPr>
+            <p:nvPr/>
+          </p:nvSpPr>
+          <p:spPr bwMode="auto">
+            <a:xfrm>
+              <a:off x="5302343" y="2692076"/>
+              <a:ext cx="538271" cy="223287"/>
+            </a:xfrm>
+            <a:prstGeom prst="rect">
+              <a:avLst/>
+            </a:prstGeom>
+            <a:grpFill/>
+            <a:ln w="12700">
+              <a:solidFill>
+                <a:schemeClr val="tx1"/>
+              </a:solidFill>
+              <a:miter lim="800000"/>
+              <a:headEnd/>
+              <a:tailEnd/>
+            </a:ln>
+            <a:effectLst/>
+            <a:extLst/>
+          </p:spPr>
+          <p:txBody>
+            <a:bodyPr vert="horz" wrap="square" lIns="72834" tIns="46250" rIns="72834" bIns="46250" numCol="1" anchor="ctr" anchorCtr="0" compatLnSpc="1">
+              <a:prstTxWarp prst="textNoShape">
+                <a:avLst/>
+              </a:prstTxWarp>
+            </a:bodyPr>
+            <a:lstStyle>
+              <a:lvl1pPr algn="l" rtl="0" eaLnBrk="0" fontAlgn="base" hangingPunct="0">
+                <a:spcBef>
+                  <a:spcPct val="0"/>
+                </a:spcBef>
+                <a:spcAft>
+                  <a:spcPct val="0"/>
+                </a:spcAft>
+                <a:defRPr kumimoji="1" sz="3200">
+                  <a:solidFill>
+                    <a:schemeClr val="tx2"/>
+                  </a:solidFill>
+                  <a:latin typeface="+mj-lt"/>
+                  <a:ea typeface="+mj-ea"/>
+                  <a:cs typeface="+mj-cs"/>
+                </a:defRPr>
+              </a:lvl1pPr>
+              <a:lvl2pPr algn="l" rtl="0" eaLnBrk="0" fontAlgn="base" hangingPunct="0">
+                <a:spcBef>
+                  <a:spcPct val="0"/>
+                </a:spcBef>
+                <a:spcAft>
+                  <a:spcPct val="0"/>
+                </a:spcAft>
+                <a:defRPr kumimoji="1" sz="3200">
+                  <a:solidFill>
+                    <a:schemeClr val="tx2"/>
+                  </a:solidFill>
+                  <a:latin typeface="メイリオ" pitchFamily="50" charset="-128"/>
+                  <a:ea typeface="メイリオ" pitchFamily="50" charset="-128"/>
+                  <a:cs typeface="メイリオ" pitchFamily="50" charset="-128"/>
+                </a:defRPr>
+              </a:lvl2pPr>
+              <a:lvl3pPr algn="l" rtl="0" eaLnBrk="0" fontAlgn="base" hangingPunct="0">
+                <a:spcBef>
+                  <a:spcPct val="0"/>
+                </a:spcBef>
+                <a:spcAft>
+                  <a:spcPct val="0"/>
+                </a:spcAft>
+                <a:defRPr kumimoji="1" sz="3200">
+                  <a:solidFill>
+                    <a:schemeClr val="tx2"/>
+                  </a:solidFill>
+                  <a:latin typeface="メイリオ" pitchFamily="50" charset="-128"/>
+                  <a:ea typeface="メイリオ" pitchFamily="50" charset="-128"/>
+                  <a:cs typeface="メイリオ" pitchFamily="50" charset="-128"/>
+                </a:defRPr>
+              </a:lvl3pPr>
+              <a:lvl4pPr algn="l" rtl="0" eaLnBrk="0" fontAlgn="base" hangingPunct="0">
+                <a:spcBef>
+                  <a:spcPct val="0"/>
+                </a:spcBef>
+                <a:spcAft>
+                  <a:spcPct val="0"/>
+                </a:spcAft>
+                <a:defRPr kumimoji="1" sz="3200">
+                  <a:solidFill>
+                    <a:schemeClr val="tx2"/>
+                  </a:solidFill>
+                  <a:latin typeface="メイリオ" pitchFamily="50" charset="-128"/>
+                  <a:ea typeface="メイリオ" pitchFamily="50" charset="-128"/>
+                  <a:cs typeface="メイリオ" pitchFamily="50" charset="-128"/>
+                </a:defRPr>
+              </a:lvl4pPr>
+              <a:lvl5pPr algn="l" rtl="0" eaLnBrk="0" fontAlgn="base" hangingPunct="0">
+                <a:spcBef>
+                  <a:spcPct val="0"/>
+                </a:spcBef>
+                <a:spcAft>
+                  <a:spcPct val="0"/>
+                </a:spcAft>
+                <a:defRPr kumimoji="1" sz="3200">
+                  <a:solidFill>
+                    <a:schemeClr val="tx2"/>
+                  </a:solidFill>
+                  <a:latin typeface="メイリオ" pitchFamily="50" charset="-128"/>
+                  <a:ea typeface="メイリオ" pitchFamily="50" charset="-128"/>
+                  <a:cs typeface="メイリオ" pitchFamily="50" charset="-128"/>
+                </a:defRPr>
+              </a:lvl5pPr>
+              <a:lvl6pPr marL="457200" algn="l" rtl="0" fontAlgn="base">
+                <a:spcBef>
+                  <a:spcPct val="0"/>
+                </a:spcBef>
+                <a:spcAft>
+                  <a:spcPct val="0"/>
+                </a:spcAft>
+                <a:defRPr kumimoji="1" sz="3200">
+                  <a:solidFill>
+                    <a:schemeClr val="tx2"/>
+                  </a:solidFill>
+                  <a:latin typeface="メイリオ" pitchFamily="50" charset="-128"/>
+                  <a:ea typeface="メイリオ" pitchFamily="50" charset="-128"/>
+                  <a:cs typeface="メイリオ" pitchFamily="50" charset="-128"/>
+                </a:defRPr>
+              </a:lvl6pPr>
+              <a:lvl7pPr marL="914400" algn="l" rtl="0" fontAlgn="base">
+                <a:spcBef>
+                  <a:spcPct val="0"/>
+                </a:spcBef>
+                <a:spcAft>
+                  <a:spcPct val="0"/>
+                </a:spcAft>
+                <a:defRPr kumimoji="1" sz="3200">
+                  <a:solidFill>
+                    <a:schemeClr val="tx2"/>
+                  </a:solidFill>
+                  <a:latin typeface="メイリオ" pitchFamily="50" charset="-128"/>
+                  <a:ea typeface="メイリオ" pitchFamily="50" charset="-128"/>
+                  <a:cs typeface="メイリオ" pitchFamily="50" charset="-128"/>
+                </a:defRPr>
+              </a:lvl7pPr>
+              <a:lvl8pPr marL="1371600" algn="l" rtl="0" fontAlgn="base">
+                <a:spcBef>
+                  <a:spcPct val="0"/>
+                </a:spcBef>
+                <a:spcAft>
+                  <a:spcPct val="0"/>
+                </a:spcAft>
+                <a:defRPr kumimoji="1" sz="3200">
+                  <a:solidFill>
+                    <a:schemeClr val="tx2"/>
+                  </a:solidFill>
+                  <a:latin typeface="メイリオ" pitchFamily="50" charset="-128"/>
+                  <a:ea typeface="メイリオ" pitchFamily="50" charset="-128"/>
+                  <a:cs typeface="メイリオ" pitchFamily="50" charset="-128"/>
+                </a:defRPr>
+              </a:lvl8pPr>
+              <a:lvl9pPr marL="1828800" algn="l" rtl="0" fontAlgn="base">
+                <a:spcBef>
+                  <a:spcPct val="0"/>
+                </a:spcBef>
+                <a:spcAft>
+                  <a:spcPct val="0"/>
+                </a:spcAft>
+                <a:defRPr kumimoji="1" sz="3200">
+                  <a:solidFill>
+                    <a:schemeClr val="tx2"/>
+                  </a:solidFill>
+                  <a:latin typeface="メイリオ" pitchFamily="50" charset="-128"/>
+                  <a:ea typeface="メイリオ" pitchFamily="50" charset="-128"/>
+                  <a:cs typeface="メイリオ" pitchFamily="50" charset="-128"/>
+                </a:defRPr>
+              </a:lvl9pPr>
+            </a:lstStyle>
+            <a:p>
+              <a:pPr algn="ctr" defTabSz="924937"/>
+              <a:r>
+                <a:rPr lang="en-US" altLang="ja-JP" sz="1600" kern="0" dirty="0">
+                  <a:solidFill>
+                    <a:prstClr val="black"/>
+                  </a:solidFill>
+                  <a:latin typeface="Calibri"/>
+                  <a:ea typeface="ＭＳ Ｐゴシック" panose="020B0600070205080204" pitchFamily="50" charset="-128"/>
+                </a:rPr>
+                <a:t>DMA</a:t>
+              </a:r>
+            </a:p>
+          </p:txBody>
+        </p:sp>
+      </p:grpSp>
+      <p:grpSp>
+        <p:nvGrpSpPr>
+          <p:cNvPr id="191" name="グループ化 190"/>
+          <p:cNvGrpSpPr>
+            <a:grpSpLocks noChangeAspect="1"/>
+          </p:cNvGrpSpPr>
+          <p:nvPr/>
+        </p:nvGrpSpPr>
+        <p:grpSpPr>
+          <a:xfrm>
+            <a:off x="1591874" y="4577614"/>
+            <a:ext cx="5112000" cy="240859"/>
+            <a:chOff x="2411841" y="2692076"/>
+            <a:chExt cx="4869913" cy="229454"/>
+          </a:xfrm>
+          <a:solidFill>
+            <a:schemeClr val="bg1">
+              <a:lumMod val="95000"/>
+            </a:schemeClr>
+          </a:solidFill>
+        </p:grpSpPr>
+        <p:sp>
+          <p:nvSpPr>
+            <p:cNvPr id="193" name="タイトル 5"/>
+            <p:cNvSpPr txBox="1">
+              <a:spLocks/>
+            </p:cNvSpPr>
+            <p:nvPr/>
+          </p:nvSpPr>
+          <p:spPr bwMode="auto">
+            <a:xfrm>
+              <a:off x="3857516" y="2693083"/>
+              <a:ext cx="538271" cy="223287"/>
+            </a:xfrm>
+            <a:prstGeom prst="rect">
+              <a:avLst/>
+            </a:prstGeom>
+            <a:grpFill/>
+            <a:ln w="12700">
+              <a:solidFill>
+                <a:schemeClr val="tx1"/>
+              </a:solidFill>
+              <a:miter lim="800000"/>
+              <a:headEnd/>
+              <a:tailEnd/>
+            </a:ln>
+            <a:effectLst/>
+            <a:extLst/>
+          </p:spPr>
+          <p:txBody>
+            <a:bodyPr vert="horz" wrap="square" lIns="72834" tIns="46250" rIns="72834" bIns="46250" numCol="1" anchor="ctr" anchorCtr="0" compatLnSpc="1">
+              <a:prstTxWarp prst="textNoShape">
+                <a:avLst/>
+              </a:prstTxWarp>
+            </a:bodyPr>
+            <a:lstStyle>
+              <a:lvl1pPr algn="l" rtl="0" eaLnBrk="0" fontAlgn="base" hangingPunct="0">
+                <a:spcBef>
+                  <a:spcPct val="0"/>
+                </a:spcBef>
+                <a:spcAft>
+                  <a:spcPct val="0"/>
+                </a:spcAft>
+                <a:defRPr kumimoji="1" sz="3200">
+                  <a:solidFill>
+                    <a:schemeClr val="tx2"/>
+                  </a:solidFill>
+                  <a:latin typeface="+mj-lt"/>
+                  <a:ea typeface="+mj-ea"/>
+                  <a:cs typeface="+mj-cs"/>
+                </a:defRPr>
+              </a:lvl1pPr>
+              <a:lvl2pPr algn="l" rtl="0" eaLnBrk="0" fontAlgn="base" hangingPunct="0">
+                <a:spcBef>
+                  <a:spcPct val="0"/>
+                </a:spcBef>
+                <a:spcAft>
+                  <a:spcPct val="0"/>
+                </a:spcAft>
+                <a:defRPr kumimoji="1" sz="3200">
+                  <a:solidFill>
+                    <a:schemeClr val="tx2"/>
+                  </a:solidFill>
+                  <a:latin typeface="メイリオ" pitchFamily="50" charset="-128"/>
+                  <a:ea typeface="メイリオ" pitchFamily="50" charset="-128"/>
+                  <a:cs typeface="メイリオ" pitchFamily="50" charset="-128"/>
+                </a:defRPr>
+              </a:lvl2pPr>
+              <a:lvl3pPr algn="l" rtl="0" eaLnBrk="0" fontAlgn="base" hangingPunct="0">
+                <a:spcBef>
+                  <a:spcPct val="0"/>
+                </a:spcBef>
+                <a:spcAft>
+                  <a:spcPct val="0"/>
+                </a:spcAft>
+                <a:defRPr kumimoji="1" sz="3200">
+                  <a:solidFill>
+                    <a:schemeClr val="tx2"/>
+                  </a:solidFill>
+                  <a:latin typeface="メイリオ" pitchFamily="50" charset="-128"/>
+                  <a:ea typeface="メイリオ" pitchFamily="50" charset="-128"/>
+                  <a:cs typeface="メイリオ" pitchFamily="50" charset="-128"/>
+                </a:defRPr>
+              </a:lvl3pPr>
+              <a:lvl4pPr algn="l" rtl="0" eaLnBrk="0" fontAlgn="base" hangingPunct="0">
+                <a:spcBef>
+                  <a:spcPct val="0"/>
+                </a:spcBef>
+                <a:spcAft>
+                  <a:spcPct val="0"/>
+                </a:spcAft>
+                <a:defRPr kumimoji="1" sz="3200">
+                  <a:solidFill>
+                    <a:schemeClr val="tx2"/>
+                  </a:solidFill>
+                  <a:latin typeface="メイリオ" pitchFamily="50" charset="-128"/>
+                  <a:ea typeface="メイリオ" pitchFamily="50" charset="-128"/>
+                  <a:cs typeface="メイリオ" pitchFamily="50" charset="-128"/>
+                </a:defRPr>
+              </a:lvl4pPr>
+              <a:lvl5pPr algn="l" rtl="0" eaLnBrk="0" fontAlgn="base" hangingPunct="0">
+                <a:spcBef>
+                  <a:spcPct val="0"/>
+                </a:spcBef>
+                <a:spcAft>
+                  <a:spcPct val="0"/>
+                </a:spcAft>
+                <a:defRPr kumimoji="1" sz="3200">
+                  <a:solidFill>
+                    <a:schemeClr val="tx2"/>
+                  </a:solidFill>
+                  <a:latin typeface="メイリオ" pitchFamily="50" charset="-128"/>
+                  <a:ea typeface="メイリオ" pitchFamily="50" charset="-128"/>
+                  <a:cs typeface="メイリオ" pitchFamily="50" charset="-128"/>
+                </a:defRPr>
+              </a:lvl5pPr>
+              <a:lvl6pPr marL="457200" algn="l" rtl="0" fontAlgn="base">
+                <a:spcBef>
+                  <a:spcPct val="0"/>
+                </a:spcBef>
+                <a:spcAft>
+                  <a:spcPct val="0"/>
+                </a:spcAft>
+                <a:defRPr kumimoji="1" sz="3200">
+                  <a:solidFill>
+                    <a:schemeClr val="tx2"/>
+                  </a:solidFill>
+                  <a:latin typeface="メイリオ" pitchFamily="50" charset="-128"/>
+                  <a:ea typeface="メイリオ" pitchFamily="50" charset="-128"/>
+                  <a:cs typeface="メイリオ" pitchFamily="50" charset="-128"/>
+                </a:defRPr>
+              </a:lvl6pPr>
+              <a:lvl7pPr marL="914400" algn="l" rtl="0" fontAlgn="base">
+                <a:spcBef>
+                  <a:spcPct val="0"/>
+                </a:spcBef>
+                <a:spcAft>
+                  <a:spcPct val="0"/>
+                </a:spcAft>
+                <a:defRPr kumimoji="1" sz="3200">
+                  <a:solidFill>
+                    <a:schemeClr val="tx2"/>
+                  </a:solidFill>
+                  <a:latin typeface="メイリオ" pitchFamily="50" charset="-128"/>
+                  <a:ea typeface="メイリオ" pitchFamily="50" charset="-128"/>
+                  <a:cs typeface="メイリオ" pitchFamily="50" charset="-128"/>
+                </a:defRPr>
+              </a:lvl7pPr>
+              <a:lvl8pPr marL="1371600" algn="l" rtl="0" fontAlgn="base">
+                <a:spcBef>
+                  <a:spcPct val="0"/>
+                </a:spcBef>
+                <a:spcAft>
+                  <a:spcPct val="0"/>
+                </a:spcAft>
+                <a:defRPr kumimoji="1" sz="3200">
+                  <a:solidFill>
+                    <a:schemeClr val="tx2"/>
+                  </a:solidFill>
+                  <a:latin typeface="メイリオ" pitchFamily="50" charset="-128"/>
+                  <a:ea typeface="メイリオ" pitchFamily="50" charset="-128"/>
+                  <a:cs typeface="メイリオ" pitchFamily="50" charset="-128"/>
+                </a:defRPr>
+              </a:lvl8pPr>
+              <a:lvl9pPr marL="1828800" algn="l" rtl="0" fontAlgn="base">
+                <a:spcBef>
+                  <a:spcPct val="0"/>
+                </a:spcBef>
+                <a:spcAft>
+                  <a:spcPct val="0"/>
+                </a:spcAft>
+                <a:defRPr kumimoji="1" sz="3200">
+                  <a:solidFill>
+                    <a:schemeClr val="tx2"/>
+                  </a:solidFill>
+                  <a:latin typeface="メイリオ" pitchFamily="50" charset="-128"/>
+                  <a:ea typeface="メイリオ" pitchFamily="50" charset="-128"/>
+                  <a:cs typeface="メイリオ" pitchFamily="50" charset="-128"/>
+                </a:defRPr>
+              </a:lvl9pPr>
+            </a:lstStyle>
+            <a:p>
+              <a:pPr algn="ctr" defTabSz="924937"/>
+              <a:r>
+                <a:rPr lang="en-US" altLang="ja-JP" sz="1600" kern="0" dirty="0">
+                  <a:solidFill>
+                    <a:prstClr val="black"/>
+                  </a:solidFill>
+                  <a:latin typeface="Calibri"/>
+                  <a:ea typeface="ＭＳ Ｐゴシック" panose="020B0600070205080204" pitchFamily="50" charset="-128"/>
+                </a:rPr>
+                <a:t>DMA</a:t>
+              </a:r>
+            </a:p>
+          </p:txBody>
+        </p:sp>
+        <p:sp>
+          <p:nvSpPr>
+            <p:cNvPr id="194" name="タイトル 5"/>
+            <p:cNvSpPr txBox="1">
+              <a:spLocks/>
+            </p:cNvSpPr>
+            <p:nvPr/>
+          </p:nvSpPr>
+          <p:spPr bwMode="auto">
+            <a:xfrm>
+              <a:off x="2411841" y="2698243"/>
+              <a:ext cx="538271" cy="223287"/>
+            </a:xfrm>
+            <a:prstGeom prst="rect">
+              <a:avLst/>
+            </a:prstGeom>
+            <a:grpFill/>
+            <a:ln w="12700">
+              <a:solidFill>
+                <a:schemeClr val="tx1"/>
+              </a:solidFill>
+              <a:miter lim="800000"/>
+              <a:headEnd/>
+              <a:tailEnd/>
+            </a:ln>
+            <a:effectLst/>
+            <a:extLst/>
+          </p:spPr>
+          <p:txBody>
+            <a:bodyPr vert="horz" wrap="square" lIns="72834" tIns="46250" rIns="72834" bIns="46250" numCol="1" anchor="ctr" anchorCtr="0" compatLnSpc="1">
+              <a:prstTxWarp prst="textNoShape">
+                <a:avLst/>
+              </a:prstTxWarp>
+            </a:bodyPr>
+            <a:lstStyle>
+              <a:lvl1pPr algn="l" rtl="0" eaLnBrk="0" fontAlgn="base" hangingPunct="0">
+                <a:spcBef>
+                  <a:spcPct val="0"/>
+                </a:spcBef>
+                <a:spcAft>
+                  <a:spcPct val="0"/>
+                </a:spcAft>
+                <a:defRPr kumimoji="1" sz="3200">
+                  <a:solidFill>
+                    <a:schemeClr val="tx2"/>
+                  </a:solidFill>
+                  <a:latin typeface="+mj-lt"/>
+                  <a:ea typeface="+mj-ea"/>
+                  <a:cs typeface="+mj-cs"/>
+                </a:defRPr>
+              </a:lvl1pPr>
+              <a:lvl2pPr algn="l" rtl="0" eaLnBrk="0" fontAlgn="base" hangingPunct="0">
+                <a:spcBef>
+                  <a:spcPct val="0"/>
+                </a:spcBef>
+                <a:spcAft>
+                  <a:spcPct val="0"/>
+                </a:spcAft>
+                <a:defRPr kumimoji="1" sz="3200">
+                  <a:solidFill>
+                    <a:schemeClr val="tx2"/>
+                  </a:solidFill>
+                  <a:latin typeface="メイリオ" pitchFamily="50" charset="-128"/>
+                  <a:ea typeface="メイリオ" pitchFamily="50" charset="-128"/>
+                  <a:cs typeface="メイリオ" pitchFamily="50" charset="-128"/>
+                </a:defRPr>
+              </a:lvl2pPr>
+              <a:lvl3pPr algn="l" rtl="0" eaLnBrk="0" fontAlgn="base" hangingPunct="0">
+                <a:spcBef>
+                  <a:spcPct val="0"/>
+                </a:spcBef>
+                <a:spcAft>
+                  <a:spcPct val="0"/>
+                </a:spcAft>
+                <a:defRPr kumimoji="1" sz="3200">
+                  <a:solidFill>
+                    <a:schemeClr val="tx2"/>
+                  </a:solidFill>
+                  <a:latin typeface="メイリオ" pitchFamily="50" charset="-128"/>
+                  <a:ea typeface="メイリオ" pitchFamily="50" charset="-128"/>
+                  <a:cs typeface="メイリオ" pitchFamily="50" charset="-128"/>
+                </a:defRPr>
+              </a:lvl3pPr>
+              <a:lvl4pPr algn="l" rtl="0" eaLnBrk="0" fontAlgn="base" hangingPunct="0">
+                <a:spcBef>
+                  <a:spcPct val="0"/>
+                </a:spcBef>
+                <a:spcAft>
+                  <a:spcPct val="0"/>
+                </a:spcAft>
+                <a:defRPr kumimoji="1" sz="3200">
+                  <a:solidFill>
+                    <a:schemeClr val="tx2"/>
+                  </a:solidFill>
+                  <a:latin typeface="メイリオ" pitchFamily="50" charset="-128"/>
+                  <a:ea typeface="メイリオ" pitchFamily="50" charset="-128"/>
+                  <a:cs typeface="メイリオ" pitchFamily="50" charset="-128"/>
+                </a:defRPr>
+              </a:lvl4pPr>
+              <a:lvl5pPr algn="l" rtl="0" eaLnBrk="0" fontAlgn="base" hangingPunct="0">
+                <a:spcBef>
+                  <a:spcPct val="0"/>
+                </a:spcBef>
+                <a:spcAft>
+                  <a:spcPct val="0"/>
+                </a:spcAft>
+                <a:defRPr kumimoji="1" sz="3200">
+                  <a:solidFill>
+                    <a:schemeClr val="tx2"/>
+                  </a:solidFill>
+                  <a:latin typeface="メイリオ" pitchFamily="50" charset="-128"/>
+                  <a:ea typeface="メイリオ" pitchFamily="50" charset="-128"/>
+                  <a:cs typeface="メイリオ" pitchFamily="50" charset="-128"/>
+                </a:defRPr>
+              </a:lvl5pPr>
+              <a:lvl6pPr marL="457200" algn="l" rtl="0" fontAlgn="base">
+                <a:spcBef>
+                  <a:spcPct val="0"/>
+                </a:spcBef>
+                <a:spcAft>
+                  <a:spcPct val="0"/>
+                </a:spcAft>
+                <a:defRPr kumimoji="1" sz="3200">
+                  <a:solidFill>
+                    <a:schemeClr val="tx2"/>
+                  </a:solidFill>
+                  <a:latin typeface="メイリオ" pitchFamily="50" charset="-128"/>
+                  <a:ea typeface="メイリオ" pitchFamily="50" charset="-128"/>
+                  <a:cs typeface="メイリオ" pitchFamily="50" charset="-128"/>
+                </a:defRPr>
+              </a:lvl6pPr>
+              <a:lvl7pPr marL="914400" algn="l" rtl="0" fontAlgn="base">
+                <a:spcBef>
+                  <a:spcPct val="0"/>
+                </a:spcBef>
+                <a:spcAft>
+                  <a:spcPct val="0"/>
+                </a:spcAft>
+                <a:defRPr kumimoji="1" sz="3200">
+                  <a:solidFill>
+                    <a:schemeClr val="tx2"/>
+                  </a:solidFill>
+                  <a:latin typeface="メイリオ" pitchFamily="50" charset="-128"/>
+                  <a:ea typeface="メイリオ" pitchFamily="50" charset="-128"/>
+                  <a:cs typeface="メイリオ" pitchFamily="50" charset="-128"/>
+                </a:defRPr>
+              </a:lvl7pPr>
+              <a:lvl8pPr marL="1371600" algn="l" rtl="0" fontAlgn="base">
+                <a:spcBef>
+                  <a:spcPct val="0"/>
+                </a:spcBef>
+                <a:spcAft>
+                  <a:spcPct val="0"/>
+                </a:spcAft>
+                <a:defRPr kumimoji="1" sz="3200">
+                  <a:solidFill>
+                    <a:schemeClr val="tx2"/>
+                  </a:solidFill>
+                  <a:latin typeface="メイリオ" pitchFamily="50" charset="-128"/>
+                  <a:ea typeface="メイリオ" pitchFamily="50" charset="-128"/>
+                  <a:cs typeface="メイリオ" pitchFamily="50" charset="-128"/>
+                </a:defRPr>
+              </a:lvl8pPr>
+              <a:lvl9pPr marL="1828800" algn="l" rtl="0" fontAlgn="base">
+                <a:spcBef>
+                  <a:spcPct val="0"/>
+                </a:spcBef>
+                <a:spcAft>
+                  <a:spcPct val="0"/>
+                </a:spcAft>
+                <a:defRPr kumimoji="1" sz="3200">
+                  <a:solidFill>
+                    <a:schemeClr val="tx2"/>
+                  </a:solidFill>
+                  <a:latin typeface="メイリオ" pitchFamily="50" charset="-128"/>
+                  <a:ea typeface="メイリオ" pitchFamily="50" charset="-128"/>
+                  <a:cs typeface="メイリオ" pitchFamily="50" charset="-128"/>
+                </a:defRPr>
+              </a:lvl9pPr>
+            </a:lstStyle>
+            <a:p>
+              <a:pPr algn="ctr" defTabSz="924937"/>
+              <a:r>
+                <a:rPr lang="en-US" altLang="ja-JP" sz="1600" kern="0" dirty="0">
+                  <a:solidFill>
+                    <a:prstClr val="black"/>
+                  </a:solidFill>
+                  <a:latin typeface="Calibri"/>
+                  <a:ea typeface="ＭＳ Ｐゴシック" panose="020B0600070205080204" pitchFamily="50" charset="-128"/>
+                </a:rPr>
+                <a:t>DMA</a:t>
+              </a:r>
+            </a:p>
+          </p:txBody>
+        </p:sp>
+        <p:sp>
+          <p:nvSpPr>
+            <p:cNvPr id="195" name="タイトル 5"/>
+            <p:cNvSpPr txBox="1">
+              <a:spLocks/>
+            </p:cNvSpPr>
+            <p:nvPr/>
+          </p:nvSpPr>
+          <p:spPr bwMode="auto">
+            <a:xfrm>
+              <a:off x="6743483" y="2696684"/>
+              <a:ext cx="538271" cy="223287"/>
+            </a:xfrm>
+            <a:prstGeom prst="rect">
+              <a:avLst/>
+            </a:prstGeom>
+            <a:grpFill/>
+            <a:ln w="12700">
+              <a:solidFill>
+                <a:schemeClr val="tx1"/>
+              </a:solidFill>
+              <a:miter lim="800000"/>
+              <a:headEnd/>
+              <a:tailEnd/>
+            </a:ln>
+            <a:effectLst/>
+            <a:extLst/>
+          </p:spPr>
+          <p:txBody>
+            <a:bodyPr vert="horz" wrap="square" lIns="72834" tIns="46250" rIns="72834" bIns="46250" numCol="1" anchor="ctr" anchorCtr="0" compatLnSpc="1">
+              <a:prstTxWarp prst="textNoShape">
+                <a:avLst/>
+              </a:prstTxWarp>
+            </a:bodyPr>
+            <a:lstStyle>
+              <a:lvl1pPr algn="l" rtl="0" eaLnBrk="0" fontAlgn="base" hangingPunct="0">
+                <a:spcBef>
+                  <a:spcPct val="0"/>
+                </a:spcBef>
+                <a:spcAft>
+                  <a:spcPct val="0"/>
+                </a:spcAft>
+                <a:defRPr kumimoji="1" sz="3200">
+                  <a:solidFill>
+                    <a:schemeClr val="tx2"/>
+                  </a:solidFill>
+                  <a:latin typeface="+mj-lt"/>
+                  <a:ea typeface="+mj-ea"/>
+                  <a:cs typeface="+mj-cs"/>
+                </a:defRPr>
+              </a:lvl1pPr>
+              <a:lvl2pPr algn="l" rtl="0" eaLnBrk="0" fontAlgn="base" hangingPunct="0">
+                <a:spcBef>
+                  <a:spcPct val="0"/>
+                </a:spcBef>
+                <a:spcAft>
+                  <a:spcPct val="0"/>
+                </a:spcAft>
+                <a:defRPr kumimoji="1" sz="3200">
+                  <a:solidFill>
+                    <a:schemeClr val="tx2"/>
+                  </a:solidFill>
+                  <a:latin typeface="メイリオ" pitchFamily="50" charset="-128"/>
+                  <a:ea typeface="メイリオ" pitchFamily="50" charset="-128"/>
+                  <a:cs typeface="メイリオ" pitchFamily="50" charset="-128"/>
+                </a:defRPr>
+              </a:lvl2pPr>
+              <a:lvl3pPr algn="l" rtl="0" eaLnBrk="0" fontAlgn="base" hangingPunct="0">
+                <a:spcBef>
+                  <a:spcPct val="0"/>
+                </a:spcBef>
+                <a:spcAft>
+                  <a:spcPct val="0"/>
+                </a:spcAft>
+                <a:defRPr kumimoji="1" sz="3200">
+                  <a:solidFill>
+                    <a:schemeClr val="tx2"/>
+                  </a:solidFill>
+                  <a:latin typeface="メイリオ" pitchFamily="50" charset="-128"/>
+                  <a:ea typeface="メイリオ" pitchFamily="50" charset="-128"/>
+                  <a:cs typeface="メイリオ" pitchFamily="50" charset="-128"/>
+                </a:defRPr>
+              </a:lvl3pPr>
+              <a:lvl4pPr algn="l" rtl="0" eaLnBrk="0" fontAlgn="base" hangingPunct="0">
+                <a:spcBef>
+                  <a:spcPct val="0"/>
+                </a:spcBef>
+                <a:spcAft>
+                  <a:spcPct val="0"/>
+                </a:spcAft>
+                <a:defRPr kumimoji="1" sz="3200">
+                  <a:solidFill>
+                    <a:schemeClr val="tx2"/>
+                  </a:solidFill>
+                  <a:latin typeface="メイリオ" pitchFamily="50" charset="-128"/>
+                  <a:ea typeface="メイリオ" pitchFamily="50" charset="-128"/>
+                  <a:cs typeface="メイリオ" pitchFamily="50" charset="-128"/>
+                </a:defRPr>
+              </a:lvl4pPr>
+              <a:lvl5pPr algn="l" rtl="0" eaLnBrk="0" fontAlgn="base" hangingPunct="0">
+                <a:spcBef>
+                  <a:spcPct val="0"/>
+                </a:spcBef>
+                <a:spcAft>
+                  <a:spcPct val="0"/>
+                </a:spcAft>
+                <a:defRPr kumimoji="1" sz="3200">
+                  <a:solidFill>
+                    <a:schemeClr val="tx2"/>
+                  </a:solidFill>
+                  <a:latin typeface="メイリオ" pitchFamily="50" charset="-128"/>
+                  <a:ea typeface="メイリオ" pitchFamily="50" charset="-128"/>
+                  <a:cs typeface="メイリオ" pitchFamily="50" charset="-128"/>
+                </a:defRPr>
+              </a:lvl5pPr>
+              <a:lvl6pPr marL="457200" algn="l" rtl="0" fontAlgn="base">
+                <a:spcBef>
+                  <a:spcPct val="0"/>
+                </a:spcBef>
+                <a:spcAft>
+                  <a:spcPct val="0"/>
+                </a:spcAft>
+                <a:defRPr kumimoji="1" sz="3200">
+                  <a:solidFill>
+                    <a:schemeClr val="tx2"/>
+                  </a:solidFill>
+                  <a:latin typeface="メイリオ" pitchFamily="50" charset="-128"/>
+                  <a:ea typeface="メイリオ" pitchFamily="50" charset="-128"/>
+                  <a:cs typeface="メイリオ" pitchFamily="50" charset="-128"/>
+                </a:defRPr>
+              </a:lvl6pPr>
+              <a:lvl7pPr marL="914400" algn="l" rtl="0" fontAlgn="base">
+                <a:spcBef>
+                  <a:spcPct val="0"/>
+                </a:spcBef>
+                <a:spcAft>
+                  <a:spcPct val="0"/>
+                </a:spcAft>
+                <a:defRPr kumimoji="1" sz="3200">
+                  <a:solidFill>
+                    <a:schemeClr val="tx2"/>
+                  </a:solidFill>
+                  <a:latin typeface="メイリオ" pitchFamily="50" charset="-128"/>
+                  <a:ea typeface="メイリオ" pitchFamily="50" charset="-128"/>
+                  <a:cs typeface="メイリオ" pitchFamily="50" charset="-128"/>
+                </a:defRPr>
+              </a:lvl7pPr>
+              <a:lvl8pPr marL="1371600" algn="l" rtl="0" fontAlgn="base">
+                <a:spcBef>
+                  <a:spcPct val="0"/>
+                </a:spcBef>
+                <a:spcAft>
+                  <a:spcPct val="0"/>
+                </a:spcAft>
+                <a:defRPr kumimoji="1" sz="3200">
+                  <a:solidFill>
+                    <a:schemeClr val="tx2"/>
+                  </a:solidFill>
+                  <a:latin typeface="メイリオ" pitchFamily="50" charset="-128"/>
+                  <a:ea typeface="メイリオ" pitchFamily="50" charset="-128"/>
+                  <a:cs typeface="メイリオ" pitchFamily="50" charset="-128"/>
+                </a:defRPr>
+              </a:lvl8pPr>
+              <a:lvl9pPr marL="1828800" algn="l" rtl="0" fontAlgn="base">
+                <a:spcBef>
+                  <a:spcPct val="0"/>
+                </a:spcBef>
+                <a:spcAft>
+                  <a:spcPct val="0"/>
+                </a:spcAft>
+                <a:defRPr kumimoji="1" sz="3200">
+                  <a:solidFill>
+                    <a:schemeClr val="tx2"/>
+                  </a:solidFill>
+                  <a:latin typeface="メイリオ" pitchFamily="50" charset="-128"/>
+                  <a:ea typeface="メイリオ" pitchFamily="50" charset="-128"/>
+                  <a:cs typeface="メイリオ" pitchFamily="50" charset="-128"/>
+                </a:defRPr>
+              </a:lvl9pPr>
+            </a:lstStyle>
+            <a:p>
+              <a:pPr algn="ctr" defTabSz="924937"/>
+              <a:r>
+                <a:rPr lang="en-US" altLang="ja-JP" sz="1600" kern="0" dirty="0">
+                  <a:solidFill>
+                    <a:prstClr val="black"/>
+                  </a:solidFill>
+                  <a:latin typeface="Calibri"/>
+                  <a:ea typeface="ＭＳ Ｐゴシック" panose="020B0600070205080204" pitchFamily="50" charset="-128"/>
+                </a:rPr>
+                <a:t>DMA</a:t>
+              </a:r>
+            </a:p>
+          </p:txBody>
+        </p:sp>
+        <p:sp>
+          <p:nvSpPr>
+            <p:cNvPr id="196" name="タイトル 5"/>
+            <p:cNvSpPr txBox="1">
+              <a:spLocks/>
+            </p:cNvSpPr>
+            <p:nvPr/>
+          </p:nvSpPr>
+          <p:spPr bwMode="auto">
+            <a:xfrm>
+              <a:off x="5302343" y="2692076"/>
+              <a:ext cx="538271" cy="223287"/>
+            </a:xfrm>
+            <a:prstGeom prst="rect">
+              <a:avLst/>
+            </a:prstGeom>
+            <a:grpFill/>
+            <a:ln w="12700">
+              <a:solidFill>
+                <a:schemeClr val="tx1"/>
+              </a:solidFill>
+              <a:miter lim="800000"/>
+              <a:headEnd/>
+              <a:tailEnd/>
+            </a:ln>
+            <a:effectLst/>
+            <a:extLst/>
+          </p:spPr>
+          <p:txBody>
+            <a:bodyPr vert="horz" wrap="square" lIns="72834" tIns="46250" rIns="72834" bIns="46250" numCol="1" anchor="ctr" anchorCtr="0" compatLnSpc="1">
+              <a:prstTxWarp prst="textNoShape">
+                <a:avLst/>
+              </a:prstTxWarp>
+            </a:bodyPr>
+            <a:lstStyle>
+              <a:lvl1pPr algn="l" rtl="0" eaLnBrk="0" fontAlgn="base" hangingPunct="0">
+                <a:spcBef>
+                  <a:spcPct val="0"/>
+                </a:spcBef>
+                <a:spcAft>
+                  <a:spcPct val="0"/>
+                </a:spcAft>
+                <a:defRPr kumimoji="1" sz="3200">
+                  <a:solidFill>
+                    <a:schemeClr val="tx2"/>
+                  </a:solidFill>
+                  <a:latin typeface="+mj-lt"/>
+                  <a:ea typeface="+mj-ea"/>
+                  <a:cs typeface="+mj-cs"/>
+                </a:defRPr>
+              </a:lvl1pPr>
+              <a:lvl2pPr algn="l" rtl="0" eaLnBrk="0" fontAlgn="base" hangingPunct="0">
+                <a:spcBef>
+                  <a:spcPct val="0"/>
+                </a:spcBef>
+                <a:spcAft>
+                  <a:spcPct val="0"/>
+                </a:spcAft>
+                <a:defRPr kumimoji="1" sz="3200">
+                  <a:solidFill>
+                    <a:schemeClr val="tx2"/>
+                  </a:solidFill>
+                  <a:latin typeface="メイリオ" pitchFamily="50" charset="-128"/>
+                  <a:ea typeface="メイリオ" pitchFamily="50" charset="-128"/>
+                  <a:cs typeface="メイリオ" pitchFamily="50" charset="-128"/>
+                </a:defRPr>
+              </a:lvl2pPr>
+              <a:lvl3pPr algn="l" rtl="0" eaLnBrk="0" fontAlgn="base" hangingPunct="0">
+                <a:spcBef>
+                  <a:spcPct val="0"/>
+                </a:spcBef>
+                <a:spcAft>
+                  <a:spcPct val="0"/>
+                </a:spcAft>
+                <a:defRPr kumimoji="1" sz="3200">
+                  <a:solidFill>
+                    <a:schemeClr val="tx2"/>
+                  </a:solidFill>
+                  <a:latin typeface="メイリオ" pitchFamily="50" charset="-128"/>
+                  <a:ea typeface="メイリオ" pitchFamily="50" charset="-128"/>
+                  <a:cs typeface="メイリオ" pitchFamily="50" charset="-128"/>
+                </a:defRPr>
+              </a:lvl3pPr>
+              <a:lvl4pPr algn="l" rtl="0" eaLnBrk="0" fontAlgn="base" hangingPunct="0">
+                <a:spcBef>
+                  <a:spcPct val="0"/>
+                </a:spcBef>
+                <a:spcAft>
+                  <a:spcPct val="0"/>
+                </a:spcAft>
+                <a:defRPr kumimoji="1" sz="3200">
+                  <a:solidFill>
+                    <a:schemeClr val="tx2"/>
+                  </a:solidFill>
+                  <a:latin typeface="メイリオ" pitchFamily="50" charset="-128"/>
+                  <a:ea typeface="メイリオ" pitchFamily="50" charset="-128"/>
+                  <a:cs typeface="メイリオ" pitchFamily="50" charset="-128"/>
+                </a:defRPr>
+              </a:lvl4pPr>
+              <a:lvl5pPr algn="l" rtl="0" eaLnBrk="0" fontAlgn="base" hangingPunct="0">
+                <a:spcBef>
+                  <a:spcPct val="0"/>
+                </a:spcBef>
+                <a:spcAft>
+                  <a:spcPct val="0"/>
+                </a:spcAft>
+                <a:defRPr kumimoji="1" sz="3200">
+                  <a:solidFill>
+                    <a:schemeClr val="tx2"/>
+                  </a:solidFill>
+                  <a:latin typeface="メイリオ" pitchFamily="50" charset="-128"/>
+                  <a:ea typeface="メイリオ" pitchFamily="50" charset="-128"/>
+                  <a:cs typeface="メイリオ" pitchFamily="50" charset="-128"/>
+                </a:defRPr>
+              </a:lvl5pPr>
+              <a:lvl6pPr marL="457200" algn="l" rtl="0" fontAlgn="base">
+                <a:spcBef>
+                  <a:spcPct val="0"/>
+                </a:spcBef>
+                <a:spcAft>
+                  <a:spcPct val="0"/>
+                </a:spcAft>
+                <a:defRPr kumimoji="1" sz="3200">
+                  <a:solidFill>
+                    <a:schemeClr val="tx2"/>
+                  </a:solidFill>
+                  <a:latin typeface="メイリオ" pitchFamily="50" charset="-128"/>
+                  <a:ea typeface="メイリオ" pitchFamily="50" charset="-128"/>
+                  <a:cs typeface="メイリオ" pitchFamily="50" charset="-128"/>
+                </a:defRPr>
+              </a:lvl6pPr>
+              <a:lvl7pPr marL="914400" algn="l" rtl="0" fontAlgn="base">
+                <a:spcBef>
+                  <a:spcPct val="0"/>
+                </a:spcBef>
+                <a:spcAft>
+                  <a:spcPct val="0"/>
+                </a:spcAft>
+                <a:defRPr kumimoji="1" sz="3200">
+                  <a:solidFill>
+                    <a:schemeClr val="tx2"/>
+                  </a:solidFill>
+                  <a:latin typeface="メイリオ" pitchFamily="50" charset="-128"/>
+                  <a:ea typeface="メイリオ" pitchFamily="50" charset="-128"/>
+                  <a:cs typeface="メイリオ" pitchFamily="50" charset="-128"/>
+                </a:defRPr>
+              </a:lvl7pPr>
+              <a:lvl8pPr marL="1371600" algn="l" rtl="0" fontAlgn="base">
+                <a:spcBef>
+                  <a:spcPct val="0"/>
+                </a:spcBef>
+                <a:spcAft>
+                  <a:spcPct val="0"/>
+                </a:spcAft>
+                <a:defRPr kumimoji="1" sz="3200">
+                  <a:solidFill>
+                    <a:schemeClr val="tx2"/>
+                  </a:solidFill>
+                  <a:latin typeface="メイリオ" pitchFamily="50" charset="-128"/>
+                  <a:ea typeface="メイリオ" pitchFamily="50" charset="-128"/>
+                  <a:cs typeface="メイリオ" pitchFamily="50" charset="-128"/>
+                </a:defRPr>
+              </a:lvl8pPr>
+              <a:lvl9pPr marL="1828800" algn="l" rtl="0" fontAlgn="base">
+                <a:spcBef>
+                  <a:spcPct val="0"/>
+                </a:spcBef>
+                <a:spcAft>
+                  <a:spcPct val="0"/>
+                </a:spcAft>
+                <a:defRPr kumimoji="1" sz="3200">
+                  <a:solidFill>
+                    <a:schemeClr val="tx2"/>
+                  </a:solidFill>
+                  <a:latin typeface="メイリオ" pitchFamily="50" charset="-128"/>
+                  <a:ea typeface="メイリオ" pitchFamily="50" charset="-128"/>
+                  <a:cs typeface="メイリオ" pitchFamily="50" charset="-128"/>
+                </a:defRPr>
+              </a:lvl9pPr>
+            </a:lstStyle>
+            <a:p>
+              <a:pPr algn="ctr" defTabSz="924937"/>
+              <a:r>
+                <a:rPr lang="en-US" altLang="ja-JP" sz="1600" kern="0" dirty="0">
+                  <a:solidFill>
+                    <a:prstClr val="black"/>
+                  </a:solidFill>
+                  <a:latin typeface="Calibri"/>
+                  <a:ea typeface="ＭＳ Ｐゴシック" panose="020B0600070205080204" pitchFamily="50" charset="-128"/>
+                </a:rPr>
+                <a:t>DMA</a:t>
+              </a:r>
+            </a:p>
+          </p:txBody>
+        </p:sp>
+      </p:grpSp>
+      <p:grpSp>
+        <p:nvGrpSpPr>
+          <p:cNvPr id="184" name="グループ化 183"/>
+          <p:cNvGrpSpPr>
+            <a:grpSpLocks noChangeAspect="1"/>
+          </p:cNvGrpSpPr>
+          <p:nvPr/>
+        </p:nvGrpSpPr>
+        <p:grpSpPr>
+          <a:xfrm>
+            <a:off x="1591874" y="3134992"/>
+            <a:ext cx="5112000" cy="240859"/>
+            <a:chOff x="2411841" y="2692076"/>
+            <a:chExt cx="4869913" cy="229454"/>
+          </a:xfrm>
+          <a:solidFill>
+            <a:schemeClr val="bg1">
+              <a:lumMod val="95000"/>
+            </a:schemeClr>
+          </a:solidFill>
+        </p:grpSpPr>
+        <p:sp>
+          <p:nvSpPr>
+            <p:cNvPr id="185" name="タイトル 5"/>
+            <p:cNvSpPr txBox="1">
+              <a:spLocks/>
+            </p:cNvSpPr>
+            <p:nvPr/>
+          </p:nvSpPr>
+          <p:spPr bwMode="auto">
+            <a:xfrm>
+              <a:off x="3857516" y="2693083"/>
+              <a:ext cx="538271" cy="223287"/>
+            </a:xfrm>
+            <a:prstGeom prst="rect">
+              <a:avLst/>
+            </a:prstGeom>
+            <a:grpFill/>
+            <a:ln w="12700">
+              <a:solidFill>
+                <a:schemeClr val="tx1"/>
+              </a:solidFill>
+              <a:miter lim="800000"/>
+              <a:headEnd/>
+              <a:tailEnd/>
+            </a:ln>
+            <a:effectLst/>
+            <a:extLst/>
+          </p:spPr>
+          <p:txBody>
+            <a:bodyPr vert="horz" wrap="square" lIns="72834" tIns="46250" rIns="72834" bIns="46250" numCol="1" anchor="ctr" anchorCtr="0" compatLnSpc="1">
+              <a:prstTxWarp prst="textNoShape">
+                <a:avLst/>
+              </a:prstTxWarp>
+            </a:bodyPr>
+            <a:lstStyle>
+              <a:lvl1pPr algn="l" rtl="0" eaLnBrk="0" fontAlgn="base" hangingPunct="0">
+                <a:spcBef>
+                  <a:spcPct val="0"/>
+                </a:spcBef>
+                <a:spcAft>
+                  <a:spcPct val="0"/>
+                </a:spcAft>
+                <a:defRPr kumimoji="1" sz="3200">
+                  <a:solidFill>
+                    <a:schemeClr val="tx2"/>
+                  </a:solidFill>
+                  <a:latin typeface="+mj-lt"/>
+                  <a:ea typeface="+mj-ea"/>
+                  <a:cs typeface="+mj-cs"/>
+                </a:defRPr>
+              </a:lvl1pPr>
+              <a:lvl2pPr algn="l" rtl="0" eaLnBrk="0" fontAlgn="base" hangingPunct="0">
+                <a:spcBef>
+                  <a:spcPct val="0"/>
+                </a:spcBef>
+                <a:spcAft>
+                  <a:spcPct val="0"/>
+                </a:spcAft>
+                <a:defRPr kumimoji="1" sz="3200">
+                  <a:solidFill>
+                    <a:schemeClr val="tx2"/>
+                  </a:solidFill>
+                  <a:latin typeface="メイリオ" pitchFamily="50" charset="-128"/>
+                  <a:ea typeface="メイリオ" pitchFamily="50" charset="-128"/>
+                  <a:cs typeface="メイリオ" pitchFamily="50" charset="-128"/>
+                </a:defRPr>
+              </a:lvl2pPr>
+              <a:lvl3pPr algn="l" rtl="0" eaLnBrk="0" fontAlgn="base" hangingPunct="0">
+                <a:spcBef>
+                  <a:spcPct val="0"/>
+                </a:spcBef>
+                <a:spcAft>
+                  <a:spcPct val="0"/>
+                </a:spcAft>
+                <a:defRPr kumimoji="1" sz="3200">
+                  <a:solidFill>
+                    <a:schemeClr val="tx2"/>
+                  </a:solidFill>
+                  <a:latin typeface="メイリオ" pitchFamily="50" charset="-128"/>
+                  <a:ea typeface="メイリオ" pitchFamily="50" charset="-128"/>
+                  <a:cs typeface="メイリオ" pitchFamily="50" charset="-128"/>
+                </a:defRPr>
+              </a:lvl3pPr>
+              <a:lvl4pPr algn="l" rtl="0" eaLnBrk="0" fontAlgn="base" hangingPunct="0">
+                <a:spcBef>
+                  <a:spcPct val="0"/>
+                </a:spcBef>
+                <a:spcAft>
+                  <a:spcPct val="0"/>
+                </a:spcAft>
+                <a:defRPr kumimoji="1" sz="3200">
+                  <a:solidFill>
+                    <a:schemeClr val="tx2"/>
+                  </a:solidFill>
+                  <a:latin typeface="メイリオ" pitchFamily="50" charset="-128"/>
+                  <a:ea typeface="メイリオ" pitchFamily="50" charset="-128"/>
+                  <a:cs typeface="メイリオ" pitchFamily="50" charset="-128"/>
+                </a:defRPr>
+              </a:lvl4pPr>
+              <a:lvl5pPr algn="l" rtl="0" eaLnBrk="0" fontAlgn="base" hangingPunct="0">
+                <a:spcBef>
+                  <a:spcPct val="0"/>
+                </a:spcBef>
+                <a:spcAft>
+                  <a:spcPct val="0"/>
+                </a:spcAft>
+                <a:defRPr kumimoji="1" sz="3200">
+                  <a:solidFill>
+                    <a:schemeClr val="tx2"/>
+                  </a:solidFill>
+                  <a:latin typeface="メイリオ" pitchFamily="50" charset="-128"/>
+                  <a:ea typeface="メイリオ" pitchFamily="50" charset="-128"/>
+                  <a:cs typeface="メイリオ" pitchFamily="50" charset="-128"/>
+                </a:defRPr>
+              </a:lvl5pPr>
+              <a:lvl6pPr marL="457200" algn="l" rtl="0" fontAlgn="base">
+                <a:spcBef>
+                  <a:spcPct val="0"/>
+                </a:spcBef>
+                <a:spcAft>
+                  <a:spcPct val="0"/>
+                </a:spcAft>
+                <a:defRPr kumimoji="1" sz="3200">
+                  <a:solidFill>
+                    <a:schemeClr val="tx2"/>
+                  </a:solidFill>
+                  <a:latin typeface="メイリオ" pitchFamily="50" charset="-128"/>
+                  <a:ea typeface="メイリオ" pitchFamily="50" charset="-128"/>
+                  <a:cs typeface="メイリオ" pitchFamily="50" charset="-128"/>
+                </a:defRPr>
+              </a:lvl6pPr>
+              <a:lvl7pPr marL="914400" algn="l" rtl="0" fontAlgn="base">
+                <a:spcBef>
+                  <a:spcPct val="0"/>
+                </a:spcBef>
+                <a:spcAft>
+                  <a:spcPct val="0"/>
+                </a:spcAft>
+                <a:defRPr kumimoji="1" sz="3200">
+                  <a:solidFill>
+                    <a:schemeClr val="tx2"/>
+                  </a:solidFill>
+                  <a:latin typeface="メイリオ" pitchFamily="50" charset="-128"/>
+                  <a:ea typeface="メイリオ" pitchFamily="50" charset="-128"/>
+                  <a:cs typeface="メイリオ" pitchFamily="50" charset="-128"/>
+                </a:defRPr>
+              </a:lvl7pPr>
+              <a:lvl8pPr marL="1371600" algn="l" rtl="0" fontAlgn="base">
+                <a:spcBef>
+                  <a:spcPct val="0"/>
+                </a:spcBef>
+                <a:spcAft>
+                  <a:spcPct val="0"/>
+                </a:spcAft>
+                <a:defRPr kumimoji="1" sz="3200">
+                  <a:solidFill>
+                    <a:schemeClr val="tx2"/>
+                  </a:solidFill>
+                  <a:latin typeface="メイリオ" pitchFamily="50" charset="-128"/>
+                  <a:ea typeface="メイリオ" pitchFamily="50" charset="-128"/>
+                  <a:cs typeface="メイリオ" pitchFamily="50" charset="-128"/>
+                </a:defRPr>
+              </a:lvl8pPr>
+              <a:lvl9pPr marL="1828800" algn="l" rtl="0" fontAlgn="base">
+                <a:spcBef>
+                  <a:spcPct val="0"/>
+                </a:spcBef>
+                <a:spcAft>
+                  <a:spcPct val="0"/>
+                </a:spcAft>
+                <a:defRPr kumimoji="1" sz="3200">
+                  <a:solidFill>
+                    <a:schemeClr val="tx2"/>
+                  </a:solidFill>
+                  <a:latin typeface="メイリオ" pitchFamily="50" charset="-128"/>
+                  <a:ea typeface="メイリオ" pitchFamily="50" charset="-128"/>
+                  <a:cs typeface="メイリオ" pitchFamily="50" charset="-128"/>
+                </a:defRPr>
+              </a:lvl9pPr>
+            </a:lstStyle>
+            <a:p>
+              <a:pPr algn="ctr" defTabSz="924937"/>
+              <a:r>
+                <a:rPr lang="en-US" altLang="ja-JP" sz="1600" kern="0" dirty="0">
+                  <a:solidFill>
+                    <a:prstClr val="black"/>
+                  </a:solidFill>
+                  <a:latin typeface="Calibri"/>
+                  <a:ea typeface="ＭＳ Ｐゴシック" panose="020B0600070205080204" pitchFamily="50" charset="-128"/>
+                </a:rPr>
+                <a:t>DMA</a:t>
+              </a:r>
+            </a:p>
+          </p:txBody>
+        </p:sp>
+        <p:sp>
+          <p:nvSpPr>
+            <p:cNvPr id="187" name="タイトル 5"/>
+            <p:cNvSpPr txBox="1">
+              <a:spLocks/>
+            </p:cNvSpPr>
+            <p:nvPr/>
+          </p:nvSpPr>
+          <p:spPr bwMode="auto">
+            <a:xfrm>
+              <a:off x="2411841" y="2698243"/>
+              <a:ext cx="538271" cy="223287"/>
+            </a:xfrm>
+            <a:prstGeom prst="rect">
+              <a:avLst/>
+            </a:prstGeom>
+            <a:grpFill/>
+            <a:ln w="12700">
+              <a:solidFill>
+                <a:schemeClr val="tx1"/>
+              </a:solidFill>
+              <a:miter lim="800000"/>
+              <a:headEnd/>
+              <a:tailEnd/>
+            </a:ln>
+            <a:effectLst/>
+            <a:extLst/>
+          </p:spPr>
+          <p:txBody>
+            <a:bodyPr vert="horz" wrap="square" lIns="72834" tIns="46250" rIns="72834" bIns="46250" numCol="1" anchor="ctr" anchorCtr="0" compatLnSpc="1">
+              <a:prstTxWarp prst="textNoShape">
+                <a:avLst/>
+              </a:prstTxWarp>
+            </a:bodyPr>
+            <a:lstStyle>
+              <a:lvl1pPr algn="l" rtl="0" eaLnBrk="0" fontAlgn="base" hangingPunct="0">
+                <a:spcBef>
+                  <a:spcPct val="0"/>
+                </a:spcBef>
+                <a:spcAft>
+                  <a:spcPct val="0"/>
+                </a:spcAft>
+                <a:defRPr kumimoji="1" sz="3200">
+                  <a:solidFill>
+                    <a:schemeClr val="tx2"/>
+                  </a:solidFill>
+                  <a:latin typeface="+mj-lt"/>
+                  <a:ea typeface="+mj-ea"/>
+                  <a:cs typeface="+mj-cs"/>
+                </a:defRPr>
+              </a:lvl1pPr>
+              <a:lvl2pPr algn="l" rtl="0" eaLnBrk="0" fontAlgn="base" hangingPunct="0">
+                <a:spcBef>
+                  <a:spcPct val="0"/>
+                </a:spcBef>
+                <a:spcAft>
+                  <a:spcPct val="0"/>
+                </a:spcAft>
+                <a:defRPr kumimoji="1" sz="3200">
+                  <a:solidFill>
+                    <a:schemeClr val="tx2"/>
+                  </a:solidFill>
+                  <a:latin typeface="メイリオ" pitchFamily="50" charset="-128"/>
+                  <a:ea typeface="メイリオ" pitchFamily="50" charset="-128"/>
+                  <a:cs typeface="メイリオ" pitchFamily="50" charset="-128"/>
+                </a:defRPr>
+              </a:lvl2pPr>
+              <a:lvl3pPr algn="l" rtl="0" eaLnBrk="0" fontAlgn="base" hangingPunct="0">
+                <a:spcBef>
+                  <a:spcPct val="0"/>
+                </a:spcBef>
+                <a:spcAft>
+                  <a:spcPct val="0"/>
+                </a:spcAft>
+                <a:defRPr kumimoji="1" sz="3200">
+                  <a:solidFill>
+                    <a:schemeClr val="tx2"/>
+                  </a:solidFill>
+                  <a:latin typeface="メイリオ" pitchFamily="50" charset="-128"/>
+                  <a:ea typeface="メイリオ" pitchFamily="50" charset="-128"/>
+                  <a:cs typeface="メイリオ" pitchFamily="50" charset="-128"/>
+                </a:defRPr>
+              </a:lvl3pPr>
+              <a:lvl4pPr algn="l" rtl="0" eaLnBrk="0" fontAlgn="base" hangingPunct="0">
+                <a:spcBef>
+                  <a:spcPct val="0"/>
+                </a:spcBef>
+                <a:spcAft>
+                  <a:spcPct val="0"/>
+                </a:spcAft>
+                <a:defRPr kumimoji="1" sz="3200">
+                  <a:solidFill>
+                    <a:schemeClr val="tx2"/>
+                  </a:solidFill>
+                  <a:latin typeface="メイリオ" pitchFamily="50" charset="-128"/>
+                  <a:ea typeface="メイリオ" pitchFamily="50" charset="-128"/>
+                  <a:cs typeface="メイリオ" pitchFamily="50" charset="-128"/>
+                </a:defRPr>
+              </a:lvl4pPr>
+              <a:lvl5pPr algn="l" rtl="0" eaLnBrk="0" fontAlgn="base" hangingPunct="0">
+                <a:spcBef>
+                  <a:spcPct val="0"/>
+                </a:spcBef>
+                <a:spcAft>
+                  <a:spcPct val="0"/>
+                </a:spcAft>
+                <a:defRPr kumimoji="1" sz="3200">
+                  <a:solidFill>
+                    <a:schemeClr val="tx2"/>
+                  </a:solidFill>
+                  <a:latin typeface="メイリオ" pitchFamily="50" charset="-128"/>
+                  <a:ea typeface="メイリオ" pitchFamily="50" charset="-128"/>
+                  <a:cs typeface="メイリオ" pitchFamily="50" charset="-128"/>
+                </a:defRPr>
+              </a:lvl5pPr>
+              <a:lvl6pPr marL="457200" algn="l" rtl="0" fontAlgn="base">
+                <a:spcBef>
+                  <a:spcPct val="0"/>
+                </a:spcBef>
+                <a:spcAft>
+                  <a:spcPct val="0"/>
+                </a:spcAft>
+                <a:defRPr kumimoji="1" sz="3200">
+                  <a:solidFill>
+                    <a:schemeClr val="tx2"/>
+                  </a:solidFill>
+                  <a:latin typeface="メイリオ" pitchFamily="50" charset="-128"/>
+                  <a:ea typeface="メイリオ" pitchFamily="50" charset="-128"/>
+                  <a:cs typeface="メイリオ" pitchFamily="50" charset="-128"/>
+                </a:defRPr>
+              </a:lvl6pPr>
+              <a:lvl7pPr marL="914400" algn="l" rtl="0" fontAlgn="base">
+                <a:spcBef>
+                  <a:spcPct val="0"/>
+                </a:spcBef>
+                <a:spcAft>
+                  <a:spcPct val="0"/>
+                </a:spcAft>
+                <a:defRPr kumimoji="1" sz="3200">
+                  <a:solidFill>
+                    <a:schemeClr val="tx2"/>
+                  </a:solidFill>
+                  <a:latin typeface="メイリオ" pitchFamily="50" charset="-128"/>
+                  <a:ea typeface="メイリオ" pitchFamily="50" charset="-128"/>
+                  <a:cs typeface="メイリオ" pitchFamily="50" charset="-128"/>
+                </a:defRPr>
+              </a:lvl7pPr>
+              <a:lvl8pPr marL="1371600" algn="l" rtl="0" fontAlgn="base">
+                <a:spcBef>
+                  <a:spcPct val="0"/>
+                </a:spcBef>
+                <a:spcAft>
+                  <a:spcPct val="0"/>
+                </a:spcAft>
+                <a:defRPr kumimoji="1" sz="3200">
+                  <a:solidFill>
+                    <a:schemeClr val="tx2"/>
+                  </a:solidFill>
+                  <a:latin typeface="メイリオ" pitchFamily="50" charset="-128"/>
+                  <a:ea typeface="メイリオ" pitchFamily="50" charset="-128"/>
+                  <a:cs typeface="メイリオ" pitchFamily="50" charset="-128"/>
+                </a:defRPr>
+              </a:lvl8pPr>
+              <a:lvl9pPr marL="1828800" algn="l" rtl="0" fontAlgn="base">
+                <a:spcBef>
+                  <a:spcPct val="0"/>
+                </a:spcBef>
+                <a:spcAft>
+                  <a:spcPct val="0"/>
+                </a:spcAft>
+                <a:defRPr kumimoji="1" sz="3200">
+                  <a:solidFill>
+                    <a:schemeClr val="tx2"/>
+                  </a:solidFill>
+                  <a:latin typeface="メイリオ" pitchFamily="50" charset="-128"/>
+                  <a:ea typeface="メイリオ" pitchFamily="50" charset="-128"/>
+                  <a:cs typeface="メイリオ" pitchFamily="50" charset="-128"/>
+                </a:defRPr>
+              </a:lvl9pPr>
+            </a:lstStyle>
+            <a:p>
+              <a:pPr algn="ctr" defTabSz="924937"/>
+              <a:r>
+                <a:rPr lang="en-US" altLang="ja-JP" sz="1600" kern="0" dirty="0">
+                  <a:solidFill>
+                    <a:prstClr val="black"/>
+                  </a:solidFill>
+                  <a:latin typeface="Calibri"/>
+                  <a:ea typeface="ＭＳ Ｐゴシック" panose="020B0600070205080204" pitchFamily="50" charset="-128"/>
+                </a:rPr>
+                <a:t>DMA</a:t>
+              </a:r>
+            </a:p>
+          </p:txBody>
+        </p:sp>
+        <p:sp>
+          <p:nvSpPr>
+            <p:cNvPr id="188" name="タイトル 5"/>
+            <p:cNvSpPr txBox="1">
+              <a:spLocks/>
+            </p:cNvSpPr>
+            <p:nvPr/>
+          </p:nvSpPr>
+          <p:spPr bwMode="auto">
+            <a:xfrm>
+              <a:off x="6743483" y="2696684"/>
+              <a:ext cx="538271" cy="223287"/>
+            </a:xfrm>
+            <a:prstGeom prst="rect">
+              <a:avLst/>
+            </a:prstGeom>
+            <a:grpFill/>
+            <a:ln w="12700">
+              <a:solidFill>
+                <a:schemeClr val="tx1"/>
+              </a:solidFill>
+              <a:miter lim="800000"/>
+              <a:headEnd/>
+              <a:tailEnd/>
+            </a:ln>
+            <a:effectLst/>
+            <a:extLst/>
+          </p:spPr>
+          <p:txBody>
+            <a:bodyPr vert="horz" wrap="square" lIns="72834" tIns="46250" rIns="72834" bIns="46250" numCol="1" anchor="ctr" anchorCtr="0" compatLnSpc="1">
+              <a:prstTxWarp prst="textNoShape">
+                <a:avLst/>
+              </a:prstTxWarp>
+            </a:bodyPr>
+            <a:lstStyle>
+              <a:lvl1pPr algn="l" rtl="0" eaLnBrk="0" fontAlgn="base" hangingPunct="0">
+                <a:spcBef>
+                  <a:spcPct val="0"/>
+                </a:spcBef>
+                <a:spcAft>
+                  <a:spcPct val="0"/>
+                </a:spcAft>
+                <a:defRPr kumimoji="1" sz="3200">
+                  <a:solidFill>
+                    <a:schemeClr val="tx2"/>
+                  </a:solidFill>
+                  <a:latin typeface="+mj-lt"/>
+                  <a:ea typeface="+mj-ea"/>
+                  <a:cs typeface="+mj-cs"/>
+                </a:defRPr>
+              </a:lvl1pPr>
+              <a:lvl2pPr algn="l" rtl="0" eaLnBrk="0" fontAlgn="base" hangingPunct="0">
+                <a:spcBef>
+                  <a:spcPct val="0"/>
+                </a:spcBef>
+                <a:spcAft>
+                  <a:spcPct val="0"/>
+                </a:spcAft>
+                <a:defRPr kumimoji="1" sz="3200">
+                  <a:solidFill>
+                    <a:schemeClr val="tx2"/>
+                  </a:solidFill>
+                  <a:latin typeface="メイリオ" pitchFamily="50" charset="-128"/>
+                  <a:ea typeface="メイリオ" pitchFamily="50" charset="-128"/>
+                  <a:cs typeface="メイリオ" pitchFamily="50" charset="-128"/>
+                </a:defRPr>
+              </a:lvl2pPr>
+              <a:lvl3pPr algn="l" rtl="0" eaLnBrk="0" fontAlgn="base" hangingPunct="0">
+                <a:spcBef>
+                  <a:spcPct val="0"/>
+                </a:spcBef>
+                <a:spcAft>
+                  <a:spcPct val="0"/>
+                </a:spcAft>
+                <a:defRPr kumimoji="1" sz="3200">
+                  <a:solidFill>
+                    <a:schemeClr val="tx2"/>
+                  </a:solidFill>
+                  <a:latin typeface="メイリオ" pitchFamily="50" charset="-128"/>
+                  <a:ea typeface="メイリオ" pitchFamily="50" charset="-128"/>
+                  <a:cs typeface="メイリオ" pitchFamily="50" charset="-128"/>
+                </a:defRPr>
+              </a:lvl3pPr>
+              <a:lvl4pPr algn="l" rtl="0" eaLnBrk="0" fontAlgn="base" hangingPunct="0">
+                <a:spcBef>
+                  <a:spcPct val="0"/>
+                </a:spcBef>
+                <a:spcAft>
+                  <a:spcPct val="0"/>
+                </a:spcAft>
+                <a:defRPr kumimoji="1" sz="3200">
+                  <a:solidFill>
+                    <a:schemeClr val="tx2"/>
+                  </a:solidFill>
+                  <a:latin typeface="メイリオ" pitchFamily="50" charset="-128"/>
+                  <a:ea typeface="メイリオ" pitchFamily="50" charset="-128"/>
+                  <a:cs typeface="メイリオ" pitchFamily="50" charset="-128"/>
+                </a:defRPr>
+              </a:lvl4pPr>
+              <a:lvl5pPr algn="l" rtl="0" eaLnBrk="0" fontAlgn="base" hangingPunct="0">
+                <a:spcBef>
+                  <a:spcPct val="0"/>
+                </a:spcBef>
+                <a:spcAft>
+                  <a:spcPct val="0"/>
+                </a:spcAft>
+                <a:defRPr kumimoji="1" sz="3200">
+                  <a:solidFill>
+                    <a:schemeClr val="tx2"/>
+                  </a:solidFill>
+                  <a:latin typeface="メイリオ" pitchFamily="50" charset="-128"/>
+                  <a:ea typeface="メイリオ" pitchFamily="50" charset="-128"/>
+                  <a:cs typeface="メイリオ" pitchFamily="50" charset="-128"/>
+                </a:defRPr>
+              </a:lvl5pPr>
+              <a:lvl6pPr marL="457200" algn="l" rtl="0" fontAlgn="base">
+                <a:spcBef>
+                  <a:spcPct val="0"/>
+                </a:spcBef>
+                <a:spcAft>
+                  <a:spcPct val="0"/>
+                </a:spcAft>
+                <a:defRPr kumimoji="1" sz="3200">
+                  <a:solidFill>
+                    <a:schemeClr val="tx2"/>
+                  </a:solidFill>
+                  <a:latin typeface="メイリオ" pitchFamily="50" charset="-128"/>
+                  <a:ea typeface="メイリオ" pitchFamily="50" charset="-128"/>
+                  <a:cs typeface="メイリオ" pitchFamily="50" charset="-128"/>
+                </a:defRPr>
+              </a:lvl6pPr>
+              <a:lvl7pPr marL="914400" algn="l" rtl="0" fontAlgn="base">
+                <a:spcBef>
+                  <a:spcPct val="0"/>
+                </a:spcBef>
+                <a:spcAft>
+                  <a:spcPct val="0"/>
+                </a:spcAft>
+                <a:defRPr kumimoji="1" sz="3200">
+                  <a:solidFill>
+                    <a:schemeClr val="tx2"/>
+                  </a:solidFill>
+                  <a:latin typeface="メイリオ" pitchFamily="50" charset="-128"/>
+                  <a:ea typeface="メイリオ" pitchFamily="50" charset="-128"/>
+                  <a:cs typeface="メイリオ" pitchFamily="50" charset="-128"/>
+                </a:defRPr>
+              </a:lvl7pPr>
+              <a:lvl8pPr marL="1371600" algn="l" rtl="0" fontAlgn="base">
+                <a:spcBef>
+                  <a:spcPct val="0"/>
+                </a:spcBef>
+                <a:spcAft>
+                  <a:spcPct val="0"/>
+                </a:spcAft>
+                <a:defRPr kumimoji="1" sz="3200">
+                  <a:solidFill>
+                    <a:schemeClr val="tx2"/>
+                  </a:solidFill>
+                  <a:latin typeface="メイリオ" pitchFamily="50" charset="-128"/>
+                  <a:ea typeface="メイリオ" pitchFamily="50" charset="-128"/>
+                  <a:cs typeface="メイリオ" pitchFamily="50" charset="-128"/>
+                </a:defRPr>
+              </a:lvl8pPr>
+              <a:lvl9pPr marL="1828800" algn="l" rtl="0" fontAlgn="base">
+                <a:spcBef>
+                  <a:spcPct val="0"/>
+                </a:spcBef>
+                <a:spcAft>
+                  <a:spcPct val="0"/>
+                </a:spcAft>
+                <a:defRPr kumimoji="1" sz="3200">
+                  <a:solidFill>
+                    <a:schemeClr val="tx2"/>
+                  </a:solidFill>
+                  <a:latin typeface="メイリオ" pitchFamily="50" charset="-128"/>
+                  <a:ea typeface="メイリオ" pitchFamily="50" charset="-128"/>
+                  <a:cs typeface="メイリオ" pitchFamily="50" charset="-128"/>
+                </a:defRPr>
+              </a:lvl9pPr>
+            </a:lstStyle>
+            <a:p>
+              <a:pPr algn="ctr" defTabSz="924937"/>
+              <a:r>
+                <a:rPr lang="en-US" altLang="ja-JP" sz="1600" kern="0" dirty="0">
+                  <a:solidFill>
+                    <a:prstClr val="black"/>
+                  </a:solidFill>
+                  <a:latin typeface="Calibri"/>
+                  <a:ea typeface="ＭＳ Ｐゴシック" panose="020B0600070205080204" pitchFamily="50" charset="-128"/>
+                </a:rPr>
+                <a:t>DMA</a:t>
+              </a:r>
+            </a:p>
+          </p:txBody>
+        </p:sp>
+        <p:sp>
+          <p:nvSpPr>
+            <p:cNvPr id="190" name="タイトル 5"/>
+            <p:cNvSpPr txBox="1">
+              <a:spLocks/>
+            </p:cNvSpPr>
+            <p:nvPr/>
+          </p:nvSpPr>
+          <p:spPr bwMode="auto">
+            <a:xfrm>
+              <a:off x="5302343" y="2692076"/>
+              <a:ext cx="538271" cy="223287"/>
+            </a:xfrm>
+            <a:prstGeom prst="rect">
+              <a:avLst/>
+            </a:prstGeom>
+            <a:grpFill/>
+            <a:ln w="12700">
+              <a:solidFill>
+                <a:schemeClr val="tx1"/>
+              </a:solidFill>
+              <a:miter lim="800000"/>
+              <a:headEnd/>
+              <a:tailEnd/>
+            </a:ln>
+            <a:effectLst/>
+            <a:extLst/>
+          </p:spPr>
+          <p:txBody>
+            <a:bodyPr vert="horz" wrap="square" lIns="72834" tIns="46250" rIns="72834" bIns="46250" numCol="1" anchor="ctr" anchorCtr="0" compatLnSpc="1">
+              <a:prstTxWarp prst="textNoShape">
+                <a:avLst/>
+              </a:prstTxWarp>
+            </a:bodyPr>
+            <a:lstStyle>
+              <a:lvl1pPr algn="l" rtl="0" eaLnBrk="0" fontAlgn="base" hangingPunct="0">
+                <a:spcBef>
+                  <a:spcPct val="0"/>
+                </a:spcBef>
+                <a:spcAft>
+                  <a:spcPct val="0"/>
+                </a:spcAft>
+                <a:defRPr kumimoji="1" sz="3200">
+                  <a:solidFill>
+                    <a:schemeClr val="tx2"/>
+                  </a:solidFill>
+                  <a:latin typeface="+mj-lt"/>
+                  <a:ea typeface="+mj-ea"/>
+                  <a:cs typeface="+mj-cs"/>
+                </a:defRPr>
+              </a:lvl1pPr>
+              <a:lvl2pPr algn="l" rtl="0" eaLnBrk="0" fontAlgn="base" hangingPunct="0">
+                <a:spcBef>
+                  <a:spcPct val="0"/>
+                </a:spcBef>
+                <a:spcAft>
+                  <a:spcPct val="0"/>
+                </a:spcAft>
+                <a:defRPr kumimoji="1" sz="3200">
+                  <a:solidFill>
+                    <a:schemeClr val="tx2"/>
+                  </a:solidFill>
+                  <a:latin typeface="メイリオ" pitchFamily="50" charset="-128"/>
+                  <a:ea typeface="メイリオ" pitchFamily="50" charset="-128"/>
+                  <a:cs typeface="メイリオ" pitchFamily="50" charset="-128"/>
+                </a:defRPr>
+              </a:lvl2pPr>
+              <a:lvl3pPr algn="l" rtl="0" eaLnBrk="0" fontAlgn="base" hangingPunct="0">
+                <a:spcBef>
+                  <a:spcPct val="0"/>
+                </a:spcBef>
+                <a:spcAft>
+                  <a:spcPct val="0"/>
+                </a:spcAft>
+                <a:defRPr kumimoji="1" sz="3200">
+                  <a:solidFill>
+                    <a:schemeClr val="tx2"/>
+                  </a:solidFill>
+                  <a:latin typeface="メイリオ" pitchFamily="50" charset="-128"/>
+                  <a:ea typeface="メイリオ" pitchFamily="50" charset="-128"/>
+                  <a:cs typeface="メイリオ" pitchFamily="50" charset="-128"/>
+                </a:defRPr>
+              </a:lvl3pPr>
+              <a:lvl4pPr algn="l" rtl="0" eaLnBrk="0" fontAlgn="base" hangingPunct="0">
+                <a:spcBef>
+                  <a:spcPct val="0"/>
+                </a:spcBef>
+                <a:spcAft>
+                  <a:spcPct val="0"/>
+                </a:spcAft>
+                <a:defRPr kumimoji="1" sz="3200">
+                  <a:solidFill>
+                    <a:schemeClr val="tx2"/>
+                  </a:solidFill>
+                  <a:latin typeface="メイリオ" pitchFamily="50" charset="-128"/>
+                  <a:ea typeface="メイリオ" pitchFamily="50" charset="-128"/>
+                  <a:cs typeface="メイリオ" pitchFamily="50" charset="-128"/>
+                </a:defRPr>
+              </a:lvl4pPr>
+              <a:lvl5pPr algn="l" rtl="0" eaLnBrk="0" fontAlgn="base" hangingPunct="0">
+                <a:spcBef>
+                  <a:spcPct val="0"/>
+                </a:spcBef>
+                <a:spcAft>
+                  <a:spcPct val="0"/>
+                </a:spcAft>
+                <a:defRPr kumimoji="1" sz="3200">
+                  <a:solidFill>
+                    <a:schemeClr val="tx2"/>
+                  </a:solidFill>
+                  <a:latin typeface="メイリオ" pitchFamily="50" charset="-128"/>
+                  <a:ea typeface="メイリオ" pitchFamily="50" charset="-128"/>
+                  <a:cs typeface="メイリオ" pitchFamily="50" charset="-128"/>
+                </a:defRPr>
+              </a:lvl5pPr>
+              <a:lvl6pPr marL="457200" algn="l" rtl="0" fontAlgn="base">
+                <a:spcBef>
+                  <a:spcPct val="0"/>
+                </a:spcBef>
+                <a:spcAft>
+                  <a:spcPct val="0"/>
+                </a:spcAft>
+                <a:defRPr kumimoji="1" sz="3200">
+                  <a:solidFill>
+                    <a:schemeClr val="tx2"/>
+                  </a:solidFill>
+                  <a:latin typeface="メイリオ" pitchFamily="50" charset="-128"/>
+                  <a:ea typeface="メイリオ" pitchFamily="50" charset="-128"/>
+                  <a:cs typeface="メイリオ" pitchFamily="50" charset="-128"/>
+                </a:defRPr>
+              </a:lvl6pPr>
+              <a:lvl7pPr marL="914400" algn="l" rtl="0" fontAlgn="base">
+                <a:spcBef>
+                  <a:spcPct val="0"/>
+                </a:spcBef>
+                <a:spcAft>
+                  <a:spcPct val="0"/>
+                </a:spcAft>
+                <a:defRPr kumimoji="1" sz="3200">
+                  <a:solidFill>
+                    <a:schemeClr val="tx2"/>
+                  </a:solidFill>
+                  <a:latin typeface="メイリオ" pitchFamily="50" charset="-128"/>
+                  <a:ea typeface="メイリオ" pitchFamily="50" charset="-128"/>
+                  <a:cs typeface="メイリオ" pitchFamily="50" charset="-128"/>
+                </a:defRPr>
+              </a:lvl7pPr>
+              <a:lvl8pPr marL="1371600" algn="l" rtl="0" fontAlgn="base">
+                <a:spcBef>
+                  <a:spcPct val="0"/>
+                </a:spcBef>
+                <a:spcAft>
+                  <a:spcPct val="0"/>
+                </a:spcAft>
+                <a:defRPr kumimoji="1" sz="3200">
+                  <a:solidFill>
+                    <a:schemeClr val="tx2"/>
+                  </a:solidFill>
+                  <a:latin typeface="メイリオ" pitchFamily="50" charset="-128"/>
+                  <a:ea typeface="メイリオ" pitchFamily="50" charset="-128"/>
+                  <a:cs typeface="メイリオ" pitchFamily="50" charset="-128"/>
+                </a:defRPr>
+              </a:lvl8pPr>
+              <a:lvl9pPr marL="1828800" algn="l" rtl="0" fontAlgn="base">
+                <a:spcBef>
+                  <a:spcPct val="0"/>
+                </a:spcBef>
+                <a:spcAft>
+                  <a:spcPct val="0"/>
+                </a:spcAft>
+                <a:defRPr kumimoji="1" sz="3200">
+                  <a:solidFill>
+                    <a:schemeClr val="tx2"/>
+                  </a:solidFill>
+                  <a:latin typeface="メイリオ" pitchFamily="50" charset="-128"/>
+                  <a:ea typeface="メイリオ" pitchFamily="50" charset="-128"/>
+                  <a:cs typeface="メイリオ" pitchFamily="50" charset="-128"/>
+                </a:defRPr>
+              </a:lvl9pPr>
+            </a:lstStyle>
+            <a:p>
+              <a:pPr algn="ctr" defTabSz="924937"/>
+              <a:r>
+                <a:rPr lang="en-US" altLang="ja-JP" sz="1600" kern="0" dirty="0">
+                  <a:solidFill>
+                    <a:prstClr val="black"/>
+                  </a:solidFill>
+                  <a:latin typeface="Calibri"/>
+                  <a:ea typeface="ＭＳ Ｐゴシック" panose="020B0600070205080204" pitchFamily="50" charset="-128"/>
+                </a:rPr>
+                <a:t>DMA</a:t>
+              </a:r>
+            </a:p>
+          </p:txBody>
+        </p:sp>
+      </p:grpSp>
       <p:sp>
         <p:nvSpPr>
           <p:cNvPr id="354" name="タイトル 5"/>
@@ -5024,7 +7430,7 @@
         </p:nvSpPr>
         <p:spPr bwMode="auto">
           <a:xfrm rot="10800000">
-            <a:off x="1655321" y="8586904"/>
+            <a:off x="1655321" y="8615932"/>
             <a:ext cx="6018199" cy="485091"/>
           </a:xfrm>
           <a:prstGeom prst="rect">
@@ -5408,7 +7814,7 @@
         </p:nvSpPr>
         <p:spPr bwMode="auto">
           <a:xfrm rot="16200000">
-            <a:off x="-2713806" y="4326305"/>
+            <a:off x="-2728320" y="4326305"/>
             <a:ext cx="6018199" cy="499873"/>
           </a:xfrm>
           <a:prstGeom prst="rect">
@@ -5600,7 +8006,7 @@
         </p:nvSpPr>
         <p:spPr bwMode="auto">
           <a:xfrm>
-            <a:off x="1658193" y="74108"/>
+            <a:off x="1658193" y="59594"/>
             <a:ext cx="6018199" cy="479827"/>
           </a:xfrm>
           <a:prstGeom prst="rect">
@@ -5784,2414 +8190,16 @@
       </p:sp>
       <p:grpSp>
         <p:nvGrpSpPr>
-          <p:cNvPr id="277" name="グループ化 276"/>
-          <p:cNvGrpSpPr/>
+          <p:cNvPr id="266" name="グループ化 265"/>
+          <p:cNvGrpSpPr>
+            <a:grpSpLocks noChangeAspect="1"/>
+          </p:cNvGrpSpPr>
           <p:nvPr/>
         </p:nvGrpSpPr>
         <p:grpSpPr>
           <a:xfrm>
-            <a:off x="1609751" y="6022729"/>
-            <a:ext cx="4926304" cy="232111"/>
-            <a:chOff x="2411841" y="2692076"/>
-            <a:chExt cx="4869913" cy="229454"/>
-          </a:xfrm>
-          <a:solidFill>
-            <a:schemeClr val="bg1">
-              <a:lumMod val="95000"/>
-            </a:schemeClr>
-          </a:solidFill>
-        </p:grpSpPr>
-        <p:sp>
-          <p:nvSpPr>
-            <p:cNvPr id="278" name="タイトル 5"/>
-            <p:cNvSpPr txBox="1">
-              <a:spLocks/>
-            </p:cNvSpPr>
-            <p:nvPr/>
-          </p:nvSpPr>
-          <p:spPr bwMode="auto">
-            <a:xfrm>
-              <a:off x="2411841" y="2698243"/>
-              <a:ext cx="538271" cy="223287"/>
-            </a:xfrm>
-            <a:prstGeom prst="rect">
-              <a:avLst/>
-            </a:prstGeom>
-            <a:grpFill/>
-            <a:ln w="12700">
-              <a:solidFill>
-                <a:schemeClr val="tx1"/>
-              </a:solidFill>
-              <a:miter lim="800000"/>
-              <a:headEnd/>
-              <a:tailEnd/>
-            </a:ln>
-            <a:effectLst/>
-            <a:extLst/>
-          </p:spPr>
-          <p:txBody>
-            <a:bodyPr vert="horz" wrap="square" lIns="72834" tIns="46250" rIns="72834" bIns="46250" numCol="1" anchor="ctr" anchorCtr="0" compatLnSpc="1">
-              <a:prstTxWarp prst="textNoShape">
-                <a:avLst/>
-              </a:prstTxWarp>
-            </a:bodyPr>
-            <a:lstStyle>
-              <a:lvl1pPr algn="l" rtl="0" eaLnBrk="0" fontAlgn="base" hangingPunct="0">
-                <a:spcBef>
-                  <a:spcPct val="0"/>
-                </a:spcBef>
-                <a:spcAft>
-                  <a:spcPct val="0"/>
-                </a:spcAft>
-                <a:defRPr kumimoji="1" sz="3200">
-                  <a:solidFill>
-                    <a:schemeClr val="tx2"/>
-                  </a:solidFill>
-                  <a:latin typeface="+mj-lt"/>
-                  <a:ea typeface="+mj-ea"/>
-                  <a:cs typeface="+mj-cs"/>
-                </a:defRPr>
-              </a:lvl1pPr>
-              <a:lvl2pPr algn="l" rtl="0" eaLnBrk="0" fontAlgn="base" hangingPunct="0">
-                <a:spcBef>
-                  <a:spcPct val="0"/>
-                </a:spcBef>
-                <a:spcAft>
-                  <a:spcPct val="0"/>
-                </a:spcAft>
-                <a:defRPr kumimoji="1" sz="3200">
-                  <a:solidFill>
-                    <a:schemeClr val="tx2"/>
-                  </a:solidFill>
-                  <a:latin typeface="メイリオ" pitchFamily="50" charset="-128"/>
-                  <a:ea typeface="メイリオ" pitchFamily="50" charset="-128"/>
-                  <a:cs typeface="メイリオ" pitchFamily="50" charset="-128"/>
-                </a:defRPr>
-              </a:lvl2pPr>
-              <a:lvl3pPr algn="l" rtl="0" eaLnBrk="0" fontAlgn="base" hangingPunct="0">
-                <a:spcBef>
-                  <a:spcPct val="0"/>
-                </a:spcBef>
-                <a:spcAft>
-                  <a:spcPct val="0"/>
-                </a:spcAft>
-                <a:defRPr kumimoji="1" sz="3200">
-                  <a:solidFill>
-                    <a:schemeClr val="tx2"/>
-                  </a:solidFill>
-                  <a:latin typeface="メイリオ" pitchFamily="50" charset="-128"/>
-                  <a:ea typeface="メイリオ" pitchFamily="50" charset="-128"/>
-                  <a:cs typeface="メイリオ" pitchFamily="50" charset="-128"/>
-                </a:defRPr>
-              </a:lvl3pPr>
-              <a:lvl4pPr algn="l" rtl="0" eaLnBrk="0" fontAlgn="base" hangingPunct="0">
-                <a:spcBef>
-                  <a:spcPct val="0"/>
-                </a:spcBef>
-                <a:spcAft>
-                  <a:spcPct val="0"/>
-                </a:spcAft>
-                <a:defRPr kumimoji="1" sz="3200">
-                  <a:solidFill>
-                    <a:schemeClr val="tx2"/>
-                  </a:solidFill>
-                  <a:latin typeface="メイリオ" pitchFamily="50" charset="-128"/>
-                  <a:ea typeface="メイリオ" pitchFamily="50" charset="-128"/>
-                  <a:cs typeface="メイリオ" pitchFamily="50" charset="-128"/>
-                </a:defRPr>
-              </a:lvl4pPr>
-              <a:lvl5pPr algn="l" rtl="0" eaLnBrk="0" fontAlgn="base" hangingPunct="0">
-                <a:spcBef>
-                  <a:spcPct val="0"/>
-                </a:spcBef>
-                <a:spcAft>
-                  <a:spcPct val="0"/>
-                </a:spcAft>
-                <a:defRPr kumimoji="1" sz="3200">
-                  <a:solidFill>
-                    <a:schemeClr val="tx2"/>
-                  </a:solidFill>
-                  <a:latin typeface="メイリオ" pitchFamily="50" charset="-128"/>
-                  <a:ea typeface="メイリオ" pitchFamily="50" charset="-128"/>
-                  <a:cs typeface="メイリオ" pitchFamily="50" charset="-128"/>
-                </a:defRPr>
-              </a:lvl5pPr>
-              <a:lvl6pPr marL="457200" algn="l" rtl="0" fontAlgn="base">
-                <a:spcBef>
-                  <a:spcPct val="0"/>
-                </a:spcBef>
-                <a:spcAft>
-                  <a:spcPct val="0"/>
-                </a:spcAft>
-                <a:defRPr kumimoji="1" sz="3200">
-                  <a:solidFill>
-                    <a:schemeClr val="tx2"/>
-                  </a:solidFill>
-                  <a:latin typeface="メイリオ" pitchFamily="50" charset="-128"/>
-                  <a:ea typeface="メイリオ" pitchFamily="50" charset="-128"/>
-                  <a:cs typeface="メイリオ" pitchFamily="50" charset="-128"/>
-                </a:defRPr>
-              </a:lvl6pPr>
-              <a:lvl7pPr marL="914400" algn="l" rtl="0" fontAlgn="base">
-                <a:spcBef>
-                  <a:spcPct val="0"/>
-                </a:spcBef>
-                <a:spcAft>
-                  <a:spcPct val="0"/>
-                </a:spcAft>
-                <a:defRPr kumimoji="1" sz="3200">
-                  <a:solidFill>
-                    <a:schemeClr val="tx2"/>
-                  </a:solidFill>
-                  <a:latin typeface="メイリオ" pitchFamily="50" charset="-128"/>
-                  <a:ea typeface="メイリオ" pitchFamily="50" charset="-128"/>
-                  <a:cs typeface="メイリオ" pitchFamily="50" charset="-128"/>
-                </a:defRPr>
-              </a:lvl7pPr>
-              <a:lvl8pPr marL="1371600" algn="l" rtl="0" fontAlgn="base">
-                <a:spcBef>
-                  <a:spcPct val="0"/>
-                </a:spcBef>
-                <a:spcAft>
-                  <a:spcPct val="0"/>
-                </a:spcAft>
-                <a:defRPr kumimoji="1" sz="3200">
-                  <a:solidFill>
-                    <a:schemeClr val="tx2"/>
-                  </a:solidFill>
-                  <a:latin typeface="メイリオ" pitchFamily="50" charset="-128"/>
-                  <a:ea typeface="メイリオ" pitchFamily="50" charset="-128"/>
-                  <a:cs typeface="メイリオ" pitchFamily="50" charset="-128"/>
-                </a:defRPr>
-              </a:lvl8pPr>
-              <a:lvl9pPr marL="1828800" algn="l" rtl="0" fontAlgn="base">
-                <a:spcBef>
-                  <a:spcPct val="0"/>
-                </a:spcBef>
-                <a:spcAft>
-                  <a:spcPct val="0"/>
-                </a:spcAft>
-                <a:defRPr kumimoji="1" sz="3200">
-                  <a:solidFill>
-                    <a:schemeClr val="tx2"/>
-                  </a:solidFill>
-                  <a:latin typeface="メイリオ" pitchFamily="50" charset="-128"/>
-                  <a:ea typeface="メイリオ" pitchFamily="50" charset="-128"/>
-                  <a:cs typeface="メイリオ" pitchFamily="50" charset="-128"/>
-                </a:defRPr>
-              </a:lvl9pPr>
-            </a:lstStyle>
-            <a:p>
-              <a:pPr algn="ctr" defTabSz="924937"/>
-              <a:r>
-                <a:rPr lang="en-US" altLang="ja-JP" sz="1215" kern="0" dirty="0">
-                  <a:solidFill>
-                    <a:prstClr val="black"/>
-                  </a:solidFill>
-                  <a:latin typeface="Calibri"/>
-                  <a:ea typeface="ＭＳ Ｐゴシック" panose="020B0600070205080204" pitchFamily="50" charset="-128"/>
-                </a:rPr>
-                <a:t>DMA</a:t>
-              </a:r>
-            </a:p>
-          </p:txBody>
-        </p:sp>
-        <p:sp>
-          <p:nvSpPr>
-            <p:cNvPr id="279" name="タイトル 5"/>
-            <p:cNvSpPr txBox="1">
-              <a:spLocks/>
-            </p:cNvSpPr>
-            <p:nvPr/>
-          </p:nvSpPr>
-          <p:spPr bwMode="auto">
-            <a:xfrm>
-              <a:off x="3857516" y="2693083"/>
-              <a:ext cx="538271" cy="223287"/>
-            </a:xfrm>
-            <a:prstGeom prst="rect">
-              <a:avLst/>
-            </a:prstGeom>
-            <a:grpFill/>
-            <a:ln w="12700">
-              <a:solidFill>
-                <a:schemeClr val="tx1"/>
-              </a:solidFill>
-              <a:miter lim="800000"/>
-              <a:headEnd/>
-              <a:tailEnd/>
-            </a:ln>
-            <a:effectLst/>
-            <a:extLst/>
-          </p:spPr>
-          <p:txBody>
-            <a:bodyPr vert="horz" wrap="square" lIns="72834" tIns="46250" rIns="72834" bIns="46250" numCol="1" anchor="ctr" anchorCtr="0" compatLnSpc="1">
-              <a:prstTxWarp prst="textNoShape">
-                <a:avLst/>
-              </a:prstTxWarp>
-            </a:bodyPr>
-            <a:lstStyle>
-              <a:lvl1pPr algn="l" rtl="0" eaLnBrk="0" fontAlgn="base" hangingPunct="0">
-                <a:spcBef>
-                  <a:spcPct val="0"/>
-                </a:spcBef>
-                <a:spcAft>
-                  <a:spcPct val="0"/>
-                </a:spcAft>
-                <a:defRPr kumimoji="1" sz="3200">
-                  <a:solidFill>
-                    <a:schemeClr val="tx2"/>
-                  </a:solidFill>
-                  <a:latin typeface="+mj-lt"/>
-                  <a:ea typeface="+mj-ea"/>
-                  <a:cs typeface="+mj-cs"/>
-                </a:defRPr>
-              </a:lvl1pPr>
-              <a:lvl2pPr algn="l" rtl="0" eaLnBrk="0" fontAlgn="base" hangingPunct="0">
-                <a:spcBef>
-                  <a:spcPct val="0"/>
-                </a:spcBef>
-                <a:spcAft>
-                  <a:spcPct val="0"/>
-                </a:spcAft>
-                <a:defRPr kumimoji="1" sz="3200">
-                  <a:solidFill>
-                    <a:schemeClr val="tx2"/>
-                  </a:solidFill>
-                  <a:latin typeface="メイリオ" pitchFamily="50" charset="-128"/>
-                  <a:ea typeface="メイリオ" pitchFamily="50" charset="-128"/>
-                  <a:cs typeface="メイリオ" pitchFamily="50" charset="-128"/>
-                </a:defRPr>
-              </a:lvl2pPr>
-              <a:lvl3pPr algn="l" rtl="0" eaLnBrk="0" fontAlgn="base" hangingPunct="0">
-                <a:spcBef>
-                  <a:spcPct val="0"/>
-                </a:spcBef>
-                <a:spcAft>
-                  <a:spcPct val="0"/>
-                </a:spcAft>
-                <a:defRPr kumimoji="1" sz="3200">
-                  <a:solidFill>
-                    <a:schemeClr val="tx2"/>
-                  </a:solidFill>
-                  <a:latin typeface="メイリオ" pitchFamily="50" charset="-128"/>
-                  <a:ea typeface="メイリオ" pitchFamily="50" charset="-128"/>
-                  <a:cs typeface="メイリオ" pitchFamily="50" charset="-128"/>
-                </a:defRPr>
-              </a:lvl3pPr>
-              <a:lvl4pPr algn="l" rtl="0" eaLnBrk="0" fontAlgn="base" hangingPunct="0">
-                <a:spcBef>
-                  <a:spcPct val="0"/>
-                </a:spcBef>
-                <a:spcAft>
-                  <a:spcPct val="0"/>
-                </a:spcAft>
-                <a:defRPr kumimoji="1" sz="3200">
-                  <a:solidFill>
-                    <a:schemeClr val="tx2"/>
-                  </a:solidFill>
-                  <a:latin typeface="メイリオ" pitchFamily="50" charset="-128"/>
-                  <a:ea typeface="メイリオ" pitchFamily="50" charset="-128"/>
-                  <a:cs typeface="メイリオ" pitchFamily="50" charset="-128"/>
-                </a:defRPr>
-              </a:lvl4pPr>
-              <a:lvl5pPr algn="l" rtl="0" eaLnBrk="0" fontAlgn="base" hangingPunct="0">
-                <a:spcBef>
-                  <a:spcPct val="0"/>
-                </a:spcBef>
-                <a:spcAft>
-                  <a:spcPct val="0"/>
-                </a:spcAft>
-                <a:defRPr kumimoji="1" sz="3200">
-                  <a:solidFill>
-                    <a:schemeClr val="tx2"/>
-                  </a:solidFill>
-                  <a:latin typeface="メイリオ" pitchFamily="50" charset="-128"/>
-                  <a:ea typeface="メイリオ" pitchFamily="50" charset="-128"/>
-                  <a:cs typeface="メイリオ" pitchFamily="50" charset="-128"/>
-                </a:defRPr>
-              </a:lvl5pPr>
-              <a:lvl6pPr marL="457200" algn="l" rtl="0" fontAlgn="base">
-                <a:spcBef>
-                  <a:spcPct val="0"/>
-                </a:spcBef>
-                <a:spcAft>
-                  <a:spcPct val="0"/>
-                </a:spcAft>
-                <a:defRPr kumimoji="1" sz="3200">
-                  <a:solidFill>
-                    <a:schemeClr val="tx2"/>
-                  </a:solidFill>
-                  <a:latin typeface="メイリオ" pitchFamily="50" charset="-128"/>
-                  <a:ea typeface="メイリオ" pitchFamily="50" charset="-128"/>
-                  <a:cs typeface="メイリオ" pitchFamily="50" charset="-128"/>
-                </a:defRPr>
-              </a:lvl6pPr>
-              <a:lvl7pPr marL="914400" algn="l" rtl="0" fontAlgn="base">
-                <a:spcBef>
-                  <a:spcPct val="0"/>
-                </a:spcBef>
-                <a:spcAft>
-                  <a:spcPct val="0"/>
-                </a:spcAft>
-                <a:defRPr kumimoji="1" sz="3200">
-                  <a:solidFill>
-                    <a:schemeClr val="tx2"/>
-                  </a:solidFill>
-                  <a:latin typeface="メイリオ" pitchFamily="50" charset="-128"/>
-                  <a:ea typeface="メイリオ" pitchFamily="50" charset="-128"/>
-                  <a:cs typeface="メイリオ" pitchFamily="50" charset="-128"/>
-                </a:defRPr>
-              </a:lvl7pPr>
-              <a:lvl8pPr marL="1371600" algn="l" rtl="0" fontAlgn="base">
-                <a:spcBef>
-                  <a:spcPct val="0"/>
-                </a:spcBef>
-                <a:spcAft>
-                  <a:spcPct val="0"/>
-                </a:spcAft>
-                <a:defRPr kumimoji="1" sz="3200">
-                  <a:solidFill>
-                    <a:schemeClr val="tx2"/>
-                  </a:solidFill>
-                  <a:latin typeface="メイリオ" pitchFamily="50" charset="-128"/>
-                  <a:ea typeface="メイリオ" pitchFamily="50" charset="-128"/>
-                  <a:cs typeface="メイリオ" pitchFamily="50" charset="-128"/>
-                </a:defRPr>
-              </a:lvl8pPr>
-              <a:lvl9pPr marL="1828800" algn="l" rtl="0" fontAlgn="base">
-                <a:spcBef>
-                  <a:spcPct val="0"/>
-                </a:spcBef>
-                <a:spcAft>
-                  <a:spcPct val="0"/>
-                </a:spcAft>
-                <a:defRPr kumimoji="1" sz="3200">
-                  <a:solidFill>
-                    <a:schemeClr val="tx2"/>
-                  </a:solidFill>
-                  <a:latin typeface="メイリオ" pitchFamily="50" charset="-128"/>
-                  <a:ea typeface="メイリオ" pitchFamily="50" charset="-128"/>
-                  <a:cs typeface="メイリオ" pitchFamily="50" charset="-128"/>
-                </a:defRPr>
-              </a:lvl9pPr>
-            </a:lstStyle>
-            <a:p>
-              <a:pPr algn="ctr" defTabSz="924937"/>
-              <a:r>
-                <a:rPr lang="en-US" altLang="ja-JP" sz="1215" kern="0" dirty="0">
-                  <a:solidFill>
-                    <a:prstClr val="black"/>
-                  </a:solidFill>
-                  <a:latin typeface="Calibri"/>
-                  <a:ea typeface="ＭＳ Ｐゴシック" panose="020B0600070205080204" pitchFamily="50" charset="-128"/>
-                </a:rPr>
-                <a:t>DMA</a:t>
-              </a:r>
-            </a:p>
-          </p:txBody>
-        </p:sp>
-        <p:sp>
-          <p:nvSpPr>
-            <p:cNvPr id="280" name="タイトル 5"/>
-            <p:cNvSpPr txBox="1">
-              <a:spLocks/>
-            </p:cNvSpPr>
-            <p:nvPr/>
-          </p:nvSpPr>
-          <p:spPr bwMode="auto">
-            <a:xfrm>
-              <a:off x="6743483" y="2696684"/>
-              <a:ext cx="538271" cy="223287"/>
-            </a:xfrm>
-            <a:prstGeom prst="rect">
-              <a:avLst/>
-            </a:prstGeom>
-            <a:grpFill/>
-            <a:ln w="12700">
-              <a:solidFill>
-                <a:schemeClr val="tx1"/>
-              </a:solidFill>
-              <a:miter lim="800000"/>
-              <a:headEnd/>
-              <a:tailEnd/>
-            </a:ln>
-            <a:effectLst/>
-            <a:extLst/>
-          </p:spPr>
-          <p:txBody>
-            <a:bodyPr vert="horz" wrap="square" lIns="72834" tIns="46250" rIns="72834" bIns="46250" numCol="1" anchor="ctr" anchorCtr="0" compatLnSpc="1">
-              <a:prstTxWarp prst="textNoShape">
-                <a:avLst/>
-              </a:prstTxWarp>
-            </a:bodyPr>
-            <a:lstStyle>
-              <a:lvl1pPr algn="l" rtl="0" eaLnBrk="0" fontAlgn="base" hangingPunct="0">
-                <a:spcBef>
-                  <a:spcPct val="0"/>
-                </a:spcBef>
-                <a:spcAft>
-                  <a:spcPct val="0"/>
-                </a:spcAft>
-                <a:defRPr kumimoji="1" sz="3200">
-                  <a:solidFill>
-                    <a:schemeClr val="tx2"/>
-                  </a:solidFill>
-                  <a:latin typeface="+mj-lt"/>
-                  <a:ea typeface="+mj-ea"/>
-                  <a:cs typeface="+mj-cs"/>
-                </a:defRPr>
-              </a:lvl1pPr>
-              <a:lvl2pPr algn="l" rtl="0" eaLnBrk="0" fontAlgn="base" hangingPunct="0">
-                <a:spcBef>
-                  <a:spcPct val="0"/>
-                </a:spcBef>
-                <a:spcAft>
-                  <a:spcPct val="0"/>
-                </a:spcAft>
-                <a:defRPr kumimoji="1" sz="3200">
-                  <a:solidFill>
-                    <a:schemeClr val="tx2"/>
-                  </a:solidFill>
-                  <a:latin typeface="メイリオ" pitchFamily="50" charset="-128"/>
-                  <a:ea typeface="メイリオ" pitchFamily="50" charset="-128"/>
-                  <a:cs typeface="メイリオ" pitchFamily="50" charset="-128"/>
-                </a:defRPr>
-              </a:lvl2pPr>
-              <a:lvl3pPr algn="l" rtl="0" eaLnBrk="0" fontAlgn="base" hangingPunct="0">
-                <a:spcBef>
-                  <a:spcPct val="0"/>
-                </a:spcBef>
-                <a:spcAft>
-                  <a:spcPct val="0"/>
-                </a:spcAft>
-                <a:defRPr kumimoji="1" sz="3200">
-                  <a:solidFill>
-                    <a:schemeClr val="tx2"/>
-                  </a:solidFill>
-                  <a:latin typeface="メイリオ" pitchFamily="50" charset="-128"/>
-                  <a:ea typeface="メイリオ" pitchFamily="50" charset="-128"/>
-                  <a:cs typeface="メイリオ" pitchFamily="50" charset="-128"/>
-                </a:defRPr>
-              </a:lvl3pPr>
-              <a:lvl4pPr algn="l" rtl="0" eaLnBrk="0" fontAlgn="base" hangingPunct="0">
-                <a:spcBef>
-                  <a:spcPct val="0"/>
-                </a:spcBef>
-                <a:spcAft>
-                  <a:spcPct val="0"/>
-                </a:spcAft>
-                <a:defRPr kumimoji="1" sz="3200">
-                  <a:solidFill>
-                    <a:schemeClr val="tx2"/>
-                  </a:solidFill>
-                  <a:latin typeface="メイリオ" pitchFamily="50" charset="-128"/>
-                  <a:ea typeface="メイリオ" pitchFamily="50" charset="-128"/>
-                  <a:cs typeface="メイリオ" pitchFamily="50" charset="-128"/>
-                </a:defRPr>
-              </a:lvl4pPr>
-              <a:lvl5pPr algn="l" rtl="0" eaLnBrk="0" fontAlgn="base" hangingPunct="0">
-                <a:spcBef>
-                  <a:spcPct val="0"/>
-                </a:spcBef>
-                <a:spcAft>
-                  <a:spcPct val="0"/>
-                </a:spcAft>
-                <a:defRPr kumimoji="1" sz="3200">
-                  <a:solidFill>
-                    <a:schemeClr val="tx2"/>
-                  </a:solidFill>
-                  <a:latin typeface="メイリオ" pitchFamily="50" charset="-128"/>
-                  <a:ea typeface="メイリオ" pitchFamily="50" charset="-128"/>
-                  <a:cs typeface="メイリオ" pitchFamily="50" charset="-128"/>
-                </a:defRPr>
-              </a:lvl5pPr>
-              <a:lvl6pPr marL="457200" algn="l" rtl="0" fontAlgn="base">
-                <a:spcBef>
-                  <a:spcPct val="0"/>
-                </a:spcBef>
-                <a:spcAft>
-                  <a:spcPct val="0"/>
-                </a:spcAft>
-                <a:defRPr kumimoji="1" sz="3200">
-                  <a:solidFill>
-                    <a:schemeClr val="tx2"/>
-                  </a:solidFill>
-                  <a:latin typeface="メイリオ" pitchFamily="50" charset="-128"/>
-                  <a:ea typeface="メイリオ" pitchFamily="50" charset="-128"/>
-                  <a:cs typeface="メイリオ" pitchFamily="50" charset="-128"/>
-                </a:defRPr>
-              </a:lvl6pPr>
-              <a:lvl7pPr marL="914400" algn="l" rtl="0" fontAlgn="base">
-                <a:spcBef>
-                  <a:spcPct val="0"/>
-                </a:spcBef>
-                <a:spcAft>
-                  <a:spcPct val="0"/>
-                </a:spcAft>
-                <a:defRPr kumimoji="1" sz="3200">
-                  <a:solidFill>
-                    <a:schemeClr val="tx2"/>
-                  </a:solidFill>
-                  <a:latin typeface="メイリオ" pitchFamily="50" charset="-128"/>
-                  <a:ea typeface="メイリオ" pitchFamily="50" charset="-128"/>
-                  <a:cs typeface="メイリオ" pitchFamily="50" charset="-128"/>
-                </a:defRPr>
-              </a:lvl7pPr>
-              <a:lvl8pPr marL="1371600" algn="l" rtl="0" fontAlgn="base">
-                <a:spcBef>
-                  <a:spcPct val="0"/>
-                </a:spcBef>
-                <a:spcAft>
-                  <a:spcPct val="0"/>
-                </a:spcAft>
-                <a:defRPr kumimoji="1" sz="3200">
-                  <a:solidFill>
-                    <a:schemeClr val="tx2"/>
-                  </a:solidFill>
-                  <a:latin typeface="メイリオ" pitchFamily="50" charset="-128"/>
-                  <a:ea typeface="メイリオ" pitchFamily="50" charset="-128"/>
-                  <a:cs typeface="メイリオ" pitchFamily="50" charset="-128"/>
-                </a:defRPr>
-              </a:lvl8pPr>
-              <a:lvl9pPr marL="1828800" algn="l" rtl="0" fontAlgn="base">
-                <a:spcBef>
-                  <a:spcPct val="0"/>
-                </a:spcBef>
-                <a:spcAft>
-                  <a:spcPct val="0"/>
-                </a:spcAft>
-                <a:defRPr kumimoji="1" sz="3200">
-                  <a:solidFill>
-                    <a:schemeClr val="tx2"/>
-                  </a:solidFill>
-                  <a:latin typeface="メイリオ" pitchFamily="50" charset="-128"/>
-                  <a:ea typeface="メイリオ" pitchFamily="50" charset="-128"/>
-                  <a:cs typeface="メイリオ" pitchFamily="50" charset="-128"/>
-                </a:defRPr>
-              </a:lvl9pPr>
-            </a:lstStyle>
-            <a:p>
-              <a:pPr algn="ctr" defTabSz="924937"/>
-              <a:r>
-                <a:rPr lang="en-US" altLang="ja-JP" sz="1215" kern="0" dirty="0">
-                  <a:solidFill>
-                    <a:prstClr val="black"/>
-                  </a:solidFill>
-                  <a:latin typeface="Calibri"/>
-                  <a:ea typeface="ＭＳ Ｐゴシック" panose="020B0600070205080204" pitchFamily="50" charset="-128"/>
-                </a:rPr>
-                <a:t>DMA</a:t>
-              </a:r>
-            </a:p>
-          </p:txBody>
-        </p:sp>
-        <p:sp>
-          <p:nvSpPr>
-            <p:cNvPr id="281" name="タイトル 5"/>
-            <p:cNvSpPr txBox="1">
-              <a:spLocks/>
-            </p:cNvSpPr>
-            <p:nvPr/>
-          </p:nvSpPr>
-          <p:spPr bwMode="auto">
-            <a:xfrm>
-              <a:off x="5302343" y="2692076"/>
-              <a:ext cx="538271" cy="223287"/>
-            </a:xfrm>
-            <a:prstGeom prst="rect">
-              <a:avLst/>
-            </a:prstGeom>
-            <a:grpFill/>
-            <a:ln w="12700">
-              <a:solidFill>
-                <a:schemeClr val="tx1"/>
-              </a:solidFill>
-              <a:miter lim="800000"/>
-              <a:headEnd/>
-              <a:tailEnd/>
-            </a:ln>
-            <a:effectLst/>
-            <a:extLst/>
-          </p:spPr>
-          <p:txBody>
-            <a:bodyPr vert="horz" wrap="square" lIns="72834" tIns="46250" rIns="72834" bIns="46250" numCol="1" anchor="ctr" anchorCtr="0" compatLnSpc="1">
-              <a:prstTxWarp prst="textNoShape">
-                <a:avLst/>
-              </a:prstTxWarp>
-            </a:bodyPr>
-            <a:lstStyle>
-              <a:lvl1pPr algn="l" rtl="0" eaLnBrk="0" fontAlgn="base" hangingPunct="0">
-                <a:spcBef>
-                  <a:spcPct val="0"/>
-                </a:spcBef>
-                <a:spcAft>
-                  <a:spcPct val="0"/>
-                </a:spcAft>
-                <a:defRPr kumimoji="1" sz="3200">
-                  <a:solidFill>
-                    <a:schemeClr val="tx2"/>
-                  </a:solidFill>
-                  <a:latin typeface="+mj-lt"/>
-                  <a:ea typeface="+mj-ea"/>
-                  <a:cs typeface="+mj-cs"/>
-                </a:defRPr>
-              </a:lvl1pPr>
-              <a:lvl2pPr algn="l" rtl="0" eaLnBrk="0" fontAlgn="base" hangingPunct="0">
-                <a:spcBef>
-                  <a:spcPct val="0"/>
-                </a:spcBef>
-                <a:spcAft>
-                  <a:spcPct val="0"/>
-                </a:spcAft>
-                <a:defRPr kumimoji="1" sz="3200">
-                  <a:solidFill>
-                    <a:schemeClr val="tx2"/>
-                  </a:solidFill>
-                  <a:latin typeface="メイリオ" pitchFamily="50" charset="-128"/>
-                  <a:ea typeface="メイリオ" pitchFamily="50" charset="-128"/>
-                  <a:cs typeface="メイリオ" pitchFamily="50" charset="-128"/>
-                </a:defRPr>
-              </a:lvl2pPr>
-              <a:lvl3pPr algn="l" rtl="0" eaLnBrk="0" fontAlgn="base" hangingPunct="0">
-                <a:spcBef>
-                  <a:spcPct val="0"/>
-                </a:spcBef>
-                <a:spcAft>
-                  <a:spcPct val="0"/>
-                </a:spcAft>
-                <a:defRPr kumimoji="1" sz="3200">
-                  <a:solidFill>
-                    <a:schemeClr val="tx2"/>
-                  </a:solidFill>
-                  <a:latin typeface="メイリオ" pitchFamily="50" charset="-128"/>
-                  <a:ea typeface="メイリオ" pitchFamily="50" charset="-128"/>
-                  <a:cs typeface="メイリオ" pitchFamily="50" charset="-128"/>
-                </a:defRPr>
-              </a:lvl3pPr>
-              <a:lvl4pPr algn="l" rtl="0" eaLnBrk="0" fontAlgn="base" hangingPunct="0">
-                <a:spcBef>
-                  <a:spcPct val="0"/>
-                </a:spcBef>
-                <a:spcAft>
-                  <a:spcPct val="0"/>
-                </a:spcAft>
-                <a:defRPr kumimoji="1" sz="3200">
-                  <a:solidFill>
-                    <a:schemeClr val="tx2"/>
-                  </a:solidFill>
-                  <a:latin typeface="メイリオ" pitchFamily="50" charset="-128"/>
-                  <a:ea typeface="メイリオ" pitchFamily="50" charset="-128"/>
-                  <a:cs typeface="メイリオ" pitchFamily="50" charset="-128"/>
-                </a:defRPr>
-              </a:lvl4pPr>
-              <a:lvl5pPr algn="l" rtl="0" eaLnBrk="0" fontAlgn="base" hangingPunct="0">
-                <a:spcBef>
-                  <a:spcPct val="0"/>
-                </a:spcBef>
-                <a:spcAft>
-                  <a:spcPct val="0"/>
-                </a:spcAft>
-                <a:defRPr kumimoji="1" sz="3200">
-                  <a:solidFill>
-                    <a:schemeClr val="tx2"/>
-                  </a:solidFill>
-                  <a:latin typeface="メイリオ" pitchFamily="50" charset="-128"/>
-                  <a:ea typeface="メイリオ" pitchFamily="50" charset="-128"/>
-                  <a:cs typeface="メイリオ" pitchFamily="50" charset="-128"/>
-                </a:defRPr>
-              </a:lvl5pPr>
-              <a:lvl6pPr marL="457200" algn="l" rtl="0" fontAlgn="base">
-                <a:spcBef>
-                  <a:spcPct val="0"/>
-                </a:spcBef>
-                <a:spcAft>
-                  <a:spcPct val="0"/>
-                </a:spcAft>
-                <a:defRPr kumimoji="1" sz="3200">
-                  <a:solidFill>
-                    <a:schemeClr val="tx2"/>
-                  </a:solidFill>
-                  <a:latin typeface="メイリオ" pitchFamily="50" charset="-128"/>
-                  <a:ea typeface="メイリオ" pitchFamily="50" charset="-128"/>
-                  <a:cs typeface="メイリオ" pitchFamily="50" charset="-128"/>
-                </a:defRPr>
-              </a:lvl6pPr>
-              <a:lvl7pPr marL="914400" algn="l" rtl="0" fontAlgn="base">
-                <a:spcBef>
-                  <a:spcPct val="0"/>
-                </a:spcBef>
-                <a:spcAft>
-                  <a:spcPct val="0"/>
-                </a:spcAft>
-                <a:defRPr kumimoji="1" sz="3200">
-                  <a:solidFill>
-                    <a:schemeClr val="tx2"/>
-                  </a:solidFill>
-                  <a:latin typeface="メイリオ" pitchFamily="50" charset="-128"/>
-                  <a:ea typeface="メイリオ" pitchFamily="50" charset="-128"/>
-                  <a:cs typeface="メイリオ" pitchFamily="50" charset="-128"/>
-                </a:defRPr>
-              </a:lvl7pPr>
-              <a:lvl8pPr marL="1371600" algn="l" rtl="0" fontAlgn="base">
-                <a:spcBef>
-                  <a:spcPct val="0"/>
-                </a:spcBef>
-                <a:spcAft>
-                  <a:spcPct val="0"/>
-                </a:spcAft>
-                <a:defRPr kumimoji="1" sz="3200">
-                  <a:solidFill>
-                    <a:schemeClr val="tx2"/>
-                  </a:solidFill>
-                  <a:latin typeface="メイリオ" pitchFamily="50" charset="-128"/>
-                  <a:ea typeface="メイリオ" pitchFamily="50" charset="-128"/>
-                  <a:cs typeface="メイリオ" pitchFamily="50" charset="-128"/>
-                </a:defRPr>
-              </a:lvl8pPr>
-              <a:lvl9pPr marL="1828800" algn="l" rtl="0" fontAlgn="base">
-                <a:spcBef>
-                  <a:spcPct val="0"/>
-                </a:spcBef>
-                <a:spcAft>
-                  <a:spcPct val="0"/>
-                </a:spcAft>
-                <a:defRPr kumimoji="1" sz="3200">
-                  <a:solidFill>
-                    <a:schemeClr val="tx2"/>
-                  </a:solidFill>
-                  <a:latin typeface="メイリオ" pitchFamily="50" charset="-128"/>
-                  <a:ea typeface="メイリオ" pitchFamily="50" charset="-128"/>
-                  <a:cs typeface="メイリオ" pitchFamily="50" charset="-128"/>
-                </a:defRPr>
-              </a:lvl9pPr>
-            </a:lstStyle>
-            <a:p>
-              <a:pPr algn="ctr" defTabSz="924937"/>
-              <a:r>
-                <a:rPr lang="en-US" altLang="ja-JP" sz="1215" kern="0" dirty="0">
-                  <a:solidFill>
-                    <a:prstClr val="black"/>
-                  </a:solidFill>
-                  <a:latin typeface="Calibri"/>
-                  <a:ea typeface="ＭＳ Ｐゴシック" panose="020B0600070205080204" pitchFamily="50" charset="-128"/>
-                </a:rPr>
-                <a:t>DMA</a:t>
-              </a:r>
-            </a:p>
-          </p:txBody>
-        </p:sp>
-      </p:grpSp>
-      <p:grpSp>
-        <p:nvGrpSpPr>
-          <p:cNvPr id="272" name="グループ化 271"/>
-          <p:cNvGrpSpPr/>
-          <p:nvPr/>
-        </p:nvGrpSpPr>
-        <p:grpSpPr>
-          <a:xfrm>
-            <a:off x="1612541" y="4576241"/>
-            <a:ext cx="4926304" cy="232111"/>
-            <a:chOff x="2411841" y="2692076"/>
-            <a:chExt cx="4869913" cy="229454"/>
-          </a:xfrm>
-          <a:solidFill>
-            <a:schemeClr val="bg1">
-              <a:lumMod val="95000"/>
-            </a:schemeClr>
-          </a:solidFill>
-        </p:grpSpPr>
-        <p:sp>
-          <p:nvSpPr>
-            <p:cNvPr id="274" name="タイトル 5"/>
-            <p:cNvSpPr txBox="1">
-              <a:spLocks/>
-            </p:cNvSpPr>
-            <p:nvPr/>
-          </p:nvSpPr>
-          <p:spPr bwMode="auto">
-            <a:xfrm>
-              <a:off x="2411841" y="2698243"/>
-              <a:ext cx="538271" cy="223287"/>
-            </a:xfrm>
-            <a:prstGeom prst="rect">
-              <a:avLst/>
-            </a:prstGeom>
-            <a:grpFill/>
-            <a:ln w="12700">
-              <a:solidFill>
-                <a:schemeClr val="tx1"/>
-              </a:solidFill>
-              <a:miter lim="800000"/>
-              <a:headEnd/>
-              <a:tailEnd/>
-            </a:ln>
-            <a:effectLst/>
-            <a:extLst/>
-          </p:spPr>
-          <p:txBody>
-            <a:bodyPr vert="horz" wrap="square" lIns="72834" tIns="46250" rIns="72834" bIns="46250" numCol="1" anchor="ctr" anchorCtr="0" compatLnSpc="1">
-              <a:prstTxWarp prst="textNoShape">
-                <a:avLst/>
-              </a:prstTxWarp>
-            </a:bodyPr>
-            <a:lstStyle>
-              <a:lvl1pPr algn="l" rtl="0" eaLnBrk="0" fontAlgn="base" hangingPunct="0">
-                <a:spcBef>
-                  <a:spcPct val="0"/>
-                </a:spcBef>
-                <a:spcAft>
-                  <a:spcPct val="0"/>
-                </a:spcAft>
-                <a:defRPr kumimoji="1" sz="3200">
-                  <a:solidFill>
-                    <a:schemeClr val="tx2"/>
-                  </a:solidFill>
-                  <a:latin typeface="+mj-lt"/>
-                  <a:ea typeface="+mj-ea"/>
-                  <a:cs typeface="+mj-cs"/>
-                </a:defRPr>
-              </a:lvl1pPr>
-              <a:lvl2pPr algn="l" rtl="0" eaLnBrk="0" fontAlgn="base" hangingPunct="0">
-                <a:spcBef>
-                  <a:spcPct val="0"/>
-                </a:spcBef>
-                <a:spcAft>
-                  <a:spcPct val="0"/>
-                </a:spcAft>
-                <a:defRPr kumimoji="1" sz="3200">
-                  <a:solidFill>
-                    <a:schemeClr val="tx2"/>
-                  </a:solidFill>
-                  <a:latin typeface="メイリオ" pitchFamily="50" charset="-128"/>
-                  <a:ea typeface="メイリオ" pitchFamily="50" charset="-128"/>
-                  <a:cs typeface="メイリオ" pitchFamily="50" charset="-128"/>
-                </a:defRPr>
-              </a:lvl2pPr>
-              <a:lvl3pPr algn="l" rtl="0" eaLnBrk="0" fontAlgn="base" hangingPunct="0">
-                <a:spcBef>
-                  <a:spcPct val="0"/>
-                </a:spcBef>
-                <a:spcAft>
-                  <a:spcPct val="0"/>
-                </a:spcAft>
-                <a:defRPr kumimoji="1" sz="3200">
-                  <a:solidFill>
-                    <a:schemeClr val="tx2"/>
-                  </a:solidFill>
-                  <a:latin typeface="メイリオ" pitchFamily="50" charset="-128"/>
-                  <a:ea typeface="メイリオ" pitchFamily="50" charset="-128"/>
-                  <a:cs typeface="メイリオ" pitchFamily="50" charset="-128"/>
-                </a:defRPr>
-              </a:lvl3pPr>
-              <a:lvl4pPr algn="l" rtl="0" eaLnBrk="0" fontAlgn="base" hangingPunct="0">
-                <a:spcBef>
-                  <a:spcPct val="0"/>
-                </a:spcBef>
-                <a:spcAft>
-                  <a:spcPct val="0"/>
-                </a:spcAft>
-                <a:defRPr kumimoji="1" sz="3200">
-                  <a:solidFill>
-                    <a:schemeClr val="tx2"/>
-                  </a:solidFill>
-                  <a:latin typeface="メイリオ" pitchFamily="50" charset="-128"/>
-                  <a:ea typeface="メイリオ" pitchFamily="50" charset="-128"/>
-                  <a:cs typeface="メイリオ" pitchFamily="50" charset="-128"/>
-                </a:defRPr>
-              </a:lvl4pPr>
-              <a:lvl5pPr algn="l" rtl="0" eaLnBrk="0" fontAlgn="base" hangingPunct="0">
-                <a:spcBef>
-                  <a:spcPct val="0"/>
-                </a:spcBef>
-                <a:spcAft>
-                  <a:spcPct val="0"/>
-                </a:spcAft>
-                <a:defRPr kumimoji="1" sz="3200">
-                  <a:solidFill>
-                    <a:schemeClr val="tx2"/>
-                  </a:solidFill>
-                  <a:latin typeface="メイリオ" pitchFamily="50" charset="-128"/>
-                  <a:ea typeface="メイリオ" pitchFamily="50" charset="-128"/>
-                  <a:cs typeface="メイリオ" pitchFamily="50" charset="-128"/>
-                </a:defRPr>
-              </a:lvl5pPr>
-              <a:lvl6pPr marL="457200" algn="l" rtl="0" fontAlgn="base">
-                <a:spcBef>
-                  <a:spcPct val="0"/>
-                </a:spcBef>
-                <a:spcAft>
-                  <a:spcPct val="0"/>
-                </a:spcAft>
-                <a:defRPr kumimoji="1" sz="3200">
-                  <a:solidFill>
-                    <a:schemeClr val="tx2"/>
-                  </a:solidFill>
-                  <a:latin typeface="メイリオ" pitchFamily="50" charset="-128"/>
-                  <a:ea typeface="メイリオ" pitchFamily="50" charset="-128"/>
-                  <a:cs typeface="メイリオ" pitchFamily="50" charset="-128"/>
-                </a:defRPr>
-              </a:lvl6pPr>
-              <a:lvl7pPr marL="914400" algn="l" rtl="0" fontAlgn="base">
-                <a:spcBef>
-                  <a:spcPct val="0"/>
-                </a:spcBef>
-                <a:spcAft>
-                  <a:spcPct val="0"/>
-                </a:spcAft>
-                <a:defRPr kumimoji="1" sz="3200">
-                  <a:solidFill>
-                    <a:schemeClr val="tx2"/>
-                  </a:solidFill>
-                  <a:latin typeface="メイリオ" pitchFamily="50" charset="-128"/>
-                  <a:ea typeface="メイリオ" pitchFamily="50" charset="-128"/>
-                  <a:cs typeface="メイリオ" pitchFamily="50" charset="-128"/>
-                </a:defRPr>
-              </a:lvl7pPr>
-              <a:lvl8pPr marL="1371600" algn="l" rtl="0" fontAlgn="base">
-                <a:spcBef>
-                  <a:spcPct val="0"/>
-                </a:spcBef>
-                <a:spcAft>
-                  <a:spcPct val="0"/>
-                </a:spcAft>
-                <a:defRPr kumimoji="1" sz="3200">
-                  <a:solidFill>
-                    <a:schemeClr val="tx2"/>
-                  </a:solidFill>
-                  <a:latin typeface="メイリオ" pitchFamily="50" charset="-128"/>
-                  <a:ea typeface="メイリオ" pitchFamily="50" charset="-128"/>
-                  <a:cs typeface="メイリオ" pitchFamily="50" charset="-128"/>
-                </a:defRPr>
-              </a:lvl8pPr>
-              <a:lvl9pPr marL="1828800" algn="l" rtl="0" fontAlgn="base">
-                <a:spcBef>
-                  <a:spcPct val="0"/>
-                </a:spcBef>
-                <a:spcAft>
-                  <a:spcPct val="0"/>
-                </a:spcAft>
-                <a:defRPr kumimoji="1" sz="3200">
-                  <a:solidFill>
-                    <a:schemeClr val="tx2"/>
-                  </a:solidFill>
-                  <a:latin typeface="メイリオ" pitchFamily="50" charset="-128"/>
-                  <a:ea typeface="メイリオ" pitchFamily="50" charset="-128"/>
-                  <a:cs typeface="メイリオ" pitchFamily="50" charset="-128"/>
-                </a:defRPr>
-              </a:lvl9pPr>
-            </a:lstStyle>
-            <a:p>
-              <a:pPr algn="ctr" defTabSz="924937"/>
-              <a:r>
-                <a:rPr lang="en-US" altLang="ja-JP" sz="1215" kern="0" dirty="0">
-                  <a:solidFill>
-                    <a:prstClr val="black"/>
-                  </a:solidFill>
-                  <a:latin typeface="Calibri"/>
-                  <a:ea typeface="ＭＳ Ｐゴシック" panose="020B0600070205080204" pitchFamily="50" charset="-128"/>
-                </a:rPr>
-                <a:t>DMA</a:t>
-              </a:r>
-            </a:p>
-          </p:txBody>
-        </p:sp>
-        <p:sp>
-          <p:nvSpPr>
-            <p:cNvPr id="273" name="タイトル 5"/>
-            <p:cNvSpPr txBox="1">
-              <a:spLocks/>
-            </p:cNvSpPr>
-            <p:nvPr/>
-          </p:nvSpPr>
-          <p:spPr bwMode="auto">
-            <a:xfrm>
-              <a:off x="3857516" y="2693083"/>
-              <a:ext cx="538271" cy="223287"/>
-            </a:xfrm>
-            <a:prstGeom prst="rect">
-              <a:avLst/>
-            </a:prstGeom>
-            <a:grpFill/>
-            <a:ln w="12700">
-              <a:solidFill>
-                <a:schemeClr val="tx1"/>
-              </a:solidFill>
-              <a:miter lim="800000"/>
-              <a:headEnd/>
-              <a:tailEnd/>
-            </a:ln>
-            <a:effectLst/>
-            <a:extLst/>
-          </p:spPr>
-          <p:txBody>
-            <a:bodyPr vert="horz" wrap="square" lIns="72834" tIns="46250" rIns="72834" bIns="46250" numCol="1" anchor="ctr" anchorCtr="0" compatLnSpc="1">
-              <a:prstTxWarp prst="textNoShape">
-                <a:avLst/>
-              </a:prstTxWarp>
-            </a:bodyPr>
-            <a:lstStyle>
-              <a:lvl1pPr algn="l" rtl="0" eaLnBrk="0" fontAlgn="base" hangingPunct="0">
-                <a:spcBef>
-                  <a:spcPct val="0"/>
-                </a:spcBef>
-                <a:spcAft>
-                  <a:spcPct val="0"/>
-                </a:spcAft>
-                <a:defRPr kumimoji="1" sz="3200">
-                  <a:solidFill>
-                    <a:schemeClr val="tx2"/>
-                  </a:solidFill>
-                  <a:latin typeface="+mj-lt"/>
-                  <a:ea typeface="+mj-ea"/>
-                  <a:cs typeface="+mj-cs"/>
-                </a:defRPr>
-              </a:lvl1pPr>
-              <a:lvl2pPr algn="l" rtl="0" eaLnBrk="0" fontAlgn="base" hangingPunct="0">
-                <a:spcBef>
-                  <a:spcPct val="0"/>
-                </a:spcBef>
-                <a:spcAft>
-                  <a:spcPct val="0"/>
-                </a:spcAft>
-                <a:defRPr kumimoji="1" sz="3200">
-                  <a:solidFill>
-                    <a:schemeClr val="tx2"/>
-                  </a:solidFill>
-                  <a:latin typeface="メイリオ" pitchFamily="50" charset="-128"/>
-                  <a:ea typeface="メイリオ" pitchFamily="50" charset="-128"/>
-                  <a:cs typeface="メイリオ" pitchFamily="50" charset="-128"/>
-                </a:defRPr>
-              </a:lvl2pPr>
-              <a:lvl3pPr algn="l" rtl="0" eaLnBrk="0" fontAlgn="base" hangingPunct="0">
-                <a:spcBef>
-                  <a:spcPct val="0"/>
-                </a:spcBef>
-                <a:spcAft>
-                  <a:spcPct val="0"/>
-                </a:spcAft>
-                <a:defRPr kumimoji="1" sz="3200">
-                  <a:solidFill>
-                    <a:schemeClr val="tx2"/>
-                  </a:solidFill>
-                  <a:latin typeface="メイリオ" pitchFamily="50" charset="-128"/>
-                  <a:ea typeface="メイリオ" pitchFamily="50" charset="-128"/>
-                  <a:cs typeface="メイリオ" pitchFamily="50" charset="-128"/>
-                </a:defRPr>
-              </a:lvl3pPr>
-              <a:lvl4pPr algn="l" rtl="0" eaLnBrk="0" fontAlgn="base" hangingPunct="0">
-                <a:spcBef>
-                  <a:spcPct val="0"/>
-                </a:spcBef>
-                <a:spcAft>
-                  <a:spcPct val="0"/>
-                </a:spcAft>
-                <a:defRPr kumimoji="1" sz="3200">
-                  <a:solidFill>
-                    <a:schemeClr val="tx2"/>
-                  </a:solidFill>
-                  <a:latin typeface="メイリオ" pitchFamily="50" charset="-128"/>
-                  <a:ea typeface="メイリオ" pitchFamily="50" charset="-128"/>
-                  <a:cs typeface="メイリオ" pitchFamily="50" charset="-128"/>
-                </a:defRPr>
-              </a:lvl4pPr>
-              <a:lvl5pPr algn="l" rtl="0" eaLnBrk="0" fontAlgn="base" hangingPunct="0">
-                <a:spcBef>
-                  <a:spcPct val="0"/>
-                </a:spcBef>
-                <a:spcAft>
-                  <a:spcPct val="0"/>
-                </a:spcAft>
-                <a:defRPr kumimoji="1" sz="3200">
-                  <a:solidFill>
-                    <a:schemeClr val="tx2"/>
-                  </a:solidFill>
-                  <a:latin typeface="メイリオ" pitchFamily="50" charset="-128"/>
-                  <a:ea typeface="メイリオ" pitchFamily="50" charset="-128"/>
-                  <a:cs typeface="メイリオ" pitchFamily="50" charset="-128"/>
-                </a:defRPr>
-              </a:lvl5pPr>
-              <a:lvl6pPr marL="457200" algn="l" rtl="0" fontAlgn="base">
-                <a:spcBef>
-                  <a:spcPct val="0"/>
-                </a:spcBef>
-                <a:spcAft>
-                  <a:spcPct val="0"/>
-                </a:spcAft>
-                <a:defRPr kumimoji="1" sz="3200">
-                  <a:solidFill>
-                    <a:schemeClr val="tx2"/>
-                  </a:solidFill>
-                  <a:latin typeface="メイリオ" pitchFamily="50" charset="-128"/>
-                  <a:ea typeface="メイリオ" pitchFamily="50" charset="-128"/>
-                  <a:cs typeface="メイリオ" pitchFamily="50" charset="-128"/>
-                </a:defRPr>
-              </a:lvl6pPr>
-              <a:lvl7pPr marL="914400" algn="l" rtl="0" fontAlgn="base">
-                <a:spcBef>
-                  <a:spcPct val="0"/>
-                </a:spcBef>
-                <a:spcAft>
-                  <a:spcPct val="0"/>
-                </a:spcAft>
-                <a:defRPr kumimoji="1" sz="3200">
-                  <a:solidFill>
-                    <a:schemeClr val="tx2"/>
-                  </a:solidFill>
-                  <a:latin typeface="メイリオ" pitchFamily="50" charset="-128"/>
-                  <a:ea typeface="メイリオ" pitchFamily="50" charset="-128"/>
-                  <a:cs typeface="メイリオ" pitchFamily="50" charset="-128"/>
-                </a:defRPr>
-              </a:lvl7pPr>
-              <a:lvl8pPr marL="1371600" algn="l" rtl="0" fontAlgn="base">
-                <a:spcBef>
-                  <a:spcPct val="0"/>
-                </a:spcBef>
-                <a:spcAft>
-                  <a:spcPct val="0"/>
-                </a:spcAft>
-                <a:defRPr kumimoji="1" sz="3200">
-                  <a:solidFill>
-                    <a:schemeClr val="tx2"/>
-                  </a:solidFill>
-                  <a:latin typeface="メイリオ" pitchFamily="50" charset="-128"/>
-                  <a:ea typeface="メイリオ" pitchFamily="50" charset="-128"/>
-                  <a:cs typeface="メイリオ" pitchFamily="50" charset="-128"/>
-                </a:defRPr>
-              </a:lvl8pPr>
-              <a:lvl9pPr marL="1828800" algn="l" rtl="0" fontAlgn="base">
-                <a:spcBef>
-                  <a:spcPct val="0"/>
-                </a:spcBef>
-                <a:spcAft>
-                  <a:spcPct val="0"/>
-                </a:spcAft>
-                <a:defRPr kumimoji="1" sz="3200">
-                  <a:solidFill>
-                    <a:schemeClr val="tx2"/>
-                  </a:solidFill>
-                  <a:latin typeface="メイリオ" pitchFamily="50" charset="-128"/>
-                  <a:ea typeface="メイリオ" pitchFamily="50" charset="-128"/>
-                  <a:cs typeface="メイリオ" pitchFamily="50" charset="-128"/>
-                </a:defRPr>
-              </a:lvl9pPr>
-            </a:lstStyle>
-            <a:p>
-              <a:pPr algn="ctr" defTabSz="924937"/>
-              <a:r>
-                <a:rPr lang="en-US" altLang="ja-JP" sz="1215" kern="0" dirty="0">
-                  <a:solidFill>
-                    <a:prstClr val="black"/>
-                  </a:solidFill>
-                  <a:latin typeface="Calibri"/>
-                  <a:ea typeface="ＭＳ Ｐゴシック" panose="020B0600070205080204" pitchFamily="50" charset="-128"/>
-                </a:rPr>
-                <a:t>DMA</a:t>
-              </a:r>
-            </a:p>
-          </p:txBody>
-        </p:sp>
-        <p:sp>
-          <p:nvSpPr>
-            <p:cNvPr id="275" name="タイトル 5"/>
-            <p:cNvSpPr txBox="1">
-              <a:spLocks/>
-            </p:cNvSpPr>
-            <p:nvPr/>
-          </p:nvSpPr>
-          <p:spPr bwMode="auto">
-            <a:xfrm>
-              <a:off x="6743483" y="2696684"/>
-              <a:ext cx="538271" cy="223287"/>
-            </a:xfrm>
-            <a:prstGeom prst="rect">
-              <a:avLst/>
-            </a:prstGeom>
-            <a:grpFill/>
-            <a:ln w="12700">
-              <a:solidFill>
-                <a:schemeClr val="tx1"/>
-              </a:solidFill>
-              <a:miter lim="800000"/>
-              <a:headEnd/>
-              <a:tailEnd/>
-            </a:ln>
-            <a:effectLst/>
-            <a:extLst/>
-          </p:spPr>
-          <p:txBody>
-            <a:bodyPr vert="horz" wrap="square" lIns="72834" tIns="46250" rIns="72834" bIns="46250" numCol="1" anchor="ctr" anchorCtr="0" compatLnSpc="1">
-              <a:prstTxWarp prst="textNoShape">
-                <a:avLst/>
-              </a:prstTxWarp>
-            </a:bodyPr>
-            <a:lstStyle>
-              <a:lvl1pPr algn="l" rtl="0" eaLnBrk="0" fontAlgn="base" hangingPunct="0">
-                <a:spcBef>
-                  <a:spcPct val="0"/>
-                </a:spcBef>
-                <a:spcAft>
-                  <a:spcPct val="0"/>
-                </a:spcAft>
-                <a:defRPr kumimoji="1" sz="3200">
-                  <a:solidFill>
-                    <a:schemeClr val="tx2"/>
-                  </a:solidFill>
-                  <a:latin typeface="+mj-lt"/>
-                  <a:ea typeface="+mj-ea"/>
-                  <a:cs typeface="+mj-cs"/>
-                </a:defRPr>
-              </a:lvl1pPr>
-              <a:lvl2pPr algn="l" rtl="0" eaLnBrk="0" fontAlgn="base" hangingPunct="0">
-                <a:spcBef>
-                  <a:spcPct val="0"/>
-                </a:spcBef>
-                <a:spcAft>
-                  <a:spcPct val="0"/>
-                </a:spcAft>
-                <a:defRPr kumimoji="1" sz="3200">
-                  <a:solidFill>
-                    <a:schemeClr val="tx2"/>
-                  </a:solidFill>
-                  <a:latin typeface="メイリオ" pitchFamily="50" charset="-128"/>
-                  <a:ea typeface="メイリオ" pitchFamily="50" charset="-128"/>
-                  <a:cs typeface="メイリオ" pitchFamily="50" charset="-128"/>
-                </a:defRPr>
-              </a:lvl2pPr>
-              <a:lvl3pPr algn="l" rtl="0" eaLnBrk="0" fontAlgn="base" hangingPunct="0">
-                <a:spcBef>
-                  <a:spcPct val="0"/>
-                </a:spcBef>
-                <a:spcAft>
-                  <a:spcPct val="0"/>
-                </a:spcAft>
-                <a:defRPr kumimoji="1" sz="3200">
-                  <a:solidFill>
-                    <a:schemeClr val="tx2"/>
-                  </a:solidFill>
-                  <a:latin typeface="メイリオ" pitchFamily="50" charset="-128"/>
-                  <a:ea typeface="メイリオ" pitchFamily="50" charset="-128"/>
-                  <a:cs typeface="メイリオ" pitchFamily="50" charset="-128"/>
-                </a:defRPr>
-              </a:lvl3pPr>
-              <a:lvl4pPr algn="l" rtl="0" eaLnBrk="0" fontAlgn="base" hangingPunct="0">
-                <a:spcBef>
-                  <a:spcPct val="0"/>
-                </a:spcBef>
-                <a:spcAft>
-                  <a:spcPct val="0"/>
-                </a:spcAft>
-                <a:defRPr kumimoji="1" sz="3200">
-                  <a:solidFill>
-                    <a:schemeClr val="tx2"/>
-                  </a:solidFill>
-                  <a:latin typeface="メイリオ" pitchFamily="50" charset="-128"/>
-                  <a:ea typeface="メイリオ" pitchFamily="50" charset="-128"/>
-                  <a:cs typeface="メイリオ" pitchFamily="50" charset="-128"/>
-                </a:defRPr>
-              </a:lvl4pPr>
-              <a:lvl5pPr algn="l" rtl="0" eaLnBrk="0" fontAlgn="base" hangingPunct="0">
-                <a:spcBef>
-                  <a:spcPct val="0"/>
-                </a:spcBef>
-                <a:spcAft>
-                  <a:spcPct val="0"/>
-                </a:spcAft>
-                <a:defRPr kumimoji="1" sz="3200">
-                  <a:solidFill>
-                    <a:schemeClr val="tx2"/>
-                  </a:solidFill>
-                  <a:latin typeface="メイリオ" pitchFamily="50" charset="-128"/>
-                  <a:ea typeface="メイリオ" pitchFamily="50" charset="-128"/>
-                  <a:cs typeface="メイリオ" pitchFamily="50" charset="-128"/>
-                </a:defRPr>
-              </a:lvl5pPr>
-              <a:lvl6pPr marL="457200" algn="l" rtl="0" fontAlgn="base">
-                <a:spcBef>
-                  <a:spcPct val="0"/>
-                </a:spcBef>
-                <a:spcAft>
-                  <a:spcPct val="0"/>
-                </a:spcAft>
-                <a:defRPr kumimoji="1" sz="3200">
-                  <a:solidFill>
-                    <a:schemeClr val="tx2"/>
-                  </a:solidFill>
-                  <a:latin typeface="メイリオ" pitchFamily="50" charset="-128"/>
-                  <a:ea typeface="メイリオ" pitchFamily="50" charset="-128"/>
-                  <a:cs typeface="メイリオ" pitchFamily="50" charset="-128"/>
-                </a:defRPr>
-              </a:lvl6pPr>
-              <a:lvl7pPr marL="914400" algn="l" rtl="0" fontAlgn="base">
-                <a:spcBef>
-                  <a:spcPct val="0"/>
-                </a:spcBef>
-                <a:spcAft>
-                  <a:spcPct val="0"/>
-                </a:spcAft>
-                <a:defRPr kumimoji="1" sz="3200">
-                  <a:solidFill>
-                    <a:schemeClr val="tx2"/>
-                  </a:solidFill>
-                  <a:latin typeface="メイリオ" pitchFamily="50" charset="-128"/>
-                  <a:ea typeface="メイリオ" pitchFamily="50" charset="-128"/>
-                  <a:cs typeface="メイリオ" pitchFamily="50" charset="-128"/>
-                </a:defRPr>
-              </a:lvl7pPr>
-              <a:lvl8pPr marL="1371600" algn="l" rtl="0" fontAlgn="base">
-                <a:spcBef>
-                  <a:spcPct val="0"/>
-                </a:spcBef>
-                <a:spcAft>
-                  <a:spcPct val="0"/>
-                </a:spcAft>
-                <a:defRPr kumimoji="1" sz="3200">
-                  <a:solidFill>
-                    <a:schemeClr val="tx2"/>
-                  </a:solidFill>
-                  <a:latin typeface="メイリオ" pitchFamily="50" charset="-128"/>
-                  <a:ea typeface="メイリオ" pitchFamily="50" charset="-128"/>
-                  <a:cs typeface="メイリオ" pitchFamily="50" charset="-128"/>
-                </a:defRPr>
-              </a:lvl8pPr>
-              <a:lvl9pPr marL="1828800" algn="l" rtl="0" fontAlgn="base">
-                <a:spcBef>
-                  <a:spcPct val="0"/>
-                </a:spcBef>
-                <a:spcAft>
-                  <a:spcPct val="0"/>
-                </a:spcAft>
-                <a:defRPr kumimoji="1" sz="3200">
-                  <a:solidFill>
-                    <a:schemeClr val="tx2"/>
-                  </a:solidFill>
-                  <a:latin typeface="メイリオ" pitchFamily="50" charset="-128"/>
-                  <a:ea typeface="メイリオ" pitchFamily="50" charset="-128"/>
-                  <a:cs typeface="メイリオ" pitchFamily="50" charset="-128"/>
-                </a:defRPr>
-              </a:lvl9pPr>
-            </a:lstStyle>
-            <a:p>
-              <a:pPr algn="ctr" defTabSz="924937"/>
-              <a:r>
-                <a:rPr lang="en-US" altLang="ja-JP" sz="1215" kern="0" dirty="0">
-                  <a:solidFill>
-                    <a:prstClr val="black"/>
-                  </a:solidFill>
-                  <a:latin typeface="Calibri"/>
-                  <a:ea typeface="ＭＳ Ｐゴシック" panose="020B0600070205080204" pitchFamily="50" charset="-128"/>
-                </a:rPr>
-                <a:t>DMA</a:t>
-              </a:r>
-            </a:p>
-          </p:txBody>
-        </p:sp>
-        <p:sp>
-          <p:nvSpPr>
-            <p:cNvPr id="276" name="タイトル 5"/>
-            <p:cNvSpPr txBox="1">
-              <a:spLocks/>
-            </p:cNvSpPr>
-            <p:nvPr/>
-          </p:nvSpPr>
-          <p:spPr bwMode="auto">
-            <a:xfrm>
-              <a:off x="5302343" y="2692076"/>
-              <a:ext cx="538271" cy="223287"/>
-            </a:xfrm>
-            <a:prstGeom prst="rect">
-              <a:avLst/>
-            </a:prstGeom>
-            <a:grpFill/>
-            <a:ln w="12700">
-              <a:solidFill>
-                <a:schemeClr val="tx1"/>
-              </a:solidFill>
-              <a:miter lim="800000"/>
-              <a:headEnd/>
-              <a:tailEnd/>
-            </a:ln>
-            <a:effectLst/>
-            <a:extLst/>
-          </p:spPr>
-          <p:txBody>
-            <a:bodyPr vert="horz" wrap="square" lIns="72834" tIns="46250" rIns="72834" bIns="46250" numCol="1" anchor="ctr" anchorCtr="0" compatLnSpc="1">
-              <a:prstTxWarp prst="textNoShape">
-                <a:avLst/>
-              </a:prstTxWarp>
-            </a:bodyPr>
-            <a:lstStyle>
-              <a:lvl1pPr algn="l" rtl="0" eaLnBrk="0" fontAlgn="base" hangingPunct="0">
-                <a:spcBef>
-                  <a:spcPct val="0"/>
-                </a:spcBef>
-                <a:spcAft>
-                  <a:spcPct val="0"/>
-                </a:spcAft>
-                <a:defRPr kumimoji="1" sz="3200">
-                  <a:solidFill>
-                    <a:schemeClr val="tx2"/>
-                  </a:solidFill>
-                  <a:latin typeface="+mj-lt"/>
-                  <a:ea typeface="+mj-ea"/>
-                  <a:cs typeface="+mj-cs"/>
-                </a:defRPr>
-              </a:lvl1pPr>
-              <a:lvl2pPr algn="l" rtl="0" eaLnBrk="0" fontAlgn="base" hangingPunct="0">
-                <a:spcBef>
-                  <a:spcPct val="0"/>
-                </a:spcBef>
-                <a:spcAft>
-                  <a:spcPct val="0"/>
-                </a:spcAft>
-                <a:defRPr kumimoji="1" sz="3200">
-                  <a:solidFill>
-                    <a:schemeClr val="tx2"/>
-                  </a:solidFill>
-                  <a:latin typeface="メイリオ" pitchFamily="50" charset="-128"/>
-                  <a:ea typeface="メイリオ" pitchFamily="50" charset="-128"/>
-                  <a:cs typeface="メイリオ" pitchFamily="50" charset="-128"/>
-                </a:defRPr>
-              </a:lvl2pPr>
-              <a:lvl3pPr algn="l" rtl="0" eaLnBrk="0" fontAlgn="base" hangingPunct="0">
-                <a:spcBef>
-                  <a:spcPct val="0"/>
-                </a:spcBef>
-                <a:spcAft>
-                  <a:spcPct val="0"/>
-                </a:spcAft>
-                <a:defRPr kumimoji="1" sz="3200">
-                  <a:solidFill>
-                    <a:schemeClr val="tx2"/>
-                  </a:solidFill>
-                  <a:latin typeface="メイリオ" pitchFamily="50" charset="-128"/>
-                  <a:ea typeface="メイリオ" pitchFamily="50" charset="-128"/>
-                  <a:cs typeface="メイリオ" pitchFamily="50" charset="-128"/>
-                </a:defRPr>
-              </a:lvl3pPr>
-              <a:lvl4pPr algn="l" rtl="0" eaLnBrk="0" fontAlgn="base" hangingPunct="0">
-                <a:spcBef>
-                  <a:spcPct val="0"/>
-                </a:spcBef>
-                <a:spcAft>
-                  <a:spcPct val="0"/>
-                </a:spcAft>
-                <a:defRPr kumimoji="1" sz="3200">
-                  <a:solidFill>
-                    <a:schemeClr val="tx2"/>
-                  </a:solidFill>
-                  <a:latin typeface="メイリオ" pitchFamily="50" charset="-128"/>
-                  <a:ea typeface="メイリオ" pitchFamily="50" charset="-128"/>
-                  <a:cs typeface="メイリオ" pitchFamily="50" charset="-128"/>
-                </a:defRPr>
-              </a:lvl4pPr>
-              <a:lvl5pPr algn="l" rtl="0" eaLnBrk="0" fontAlgn="base" hangingPunct="0">
-                <a:spcBef>
-                  <a:spcPct val="0"/>
-                </a:spcBef>
-                <a:spcAft>
-                  <a:spcPct val="0"/>
-                </a:spcAft>
-                <a:defRPr kumimoji="1" sz="3200">
-                  <a:solidFill>
-                    <a:schemeClr val="tx2"/>
-                  </a:solidFill>
-                  <a:latin typeface="メイリオ" pitchFamily="50" charset="-128"/>
-                  <a:ea typeface="メイリオ" pitchFamily="50" charset="-128"/>
-                  <a:cs typeface="メイリオ" pitchFamily="50" charset="-128"/>
-                </a:defRPr>
-              </a:lvl5pPr>
-              <a:lvl6pPr marL="457200" algn="l" rtl="0" fontAlgn="base">
-                <a:spcBef>
-                  <a:spcPct val="0"/>
-                </a:spcBef>
-                <a:spcAft>
-                  <a:spcPct val="0"/>
-                </a:spcAft>
-                <a:defRPr kumimoji="1" sz="3200">
-                  <a:solidFill>
-                    <a:schemeClr val="tx2"/>
-                  </a:solidFill>
-                  <a:latin typeface="メイリオ" pitchFamily="50" charset="-128"/>
-                  <a:ea typeface="メイリオ" pitchFamily="50" charset="-128"/>
-                  <a:cs typeface="メイリオ" pitchFamily="50" charset="-128"/>
-                </a:defRPr>
-              </a:lvl6pPr>
-              <a:lvl7pPr marL="914400" algn="l" rtl="0" fontAlgn="base">
-                <a:spcBef>
-                  <a:spcPct val="0"/>
-                </a:spcBef>
-                <a:spcAft>
-                  <a:spcPct val="0"/>
-                </a:spcAft>
-                <a:defRPr kumimoji="1" sz="3200">
-                  <a:solidFill>
-                    <a:schemeClr val="tx2"/>
-                  </a:solidFill>
-                  <a:latin typeface="メイリオ" pitchFamily="50" charset="-128"/>
-                  <a:ea typeface="メイリオ" pitchFamily="50" charset="-128"/>
-                  <a:cs typeface="メイリオ" pitchFamily="50" charset="-128"/>
-                </a:defRPr>
-              </a:lvl7pPr>
-              <a:lvl8pPr marL="1371600" algn="l" rtl="0" fontAlgn="base">
-                <a:spcBef>
-                  <a:spcPct val="0"/>
-                </a:spcBef>
-                <a:spcAft>
-                  <a:spcPct val="0"/>
-                </a:spcAft>
-                <a:defRPr kumimoji="1" sz="3200">
-                  <a:solidFill>
-                    <a:schemeClr val="tx2"/>
-                  </a:solidFill>
-                  <a:latin typeface="メイリオ" pitchFamily="50" charset="-128"/>
-                  <a:ea typeface="メイリオ" pitchFamily="50" charset="-128"/>
-                  <a:cs typeface="メイリオ" pitchFamily="50" charset="-128"/>
-                </a:defRPr>
-              </a:lvl8pPr>
-              <a:lvl9pPr marL="1828800" algn="l" rtl="0" fontAlgn="base">
-                <a:spcBef>
-                  <a:spcPct val="0"/>
-                </a:spcBef>
-                <a:spcAft>
-                  <a:spcPct val="0"/>
-                </a:spcAft>
-                <a:defRPr kumimoji="1" sz="3200">
-                  <a:solidFill>
-                    <a:schemeClr val="tx2"/>
-                  </a:solidFill>
-                  <a:latin typeface="メイリオ" pitchFamily="50" charset="-128"/>
-                  <a:ea typeface="メイリオ" pitchFamily="50" charset="-128"/>
-                  <a:cs typeface="メイリオ" pitchFamily="50" charset="-128"/>
-                </a:defRPr>
-              </a:lvl9pPr>
-            </a:lstStyle>
-            <a:p>
-              <a:pPr algn="ctr" defTabSz="924937"/>
-              <a:r>
-                <a:rPr lang="en-US" altLang="ja-JP" sz="1215" kern="0" dirty="0">
-                  <a:solidFill>
-                    <a:prstClr val="black"/>
-                  </a:solidFill>
-                  <a:latin typeface="Calibri"/>
-                  <a:ea typeface="ＭＳ Ｐゴシック" panose="020B0600070205080204" pitchFamily="50" charset="-128"/>
-                </a:rPr>
-                <a:t>DMA</a:t>
-              </a:r>
-            </a:p>
-          </p:txBody>
-        </p:sp>
-      </p:grpSp>
-      <p:grpSp>
-        <p:nvGrpSpPr>
-          <p:cNvPr id="267" name="グループ化 266"/>
-          <p:cNvGrpSpPr/>
-          <p:nvPr/>
-        </p:nvGrpSpPr>
-        <p:grpSpPr>
-          <a:xfrm>
-            <a:off x="1606388" y="3142609"/>
-            <a:ext cx="4926304" cy="232111"/>
-            <a:chOff x="2411841" y="2692076"/>
-            <a:chExt cx="4869913" cy="229454"/>
-          </a:xfrm>
-          <a:solidFill>
-            <a:schemeClr val="bg1">
-              <a:lumMod val="95000"/>
-            </a:schemeClr>
-          </a:solidFill>
-        </p:grpSpPr>
-        <p:sp>
-          <p:nvSpPr>
-            <p:cNvPr id="268" name="タイトル 5"/>
-            <p:cNvSpPr txBox="1">
-              <a:spLocks/>
-            </p:cNvSpPr>
-            <p:nvPr/>
-          </p:nvSpPr>
-          <p:spPr bwMode="auto">
-            <a:xfrm>
-              <a:off x="3857516" y="2693083"/>
-              <a:ext cx="538271" cy="223287"/>
-            </a:xfrm>
-            <a:prstGeom prst="rect">
-              <a:avLst/>
-            </a:prstGeom>
-            <a:grpFill/>
-            <a:ln w="12700">
-              <a:solidFill>
-                <a:schemeClr val="tx1"/>
-              </a:solidFill>
-              <a:miter lim="800000"/>
-              <a:headEnd/>
-              <a:tailEnd/>
-            </a:ln>
-            <a:effectLst/>
-            <a:extLst/>
-          </p:spPr>
-          <p:txBody>
-            <a:bodyPr vert="horz" wrap="square" lIns="72834" tIns="46250" rIns="72834" bIns="46250" numCol="1" anchor="ctr" anchorCtr="0" compatLnSpc="1">
-              <a:prstTxWarp prst="textNoShape">
-                <a:avLst/>
-              </a:prstTxWarp>
-            </a:bodyPr>
-            <a:lstStyle>
-              <a:lvl1pPr algn="l" rtl="0" eaLnBrk="0" fontAlgn="base" hangingPunct="0">
-                <a:spcBef>
-                  <a:spcPct val="0"/>
-                </a:spcBef>
-                <a:spcAft>
-                  <a:spcPct val="0"/>
-                </a:spcAft>
-                <a:defRPr kumimoji="1" sz="3200">
-                  <a:solidFill>
-                    <a:schemeClr val="tx2"/>
-                  </a:solidFill>
-                  <a:latin typeface="+mj-lt"/>
-                  <a:ea typeface="+mj-ea"/>
-                  <a:cs typeface="+mj-cs"/>
-                </a:defRPr>
-              </a:lvl1pPr>
-              <a:lvl2pPr algn="l" rtl="0" eaLnBrk="0" fontAlgn="base" hangingPunct="0">
-                <a:spcBef>
-                  <a:spcPct val="0"/>
-                </a:spcBef>
-                <a:spcAft>
-                  <a:spcPct val="0"/>
-                </a:spcAft>
-                <a:defRPr kumimoji="1" sz="3200">
-                  <a:solidFill>
-                    <a:schemeClr val="tx2"/>
-                  </a:solidFill>
-                  <a:latin typeface="メイリオ" pitchFamily="50" charset="-128"/>
-                  <a:ea typeface="メイリオ" pitchFamily="50" charset="-128"/>
-                  <a:cs typeface="メイリオ" pitchFamily="50" charset="-128"/>
-                </a:defRPr>
-              </a:lvl2pPr>
-              <a:lvl3pPr algn="l" rtl="0" eaLnBrk="0" fontAlgn="base" hangingPunct="0">
-                <a:spcBef>
-                  <a:spcPct val="0"/>
-                </a:spcBef>
-                <a:spcAft>
-                  <a:spcPct val="0"/>
-                </a:spcAft>
-                <a:defRPr kumimoji="1" sz="3200">
-                  <a:solidFill>
-                    <a:schemeClr val="tx2"/>
-                  </a:solidFill>
-                  <a:latin typeface="メイリオ" pitchFamily="50" charset="-128"/>
-                  <a:ea typeface="メイリオ" pitchFamily="50" charset="-128"/>
-                  <a:cs typeface="メイリオ" pitchFamily="50" charset="-128"/>
-                </a:defRPr>
-              </a:lvl3pPr>
-              <a:lvl4pPr algn="l" rtl="0" eaLnBrk="0" fontAlgn="base" hangingPunct="0">
-                <a:spcBef>
-                  <a:spcPct val="0"/>
-                </a:spcBef>
-                <a:spcAft>
-                  <a:spcPct val="0"/>
-                </a:spcAft>
-                <a:defRPr kumimoji="1" sz="3200">
-                  <a:solidFill>
-                    <a:schemeClr val="tx2"/>
-                  </a:solidFill>
-                  <a:latin typeface="メイリオ" pitchFamily="50" charset="-128"/>
-                  <a:ea typeface="メイリオ" pitchFamily="50" charset="-128"/>
-                  <a:cs typeface="メイリオ" pitchFamily="50" charset="-128"/>
-                </a:defRPr>
-              </a:lvl4pPr>
-              <a:lvl5pPr algn="l" rtl="0" eaLnBrk="0" fontAlgn="base" hangingPunct="0">
-                <a:spcBef>
-                  <a:spcPct val="0"/>
-                </a:spcBef>
-                <a:spcAft>
-                  <a:spcPct val="0"/>
-                </a:spcAft>
-                <a:defRPr kumimoji="1" sz="3200">
-                  <a:solidFill>
-                    <a:schemeClr val="tx2"/>
-                  </a:solidFill>
-                  <a:latin typeface="メイリオ" pitchFamily="50" charset="-128"/>
-                  <a:ea typeface="メイリオ" pitchFamily="50" charset="-128"/>
-                  <a:cs typeface="メイリオ" pitchFamily="50" charset="-128"/>
-                </a:defRPr>
-              </a:lvl5pPr>
-              <a:lvl6pPr marL="457200" algn="l" rtl="0" fontAlgn="base">
-                <a:spcBef>
-                  <a:spcPct val="0"/>
-                </a:spcBef>
-                <a:spcAft>
-                  <a:spcPct val="0"/>
-                </a:spcAft>
-                <a:defRPr kumimoji="1" sz="3200">
-                  <a:solidFill>
-                    <a:schemeClr val="tx2"/>
-                  </a:solidFill>
-                  <a:latin typeface="メイリオ" pitchFamily="50" charset="-128"/>
-                  <a:ea typeface="メイリオ" pitchFamily="50" charset="-128"/>
-                  <a:cs typeface="メイリオ" pitchFamily="50" charset="-128"/>
-                </a:defRPr>
-              </a:lvl6pPr>
-              <a:lvl7pPr marL="914400" algn="l" rtl="0" fontAlgn="base">
-                <a:spcBef>
-                  <a:spcPct val="0"/>
-                </a:spcBef>
-                <a:spcAft>
-                  <a:spcPct val="0"/>
-                </a:spcAft>
-                <a:defRPr kumimoji="1" sz="3200">
-                  <a:solidFill>
-                    <a:schemeClr val="tx2"/>
-                  </a:solidFill>
-                  <a:latin typeface="メイリオ" pitchFamily="50" charset="-128"/>
-                  <a:ea typeface="メイリオ" pitchFamily="50" charset="-128"/>
-                  <a:cs typeface="メイリオ" pitchFamily="50" charset="-128"/>
-                </a:defRPr>
-              </a:lvl7pPr>
-              <a:lvl8pPr marL="1371600" algn="l" rtl="0" fontAlgn="base">
-                <a:spcBef>
-                  <a:spcPct val="0"/>
-                </a:spcBef>
-                <a:spcAft>
-                  <a:spcPct val="0"/>
-                </a:spcAft>
-                <a:defRPr kumimoji="1" sz="3200">
-                  <a:solidFill>
-                    <a:schemeClr val="tx2"/>
-                  </a:solidFill>
-                  <a:latin typeface="メイリオ" pitchFamily="50" charset="-128"/>
-                  <a:ea typeface="メイリオ" pitchFamily="50" charset="-128"/>
-                  <a:cs typeface="メイリオ" pitchFamily="50" charset="-128"/>
-                </a:defRPr>
-              </a:lvl8pPr>
-              <a:lvl9pPr marL="1828800" algn="l" rtl="0" fontAlgn="base">
-                <a:spcBef>
-                  <a:spcPct val="0"/>
-                </a:spcBef>
-                <a:spcAft>
-                  <a:spcPct val="0"/>
-                </a:spcAft>
-                <a:defRPr kumimoji="1" sz="3200">
-                  <a:solidFill>
-                    <a:schemeClr val="tx2"/>
-                  </a:solidFill>
-                  <a:latin typeface="メイリオ" pitchFamily="50" charset="-128"/>
-                  <a:ea typeface="メイリオ" pitchFamily="50" charset="-128"/>
-                  <a:cs typeface="メイリオ" pitchFamily="50" charset="-128"/>
-                </a:defRPr>
-              </a:lvl9pPr>
-            </a:lstStyle>
-            <a:p>
-              <a:pPr algn="ctr" defTabSz="924937"/>
-              <a:r>
-                <a:rPr lang="en-US" altLang="ja-JP" sz="1215" kern="0" dirty="0">
-                  <a:solidFill>
-                    <a:prstClr val="black"/>
-                  </a:solidFill>
-                  <a:latin typeface="Calibri"/>
-                  <a:ea typeface="ＭＳ Ｐゴシック" panose="020B0600070205080204" pitchFamily="50" charset="-128"/>
-                </a:rPr>
-                <a:t>DMA</a:t>
-              </a:r>
-            </a:p>
-          </p:txBody>
-        </p:sp>
-        <p:sp>
-          <p:nvSpPr>
-            <p:cNvPr id="269" name="タイトル 5"/>
-            <p:cNvSpPr txBox="1">
-              <a:spLocks/>
-            </p:cNvSpPr>
-            <p:nvPr/>
-          </p:nvSpPr>
-          <p:spPr bwMode="auto">
-            <a:xfrm>
-              <a:off x="2411841" y="2698243"/>
-              <a:ext cx="538271" cy="223287"/>
-            </a:xfrm>
-            <a:prstGeom prst="rect">
-              <a:avLst/>
-            </a:prstGeom>
-            <a:grpFill/>
-            <a:ln w="12700">
-              <a:solidFill>
-                <a:schemeClr val="tx1"/>
-              </a:solidFill>
-              <a:miter lim="800000"/>
-              <a:headEnd/>
-              <a:tailEnd/>
-            </a:ln>
-            <a:effectLst/>
-            <a:extLst/>
-          </p:spPr>
-          <p:txBody>
-            <a:bodyPr vert="horz" wrap="square" lIns="72834" tIns="46250" rIns="72834" bIns="46250" numCol="1" anchor="ctr" anchorCtr="0" compatLnSpc="1">
-              <a:prstTxWarp prst="textNoShape">
-                <a:avLst/>
-              </a:prstTxWarp>
-            </a:bodyPr>
-            <a:lstStyle>
-              <a:lvl1pPr algn="l" rtl="0" eaLnBrk="0" fontAlgn="base" hangingPunct="0">
-                <a:spcBef>
-                  <a:spcPct val="0"/>
-                </a:spcBef>
-                <a:spcAft>
-                  <a:spcPct val="0"/>
-                </a:spcAft>
-                <a:defRPr kumimoji="1" sz="3200">
-                  <a:solidFill>
-                    <a:schemeClr val="tx2"/>
-                  </a:solidFill>
-                  <a:latin typeface="+mj-lt"/>
-                  <a:ea typeface="+mj-ea"/>
-                  <a:cs typeface="+mj-cs"/>
-                </a:defRPr>
-              </a:lvl1pPr>
-              <a:lvl2pPr algn="l" rtl="0" eaLnBrk="0" fontAlgn="base" hangingPunct="0">
-                <a:spcBef>
-                  <a:spcPct val="0"/>
-                </a:spcBef>
-                <a:spcAft>
-                  <a:spcPct val="0"/>
-                </a:spcAft>
-                <a:defRPr kumimoji="1" sz="3200">
-                  <a:solidFill>
-                    <a:schemeClr val="tx2"/>
-                  </a:solidFill>
-                  <a:latin typeface="メイリオ" pitchFamily="50" charset="-128"/>
-                  <a:ea typeface="メイリオ" pitchFamily="50" charset="-128"/>
-                  <a:cs typeface="メイリオ" pitchFamily="50" charset="-128"/>
-                </a:defRPr>
-              </a:lvl2pPr>
-              <a:lvl3pPr algn="l" rtl="0" eaLnBrk="0" fontAlgn="base" hangingPunct="0">
-                <a:spcBef>
-                  <a:spcPct val="0"/>
-                </a:spcBef>
-                <a:spcAft>
-                  <a:spcPct val="0"/>
-                </a:spcAft>
-                <a:defRPr kumimoji="1" sz="3200">
-                  <a:solidFill>
-                    <a:schemeClr val="tx2"/>
-                  </a:solidFill>
-                  <a:latin typeface="メイリオ" pitchFamily="50" charset="-128"/>
-                  <a:ea typeface="メイリオ" pitchFamily="50" charset="-128"/>
-                  <a:cs typeface="メイリオ" pitchFamily="50" charset="-128"/>
-                </a:defRPr>
-              </a:lvl3pPr>
-              <a:lvl4pPr algn="l" rtl="0" eaLnBrk="0" fontAlgn="base" hangingPunct="0">
-                <a:spcBef>
-                  <a:spcPct val="0"/>
-                </a:spcBef>
-                <a:spcAft>
-                  <a:spcPct val="0"/>
-                </a:spcAft>
-                <a:defRPr kumimoji="1" sz="3200">
-                  <a:solidFill>
-                    <a:schemeClr val="tx2"/>
-                  </a:solidFill>
-                  <a:latin typeface="メイリオ" pitchFamily="50" charset="-128"/>
-                  <a:ea typeface="メイリオ" pitchFamily="50" charset="-128"/>
-                  <a:cs typeface="メイリオ" pitchFamily="50" charset="-128"/>
-                </a:defRPr>
-              </a:lvl4pPr>
-              <a:lvl5pPr algn="l" rtl="0" eaLnBrk="0" fontAlgn="base" hangingPunct="0">
-                <a:spcBef>
-                  <a:spcPct val="0"/>
-                </a:spcBef>
-                <a:spcAft>
-                  <a:spcPct val="0"/>
-                </a:spcAft>
-                <a:defRPr kumimoji="1" sz="3200">
-                  <a:solidFill>
-                    <a:schemeClr val="tx2"/>
-                  </a:solidFill>
-                  <a:latin typeface="メイリオ" pitchFamily="50" charset="-128"/>
-                  <a:ea typeface="メイリオ" pitchFamily="50" charset="-128"/>
-                  <a:cs typeface="メイリオ" pitchFamily="50" charset="-128"/>
-                </a:defRPr>
-              </a:lvl5pPr>
-              <a:lvl6pPr marL="457200" algn="l" rtl="0" fontAlgn="base">
-                <a:spcBef>
-                  <a:spcPct val="0"/>
-                </a:spcBef>
-                <a:spcAft>
-                  <a:spcPct val="0"/>
-                </a:spcAft>
-                <a:defRPr kumimoji="1" sz="3200">
-                  <a:solidFill>
-                    <a:schemeClr val="tx2"/>
-                  </a:solidFill>
-                  <a:latin typeface="メイリオ" pitchFamily="50" charset="-128"/>
-                  <a:ea typeface="メイリオ" pitchFamily="50" charset="-128"/>
-                  <a:cs typeface="メイリオ" pitchFamily="50" charset="-128"/>
-                </a:defRPr>
-              </a:lvl6pPr>
-              <a:lvl7pPr marL="914400" algn="l" rtl="0" fontAlgn="base">
-                <a:spcBef>
-                  <a:spcPct val="0"/>
-                </a:spcBef>
-                <a:spcAft>
-                  <a:spcPct val="0"/>
-                </a:spcAft>
-                <a:defRPr kumimoji="1" sz="3200">
-                  <a:solidFill>
-                    <a:schemeClr val="tx2"/>
-                  </a:solidFill>
-                  <a:latin typeface="メイリオ" pitchFamily="50" charset="-128"/>
-                  <a:ea typeface="メイリオ" pitchFamily="50" charset="-128"/>
-                  <a:cs typeface="メイリオ" pitchFamily="50" charset="-128"/>
-                </a:defRPr>
-              </a:lvl7pPr>
-              <a:lvl8pPr marL="1371600" algn="l" rtl="0" fontAlgn="base">
-                <a:spcBef>
-                  <a:spcPct val="0"/>
-                </a:spcBef>
-                <a:spcAft>
-                  <a:spcPct val="0"/>
-                </a:spcAft>
-                <a:defRPr kumimoji="1" sz="3200">
-                  <a:solidFill>
-                    <a:schemeClr val="tx2"/>
-                  </a:solidFill>
-                  <a:latin typeface="メイリオ" pitchFamily="50" charset="-128"/>
-                  <a:ea typeface="メイリオ" pitchFamily="50" charset="-128"/>
-                  <a:cs typeface="メイリオ" pitchFamily="50" charset="-128"/>
-                </a:defRPr>
-              </a:lvl8pPr>
-              <a:lvl9pPr marL="1828800" algn="l" rtl="0" fontAlgn="base">
-                <a:spcBef>
-                  <a:spcPct val="0"/>
-                </a:spcBef>
-                <a:spcAft>
-                  <a:spcPct val="0"/>
-                </a:spcAft>
-                <a:defRPr kumimoji="1" sz="3200">
-                  <a:solidFill>
-                    <a:schemeClr val="tx2"/>
-                  </a:solidFill>
-                  <a:latin typeface="メイリオ" pitchFamily="50" charset="-128"/>
-                  <a:ea typeface="メイリオ" pitchFamily="50" charset="-128"/>
-                  <a:cs typeface="メイリオ" pitchFamily="50" charset="-128"/>
-                </a:defRPr>
-              </a:lvl9pPr>
-            </a:lstStyle>
-            <a:p>
-              <a:pPr algn="ctr" defTabSz="924937"/>
-              <a:r>
-                <a:rPr lang="en-US" altLang="ja-JP" sz="1215" kern="0" dirty="0">
-                  <a:solidFill>
-                    <a:prstClr val="black"/>
-                  </a:solidFill>
-                  <a:latin typeface="Calibri"/>
-                  <a:ea typeface="ＭＳ Ｐゴシック" panose="020B0600070205080204" pitchFamily="50" charset="-128"/>
-                </a:rPr>
-                <a:t>DMA</a:t>
-              </a:r>
-            </a:p>
-          </p:txBody>
-        </p:sp>
-        <p:sp>
-          <p:nvSpPr>
-            <p:cNvPr id="270" name="タイトル 5"/>
-            <p:cNvSpPr txBox="1">
-              <a:spLocks/>
-            </p:cNvSpPr>
-            <p:nvPr/>
-          </p:nvSpPr>
-          <p:spPr bwMode="auto">
-            <a:xfrm>
-              <a:off x="6743483" y="2696684"/>
-              <a:ext cx="538271" cy="223287"/>
-            </a:xfrm>
-            <a:prstGeom prst="rect">
-              <a:avLst/>
-            </a:prstGeom>
-            <a:grpFill/>
-            <a:ln w="12700">
-              <a:solidFill>
-                <a:schemeClr val="tx1"/>
-              </a:solidFill>
-              <a:miter lim="800000"/>
-              <a:headEnd/>
-              <a:tailEnd/>
-            </a:ln>
-            <a:effectLst/>
-            <a:extLst/>
-          </p:spPr>
-          <p:txBody>
-            <a:bodyPr vert="horz" wrap="square" lIns="72834" tIns="46250" rIns="72834" bIns="46250" numCol="1" anchor="ctr" anchorCtr="0" compatLnSpc="1">
-              <a:prstTxWarp prst="textNoShape">
-                <a:avLst/>
-              </a:prstTxWarp>
-            </a:bodyPr>
-            <a:lstStyle>
-              <a:lvl1pPr algn="l" rtl="0" eaLnBrk="0" fontAlgn="base" hangingPunct="0">
-                <a:spcBef>
-                  <a:spcPct val="0"/>
-                </a:spcBef>
-                <a:spcAft>
-                  <a:spcPct val="0"/>
-                </a:spcAft>
-                <a:defRPr kumimoji="1" sz="3200">
-                  <a:solidFill>
-                    <a:schemeClr val="tx2"/>
-                  </a:solidFill>
-                  <a:latin typeface="+mj-lt"/>
-                  <a:ea typeface="+mj-ea"/>
-                  <a:cs typeface="+mj-cs"/>
-                </a:defRPr>
-              </a:lvl1pPr>
-              <a:lvl2pPr algn="l" rtl="0" eaLnBrk="0" fontAlgn="base" hangingPunct="0">
-                <a:spcBef>
-                  <a:spcPct val="0"/>
-                </a:spcBef>
-                <a:spcAft>
-                  <a:spcPct val="0"/>
-                </a:spcAft>
-                <a:defRPr kumimoji="1" sz="3200">
-                  <a:solidFill>
-                    <a:schemeClr val="tx2"/>
-                  </a:solidFill>
-                  <a:latin typeface="メイリオ" pitchFamily="50" charset="-128"/>
-                  <a:ea typeface="メイリオ" pitchFamily="50" charset="-128"/>
-                  <a:cs typeface="メイリオ" pitchFamily="50" charset="-128"/>
-                </a:defRPr>
-              </a:lvl2pPr>
-              <a:lvl3pPr algn="l" rtl="0" eaLnBrk="0" fontAlgn="base" hangingPunct="0">
-                <a:spcBef>
-                  <a:spcPct val="0"/>
-                </a:spcBef>
-                <a:spcAft>
-                  <a:spcPct val="0"/>
-                </a:spcAft>
-                <a:defRPr kumimoji="1" sz="3200">
-                  <a:solidFill>
-                    <a:schemeClr val="tx2"/>
-                  </a:solidFill>
-                  <a:latin typeface="メイリオ" pitchFamily="50" charset="-128"/>
-                  <a:ea typeface="メイリオ" pitchFamily="50" charset="-128"/>
-                  <a:cs typeface="メイリオ" pitchFamily="50" charset="-128"/>
-                </a:defRPr>
-              </a:lvl3pPr>
-              <a:lvl4pPr algn="l" rtl="0" eaLnBrk="0" fontAlgn="base" hangingPunct="0">
-                <a:spcBef>
-                  <a:spcPct val="0"/>
-                </a:spcBef>
-                <a:spcAft>
-                  <a:spcPct val="0"/>
-                </a:spcAft>
-                <a:defRPr kumimoji="1" sz="3200">
-                  <a:solidFill>
-                    <a:schemeClr val="tx2"/>
-                  </a:solidFill>
-                  <a:latin typeface="メイリオ" pitchFamily="50" charset="-128"/>
-                  <a:ea typeface="メイリオ" pitchFamily="50" charset="-128"/>
-                  <a:cs typeface="メイリオ" pitchFamily="50" charset="-128"/>
-                </a:defRPr>
-              </a:lvl4pPr>
-              <a:lvl5pPr algn="l" rtl="0" eaLnBrk="0" fontAlgn="base" hangingPunct="0">
-                <a:spcBef>
-                  <a:spcPct val="0"/>
-                </a:spcBef>
-                <a:spcAft>
-                  <a:spcPct val="0"/>
-                </a:spcAft>
-                <a:defRPr kumimoji="1" sz="3200">
-                  <a:solidFill>
-                    <a:schemeClr val="tx2"/>
-                  </a:solidFill>
-                  <a:latin typeface="メイリオ" pitchFamily="50" charset="-128"/>
-                  <a:ea typeface="メイリオ" pitchFamily="50" charset="-128"/>
-                  <a:cs typeface="メイリオ" pitchFamily="50" charset="-128"/>
-                </a:defRPr>
-              </a:lvl5pPr>
-              <a:lvl6pPr marL="457200" algn="l" rtl="0" fontAlgn="base">
-                <a:spcBef>
-                  <a:spcPct val="0"/>
-                </a:spcBef>
-                <a:spcAft>
-                  <a:spcPct val="0"/>
-                </a:spcAft>
-                <a:defRPr kumimoji="1" sz="3200">
-                  <a:solidFill>
-                    <a:schemeClr val="tx2"/>
-                  </a:solidFill>
-                  <a:latin typeface="メイリオ" pitchFamily="50" charset="-128"/>
-                  <a:ea typeface="メイリオ" pitchFamily="50" charset="-128"/>
-                  <a:cs typeface="メイリオ" pitchFamily="50" charset="-128"/>
-                </a:defRPr>
-              </a:lvl6pPr>
-              <a:lvl7pPr marL="914400" algn="l" rtl="0" fontAlgn="base">
-                <a:spcBef>
-                  <a:spcPct val="0"/>
-                </a:spcBef>
-                <a:spcAft>
-                  <a:spcPct val="0"/>
-                </a:spcAft>
-                <a:defRPr kumimoji="1" sz="3200">
-                  <a:solidFill>
-                    <a:schemeClr val="tx2"/>
-                  </a:solidFill>
-                  <a:latin typeface="メイリオ" pitchFamily="50" charset="-128"/>
-                  <a:ea typeface="メイリオ" pitchFamily="50" charset="-128"/>
-                  <a:cs typeface="メイリオ" pitchFamily="50" charset="-128"/>
-                </a:defRPr>
-              </a:lvl7pPr>
-              <a:lvl8pPr marL="1371600" algn="l" rtl="0" fontAlgn="base">
-                <a:spcBef>
-                  <a:spcPct val="0"/>
-                </a:spcBef>
-                <a:spcAft>
-                  <a:spcPct val="0"/>
-                </a:spcAft>
-                <a:defRPr kumimoji="1" sz="3200">
-                  <a:solidFill>
-                    <a:schemeClr val="tx2"/>
-                  </a:solidFill>
-                  <a:latin typeface="メイリオ" pitchFamily="50" charset="-128"/>
-                  <a:ea typeface="メイリオ" pitchFamily="50" charset="-128"/>
-                  <a:cs typeface="メイリオ" pitchFamily="50" charset="-128"/>
-                </a:defRPr>
-              </a:lvl8pPr>
-              <a:lvl9pPr marL="1828800" algn="l" rtl="0" fontAlgn="base">
-                <a:spcBef>
-                  <a:spcPct val="0"/>
-                </a:spcBef>
-                <a:spcAft>
-                  <a:spcPct val="0"/>
-                </a:spcAft>
-                <a:defRPr kumimoji="1" sz="3200">
-                  <a:solidFill>
-                    <a:schemeClr val="tx2"/>
-                  </a:solidFill>
-                  <a:latin typeface="メイリオ" pitchFamily="50" charset="-128"/>
-                  <a:ea typeface="メイリオ" pitchFamily="50" charset="-128"/>
-                  <a:cs typeface="メイリオ" pitchFamily="50" charset="-128"/>
-                </a:defRPr>
-              </a:lvl9pPr>
-            </a:lstStyle>
-            <a:p>
-              <a:pPr algn="ctr" defTabSz="924937"/>
-              <a:r>
-                <a:rPr lang="en-US" altLang="ja-JP" sz="1215" kern="0" dirty="0">
-                  <a:solidFill>
-                    <a:prstClr val="black"/>
-                  </a:solidFill>
-                  <a:latin typeface="Calibri"/>
-                  <a:ea typeface="ＭＳ Ｐゴシック" panose="020B0600070205080204" pitchFamily="50" charset="-128"/>
-                </a:rPr>
-                <a:t>DMA</a:t>
-              </a:r>
-            </a:p>
-          </p:txBody>
-        </p:sp>
-        <p:sp>
-          <p:nvSpPr>
-            <p:cNvPr id="271" name="タイトル 5"/>
-            <p:cNvSpPr txBox="1">
-              <a:spLocks/>
-            </p:cNvSpPr>
-            <p:nvPr/>
-          </p:nvSpPr>
-          <p:spPr bwMode="auto">
-            <a:xfrm>
-              <a:off x="5302343" y="2692076"/>
-              <a:ext cx="538271" cy="223287"/>
-            </a:xfrm>
-            <a:prstGeom prst="rect">
-              <a:avLst/>
-            </a:prstGeom>
-            <a:grpFill/>
-            <a:ln w="12700">
-              <a:solidFill>
-                <a:schemeClr val="tx1"/>
-              </a:solidFill>
-              <a:miter lim="800000"/>
-              <a:headEnd/>
-              <a:tailEnd/>
-            </a:ln>
-            <a:effectLst/>
-            <a:extLst/>
-          </p:spPr>
-          <p:txBody>
-            <a:bodyPr vert="horz" wrap="square" lIns="72834" tIns="46250" rIns="72834" bIns="46250" numCol="1" anchor="ctr" anchorCtr="0" compatLnSpc="1">
-              <a:prstTxWarp prst="textNoShape">
-                <a:avLst/>
-              </a:prstTxWarp>
-            </a:bodyPr>
-            <a:lstStyle>
-              <a:lvl1pPr algn="l" rtl="0" eaLnBrk="0" fontAlgn="base" hangingPunct="0">
-                <a:spcBef>
-                  <a:spcPct val="0"/>
-                </a:spcBef>
-                <a:spcAft>
-                  <a:spcPct val="0"/>
-                </a:spcAft>
-                <a:defRPr kumimoji="1" sz="3200">
-                  <a:solidFill>
-                    <a:schemeClr val="tx2"/>
-                  </a:solidFill>
-                  <a:latin typeface="+mj-lt"/>
-                  <a:ea typeface="+mj-ea"/>
-                  <a:cs typeface="+mj-cs"/>
-                </a:defRPr>
-              </a:lvl1pPr>
-              <a:lvl2pPr algn="l" rtl="0" eaLnBrk="0" fontAlgn="base" hangingPunct="0">
-                <a:spcBef>
-                  <a:spcPct val="0"/>
-                </a:spcBef>
-                <a:spcAft>
-                  <a:spcPct val="0"/>
-                </a:spcAft>
-                <a:defRPr kumimoji="1" sz="3200">
-                  <a:solidFill>
-                    <a:schemeClr val="tx2"/>
-                  </a:solidFill>
-                  <a:latin typeface="メイリオ" pitchFamily="50" charset="-128"/>
-                  <a:ea typeface="メイリオ" pitchFamily="50" charset="-128"/>
-                  <a:cs typeface="メイリオ" pitchFamily="50" charset="-128"/>
-                </a:defRPr>
-              </a:lvl2pPr>
-              <a:lvl3pPr algn="l" rtl="0" eaLnBrk="0" fontAlgn="base" hangingPunct="0">
-                <a:spcBef>
-                  <a:spcPct val="0"/>
-                </a:spcBef>
-                <a:spcAft>
-                  <a:spcPct val="0"/>
-                </a:spcAft>
-                <a:defRPr kumimoji="1" sz="3200">
-                  <a:solidFill>
-                    <a:schemeClr val="tx2"/>
-                  </a:solidFill>
-                  <a:latin typeface="メイリオ" pitchFamily="50" charset="-128"/>
-                  <a:ea typeface="メイリオ" pitchFamily="50" charset="-128"/>
-                  <a:cs typeface="メイリオ" pitchFamily="50" charset="-128"/>
-                </a:defRPr>
-              </a:lvl3pPr>
-              <a:lvl4pPr algn="l" rtl="0" eaLnBrk="0" fontAlgn="base" hangingPunct="0">
-                <a:spcBef>
-                  <a:spcPct val="0"/>
-                </a:spcBef>
-                <a:spcAft>
-                  <a:spcPct val="0"/>
-                </a:spcAft>
-                <a:defRPr kumimoji="1" sz="3200">
-                  <a:solidFill>
-                    <a:schemeClr val="tx2"/>
-                  </a:solidFill>
-                  <a:latin typeface="メイリオ" pitchFamily="50" charset="-128"/>
-                  <a:ea typeface="メイリオ" pitchFamily="50" charset="-128"/>
-                  <a:cs typeface="メイリオ" pitchFamily="50" charset="-128"/>
-                </a:defRPr>
-              </a:lvl4pPr>
-              <a:lvl5pPr algn="l" rtl="0" eaLnBrk="0" fontAlgn="base" hangingPunct="0">
-                <a:spcBef>
-                  <a:spcPct val="0"/>
-                </a:spcBef>
-                <a:spcAft>
-                  <a:spcPct val="0"/>
-                </a:spcAft>
-                <a:defRPr kumimoji="1" sz="3200">
-                  <a:solidFill>
-                    <a:schemeClr val="tx2"/>
-                  </a:solidFill>
-                  <a:latin typeface="メイリオ" pitchFamily="50" charset="-128"/>
-                  <a:ea typeface="メイリオ" pitchFamily="50" charset="-128"/>
-                  <a:cs typeface="メイリオ" pitchFamily="50" charset="-128"/>
-                </a:defRPr>
-              </a:lvl5pPr>
-              <a:lvl6pPr marL="457200" algn="l" rtl="0" fontAlgn="base">
-                <a:spcBef>
-                  <a:spcPct val="0"/>
-                </a:spcBef>
-                <a:spcAft>
-                  <a:spcPct val="0"/>
-                </a:spcAft>
-                <a:defRPr kumimoji="1" sz="3200">
-                  <a:solidFill>
-                    <a:schemeClr val="tx2"/>
-                  </a:solidFill>
-                  <a:latin typeface="メイリオ" pitchFamily="50" charset="-128"/>
-                  <a:ea typeface="メイリオ" pitchFamily="50" charset="-128"/>
-                  <a:cs typeface="メイリオ" pitchFamily="50" charset="-128"/>
-                </a:defRPr>
-              </a:lvl6pPr>
-              <a:lvl7pPr marL="914400" algn="l" rtl="0" fontAlgn="base">
-                <a:spcBef>
-                  <a:spcPct val="0"/>
-                </a:spcBef>
-                <a:spcAft>
-                  <a:spcPct val="0"/>
-                </a:spcAft>
-                <a:defRPr kumimoji="1" sz="3200">
-                  <a:solidFill>
-                    <a:schemeClr val="tx2"/>
-                  </a:solidFill>
-                  <a:latin typeface="メイリオ" pitchFamily="50" charset="-128"/>
-                  <a:ea typeface="メイリオ" pitchFamily="50" charset="-128"/>
-                  <a:cs typeface="メイリオ" pitchFamily="50" charset="-128"/>
-                </a:defRPr>
-              </a:lvl7pPr>
-              <a:lvl8pPr marL="1371600" algn="l" rtl="0" fontAlgn="base">
-                <a:spcBef>
-                  <a:spcPct val="0"/>
-                </a:spcBef>
-                <a:spcAft>
-                  <a:spcPct val="0"/>
-                </a:spcAft>
-                <a:defRPr kumimoji="1" sz="3200">
-                  <a:solidFill>
-                    <a:schemeClr val="tx2"/>
-                  </a:solidFill>
-                  <a:latin typeface="メイリオ" pitchFamily="50" charset="-128"/>
-                  <a:ea typeface="メイリオ" pitchFamily="50" charset="-128"/>
-                  <a:cs typeface="メイリオ" pitchFamily="50" charset="-128"/>
-                </a:defRPr>
-              </a:lvl8pPr>
-              <a:lvl9pPr marL="1828800" algn="l" rtl="0" fontAlgn="base">
-                <a:spcBef>
-                  <a:spcPct val="0"/>
-                </a:spcBef>
-                <a:spcAft>
-                  <a:spcPct val="0"/>
-                </a:spcAft>
-                <a:defRPr kumimoji="1" sz="3200">
-                  <a:solidFill>
-                    <a:schemeClr val="tx2"/>
-                  </a:solidFill>
-                  <a:latin typeface="メイリオ" pitchFamily="50" charset="-128"/>
-                  <a:ea typeface="メイリオ" pitchFamily="50" charset="-128"/>
-                  <a:cs typeface="メイリオ" pitchFamily="50" charset="-128"/>
-                </a:defRPr>
-              </a:lvl9pPr>
-            </a:lstStyle>
-            <a:p>
-              <a:pPr algn="ctr" defTabSz="924937"/>
-              <a:r>
-                <a:rPr lang="en-US" altLang="ja-JP" sz="1215" kern="0" dirty="0">
-                  <a:solidFill>
-                    <a:prstClr val="black"/>
-                  </a:solidFill>
-                  <a:latin typeface="Calibri"/>
-                  <a:ea typeface="ＭＳ Ｐゴシック" panose="020B0600070205080204" pitchFamily="50" charset="-128"/>
-                </a:rPr>
-                <a:t>DMA</a:t>
-              </a:r>
-            </a:p>
-          </p:txBody>
-        </p:sp>
-      </p:grpSp>
-      <p:grpSp>
-        <p:nvGrpSpPr>
-          <p:cNvPr id="266" name="グループ化 265"/>
-          <p:cNvGrpSpPr/>
-          <p:nvPr/>
-        </p:nvGrpSpPr>
-        <p:grpSpPr>
-          <a:xfrm>
-            <a:off x="1606388" y="1690563"/>
-            <a:ext cx="4926304" cy="232111"/>
+            <a:off x="1591874" y="1676049"/>
+            <a:ext cx="5112000" cy="240859"/>
             <a:chOff x="2411841" y="2692076"/>
             <a:chExt cx="4869913" cy="229454"/>
           </a:xfrm>
@@ -8384,7 +8392,7 @@
             <a:p>
               <a:pPr algn="ctr" defTabSz="924937"/>
               <a:r>
-                <a:rPr lang="en-US" altLang="ja-JP" sz="1215" kern="0" dirty="0">
+                <a:rPr lang="en-US" altLang="ja-JP" sz="1600" kern="0" dirty="0">
                   <a:solidFill>
                     <a:prstClr val="black"/>
                   </a:solidFill>
@@ -8579,7 +8587,7 @@
             <a:p>
               <a:pPr algn="ctr" defTabSz="924937"/>
               <a:r>
-                <a:rPr lang="en-US" altLang="ja-JP" sz="1215" kern="0" dirty="0">
+                <a:rPr lang="en-US" altLang="ja-JP" sz="1600" kern="0" dirty="0">
                   <a:solidFill>
                     <a:prstClr val="black"/>
                   </a:solidFill>
@@ -8774,7 +8782,7 @@
             <a:p>
               <a:pPr algn="ctr" defTabSz="924937"/>
               <a:r>
-                <a:rPr lang="en-US" altLang="ja-JP" sz="1215" kern="0" dirty="0">
+                <a:rPr lang="en-US" altLang="ja-JP" sz="1600" kern="0" dirty="0">
                   <a:solidFill>
                     <a:prstClr val="black"/>
                   </a:solidFill>
@@ -8969,7 +8977,7 @@
             <a:p>
               <a:pPr algn="ctr" defTabSz="924937"/>
               <a:r>
-                <a:rPr lang="en-US" altLang="ja-JP" sz="1215" kern="0" dirty="0">
+                <a:rPr lang="en-US" altLang="ja-JP" sz="1600" kern="0" dirty="0">
                   <a:solidFill>
                     <a:prstClr val="black"/>
                   </a:solidFill>
@@ -9049,7 +9057,7 @@
               </a:pathLst>
             </a:custGeom>
             <a:noFill/>
-            <a:ln w="12700">
+            <a:ln w="28575">
               <a:solidFill>
                 <a:srgbClr val="FF0000"/>
               </a:solidFill>
@@ -9139,7 +9147,7 @@
               </a:pathLst>
             </a:custGeom>
             <a:noFill/>
-            <a:ln w="12700">
+            <a:ln w="28575">
               <a:solidFill>
                 <a:srgbClr val="FF0000"/>
               </a:solidFill>
@@ -9229,7 +9237,7 @@
               </a:pathLst>
             </a:custGeom>
             <a:noFill/>
-            <a:ln w="12700">
+            <a:ln w="28575">
               <a:solidFill>
                 <a:srgbClr val="FF0000"/>
               </a:solidFill>
@@ -9319,7 +9327,7 @@
               </a:pathLst>
             </a:custGeom>
             <a:noFill/>
-            <a:ln w="12700">
+            <a:ln w="28575">
               <a:solidFill>
                 <a:srgbClr val="FF0000"/>
               </a:solidFill>
@@ -9424,7 +9432,7 @@
               </a:pathLst>
             </a:custGeom>
             <a:noFill/>
-            <a:ln w="12700">
+            <a:ln w="28575">
               <a:solidFill>
                 <a:srgbClr val="FF0000"/>
               </a:solidFill>
@@ -9514,7 +9522,7 @@
               </a:pathLst>
             </a:custGeom>
             <a:noFill/>
-            <a:ln w="12700">
+            <a:ln w="28575">
               <a:solidFill>
                 <a:srgbClr val="FF0000"/>
               </a:solidFill>
@@ -9604,7 +9612,7 @@
               </a:pathLst>
             </a:custGeom>
             <a:noFill/>
-            <a:ln w="12700">
+            <a:ln w="28575">
               <a:solidFill>
                 <a:srgbClr val="FF0000"/>
               </a:solidFill>
@@ -9694,7 +9702,7 @@
               </a:pathLst>
             </a:custGeom>
             <a:noFill/>
-            <a:ln w="12700">
+            <a:ln w="28575">
               <a:solidFill>
                 <a:srgbClr val="FF0000"/>
               </a:solidFill>
@@ -9799,7 +9807,7 @@
               </a:pathLst>
             </a:custGeom>
             <a:noFill/>
-            <a:ln w="12700">
+            <a:ln w="28575">
               <a:solidFill>
                 <a:srgbClr val="FF0000"/>
               </a:solidFill>
@@ -9889,7 +9897,7 @@
               </a:pathLst>
             </a:custGeom>
             <a:noFill/>
-            <a:ln w="12700">
+            <a:ln w="28575">
               <a:solidFill>
                 <a:srgbClr val="FF0000"/>
               </a:solidFill>
@@ -9979,7 +9987,7 @@
               </a:pathLst>
             </a:custGeom>
             <a:noFill/>
-            <a:ln w="12700">
+            <a:ln w="28575">
               <a:solidFill>
                 <a:srgbClr val="FF0000"/>
               </a:solidFill>
@@ -10069,7 +10077,7 @@
               </a:pathLst>
             </a:custGeom>
             <a:noFill/>
-            <a:ln w="12700">
+            <a:ln w="28575">
               <a:solidFill>
                 <a:srgbClr val="FF0000"/>
               </a:solidFill>
@@ -10174,7 +10182,7 @@
               </a:pathLst>
             </a:custGeom>
             <a:noFill/>
-            <a:ln w="12700">
+            <a:ln w="28575">
               <a:solidFill>
                 <a:srgbClr val="FF0000"/>
               </a:solidFill>
@@ -10264,7 +10272,7 @@
               </a:pathLst>
             </a:custGeom>
             <a:noFill/>
-            <a:ln w="12700">
+            <a:ln w="28575">
               <a:solidFill>
                 <a:srgbClr val="FF0000"/>
               </a:solidFill>
@@ -10354,7 +10362,7 @@
               </a:pathLst>
             </a:custGeom>
             <a:noFill/>
-            <a:ln w="12700">
+            <a:ln w="28575">
               <a:solidFill>
                 <a:srgbClr val="FF0000"/>
               </a:solidFill>
@@ -10444,7 +10452,7 @@
               </a:pathLst>
             </a:custGeom>
             <a:noFill/>
-            <a:ln w="12700">
+            <a:ln w="28575">
               <a:solidFill>
                 <a:srgbClr val="FF0000"/>
               </a:solidFill>
@@ -10549,7 +10557,7 @@
               </a:pathLst>
             </a:custGeom>
             <a:noFill/>
-            <a:ln w="12700">
+            <a:ln w="28575">
               <a:solidFill>
                 <a:srgbClr val="FF0000"/>
               </a:solidFill>
@@ -10639,7 +10647,7 @@
               </a:pathLst>
             </a:custGeom>
             <a:noFill/>
-            <a:ln w="12700">
+            <a:ln w="28575">
               <a:solidFill>
                 <a:srgbClr val="FF0000"/>
               </a:solidFill>
@@ -10729,7 +10737,7 @@
               </a:pathLst>
             </a:custGeom>
             <a:noFill/>
-            <a:ln w="12700">
+            <a:ln w="28575">
               <a:solidFill>
                 <a:srgbClr val="FF0000"/>
               </a:solidFill>
@@ -10819,7 +10827,7 @@
               </a:pathLst>
             </a:custGeom>
             <a:noFill/>
-            <a:ln w="12700">
+            <a:ln w="28575">
               <a:solidFill>
                 <a:srgbClr val="FF0000"/>
               </a:solidFill>
@@ -10924,7 +10932,7 @@
               </a:pathLst>
             </a:custGeom>
             <a:noFill/>
-            <a:ln w="12700">
+            <a:ln w="28575">
               <a:solidFill>
                 <a:srgbClr val="FF0000"/>
               </a:solidFill>
@@ -11014,7 +11022,7 @@
               </a:pathLst>
             </a:custGeom>
             <a:noFill/>
-            <a:ln w="12700">
+            <a:ln w="28575">
               <a:solidFill>
                 <a:srgbClr val="FF0000"/>
               </a:solidFill>
@@ -11104,7 +11112,7 @@
               </a:pathLst>
             </a:custGeom>
             <a:noFill/>
-            <a:ln w="12700">
+            <a:ln w="28575">
               <a:solidFill>
                 <a:srgbClr val="FF0000"/>
               </a:solidFill>
@@ -11194,7 +11202,7 @@
               </a:pathLst>
             </a:custGeom>
             <a:noFill/>
-            <a:ln w="12700">
+            <a:ln w="28575">
               <a:solidFill>
                 <a:srgbClr val="FF0000"/>
               </a:solidFill>
@@ -11299,7 +11307,7 @@
               </a:pathLst>
             </a:custGeom>
             <a:noFill/>
-            <a:ln w="12700">
+            <a:ln w="28575">
               <a:solidFill>
                 <a:srgbClr val="FF0000"/>
               </a:solidFill>
@@ -11389,7 +11397,7 @@
               </a:pathLst>
             </a:custGeom>
             <a:noFill/>
-            <a:ln w="12700">
+            <a:ln w="28575">
               <a:solidFill>
                 <a:srgbClr val="FF0000"/>
               </a:solidFill>
@@ -11479,7 +11487,7 @@
               </a:pathLst>
             </a:custGeom>
             <a:noFill/>
-            <a:ln w="12700">
+            <a:ln w="28575">
               <a:solidFill>
                 <a:srgbClr val="FF0000"/>
               </a:solidFill>
@@ -11569,7 +11577,7 @@
               </a:pathLst>
             </a:custGeom>
             <a:noFill/>
-            <a:ln w="12700">
+            <a:ln w="28575">
               <a:solidFill>
                 <a:srgbClr val="FF0000"/>
               </a:solidFill>
@@ -11674,7 +11682,7 @@
               </a:pathLst>
             </a:custGeom>
             <a:noFill/>
-            <a:ln w="12700">
+            <a:ln w="28575">
               <a:solidFill>
                 <a:srgbClr val="FF0000"/>
               </a:solidFill>
@@ -11764,7 +11772,7 @@
               </a:pathLst>
             </a:custGeom>
             <a:noFill/>
-            <a:ln w="12700">
+            <a:ln w="28575">
               <a:solidFill>
                 <a:srgbClr val="FF0000"/>
               </a:solidFill>
@@ -11854,7 +11862,7 @@
               </a:pathLst>
             </a:custGeom>
             <a:noFill/>
-            <a:ln w="12700">
+            <a:ln w="28575">
               <a:solidFill>
                 <a:srgbClr val="FF0000"/>
               </a:solidFill>
@@ -11944,7 +11952,7 @@
               </a:pathLst>
             </a:custGeom>
             <a:noFill/>
-            <a:ln w="12700">
+            <a:ln w="28575">
               <a:solidFill>
                 <a:srgbClr val="FF0000"/>
               </a:solidFill>
@@ -11982,462 +11990,507 @@
           </p:txBody>
         </p:sp>
       </p:grpSp>
-      <p:cxnSp>
-        <p:nvCxnSpPr>
-          <p:cNvPr id="123" name="直線コネクタ 122"/>
-          <p:cNvCxnSpPr>
-            <a:stCxn id="6" idx="4"/>
-            <a:endCxn id="2" idx="0"/>
-          </p:cNvCxnSpPr>
+      <p:grpSp>
+        <p:nvGrpSpPr>
+          <p:cNvPr id="16" name="グループ化 15"/>
+          <p:cNvGrpSpPr/>
           <p:nvPr/>
-        </p:nvCxnSpPr>
-        <p:spPr>
+        </p:nvGrpSpPr>
+        <p:grpSpPr>
           <a:xfrm>
-            <a:off x="2405717" y="1276644"/>
-            <a:ext cx="0" cy="790429"/>
+            <a:off x="2438793" y="1345285"/>
+            <a:ext cx="4377527" cy="663732"/>
+            <a:chOff x="2438793" y="1345285"/>
+            <a:chExt cx="4377527" cy="663732"/>
           </a:xfrm>
-          <a:prstGeom prst="line">
-            <a:avLst/>
-          </a:prstGeom>
-          <a:ln w="12700">
-            <a:solidFill>
-              <a:srgbClr val="FF0000"/>
-            </a:solidFill>
-          </a:ln>
-        </p:spPr>
-        <p:style>
-          <a:lnRef idx="1">
-            <a:schemeClr val="accent1"/>
-          </a:lnRef>
-          <a:fillRef idx="0">
-            <a:schemeClr val="accent1"/>
-          </a:fillRef>
-          <a:effectRef idx="0">
-            <a:schemeClr val="accent1"/>
-          </a:effectRef>
-          <a:fontRef idx="minor">
-            <a:schemeClr val="tx1"/>
-          </a:fontRef>
-        </p:style>
-      </p:cxnSp>
-      <p:cxnSp>
-        <p:nvCxnSpPr>
-          <p:cNvPr id="131" name="直線コネクタ 130"/>
-          <p:cNvCxnSpPr>
-            <a:stCxn id="7" idx="4"/>
-            <a:endCxn id="3" idx="0"/>
-          </p:cNvCxnSpPr>
+        </p:grpSpPr>
+        <p:cxnSp>
+          <p:nvCxnSpPr>
+            <p:cNvPr id="123" name="直線コネクタ 122"/>
+            <p:cNvCxnSpPr>
+              <a:stCxn id="6" idx="4"/>
+              <a:endCxn id="2" idx="0"/>
+            </p:cNvCxnSpPr>
+            <p:nvPr/>
+          </p:nvCxnSpPr>
+          <p:spPr>
+            <a:xfrm flipH="1">
+              <a:off x="2438793" y="1345285"/>
+              <a:ext cx="2" cy="663732"/>
+            </a:xfrm>
+            <a:prstGeom prst="line">
+              <a:avLst/>
+            </a:prstGeom>
+            <a:ln w="28575">
+              <a:solidFill>
+                <a:srgbClr val="FF0000"/>
+              </a:solidFill>
+            </a:ln>
+          </p:spPr>
+          <p:style>
+            <a:lnRef idx="1">
+              <a:schemeClr val="accent1"/>
+            </a:lnRef>
+            <a:fillRef idx="0">
+              <a:schemeClr val="accent1"/>
+            </a:fillRef>
+            <a:effectRef idx="0">
+              <a:schemeClr val="accent1"/>
+            </a:effectRef>
+            <a:fontRef idx="minor">
+              <a:schemeClr val="tx1"/>
+            </a:fontRef>
+          </p:style>
+        </p:cxnSp>
+        <p:cxnSp>
+          <p:nvCxnSpPr>
+            <p:cNvPr id="131" name="直線コネクタ 130"/>
+            <p:cNvCxnSpPr>
+              <a:stCxn id="7" idx="4"/>
+              <a:endCxn id="3" idx="0"/>
+            </p:cNvCxnSpPr>
+            <p:nvPr/>
+          </p:nvCxnSpPr>
+          <p:spPr>
+            <a:xfrm flipH="1">
+              <a:off x="3897148" y="1345285"/>
+              <a:ext cx="1" cy="663732"/>
+            </a:xfrm>
+            <a:prstGeom prst="line">
+              <a:avLst/>
+            </a:prstGeom>
+            <a:ln w="28575">
+              <a:solidFill>
+                <a:srgbClr val="FF0000"/>
+              </a:solidFill>
+            </a:ln>
+          </p:spPr>
+          <p:style>
+            <a:lnRef idx="1">
+              <a:schemeClr val="accent1"/>
+            </a:lnRef>
+            <a:fillRef idx="0">
+              <a:schemeClr val="accent1"/>
+            </a:fillRef>
+            <a:effectRef idx="0">
+              <a:schemeClr val="accent1"/>
+            </a:effectRef>
+            <a:fontRef idx="minor">
+              <a:schemeClr val="tx1"/>
+            </a:fontRef>
+          </p:style>
+        </p:cxnSp>
+        <p:cxnSp>
+          <p:nvCxnSpPr>
+            <p:cNvPr id="133" name="直線コネクタ 132"/>
+            <p:cNvCxnSpPr>
+              <a:stCxn id="37" idx="4"/>
+              <a:endCxn id="35" idx="0"/>
+            </p:cNvCxnSpPr>
+            <p:nvPr/>
+          </p:nvCxnSpPr>
+          <p:spPr>
+            <a:xfrm>
+              <a:off x="5357964" y="1345285"/>
+              <a:ext cx="0" cy="663732"/>
+            </a:xfrm>
+            <a:prstGeom prst="line">
+              <a:avLst/>
+            </a:prstGeom>
+            <a:ln w="28575">
+              <a:solidFill>
+                <a:srgbClr val="FF0000"/>
+              </a:solidFill>
+            </a:ln>
+          </p:spPr>
+          <p:style>
+            <a:lnRef idx="1">
+              <a:schemeClr val="accent1"/>
+            </a:lnRef>
+            <a:fillRef idx="0">
+              <a:schemeClr val="accent1"/>
+            </a:fillRef>
+            <a:effectRef idx="0">
+              <a:schemeClr val="accent1"/>
+            </a:effectRef>
+            <a:fontRef idx="minor">
+              <a:schemeClr val="tx1"/>
+            </a:fontRef>
+          </p:style>
+        </p:cxnSp>
+        <p:cxnSp>
+          <p:nvCxnSpPr>
+            <p:cNvPr id="135" name="直線コネクタ 134"/>
+            <p:cNvCxnSpPr>
+              <a:stCxn id="38" idx="4"/>
+              <a:endCxn id="36" idx="0"/>
+            </p:cNvCxnSpPr>
+            <p:nvPr/>
+          </p:nvCxnSpPr>
+          <p:spPr>
+            <a:xfrm>
+              <a:off x="6816320" y="1345285"/>
+              <a:ext cx="0" cy="663732"/>
+            </a:xfrm>
+            <a:prstGeom prst="line">
+              <a:avLst/>
+            </a:prstGeom>
+            <a:ln w="28575">
+              <a:solidFill>
+                <a:srgbClr val="FF0000"/>
+              </a:solidFill>
+            </a:ln>
+          </p:spPr>
+          <p:style>
+            <a:lnRef idx="1">
+              <a:schemeClr val="accent1"/>
+            </a:lnRef>
+            <a:fillRef idx="0">
+              <a:schemeClr val="accent1"/>
+            </a:fillRef>
+            <a:effectRef idx="0">
+              <a:schemeClr val="accent1"/>
+            </a:effectRef>
+            <a:fontRef idx="minor">
+              <a:schemeClr val="tx1"/>
+            </a:fontRef>
+          </p:style>
+        </p:cxnSp>
+      </p:grpSp>
+      <p:grpSp>
+        <p:nvGrpSpPr>
+          <p:cNvPr id="17" name="グループ化 16"/>
+          <p:cNvGrpSpPr/>
           <p:nvPr/>
-        </p:nvCxnSpPr>
-        <p:spPr>
+        </p:nvGrpSpPr>
+        <p:grpSpPr>
           <a:xfrm>
-            <a:off x="3864074" y="1276644"/>
-            <a:ext cx="0" cy="790429"/>
+            <a:off x="1355005" y="2392964"/>
+            <a:ext cx="713910" cy="4329116"/>
+            <a:chOff x="1355005" y="2392964"/>
+            <a:chExt cx="713910" cy="4329116"/>
           </a:xfrm>
-          <a:prstGeom prst="line">
-            <a:avLst/>
-          </a:prstGeom>
-          <a:ln w="12700">
-            <a:solidFill>
-              <a:srgbClr val="FF0000"/>
-            </a:solidFill>
-          </a:ln>
-        </p:spPr>
-        <p:style>
-          <a:lnRef idx="1">
-            <a:schemeClr val="accent1"/>
-          </a:lnRef>
-          <a:fillRef idx="0">
-            <a:schemeClr val="accent1"/>
-          </a:fillRef>
-          <a:effectRef idx="0">
-            <a:schemeClr val="accent1"/>
-          </a:effectRef>
-          <a:fontRef idx="minor">
-            <a:schemeClr val="tx1"/>
-          </a:fontRef>
-        </p:style>
-      </p:cxnSp>
-      <p:cxnSp>
-        <p:nvCxnSpPr>
-          <p:cNvPr id="133" name="直線コネクタ 132"/>
-          <p:cNvCxnSpPr>
-            <a:stCxn id="37" idx="4"/>
-            <a:endCxn id="35" idx="0"/>
-          </p:cNvCxnSpPr>
+        </p:grpSpPr>
+        <p:cxnSp>
+          <p:nvCxnSpPr>
+            <p:cNvPr id="137" name="直線コネクタ 136"/>
+            <p:cNvCxnSpPr>
+              <a:stCxn id="60" idx="6"/>
+              <a:endCxn id="2" idx="2"/>
+            </p:cNvCxnSpPr>
+            <p:nvPr/>
+          </p:nvCxnSpPr>
+          <p:spPr>
+            <a:xfrm>
+              <a:off x="1355005" y="2392964"/>
+              <a:ext cx="705788" cy="1652"/>
+            </a:xfrm>
+            <a:prstGeom prst="line">
+              <a:avLst/>
+            </a:prstGeom>
+            <a:ln w="28575">
+              <a:solidFill>
+                <a:srgbClr val="FF0000"/>
+              </a:solidFill>
+            </a:ln>
+          </p:spPr>
+          <p:style>
+            <a:lnRef idx="1">
+              <a:schemeClr val="accent1"/>
+            </a:lnRef>
+            <a:fillRef idx="0">
+              <a:schemeClr val="accent1"/>
+            </a:fillRef>
+            <a:effectRef idx="0">
+              <a:schemeClr val="accent1"/>
+            </a:effectRef>
+            <a:fontRef idx="minor">
+              <a:schemeClr val="tx1"/>
+            </a:fontRef>
+          </p:style>
+        </p:cxnSp>
+        <p:cxnSp>
+          <p:nvCxnSpPr>
+            <p:cNvPr id="139" name="直線コネクタ 138"/>
+            <p:cNvCxnSpPr>
+              <a:stCxn id="62" idx="6"/>
+              <a:endCxn id="42" idx="2"/>
+            </p:cNvCxnSpPr>
+            <p:nvPr/>
+          </p:nvCxnSpPr>
+          <p:spPr>
+            <a:xfrm>
+              <a:off x="1355005" y="3841959"/>
+              <a:ext cx="705788" cy="1653"/>
+            </a:xfrm>
+            <a:prstGeom prst="line">
+              <a:avLst/>
+            </a:prstGeom>
+            <a:ln w="28575">
+              <a:solidFill>
+                <a:srgbClr val="FF0000"/>
+              </a:solidFill>
+            </a:ln>
+          </p:spPr>
+          <p:style>
+            <a:lnRef idx="1">
+              <a:schemeClr val="accent1"/>
+            </a:lnRef>
+            <a:fillRef idx="0">
+              <a:schemeClr val="accent1"/>
+            </a:fillRef>
+            <a:effectRef idx="0">
+              <a:schemeClr val="accent1"/>
+            </a:effectRef>
+            <a:fontRef idx="minor">
+              <a:schemeClr val="tx1"/>
+            </a:fontRef>
+          </p:style>
+        </p:cxnSp>
+        <p:cxnSp>
+          <p:nvCxnSpPr>
+            <p:cNvPr id="141" name="直線コネクタ 140"/>
+            <p:cNvCxnSpPr>
+              <a:stCxn id="61" idx="6"/>
+              <a:endCxn id="40" idx="2"/>
+            </p:cNvCxnSpPr>
+            <p:nvPr/>
+          </p:nvCxnSpPr>
+          <p:spPr>
+            <a:xfrm>
+              <a:off x="1355005" y="5276889"/>
+              <a:ext cx="705788" cy="1652"/>
+            </a:xfrm>
+            <a:prstGeom prst="line">
+              <a:avLst/>
+            </a:prstGeom>
+            <a:ln w="28575">
+              <a:solidFill>
+                <a:srgbClr val="FF0000"/>
+              </a:solidFill>
+            </a:ln>
+          </p:spPr>
+          <p:style>
+            <a:lnRef idx="1">
+              <a:schemeClr val="accent1"/>
+            </a:lnRef>
+            <a:fillRef idx="0">
+              <a:schemeClr val="accent1"/>
+            </a:fillRef>
+            <a:effectRef idx="0">
+              <a:schemeClr val="accent1"/>
+            </a:effectRef>
+            <a:fontRef idx="minor">
+              <a:schemeClr val="tx1"/>
+            </a:fontRef>
+          </p:style>
+        </p:cxnSp>
+        <p:cxnSp>
+          <p:nvCxnSpPr>
+            <p:cNvPr id="143" name="直線コネクタ 142"/>
+            <p:cNvCxnSpPr>
+              <a:stCxn id="63" idx="6"/>
+              <a:endCxn id="51" idx="2"/>
+            </p:cNvCxnSpPr>
+            <p:nvPr/>
+          </p:nvCxnSpPr>
+          <p:spPr>
+            <a:xfrm>
+              <a:off x="1363126" y="6720427"/>
+              <a:ext cx="705789" cy="1653"/>
+            </a:xfrm>
+            <a:prstGeom prst="line">
+              <a:avLst/>
+            </a:prstGeom>
+            <a:ln w="28575">
+              <a:solidFill>
+                <a:srgbClr val="FF0000"/>
+              </a:solidFill>
+            </a:ln>
+          </p:spPr>
+          <p:style>
+            <a:lnRef idx="1">
+              <a:schemeClr val="accent1"/>
+            </a:lnRef>
+            <a:fillRef idx="0">
+              <a:schemeClr val="accent1"/>
+            </a:fillRef>
+            <a:effectRef idx="0">
+              <a:schemeClr val="accent1"/>
+            </a:effectRef>
+            <a:fontRef idx="minor">
+              <a:schemeClr val="tx1"/>
+            </a:fontRef>
+          </p:style>
+        </p:cxnSp>
+      </p:grpSp>
+      <p:grpSp>
+        <p:nvGrpSpPr>
+          <p:cNvPr id="18" name="グループ化 17"/>
+          <p:cNvGrpSpPr/>
           <p:nvPr/>
-        </p:nvCxnSpPr>
-        <p:spPr>
+        </p:nvGrpSpPr>
+        <p:grpSpPr>
           <a:xfrm>
-            <a:off x="5324887" y="1276644"/>
-            <a:ext cx="0" cy="790429"/>
+            <a:off x="7194318" y="2394616"/>
+            <a:ext cx="666936" cy="4339204"/>
+            <a:chOff x="7194318" y="2394616"/>
+            <a:chExt cx="666936" cy="4339204"/>
           </a:xfrm>
-          <a:prstGeom prst="line">
-            <a:avLst/>
-          </a:prstGeom>
-          <a:ln w="12700">
-            <a:solidFill>
-              <a:srgbClr val="FF0000"/>
-            </a:solidFill>
-          </a:ln>
-        </p:spPr>
-        <p:style>
-          <a:lnRef idx="1">
-            <a:schemeClr val="accent1"/>
-          </a:lnRef>
-          <a:fillRef idx="0">
-            <a:schemeClr val="accent1"/>
-          </a:fillRef>
-          <a:effectRef idx="0">
-            <a:schemeClr val="accent1"/>
-          </a:effectRef>
-          <a:fontRef idx="minor">
-            <a:schemeClr val="tx1"/>
-          </a:fontRef>
-        </p:style>
-      </p:cxnSp>
-      <p:cxnSp>
-        <p:nvCxnSpPr>
-          <p:cNvPr id="135" name="直線コネクタ 134"/>
-          <p:cNvCxnSpPr>
-            <a:stCxn id="38" idx="4"/>
-            <a:endCxn id="36" idx="0"/>
-          </p:cNvCxnSpPr>
-          <p:nvPr/>
-        </p:nvCxnSpPr>
-        <p:spPr>
-          <a:xfrm>
-            <a:off x="6783244" y="1276644"/>
-            <a:ext cx="0" cy="790429"/>
-          </a:xfrm>
-          <a:prstGeom prst="line">
-            <a:avLst/>
-          </a:prstGeom>
-          <a:ln w="12700">
-            <a:solidFill>
-              <a:srgbClr val="FF0000"/>
-            </a:solidFill>
-          </a:ln>
-        </p:spPr>
-        <p:style>
-          <a:lnRef idx="1">
-            <a:schemeClr val="accent1"/>
-          </a:lnRef>
-          <a:fillRef idx="0">
-            <a:schemeClr val="accent1"/>
-          </a:fillRef>
-          <a:effectRef idx="0">
-            <a:schemeClr val="accent1"/>
-          </a:effectRef>
-          <a:fontRef idx="minor">
-            <a:schemeClr val="tx1"/>
-          </a:fontRef>
-        </p:style>
-      </p:cxnSp>
-      <p:cxnSp>
-        <p:nvCxnSpPr>
-          <p:cNvPr id="137" name="直線コネクタ 136"/>
-          <p:cNvCxnSpPr>
-            <a:stCxn id="60" idx="6"/>
-            <a:endCxn id="2" idx="2"/>
-          </p:cNvCxnSpPr>
-          <p:nvPr/>
-        </p:nvCxnSpPr>
-        <p:spPr>
-          <a:xfrm>
-            <a:off x="1259834" y="2387672"/>
-            <a:ext cx="829988" cy="1651"/>
-          </a:xfrm>
-          <a:prstGeom prst="line">
-            <a:avLst/>
-          </a:prstGeom>
-          <a:ln w="12700">
-            <a:solidFill>
-              <a:srgbClr val="FF0000"/>
-            </a:solidFill>
-          </a:ln>
-        </p:spPr>
-        <p:style>
-          <a:lnRef idx="1">
-            <a:schemeClr val="accent1"/>
-          </a:lnRef>
-          <a:fillRef idx="0">
-            <a:schemeClr val="accent1"/>
-          </a:fillRef>
-          <a:effectRef idx="0">
-            <a:schemeClr val="accent1"/>
-          </a:effectRef>
-          <a:fontRef idx="minor">
-            <a:schemeClr val="tx1"/>
-          </a:fontRef>
-        </p:style>
-      </p:cxnSp>
-      <p:cxnSp>
-        <p:nvCxnSpPr>
-          <p:cNvPr id="139" name="直線コネクタ 138"/>
-          <p:cNvCxnSpPr>
-            <a:stCxn id="62" idx="6"/>
-            <a:endCxn id="42" idx="2"/>
-          </p:cNvCxnSpPr>
-          <p:nvPr/>
-        </p:nvCxnSpPr>
-        <p:spPr>
-          <a:xfrm>
-            <a:off x="1259834" y="3836668"/>
-            <a:ext cx="829988" cy="1651"/>
-          </a:xfrm>
-          <a:prstGeom prst="line">
-            <a:avLst/>
-          </a:prstGeom>
-          <a:ln w="12700">
-            <a:solidFill>
-              <a:srgbClr val="FF0000"/>
-            </a:solidFill>
-          </a:ln>
-        </p:spPr>
-        <p:style>
-          <a:lnRef idx="1">
-            <a:schemeClr val="accent1"/>
-          </a:lnRef>
-          <a:fillRef idx="0">
-            <a:schemeClr val="accent1"/>
-          </a:fillRef>
-          <a:effectRef idx="0">
-            <a:schemeClr val="accent1"/>
-          </a:effectRef>
-          <a:fontRef idx="minor">
-            <a:schemeClr val="tx1"/>
-          </a:fontRef>
-        </p:style>
-      </p:cxnSp>
-      <p:cxnSp>
-        <p:nvCxnSpPr>
-          <p:cNvPr id="141" name="直線コネクタ 140"/>
-          <p:cNvCxnSpPr>
-            <a:stCxn id="61" idx="6"/>
-            <a:endCxn id="40" idx="2"/>
-          </p:cNvCxnSpPr>
-          <p:nvPr/>
-        </p:nvCxnSpPr>
-        <p:spPr>
-          <a:xfrm>
-            <a:off x="1259834" y="5271597"/>
-            <a:ext cx="829988" cy="1651"/>
-          </a:xfrm>
-          <a:prstGeom prst="line">
-            <a:avLst/>
-          </a:prstGeom>
-          <a:ln w="12700">
-            <a:solidFill>
-              <a:srgbClr val="FF0000"/>
-            </a:solidFill>
-          </a:ln>
-        </p:spPr>
-        <p:style>
-          <a:lnRef idx="1">
-            <a:schemeClr val="accent1"/>
-          </a:lnRef>
-          <a:fillRef idx="0">
-            <a:schemeClr val="accent1"/>
-          </a:fillRef>
-          <a:effectRef idx="0">
-            <a:schemeClr val="accent1"/>
-          </a:effectRef>
-          <a:fontRef idx="minor">
-            <a:schemeClr val="tx1"/>
-          </a:fontRef>
-        </p:style>
-      </p:cxnSp>
-      <p:cxnSp>
-        <p:nvCxnSpPr>
-          <p:cNvPr id="143" name="直線コネクタ 142"/>
-          <p:cNvCxnSpPr>
-            <a:stCxn id="63" idx="6"/>
-            <a:endCxn id="51" idx="2"/>
-          </p:cNvCxnSpPr>
-          <p:nvPr/>
-        </p:nvCxnSpPr>
-        <p:spPr>
-          <a:xfrm>
-            <a:off x="1267955" y="6715135"/>
-            <a:ext cx="829988" cy="1651"/>
-          </a:xfrm>
-          <a:prstGeom prst="line">
-            <a:avLst/>
-          </a:prstGeom>
-          <a:ln w="12700">
-            <a:solidFill>
-              <a:srgbClr val="FF0000"/>
-            </a:solidFill>
-          </a:ln>
-        </p:spPr>
-        <p:style>
-          <a:lnRef idx="1">
-            <a:schemeClr val="accent1"/>
-          </a:lnRef>
-          <a:fillRef idx="0">
-            <a:schemeClr val="accent1"/>
-          </a:fillRef>
-          <a:effectRef idx="0">
-            <a:schemeClr val="accent1"/>
-          </a:effectRef>
-          <a:fontRef idx="minor">
-            <a:schemeClr val="tx1"/>
-          </a:fontRef>
-        </p:style>
-      </p:cxnSp>
-      <p:cxnSp>
-        <p:nvCxnSpPr>
-          <p:cNvPr id="145" name="直線コネクタ 144"/>
-          <p:cNvCxnSpPr>
-            <a:stCxn id="36" idx="6"/>
-            <a:endCxn id="64" idx="2"/>
-          </p:cNvCxnSpPr>
-          <p:nvPr/>
-        </p:nvCxnSpPr>
-        <p:spPr>
-          <a:xfrm>
-            <a:off x="7099148" y="2389316"/>
-            <a:ext cx="826556" cy="11740"/>
-          </a:xfrm>
-          <a:prstGeom prst="line">
-            <a:avLst/>
-          </a:prstGeom>
-          <a:ln w="12700">
-            <a:solidFill>
-              <a:srgbClr val="FF0000"/>
-            </a:solidFill>
-          </a:ln>
-        </p:spPr>
-        <p:style>
-          <a:lnRef idx="1">
-            <a:schemeClr val="accent1"/>
-          </a:lnRef>
-          <a:fillRef idx="0">
-            <a:schemeClr val="accent1"/>
-          </a:fillRef>
-          <a:effectRef idx="0">
-            <a:schemeClr val="accent1"/>
-          </a:effectRef>
-          <a:fontRef idx="minor">
-            <a:schemeClr val="tx1"/>
-          </a:fontRef>
-        </p:style>
-      </p:cxnSp>
-      <p:cxnSp>
-        <p:nvCxnSpPr>
-          <p:cNvPr id="147" name="直線コネクタ 146"/>
-          <p:cNvCxnSpPr>
-            <a:stCxn id="47" idx="6"/>
-            <a:endCxn id="66" idx="2"/>
-          </p:cNvCxnSpPr>
-          <p:nvPr/>
-        </p:nvCxnSpPr>
-        <p:spPr>
-          <a:xfrm>
-            <a:off x="7099148" y="3838312"/>
-            <a:ext cx="826556" cy="11740"/>
-          </a:xfrm>
-          <a:prstGeom prst="line">
-            <a:avLst/>
-          </a:prstGeom>
-          <a:ln w="12700">
-            <a:solidFill>
-              <a:srgbClr val="FF0000"/>
-            </a:solidFill>
-          </a:ln>
-        </p:spPr>
-        <p:style>
-          <a:lnRef idx="1">
-            <a:schemeClr val="accent1"/>
-          </a:lnRef>
-          <a:fillRef idx="0">
-            <a:schemeClr val="accent1"/>
-          </a:fillRef>
-          <a:effectRef idx="0">
-            <a:schemeClr val="accent1"/>
-          </a:effectRef>
-          <a:fontRef idx="minor">
-            <a:schemeClr val="tx1"/>
-          </a:fontRef>
-        </p:style>
-      </p:cxnSp>
-      <p:cxnSp>
-        <p:nvCxnSpPr>
-          <p:cNvPr id="149" name="直線コネクタ 148"/>
-          <p:cNvCxnSpPr>
-            <a:stCxn id="45" idx="6"/>
-            <a:endCxn id="65" idx="2"/>
-          </p:cNvCxnSpPr>
-          <p:nvPr/>
-        </p:nvCxnSpPr>
-        <p:spPr>
-          <a:xfrm>
-            <a:off x="7099148" y="5273241"/>
-            <a:ext cx="826556" cy="11740"/>
-          </a:xfrm>
-          <a:prstGeom prst="line">
-            <a:avLst/>
-          </a:prstGeom>
-          <a:ln w="12700">
-            <a:solidFill>
-              <a:srgbClr val="FF0000"/>
-            </a:solidFill>
-          </a:ln>
-        </p:spPr>
-        <p:style>
-          <a:lnRef idx="1">
-            <a:schemeClr val="accent1"/>
-          </a:lnRef>
-          <a:fillRef idx="0">
-            <a:schemeClr val="accent1"/>
-          </a:fillRef>
-          <a:effectRef idx="0">
-            <a:schemeClr val="accent1"/>
-          </a:effectRef>
-          <a:fontRef idx="minor">
-            <a:schemeClr val="tx1"/>
-          </a:fontRef>
-        </p:style>
-      </p:cxnSp>
-      <p:cxnSp>
-        <p:nvCxnSpPr>
-          <p:cNvPr id="152" name="直線コネクタ 151"/>
-          <p:cNvCxnSpPr>
-            <a:stCxn id="56" idx="6"/>
-            <a:endCxn id="67" idx="2"/>
-          </p:cNvCxnSpPr>
-          <p:nvPr/>
-        </p:nvCxnSpPr>
-        <p:spPr>
-          <a:xfrm>
-            <a:off x="7107269" y="6716779"/>
-            <a:ext cx="826556" cy="11740"/>
-          </a:xfrm>
-          <a:prstGeom prst="line">
-            <a:avLst/>
-          </a:prstGeom>
-          <a:ln w="12700">
-            <a:solidFill>
-              <a:srgbClr val="FF0000"/>
-            </a:solidFill>
-          </a:ln>
-        </p:spPr>
-        <p:style>
-          <a:lnRef idx="1">
-            <a:schemeClr val="accent1"/>
-          </a:lnRef>
-          <a:fillRef idx="0">
-            <a:schemeClr val="accent1"/>
-          </a:fillRef>
-          <a:effectRef idx="0">
-            <a:schemeClr val="accent1"/>
-          </a:effectRef>
-          <a:fontRef idx="minor">
-            <a:schemeClr val="tx1"/>
-          </a:fontRef>
-        </p:style>
-      </p:cxnSp>
+        </p:grpSpPr>
+        <p:cxnSp>
+          <p:nvCxnSpPr>
+            <p:cNvPr id="145" name="直線コネクタ 144"/>
+            <p:cNvCxnSpPr>
+              <a:stCxn id="36" idx="6"/>
+              <a:endCxn id="64" idx="2"/>
+            </p:cNvCxnSpPr>
+            <p:nvPr/>
+          </p:nvCxnSpPr>
+          <p:spPr>
+            <a:xfrm>
+              <a:off x="7194319" y="2394616"/>
+              <a:ext cx="658815" cy="11741"/>
+            </a:xfrm>
+            <a:prstGeom prst="line">
+              <a:avLst/>
+            </a:prstGeom>
+            <a:ln w="28575">
+              <a:solidFill>
+                <a:srgbClr val="FF0000"/>
+              </a:solidFill>
+            </a:ln>
+          </p:spPr>
+          <p:style>
+            <a:lnRef idx="1">
+              <a:schemeClr val="accent1"/>
+            </a:lnRef>
+            <a:fillRef idx="0">
+              <a:schemeClr val="accent1"/>
+            </a:fillRef>
+            <a:effectRef idx="0">
+              <a:schemeClr val="accent1"/>
+            </a:effectRef>
+            <a:fontRef idx="minor">
+              <a:schemeClr val="tx1"/>
+            </a:fontRef>
+          </p:style>
+        </p:cxnSp>
+        <p:cxnSp>
+          <p:nvCxnSpPr>
+            <p:cNvPr id="147" name="直線コネクタ 146"/>
+            <p:cNvCxnSpPr>
+              <a:stCxn id="47" idx="6"/>
+              <a:endCxn id="66" idx="2"/>
+            </p:cNvCxnSpPr>
+            <p:nvPr/>
+          </p:nvCxnSpPr>
+          <p:spPr>
+            <a:xfrm>
+              <a:off x="7194318" y="3843611"/>
+              <a:ext cx="658816" cy="11741"/>
+            </a:xfrm>
+            <a:prstGeom prst="line">
+              <a:avLst/>
+            </a:prstGeom>
+            <a:ln w="28575">
+              <a:solidFill>
+                <a:srgbClr val="FF0000"/>
+              </a:solidFill>
+            </a:ln>
+          </p:spPr>
+          <p:style>
+            <a:lnRef idx="1">
+              <a:schemeClr val="accent1"/>
+            </a:lnRef>
+            <a:fillRef idx="0">
+              <a:schemeClr val="accent1"/>
+            </a:fillRef>
+            <a:effectRef idx="0">
+              <a:schemeClr val="accent1"/>
+            </a:effectRef>
+            <a:fontRef idx="minor">
+              <a:schemeClr val="tx1"/>
+            </a:fontRef>
+          </p:style>
+        </p:cxnSp>
+        <p:cxnSp>
+          <p:nvCxnSpPr>
+            <p:cNvPr id="149" name="直線コネクタ 148"/>
+            <p:cNvCxnSpPr>
+              <a:stCxn id="45" idx="6"/>
+              <a:endCxn id="65" idx="2"/>
+            </p:cNvCxnSpPr>
+            <p:nvPr/>
+          </p:nvCxnSpPr>
+          <p:spPr>
+            <a:xfrm>
+              <a:off x="7194320" y="5278541"/>
+              <a:ext cx="658814" cy="11740"/>
+            </a:xfrm>
+            <a:prstGeom prst="line">
+              <a:avLst/>
+            </a:prstGeom>
+            <a:ln w="28575">
+              <a:solidFill>
+                <a:srgbClr val="FF0000"/>
+              </a:solidFill>
+            </a:ln>
+          </p:spPr>
+          <p:style>
+            <a:lnRef idx="1">
+              <a:schemeClr val="accent1"/>
+            </a:lnRef>
+            <a:fillRef idx="0">
+              <a:schemeClr val="accent1"/>
+            </a:fillRef>
+            <a:effectRef idx="0">
+              <a:schemeClr val="accent1"/>
+            </a:effectRef>
+            <a:fontRef idx="minor">
+              <a:schemeClr val="tx1"/>
+            </a:fontRef>
+          </p:style>
+        </p:cxnSp>
+        <p:cxnSp>
+          <p:nvCxnSpPr>
+            <p:cNvPr id="152" name="直線コネクタ 151"/>
+            <p:cNvCxnSpPr>
+              <a:stCxn id="56" idx="6"/>
+              <a:endCxn id="67" idx="2"/>
+            </p:cNvCxnSpPr>
+            <p:nvPr/>
+          </p:nvCxnSpPr>
+          <p:spPr>
+            <a:xfrm>
+              <a:off x="7202440" y="6722080"/>
+              <a:ext cx="658814" cy="11740"/>
+            </a:xfrm>
+            <a:prstGeom prst="line">
+              <a:avLst/>
+            </a:prstGeom>
+            <a:ln w="28575">
+              <a:solidFill>
+                <a:srgbClr val="FF0000"/>
+              </a:solidFill>
+            </a:ln>
+          </p:spPr>
+          <p:style>
+            <a:lnRef idx="1">
+              <a:schemeClr val="accent1"/>
+            </a:lnRef>
+            <a:fillRef idx="0">
+              <a:schemeClr val="accent1"/>
+            </a:fillRef>
+            <a:effectRef idx="0">
+              <a:schemeClr val="accent1"/>
+            </a:effectRef>
+            <a:fontRef idx="minor">
+              <a:schemeClr val="tx1"/>
+            </a:fontRef>
+          </p:style>
+        </p:cxnSp>
+      </p:grpSp>
       <p:cxnSp>
         <p:nvCxnSpPr>
           <p:cNvPr id="154" name="直線コネクタ 153"/>
@@ -12449,13 +12502,13 @@
         </p:nvCxnSpPr>
         <p:spPr>
           <a:xfrm>
-            <a:off x="6791366" y="7039034"/>
-            <a:ext cx="0" cy="790429"/>
+            <a:off x="6824440" y="7107679"/>
+            <a:ext cx="0" cy="634704"/>
           </a:xfrm>
           <a:prstGeom prst="line">
             <a:avLst/>
           </a:prstGeom>
-          <a:ln w="12700">
+          <a:ln w="28575">
             <a:solidFill>
               <a:srgbClr val="FF0000"/>
             </a:solidFill>
@@ -12487,13 +12540,13 @@
         </p:nvCxnSpPr>
         <p:spPr>
           <a:xfrm>
-            <a:off x="5333009" y="7039034"/>
-            <a:ext cx="0" cy="790429"/>
+            <a:off x="5366084" y="7107678"/>
+            <a:ext cx="0" cy="634705"/>
           </a:xfrm>
           <a:prstGeom prst="line">
             <a:avLst/>
           </a:prstGeom>
-          <a:ln w="12700">
+          <a:ln w="28575">
             <a:solidFill>
               <a:srgbClr val="FF0000"/>
             </a:solidFill>
@@ -12525,13 +12578,13 @@
         </p:nvCxnSpPr>
         <p:spPr>
           <a:xfrm>
-            <a:off x="3872194" y="7039034"/>
-            <a:ext cx="0" cy="790429"/>
+            <a:off x="3905269" y="7107678"/>
+            <a:ext cx="0" cy="634705"/>
           </a:xfrm>
           <a:prstGeom prst="line">
             <a:avLst/>
           </a:prstGeom>
-          <a:ln w="12700">
+          <a:ln w="28575">
             <a:solidFill>
               <a:srgbClr val="FF0000"/>
             </a:solidFill>
@@ -12563,13 +12616,13 @@
         </p:nvCxnSpPr>
         <p:spPr>
           <a:xfrm>
-            <a:off x="2413839" y="7039034"/>
-            <a:ext cx="0" cy="790429"/>
+            <a:off x="2446914" y="7107680"/>
+            <a:ext cx="0" cy="634703"/>
           </a:xfrm>
           <a:prstGeom prst="line">
             <a:avLst/>
           </a:prstGeom>
-          <a:ln w="12700">
+          <a:ln w="28575">
             <a:solidFill>
               <a:srgbClr val="FF0000"/>
             </a:solidFill>
@@ -12657,7 +12710,7 @@
               </a:pathLst>
             </a:custGeom>
             <a:noFill/>
-            <a:ln w="12700">
+            <a:ln w="28575">
               <a:solidFill>
                 <a:srgbClr val="FF0000"/>
               </a:solidFill>
@@ -12747,7 +12800,7 @@
               </a:pathLst>
             </a:custGeom>
             <a:noFill/>
-            <a:ln w="12700">
+            <a:ln w="28575">
               <a:solidFill>
                 <a:srgbClr val="FF0000"/>
               </a:solidFill>
@@ -12837,7 +12890,7 @@
               </a:pathLst>
             </a:custGeom>
             <a:noFill/>
-            <a:ln w="12700">
+            <a:ln w="28575">
               <a:solidFill>
                 <a:srgbClr val="FF0000"/>
               </a:solidFill>
@@ -12927,7 +12980,7 @@
               </a:pathLst>
             </a:custGeom>
             <a:noFill/>
-            <a:ln w="12700">
+            <a:ln w="28575">
               <a:solidFill>
                 <a:srgbClr val="FF0000"/>
               </a:solidFill>
@@ -13032,7 +13085,7 @@
               </a:pathLst>
             </a:custGeom>
             <a:noFill/>
-            <a:ln w="12700">
+            <a:ln w="28575">
               <a:solidFill>
                 <a:srgbClr val="FF0000"/>
               </a:solidFill>
@@ -13122,7 +13175,7 @@
               </a:pathLst>
             </a:custGeom>
             <a:noFill/>
-            <a:ln w="12700">
+            <a:ln w="28575">
               <a:solidFill>
                 <a:srgbClr val="FF0000"/>
               </a:solidFill>
@@ -13212,7 +13265,7 @@
               </a:pathLst>
             </a:custGeom>
             <a:noFill/>
-            <a:ln w="12700">
+            <a:ln w="28575">
               <a:solidFill>
                 <a:srgbClr val="FF0000"/>
               </a:solidFill>
@@ -13302,7 +13355,7 @@
               </a:pathLst>
             </a:custGeom>
             <a:noFill/>
-            <a:ln w="12700">
+            <a:ln w="28575">
               <a:solidFill>
                 <a:srgbClr val="FF0000"/>
               </a:solidFill>
@@ -14147,8 +14200,8 @@
         </p:nvCxnSpPr>
         <p:spPr>
           <a:xfrm>
-            <a:off x="2405721" y="466429"/>
-            <a:ext cx="2" cy="165708"/>
+            <a:off x="2405728" y="466429"/>
+            <a:ext cx="33067" cy="107659"/>
           </a:xfrm>
           <a:prstGeom prst="line">
             <a:avLst/>
@@ -14185,8 +14238,8 @@
         </p:nvCxnSpPr>
         <p:spPr>
           <a:xfrm>
-            <a:off x="3861916" y="469149"/>
-            <a:ext cx="2158" cy="162984"/>
+            <a:off x="3861927" y="469152"/>
+            <a:ext cx="35222" cy="104936"/>
           </a:xfrm>
           <a:prstGeom prst="line">
             <a:avLst/>
@@ -14223,8 +14276,8 @@
         </p:nvCxnSpPr>
         <p:spPr>
           <a:xfrm>
-            <a:off x="5324601" y="460460"/>
-            <a:ext cx="293" cy="171683"/>
+            <a:off x="5324606" y="460453"/>
+            <a:ext cx="33358" cy="113635"/>
           </a:xfrm>
           <a:prstGeom prst="line">
             <a:avLst/>
@@ -14261,8 +14314,8 @@
         </p:nvCxnSpPr>
         <p:spPr>
           <a:xfrm>
-            <a:off x="6780798" y="469149"/>
-            <a:ext cx="2450" cy="162984"/>
+            <a:off x="6780805" y="469152"/>
+            <a:ext cx="35515" cy="104936"/>
           </a:xfrm>
           <a:prstGeom prst="line">
             <a:avLst/>
@@ -15094,9 +15147,9 @@
           <p:nvPr/>
         </p:nvCxnSpPr>
         <p:spPr>
-          <a:xfrm flipH="1" flipV="1">
-            <a:off x="8557505" y="2401063"/>
-            <a:ext cx="204898" cy="759"/>
+          <a:xfrm flipH="1">
+            <a:off x="8609134" y="2401817"/>
+            <a:ext cx="153275" cy="4540"/>
           </a:xfrm>
           <a:prstGeom prst="line">
             <a:avLst/>
@@ -15132,9 +15185,9 @@
           <p:nvPr/>
         </p:nvCxnSpPr>
         <p:spPr>
-          <a:xfrm flipH="1" flipV="1">
-            <a:off x="8557499" y="3850059"/>
-            <a:ext cx="204900" cy="2251"/>
+          <a:xfrm flipH="1">
+            <a:off x="8609134" y="3852304"/>
+            <a:ext cx="153276" cy="3048"/>
           </a:xfrm>
           <a:prstGeom prst="line">
             <a:avLst/>
@@ -15171,8 +15224,8 @@
         </p:nvCxnSpPr>
         <p:spPr>
           <a:xfrm flipH="1">
-            <a:off x="8557499" y="5284535"/>
-            <a:ext cx="213594" cy="446"/>
+            <a:off x="8609134" y="5284535"/>
+            <a:ext cx="161969" cy="5746"/>
           </a:xfrm>
           <a:prstGeom prst="line">
             <a:avLst/>
@@ -15208,9 +15261,9 @@
           <p:nvPr/>
         </p:nvCxnSpPr>
         <p:spPr>
-          <a:xfrm flipH="1" flipV="1">
-            <a:off x="8565626" y="6728522"/>
-            <a:ext cx="196778" cy="379"/>
+          <a:xfrm flipH="1">
+            <a:off x="8617254" y="6728898"/>
+            <a:ext cx="145156" cy="4922"/>
           </a:xfrm>
           <a:prstGeom prst="line">
             <a:avLst/>
@@ -16043,8 +16096,8 @@
         </p:nvCxnSpPr>
         <p:spPr>
           <a:xfrm>
-            <a:off x="465204" y="6713489"/>
-            <a:ext cx="170946" cy="1645"/>
+            <a:off x="465213" y="6713482"/>
+            <a:ext cx="141913" cy="6945"/>
           </a:xfrm>
           <a:prstGeom prst="line">
             <a:avLst/>
@@ -16080,9 +16133,9 @@
           <p:nvPr/>
         </p:nvCxnSpPr>
         <p:spPr>
-          <a:xfrm flipV="1">
-            <a:off x="458692" y="5271588"/>
-            <a:ext cx="169342" cy="2"/>
+          <a:xfrm>
+            <a:off x="458697" y="5271589"/>
+            <a:ext cx="140308" cy="5300"/>
           </a:xfrm>
           <a:prstGeom prst="line">
             <a:avLst/>
@@ -16119,8 +16172,8 @@
         </p:nvCxnSpPr>
         <p:spPr>
           <a:xfrm>
-            <a:off x="461428" y="3835627"/>
-            <a:ext cx="166602" cy="1039"/>
+            <a:off x="461437" y="3835620"/>
+            <a:ext cx="137568" cy="6339"/>
           </a:xfrm>
           <a:prstGeom prst="line">
             <a:avLst/>
@@ -16157,8 +16210,8 @@
         </p:nvCxnSpPr>
         <p:spPr>
           <a:xfrm>
-            <a:off x="465204" y="2387045"/>
-            <a:ext cx="162826" cy="620"/>
+            <a:off x="465213" y="2387044"/>
+            <a:ext cx="133792" cy="5920"/>
           </a:xfrm>
           <a:prstGeom prst="line">
             <a:avLst/>
@@ -16991,8 +17044,8 @@
         </p:nvCxnSpPr>
         <p:spPr>
           <a:xfrm flipH="1">
-            <a:off x="2413841" y="8473954"/>
-            <a:ext cx="2" cy="228594"/>
+            <a:off x="2413850" y="8513582"/>
+            <a:ext cx="33064" cy="188968"/>
           </a:xfrm>
           <a:prstGeom prst="line">
             <a:avLst/>
@@ -17029,8 +17082,8 @@
         </p:nvCxnSpPr>
         <p:spPr>
           <a:xfrm flipH="1">
-            <a:off x="3869466" y="8473952"/>
-            <a:ext cx="2735" cy="222386"/>
+            <a:off x="3869471" y="8513580"/>
+            <a:ext cx="35798" cy="182762"/>
           </a:xfrm>
           <a:prstGeom prst="line">
             <a:avLst/>
@@ -17067,8 +17120,8 @@
         </p:nvCxnSpPr>
         <p:spPr>
           <a:xfrm flipH="1">
-            <a:off x="5331773" y="8473956"/>
-            <a:ext cx="1243" cy="221028"/>
+            <a:off x="5331776" y="8513580"/>
+            <a:ext cx="34308" cy="181404"/>
           </a:xfrm>
           <a:prstGeom prst="line">
             <a:avLst/>
@@ -17105,8 +17158,8 @@
         </p:nvCxnSpPr>
         <p:spPr>
           <a:xfrm flipH="1">
-            <a:off x="6788769" y="8473964"/>
-            <a:ext cx="2607" cy="212141"/>
+            <a:off x="6788769" y="8513580"/>
+            <a:ext cx="35671" cy="172517"/>
           </a:xfrm>
           <a:prstGeom prst="line">
             <a:avLst/>
@@ -17143,8 +17196,8 @@
         </p:nvCxnSpPr>
         <p:spPr>
           <a:xfrm>
-            <a:off x="1878644" y="1922678"/>
-            <a:ext cx="303704" cy="238779"/>
+            <a:off x="1874389" y="1916908"/>
+            <a:ext cx="297118" cy="205048"/>
           </a:xfrm>
           <a:prstGeom prst="line">
             <a:avLst/>
@@ -17181,8 +17234,8 @@
         </p:nvCxnSpPr>
         <p:spPr>
           <a:xfrm>
-            <a:off x="3341058" y="1917451"/>
-            <a:ext cx="299644" cy="244000"/>
+            <a:off x="3391930" y="1911491"/>
+            <a:ext cx="237932" cy="210465"/>
           </a:xfrm>
           <a:prstGeom prst="line">
             <a:avLst/>
@@ -17219,8 +17272,8 @@
         </p:nvCxnSpPr>
         <p:spPr>
           <a:xfrm>
-            <a:off x="4802620" y="1916439"/>
-            <a:ext cx="298901" cy="245019"/>
+            <a:off x="4908580" y="1910434"/>
+            <a:ext cx="182098" cy="211522"/>
           </a:xfrm>
           <a:prstGeom prst="line">
             <a:avLst/>
@@ -17257,8 +17310,8 @@
         </p:nvCxnSpPr>
         <p:spPr>
           <a:xfrm>
-            <a:off x="6260441" y="1921095"/>
-            <a:ext cx="299428" cy="240356"/>
+            <a:off x="6421360" y="1915271"/>
+            <a:ext cx="127674" cy="206685"/>
           </a:xfrm>
           <a:prstGeom prst="line">
             <a:avLst/>
@@ -17295,8 +17348,8 @@
         </p:nvCxnSpPr>
         <p:spPr>
           <a:xfrm>
-            <a:off x="1878644" y="3374713"/>
-            <a:ext cx="303704" cy="235730"/>
+            <a:off x="1878640" y="3374720"/>
+            <a:ext cx="292867" cy="196232"/>
           </a:xfrm>
           <a:prstGeom prst="line">
             <a:avLst/>
@@ -17333,8 +17386,8 @@
         </p:nvCxnSpPr>
         <p:spPr>
           <a:xfrm>
-            <a:off x="3341058" y="3369505"/>
-            <a:ext cx="299644" cy="240949"/>
+            <a:off x="3341055" y="3369501"/>
+            <a:ext cx="288808" cy="201451"/>
           </a:xfrm>
           <a:prstGeom prst="line">
             <a:avLst/>
@@ -17371,8 +17424,8 @@
         </p:nvCxnSpPr>
         <p:spPr>
           <a:xfrm>
-            <a:off x="4802620" y="3368479"/>
-            <a:ext cx="298901" cy="241968"/>
+            <a:off x="4802612" y="3368482"/>
+            <a:ext cx="288067" cy="202470"/>
           </a:xfrm>
           <a:prstGeom prst="line">
             <a:avLst/>
@@ -17409,8 +17462,8 @@
         </p:nvCxnSpPr>
         <p:spPr>
           <a:xfrm>
-            <a:off x="6260441" y="3373143"/>
-            <a:ext cx="299428" cy="237307"/>
+            <a:off x="6260440" y="3373143"/>
+            <a:ext cx="288592" cy="197808"/>
           </a:xfrm>
           <a:prstGeom prst="line">
             <a:avLst/>
@@ -17447,8 +17500,8 @@
         </p:nvCxnSpPr>
         <p:spPr>
           <a:xfrm>
-            <a:off x="1884805" y="4808346"/>
-            <a:ext cx="297549" cy="237026"/>
+            <a:off x="1884793" y="4808352"/>
+            <a:ext cx="286714" cy="197529"/>
           </a:xfrm>
           <a:prstGeom prst="line">
             <a:avLst/>
@@ -17485,8 +17538,8 @@
         </p:nvCxnSpPr>
         <p:spPr>
           <a:xfrm>
-            <a:off x="3347216" y="4803130"/>
-            <a:ext cx="293491" cy="242246"/>
+            <a:off x="3347208" y="4803133"/>
+            <a:ext cx="282655" cy="202748"/>
           </a:xfrm>
           <a:prstGeom prst="line">
             <a:avLst/>
@@ -17523,8 +17576,8 @@
         </p:nvCxnSpPr>
         <p:spPr>
           <a:xfrm>
-            <a:off x="4808766" y="4802116"/>
-            <a:ext cx="292746" cy="243265"/>
+            <a:off x="4808765" y="4802114"/>
+            <a:ext cx="281914" cy="203767"/>
           </a:xfrm>
           <a:prstGeom prst="line">
             <a:avLst/>
@@ -17561,8 +17614,8 @@
         </p:nvCxnSpPr>
         <p:spPr>
           <a:xfrm>
-            <a:off x="6266604" y="4806768"/>
-            <a:ext cx="293275" cy="238604"/>
+            <a:off x="6266593" y="4806775"/>
+            <a:ext cx="282442" cy="199106"/>
           </a:xfrm>
           <a:prstGeom prst="line">
             <a:avLst/>
@@ -17599,8 +17652,8 @@
         </p:nvCxnSpPr>
         <p:spPr>
           <a:xfrm>
-            <a:off x="1882014" y="6254840"/>
-            <a:ext cx="308461" cy="234077"/>
+            <a:off x="1882003" y="6254840"/>
+            <a:ext cx="297626" cy="194580"/>
           </a:xfrm>
           <a:prstGeom prst="line">
             <a:avLst/>
@@ -17637,8 +17690,8 @@
         </p:nvCxnSpPr>
         <p:spPr>
           <a:xfrm>
-            <a:off x="3344430" y="6249618"/>
-            <a:ext cx="304401" cy="239296"/>
+            <a:off x="3344418" y="6249621"/>
+            <a:ext cx="293565" cy="199799"/>
           </a:xfrm>
           <a:prstGeom prst="line">
             <a:avLst/>
@@ -17675,8 +17728,8 @@
         </p:nvCxnSpPr>
         <p:spPr>
           <a:xfrm>
-            <a:off x="4805976" y="6248606"/>
-            <a:ext cx="303658" cy="240315"/>
+            <a:off x="4805975" y="6248602"/>
+            <a:ext cx="292824" cy="200818"/>
           </a:xfrm>
           <a:prstGeom prst="line">
             <a:avLst/>
@@ -17713,8 +17766,8 @@
         </p:nvCxnSpPr>
         <p:spPr>
           <a:xfrm>
-            <a:off x="6263815" y="6253256"/>
-            <a:ext cx="304187" cy="235654"/>
+            <a:off x="6263803" y="6253263"/>
+            <a:ext cx="293352" cy="196157"/>
           </a:xfrm>
           <a:prstGeom prst="line">
             <a:avLst/>
@@ -17748,22 +17801,24 @@
         </p:nvGrpSpPr>
         <p:grpSpPr>
           <a:xfrm>
-            <a:off x="628034" y="632144"/>
-            <a:ext cx="7937592" cy="7841821"/>
-            <a:chOff x="1795380" y="1796005"/>
-            <a:chExt cx="6322730" cy="6246443"/>
+            <a:off x="599005" y="574088"/>
+            <a:ext cx="8018249" cy="7939494"/>
+            <a:chOff x="1772257" y="1772883"/>
+            <a:chExt cx="6386978" cy="6324243"/>
           </a:xfrm>
         </p:grpSpPr>
         <p:sp>
           <p:nvSpPr>
             <p:cNvPr id="2" name="楕円 1"/>
-            <p:cNvSpPr/>
+            <p:cNvSpPr>
+              <a:spLocks noChangeAspect="1"/>
+            </p:cNvSpPr>
             <p:nvPr/>
           </p:nvSpPr>
           <p:spPr>
             <a:xfrm>
-              <a:off x="2959775" y="2939005"/>
-              <a:ext cx="503264" cy="513380"/>
+              <a:off x="2936652" y="2915883"/>
+              <a:ext cx="602196" cy="614302"/>
             </a:xfrm>
             <a:prstGeom prst="ellipse">
               <a:avLst/>
@@ -17799,7 +17854,7 @@
             <a:p>
               <a:pPr algn="ctr" defTabSz="924937"/>
               <a:r>
-                <a:rPr lang="en-US" altLang="ja-JP" sz="1700" dirty="0">
+                <a:rPr lang="en-US" altLang="ja-JP" sz="2000" dirty="0">
                   <a:solidFill>
                     <a:prstClr val="black"/>
                   </a:solidFill>
@@ -17808,7 +17863,7 @@
                 </a:rPr>
                 <a:t>R0</a:t>
               </a:r>
-              <a:endParaRPr lang="ja-JP" altLang="en-US" sz="1700" dirty="0">
+              <a:endParaRPr lang="ja-JP" altLang="en-US" sz="2000" dirty="0">
                 <a:solidFill>
                   <a:prstClr val="black"/>
                 </a:solidFill>
@@ -17821,13 +17876,15 @@
         <p:sp>
           <p:nvSpPr>
             <p:cNvPr id="3" name="楕円 2"/>
-            <p:cNvSpPr/>
+            <p:cNvSpPr>
+              <a:spLocks noChangeAspect="1"/>
+            </p:cNvSpPr>
             <p:nvPr/>
           </p:nvSpPr>
           <p:spPr>
             <a:xfrm>
-              <a:off x="4121436" y="2939005"/>
-              <a:ext cx="503264" cy="513380"/>
+              <a:off x="4098312" y="2915883"/>
+              <a:ext cx="602196" cy="614302"/>
             </a:xfrm>
             <a:prstGeom prst="ellipse">
               <a:avLst/>
@@ -17863,7 +17920,7 @@
             <a:p>
               <a:pPr algn="ctr" defTabSz="924937"/>
               <a:r>
-                <a:rPr lang="en-US" altLang="ja-JP" sz="1700" dirty="0">
+                <a:rPr lang="en-US" altLang="ja-JP" sz="2000" dirty="0">
                   <a:solidFill>
                     <a:prstClr val="black"/>
                   </a:solidFill>
@@ -17872,7 +17929,7 @@
                 </a:rPr>
                 <a:t>R1</a:t>
               </a:r>
-              <a:endParaRPr lang="ja-JP" altLang="en-US" sz="1700" dirty="0">
+              <a:endParaRPr lang="ja-JP" altLang="en-US" sz="2000" dirty="0">
                 <a:solidFill>
                   <a:prstClr val="black"/>
                 </a:solidFill>
@@ -17885,13 +17942,15 @@
         <p:sp>
           <p:nvSpPr>
             <p:cNvPr id="6" name="楕円 5"/>
-            <p:cNvSpPr/>
+            <p:cNvSpPr>
+              <a:spLocks noChangeAspect="1"/>
+            </p:cNvSpPr>
             <p:nvPr/>
           </p:nvSpPr>
           <p:spPr>
             <a:xfrm>
-              <a:off x="2959775" y="1796005"/>
-              <a:ext cx="503264" cy="513380"/>
+              <a:off x="2936653" y="1772883"/>
+              <a:ext cx="602196" cy="614301"/>
             </a:xfrm>
             <a:prstGeom prst="ellipse">
               <a:avLst/>
@@ -17927,7 +17986,7 @@
             <a:p>
               <a:pPr algn="ctr" defTabSz="924937"/>
               <a:r>
-                <a:rPr lang="en-US" altLang="ja-JP" sz="1700" dirty="0">
+                <a:rPr lang="en-US" altLang="ja-JP" sz="2000" dirty="0">
                   <a:solidFill>
                     <a:prstClr val="black"/>
                   </a:solidFill>
@@ -17936,7 +17995,7 @@
                 </a:rPr>
                 <a:t>R128</a:t>
               </a:r>
-              <a:endParaRPr lang="ja-JP" altLang="en-US" sz="1700" dirty="0">
+              <a:endParaRPr lang="ja-JP" altLang="en-US" sz="2000" dirty="0">
                 <a:solidFill>
                   <a:prstClr val="black"/>
                 </a:solidFill>
@@ -17949,13 +18008,15 @@
         <p:sp>
           <p:nvSpPr>
             <p:cNvPr id="7" name="楕円 6"/>
-            <p:cNvSpPr/>
+            <p:cNvSpPr>
+              <a:spLocks noChangeAspect="1"/>
+            </p:cNvSpPr>
             <p:nvPr/>
           </p:nvSpPr>
           <p:spPr>
             <a:xfrm>
-              <a:off x="4121436" y="1796005"/>
-              <a:ext cx="503264" cy="513380"/>
+              <a:off x="4098313" y="1772883"/>
+              <a:ext cx="602196" cy="614301"/>
             </a:xfrm>
             <a:prstGeom prst="ellipse">
               <a:avLst/>
@@ -17991,7 +18052,7 @@
             <a:p>
               <a:pPr algn="ctr" defTabSz="924937"/>
               <a:r>
-                <a:rPr lang="en-US" altLang="ja-JP" sz="1700" dirty="0">
+                <a:rPr lang="en-US" altLang="ja-JP" sz="2000" dirty="0">
                   <a:solidFill>
                     <a:prstClr val="black"/>
                   </a:solidFill>
@@ -18000,7 +18061,7 @@
                 </a:rPr>
                 <a:t>R129</a:t>
               </a:r>
-              <a:endParaRPr lang="ja-JP" altLang="en-US" sz="1700" dirty="0">
+              <a:endParaRPr lang="ja-JP" altLang="en-US" sz="2000" dirty="0">
                 <a:solidFill>
                   <a:prstClr val="black"/>
                 </a:solidFill>
@@ -18013,13 +18074,15 @@
         <p:sp>
           <p:nvSpPr>
             <p:cNvPr id="35" name="楕円 34"/>
-            <p:cNvSpPr/>
+            <p:cNvSpPr>
+              <a:spLocks noChangeAspect="1"/>
+            </p:cNvSpPr>
             <p:nvPr/>
           </p:nvSpPr>
           <p:spPr>
             <a:xfrm>
-              <a:off x="5285055" y="2939005"/>
-              <a:ext cx="503264" cy="513380"/>
+              <a:off x="5261932" y="2915883"/>
+              <a:ext cx="602196" cy="614302"/>
             </a:xfrm>
             <a:prstGeom prst="ellipse">
               <a:avLst/>
@@ -18055,7 +18118,7 @@
             <a:p>
               <a:pPr algn="ctr" defTabSz="924937"/>
               <a:r>
-                <a:rPr lang="en-US" altLang="ja-JP" sz="1700" dirty="0">
+                <a:rPr lang="en-US" altLang="ja-JP" sz="2000" dirty="0">
                   <a:solidFill>
                     <a:prstClr val="black"/>
                   </a:solidFill>
@@ -18064,7 +18127,7 @@
                 </a:rPr>
                 <a:t>R2</a:t>
               </a:r>
-              <a:endParaRPr lang="ja-JP" altLang="en-US" sz="1700" dirty="0">
+              <a:endParaRPr lang="ja-JP" altLang="en-US" sz="2000" dirty="0">
                 <a:solidFill>
                   <a:prstClr val="black"/>
                 </a:solidFill>
@@ -18077,13 +18140,15 @@
         <p:sp>
           <p:nvSpPr>
             <p:cNvPr id="36" name="楕円 35"/>
-            <p:cNvSpPr/>
+            <p:cNvSpPr>
+              <a:spLocks noChangeAspect="1"/>
+            </p:cNvSpPr>
             <p:nvPr/>
           </p:nvSpPr>
           <p:spPr>
             <a:xfrm>
-              <a:off x="6446716" y="2939005"/>
-              <a:ext cx="503264" cy="513380"/>
+              <a:off x="6423593" y="2915883"/>
+              <a:ext cx="602196" cy="614302"/>
             </a:xfrm>
             <a:prstGeom prst="ellipse">
               <a:avLst/>
@@ -18119,7 +18184,7 @@
             <a:p>
               <a:pPr algn="ctr" defTabSz="924937"/>
               <a:r>
-                <a:rPr lang="en-US" altLang="ja-JP" sz="1700" dirty="0">
+                <a:rPr lang="en-US" altLang="ja-JP" sz="2000" dirty="0">
                   <a:solidFill>
                     <a:prstClr val="black"/>
                   </a:solidFill>
@@ -18128,7 +18193,7 @@
                 </a:rPr>
                 <a:t>R3</a:t>
               </a:r>
-              <a:endParaRPr lang="ja-JP" altLang="en-US" sz="1700" dirty="0">
+              <a:endParaRPr lang="ja-JP" altLang="en-US" sz="2000" dirty="0">
                 <a:solidFill>
                   <a:prstClr val="black"/>
                 </a:solidFill>
@@ -18141,13 +18206,15 @@
         <p:sp>
           <p:nvSpPr>
             <p:cNvPr id="37" name="楕円 36"/>
-            <p:cNvSpPr/>
+            <p:cNvSpPr>
+              <a:spLocks noChangeAspect="1"/>
+            </p:cNvSpPr>
             <p:nvPr/>
           </p:nvSpPr>
           <p:spPr>
             <a:xfrm>
-              <a:off x="5285055" y="1796005"/>
-              <a:ext cx="503264" cy="513380"/>
+              <a:off x="5261932" y="1772883"/>
+              <a:ext cx="602196" cy="614301"/>
             </a:xfrm>
             <a:prstGeom prst="ellipse">
               <a:avLst/>
@@ -18183,7 +18250,7 @@
             <a:p>
               <a:pPr algn="ctr" defTabSz="924937"/>
               <a:r>
-                <a:rPr lang="en-US" altLang="ja-JP" sz="1700" dirty="0">
+                <a:rPr lang="en-US" altLang="ja-JP" sz="2000" dirty="0">
                   <a:solidFill>
                     <a:prstClr val="black"/>
                   </a:solidFill>
@@ -18192,7 +18259,7 @@
                 </a:rPr>
                 <a:t>R130</a:t>
               </a:r>
-              <a:endParaRPr lang="ja-JP" altLang="en-US" sz="1700" dirty="0">
+              <a:endParaRPr lang="ja-JP" altLang="en-US" sz="2000" dirty="0">
                 <a:solidFill>
                   <a:prstClr val="black"/>
                 </a:solidFill>
@@ -18205,13 +18272,15 @@
         <p:sp>
           <p:nvSpPr>
             <p:cNvPr id="38" name="楕円 37"/>
-            <p:cNvSpPr/>
+            <p:cNvSpPr>
+              <a:spLocks noChangeAspect="1"/>
+            </p:cNvSpPr>
             <p:nvPr/>
           </p:nvSpPr>
           <p:spPr>
             <a:xfrm>
-              <a:off x="6446716" y="1796005"/>
-              <a:ext cx="503264" cy="513380"/>
+              <a:off x="6423593" y="1772883"/>
+              <a:ext cx="602196" cy="614301"/>
             </a:xfrm>
             <a:prstGeom prst="ellipse">
               <a:avLst/>
@@ -18247,7 +18316,7 @@
             <a:p>
               <a:pPr algn="ctr" defTabSz="924937"/>
               <a:r>
-                <a:rPr lang="en-US" altLang="ja-JP" sz="1700" dirty="0">
+                <a:rPr lang="en-US" altLang="ja-JP" sz="2000" dirty="0">
                   <a:solidFill>
                     <a:prstClr val="black"/>
                   </a:solidFill>
@@ -18256,7 +18325,7 @@
                 </a:rPr>
                 <a:t>R131</a:t>
               </a:r>
-              <a:endParaRPr lang="ja-JP" altLang="en-US" sz="1700" dirty="0">
+              <a:endParaRPr lang="ja-JP" altLang="en-US" sz="2000" dirty="0">
                 <a:solidFill>
                   <a:prstClr val="black"/>
                 </a:solidFill>
@@ -18269,13 +18338,15 @@
         <p:sp>
           <p:nvSpPr>
             <p:cNvPr id="40" name="楕円 39"/>
-            <p:cNvSpPr/>
+            <p:cNvSpPr>
+              <a:spLocks noChangeAspect="1"/>
+            </p:cNvSpPr>
             <p:nvPr/>
           </p:nvSpPr>
           <p:spPr>
             <a:xfrm>
-              <a:off x="2959775" y="5236210"/>
-              <a:ext cx="503264" cy="513380"/>
+              <a:off x="2936652" y="5213088"/>
+              <a:ext cx="602196" cy="614301"/>
             </a:xfrm>
             <a:prstGeom prst="ellipse">
               <a:avLst/>
@@ -18311,7 +18382,7 @@
             <a:p>
               <a:pPr algn="ctr" defTabSz="924937"/>
               <a:r>
-                <a:rPr lang="en-US" altLang="ja-JP" sz="1700" dirty="0">
+                <a:rPr lang="en-US" altLang="ja-JP" sz="2000" dirty="0">
                   <a:solidFill>
                     <a:prstClr val="black"/>
                   </a:solidFill>
@@ -18320,7 +18391,7 @@
                 </a:rPr>
                 <a:t>R8</a:t>
               </a:r>
-              <a:endParaRPr lang="ja-JP" altLang="en-US" sz="1700" dirty="0">
+              <a:endParaRPr lang="ja-JP" altLang="en-US" sz="2000" dirty="0">
                 <a:solidFill>
                   <a:prstClr val="black"/>
                 </a:solidFill>
@@ -18333,13 +18404,15 @@
         <p:sp>
           <p:nvSpPr>
             <p:cNvPr id="41" name="楕円 40"/>
-            <p:cNvSpPr/>
+            <p:cNvSpPr>
+              <a:spLocks noChangeAspect="1"/>
+            </p:cNvSpPr>
             <p:nvPr/>
           </p:nvSpPr>
           <p:spPr>
             <a:xfrm>
-              <a:off x="4121436" y="5236210"/>
-              <a:ext cx="503264" cy="513380"/>
+              <a:off x="4098313" y="5213088"/>
+              <a:ext cx="602196" cy="614301"/>
             </a:xfrm>
             <a:prstGeom prst="ellipse">
               <a:avLst/>
@@ -18375,7 +18448,7 @@
             <a:p>
               <a:pPr algn="ctr" defTabSz="924937"/>
               <a:r>
-                <a:rPr lang="en-US" altLang="ja-JP" sz="1700" dirty="0">
+                <a:rPr lang="en-US" altLang="ja-JP" sz="2000" dirty="0">
                   <a:solidFill>
                     <a:prstClr val="black"/>
                   </a:solidFill>
@@ -18384,7 +18457,7 @@
                 </a:rPr>
                 <a:t>R9</a:t>
               </a:r>
-              <a:endParaRPr lang="ja-JP" altLang="en-US" sz="1700" dirty="0">
+              <a:endParaRPr lang="ja-JP" altLang="en-US" sz="2000" dirty="0">
                 <a:solidFill>
                   <a:prstClr val="black"/>
                 </a:solidFill>
@@ -18397,13 +18470,15 @@
         <p:sp>
           <p:nvSpPr>
             <p:cNvPr id="42" name="楕円 41"/>
-            <p:cNvSpPr/>
+            <p:cNvSpPr>
+              <a:spLocks noChangeAspect="1"/>
+            </p:cNvSpPr>
             <p:nvPr/>
           </p:nvSpPr>
           <p:spPr>
             <a:xfrm>
-              <a:off x="2959775" y="4093210"/>
-              <a:ext cx="503264" cy="513380"/>
+              <a:off x="2936652" y="4070088"/>
+              <a:ext cx="602196" cy="614301"/>
             </a:xfrm>
             <a:prstGeom prst="ellipse">
               <a:avLst/>
@@ -18439,7 +18514,7 @@
             <a:p>
               <a:pPr algn="ctr" defTabSz="924937"/>
               <a:r>
-                <a:rPr lang="en-US" altLang="ja-JP" sz="1700" dirty="0">
+                <a:rPr lang="en-US" altLang="ja-JP" sz="2000" dirty="0">
                   <a:solidFill>
                     <a:prstClr val="black"/>
                   </a:solidFill>
@@ -18448,7 +18523,7 @@
                 </a:rPr>
                 <a:t>R4</a:t>
               </a:r>
-              <a:endParaRPr lang="ja-JP" altLang="en-US" sz="1700" dirty="0">
+              <a:endParaRPr lang="ja-JP" altLang="en-US" sz="2000" dirty="0">
                 <a:solidFill>
                   <a:prstClr val="black"/>
                 </a:solidFill>
@@ -18461,13 +18536,15 @@
         <p:sp>
           <p:nvSpPr>
             <p:cNvPr id="43" name="楕円 42"/>
-            <p:cNvSpPr/>
+            <p:cNvSpPr>
+              <a:spLocks noChangeAspect="1"/>
+            </p:cNvSpPr>
             <p:nvPr/>
           </p:nvSpPr>
           <p:spPr>
             <a:xfrm>
-              <a:off x="4121436" y="4093210"/>
-              <a:ext cx="503264" cy="513380"/>
+              <a:off x="4098313" y="4070088"/>
+              <a:ext cx="602196" cy="614301"/>
             </a:xfrm>
             <a:prstGeom prst="ellipse">
               <a:avLst/>
@@ -18503,7 +18580,7 @@
             <a:p>
               <a:pPr algn="ctr" defTabSz="924937"/>
               <a:r>
-                <a:rPr lang="en-US" altLang="ja-JP" sz="1700" dirty="0">
+                <a:rPr lang="en-US" altLang="ja-JP" sz="2000" dirty="0">
                   <a:solidFill>
                     <a:prstClr val="black"/>
                   </a:solidFill>
@@ -18512,7 +18589,7 @@
                 </a:rPr>
                 <a:t>R5</a:t>
               </a:r>
-              <a:endParaRPr lang="ja-JP" altLang="en-US" sz="1700" dirty="0">
+              <a:endParaRPr lang="ja-JP" altLang="en-US" sz="2000" dirty="0">
                 <a:solidFill>
                   <a:prstClr val="black"/>
                 </a:solidFill>
@@ -18525,13 +18602,15 @@
         <p:sp>
           <p:nvSpPr>
             <p:cNvPr id="44" name="楕円 43"/>
-            <p:cNvSpPr/>
+            <p:cNvSpPr>
+              <a:spLocks noChangeAspect="1"/>
+            </p:cNvSpPr>
             <p:nvPr/>
           </p:nvSpPr>
           <p:spPr>
             <a:xfrm>
-              <a:off x="5285055" y="5236210"/>
-              <a:ext cx="503264" cy="513380"/>
+              <a:off x="5261933" y="5213088"/>
+              <a:ext cx="602196" cy="614301"/>
             </a:xfrm>
             <a:prstGeom prst="ellipse">
               <a:avLst/>
@@ -18567,7 +18646,7 @@
             <a:p>
               <a:pPr algn="ctr" defTabSz="924937"/>
               <a:r>
-                <a:rPr lang="en-US" altLang="ja-JP" sz="1700" dirty="0">
+                <a:rPr lang="en-US" altLang="ja-JP" sz="2000" dirty="0">
                   <a:solidFill>
                     <a:prstClr val="black"/>
                   </a:solidFill>
@@ -18576,7 +18655,7 @@
                 </a:rPr>
                 <a:t>R10</a:t>
               </a:r>
-              <a:endParaRPr lang="ja-JP" altLang="en-US" sz="1700" dirty="0">
+              <a:endParaRPr lang="ja-JP" altLang="en-US" sz="2000" dirty="0">
                 <a:solidFill>
                   <a:prstClr val="black"/>
                 </a:solidFill>
@@ -18589,13 +18668,15 @@
         <p:sp>
           <p:nvSpPr>
             <p:cNvPr id="45" name="楕円 44"/>
-            <p:cNvSpPr/>
+            <p:cNvSpPr>
+              <a:spLocks noChangeAspect="1"/>
+            </p:cNvSpPr>
             <p:nvPr/>
           </p:nvSpPr>
           <p:spPr>
             <a:xfrm>
-              <a:off x="6446716" y="5236210"/>
-              <a:ext cx="503264" cy="513380"/>
+              <a:off x="6423594" y="5213088"/>
+              <a:ext cx="602196" cy="614301"/>
             </a:xfrm>
             <a:prstGeom prst="ellipse">
               <a:avLst/>
@@ -18631,7 +18712,7 @@
             <a:p>
               <a:pPr algn="ctr" defTabSz="924937"/>
               <a:r>
-                <a:rPr lang="en-US" altLang="ja-JP" sz="1700" dirty="0">
+                <a:rPr lang="en-US" altLang="ja-JP" sz="2000" dirty="0">
                   <a:solidFill>
                     <a:prstClr val="black"/>
                   </a:solidFill>
@@ -18640,7 +18721,7 @@
                 </a:rPr>
                 <a:t>R11</a:t>
               </a:r>
-              <a:endParaRPr lang="ja-JP" altLang="en-US" sz="1700" dirty="0">
+              <a:endParaRPr lang="ja-JP" altLang="en-US" sz="2000" dirty="0">
                 <a:solidFill>
                   <a:prstClr val="black"/>
                 </a:solidFill>
@@ -18653,13 +18734,15 @@
         <p:sp>
           <p:nvSpPr>
             <p:cNvPr id="46" name="楕円 45"/>
-            <p:cNvSpPr/>
+            <p:cNvSpPr>
+              <a:spLocks noChangeAspect="1"/>
+            </p:cNvSpPr>
             <p:nvPr/>
           </p:nvSpPr>
           <p:spPr>
             <a:xfrm>
-              <a:off x="5285055" y="4093210"/>
-              <a:ext cx="503264" cy="513380"/>
+              <a:off x="5261933" y="4070088"/>
+              <a:ext cx="602196" cy="614301"/>
             </a:xfrm>
             <a:prstGeom prst="ellipse">
               <a:avLst/>
@@ -18695,7 +18778,7 @@
             <a:p>
               <a:pPr algn="ctr" defTabSz="924937"/>
               <a:r>
-                <a:rPr lang="en-US" altLang="ja-JP" sz="1700" dirty="0">
+                <a:rPr lang="en-US" altLang="ja-JP" sz="2000" dirty="0">
                   <a:solidFill>
                     <a:prstClr val="black"/>
                   </a:solidFill>
@@ -18704,7 +18787,7 @@
                 </a:rPr>
                 <a:t>R6</a:t>
               </a:r>
-              <a:endParaRPr lang="ja-JP" altLang="en-US" sz="1700" dirty="0">
+              <a:endParaRPr lang="ja-JP" altLang="en-US" sz="2000" dirty="0">
                 <a:solidFill>
                   <a:prstClr val="black"/>
                 </a:solidFill>
@@ -18717,13 +18800,15 @@
         <p:sp>
           <p:nvSpPr>
             <p:cNvPr id="47" name="楕円 46"/>
-            <p:cNvSpPr/>
+            <p:cNvSpPr>
+              <a:spLocks noChangeAspect="1"/>
+            </p:cNvSpPr>
             <p:nvPr/>
           </p:nvSpPr>
           <p:spPr>
             <a:xfrm>
-              <a:off x="6446716" y="4093210"/>
-              <a:ext cx="503264" cy="513380"/>
+              <a:off x="6423592" y="4070087"/>
+              <a:ext cx="602196" cy="614301"/>
             </a:xfrm>
             <a:prstGeom prst="ellipse">
               <a:avLst/>
@@ -18759,7 +18844,7 @@
             <a:p>
               <a:pPr algn="ctr" defTabSz="924937"/>
               <a:r>
-                <a:rPr lang="en-US" altLang="ja-JP" sz="1700" dirty="0">
+                <a:rPr lang="en-US" altLang="ja-JP" sz="2000" dirty="0">
                   <a:solidFill>
                     <a:prstClr val="black"/>
                   </a:solidFill>
@@ -18768,7 +18853,7 @@
                 </a:rPr>
                 <a:t>R7</a:t>
               </a:r>
-              <a:endParaRPr lang="ja-JP" altLang="en-US" sz="1700" dirty="0">
+              <a:endParaRPr lang="ja-JP" altLang="en-US" sz="2000" dirty="0">
                 <a:solidFill>
                   <a:prstClr val="black"/>
                 </a:solidFill>
@@ -18781,13 +18866,15 @@
         <p:sp>
           <p:nvSpPr>
             <p:cNvPr id="49" name="楕円 48"/>
-            <p:cNvSpPr/>
+            <p:cNvSpPr>
+              <a:spLocks noChangeAspect="1"/>
+            </p:cNvSpPr>
             <p:nvPr/>
           </p:nvSpPr>
           <p:spPr>
             <a:xfrm>
-              <a:off x="2966244" y="7529068"/>
-              <a:ext cx="503264" cy="513380"/>
+              <a:off x="2943121" y="7482824"/>
+              <a:ext cx="602196" cy="614302"/>
             </a:xfrm>
             <a:prstGeom prst="ellipse">
               <a:avLst/>
@@ -18823,7 +18910,7 @@
             <a:p>
               <a:pPr algn="ctr" defTabSz="924937"/>
               <a:r>
-                <a:rPr lang="en-US" altLang="ja-JP" sz="1700" dirty="0">
+                <a:rPr lang="en-US" altLang="ja-JP" sz="2000" dirty="0">
                   <a:solidFill>
                     <a:prstClr val="black"/>
                   </a:solidFill>
@@ -18832,7 +18919,7 @@
                 </a:rPr>
                 <a:t>R192</a:t>
               </a:r>
-              <a:endParaRPr lang="ja-JP" altLang="en-US" sz="1700" dirty="0">
+              <a:endParaRPr lang="ja-JP" altLang="en-US" sz="2000" dirty="0">
                 <a:solidFill>
                   <a:prstClr val="black"/>
                 </a:solidFill>
@@ -18845,13 +18932,15 @@
         <p:sp>
           <p:nvSpPr>
             <p:cNvPr id="50" name="楕円 49"/>
-            <p:cNvSpPr/>
+            <p:cNvSpPr>
+              <a:spLocks noChangeAspect="1"/>
+            </p:cNvSpPr>
             <p:nvPr/>
           </p:nvSpPr>
           <p:spPr>
             <a:xfrm>
-              <a:off x="4127905" y="7529068"/>
-              <a:ext cx="503264" cy="513380"/>
+              <a:off x="4104781" y="7482824"/>
+              <a:ext cx="602196" cy="614301"/>
             </a:xfrm>
             <a:prstGeom prst="ellipse">
               <a:avLst/>
@@ -18887,7 +18976,7 @@
             <a:p>
               <a:pPr algn="ctr" defTabSz="924937"/>
               <a:r>
-                <a:rPr lang="en-US" altLang="ja-JP" sz="1700" dirty="0">
+                <a:rPr lang="en-US" altLang="ja-JP" sz="2000" dirty="0">
                   <a:solidFill>
                     <a:prstClr val="black"/>
                   </a:solidFill>
@@ -18896,7 +18985,7 @@
                 </a:rPr>
                 <a:t>R193</a:t>
               </a:r>
-              <a:endParaRPr lang="ja-JP" altLang="en-US" sz="1700" dirty="0">
+              <a:endParaRPr lang="ja-JP" altLang="en-US" sz="2000" dirty="0">
                 <a:solidFill>
                   <a:prstClr val="black"/>
                 </a:solidFill>
@@ -18909,13 +18998,15 @@
         <p:sp>
           <p:nvSpPr>
             <p:cNvPr id="51" name="楕円 50"/>
-            <p:cNvSpPr/>
+            <p:cNvSpPr>
+              <a:spLocks noChangeAspect="1"/>
+            </p:cNvSpPr>
             <p:nvPr/>
           </p:nvSpPr>
           <p:spPr>
             <a:xfrm>
-              <a:off x="2966244" y="6386068"/>
-              <a:ext cx="503264" cy="513380"/>
+              <a:off x="2943121" y="6362946"/>
+              <a:ext cx="602196" cy="614302"/>
             </a:xfrm>
             <a:prstGeom prst="ellipse">
               <a:avLst/>
@@ -18951,7 +19042,7 @@
             <a:p>
               <a:pPr algn="ctr" defTabSz="924937"/>
               <a:r>
-                <a:rPr lang="en-US" altLang="ja-JP" sz="1700" dirty="0">
+                <a:rPr lang="en-US" altLang="ja-JP" sz="2000" dirty="0">
                   <a:solidFill>
                     <a:prstClr val="black"/>
                   </a:solidFill>
@@ -18960,7 +19051,7 @@
                 </a:rPr>
                 <a:t>R12</a:t>
               </a:r>
-              <a:endParaRPr lang="ja-JP" altLang="en-US" sz="1700" dirty="0">
+              <a:endParaRPr lang="ja-JP" altLang="en-US" sz="2000" dirty="0">
                 <a:solidFill>
                   <a:prstClr val="black"/>
                 </a:solidFill>
@@ -18973,13 +19064,15 @@
         <p:sp>
           <p:nvSpPr>
             <p:cNvPr id="52" name="楕円 51"/>
-            <p:cNvSpPr/>
+            <p:cNvSpPr>
+              <a:spLocks noChangeAspect="1"/>
+            </p:cNvSpPr>
             <p:nvPr/>
           </p:nvSpPr>
           <p:spPr>
             <a:xfrm>
-              <a:off x="4127905" y="6386068"/>
-              <a:ext cx="503264" cy="513380"/>
+              <a:off x="4104781" y="6362946"/>
+              <a:ext cx="602196" cy="614301"/>
             </a:xfrm>
             <a:prstGeom prst="ellipse">
               <a:avLst/>
@@ -19015,7 +19108,7 @@
             <a:p>
               <a:pPr algn="ctr" defTabSz="924937"/>
               <a:r>
-                <a:rPr lang="en-US" altLang="ja-JP" sz="1700" dirty="0">
+                <a:rPr lang="en-US" altLang="ja-JP" sz="2000" dirty="0">
                   <a:solidFill>
                     <a:prstClr val="black"/>
                   </a:solidFill>
@@ -19024,7 +19117,7 @@
                 </a:rPr>
                 <a:t>R13</a:t>
               </a:r>
-              <a:endParaRPr lang="ja-JP" altLang="en-US" sz="1700" dirty="0">
+              <a:endParaRPr lang="ja-JP" altLang="en-US" sz="2000" dirty="0">
                 <a:solidFill>
                   <a:prstClr val="black"/>
                 </a:solidFill>
@@ -19037,13 +19130,15 @@
         <p:sp>
           <p:nvSpPr>
             <p:cNvPr id="53" name="楕円 52"/>
-            <p:cNvSpPr/>
+            <p:cNvSpPr>
+              <a:spLocks noChangeAspect="1"/>
+            </p:cNvSpPr>
             <p:nvPr/>
           </p:nvSpPr>
           <p:spPr>
             <a:xfrm>
-              <a:off x="5291524" y="7529068"/>
-              <a:ext cx="503264" cy="513380"/>
+              <a:off x="5268401" y="7482824"/>
+              <a:ext cx="602196" cy="614301"/>
             </a:xfrm>
             <a:prstGeom prst="ellipse">
               <a:avLst/>
@@ -19079,7 +19174,7 @@
             <a:p>
               <a:pPr algn="ctr" defTabSz="924937"/>
               <a:r>
-                <a:rPr lang="en-US" altLang="ja-JP" sz="1700" dirty="0">
+                <a:rPr lang="en-US" altLang="ja-JP" sz="2000" dirty="0">
                   <a:solidFill>
                     <a:prstClr val="black"/>
                   </a:solidFill>
@@ -19088,7 +19183,7 @@
                 </a:rPr>
                 <a:t>R194</a:t>
               </a:r>
-              <a:endParaRPr lang="ja-JP" altLang="en-US" sz="1700" dirty="0">
+              <a:endParaRPr lang="ja-JP" altLang="en-US" sz="2000" dirty="0">
                 <a:solidFill>
                   <a:prstClr val="black"/>
                 </a:solidFill>
@@ -19101,13 +19196,15 @@
         <p:sp>
           <p:nvSpPr>
             <p:cNvPr id="54" name="楕円 53"/>
-            <p:cNvSpPr/>
+            <p:cNvSpPr>
+              <a:spLocks noChangeAspect="1"/>
+            </p:cNvSpPr>
             <p:nvPr/>
           </p:nvSpPr>
           <p:spPr>
             <a:xfrm>
-              <a:off x="6453185" y="7529068"/>
-              <a:ext cx="503264" cy="513380"/>
+              <a:off x="6430062" y="7482824"/>
+              <a:ext cx="602196" cy="614301"/>
             </a:xfrm>
             <a:prstGeom prst="ellipse">
               <a:avLst/>
@@ -19143,7 +19240,7 @@
             <a:p>
               <a:pPr algn="ctr" defTabSz="924937"/>
               <a:r>
-                <a:rPr lang="en-US" altLang="ja-JP" sz="1700" dirty="0">
+                <a:rPr lang="en-US" altLang="ja-JP" sz="2000" dirty="0">
                   <a:solidFill>
                     <a:prstClr val="black"/>
                   </a:solidFill>
@@ -19152,7 +19249,7 @@
                 </a:rPr>
                 <a:t>R195</a:t>
               </a:r>
-              <a:endParaRPr lang="ja-JP" altLang="en-US" sz="1700" dirty="0">
+              <a:endParaRPr lang="ja-JP" altLang="en-US" sz="2000" dirty="0">
                 <a:solidFill>
                   <a:prstClr val="black"/>
                 </a:solidFill>
@@ -19165,13 +19262,15 @@
         <p:sp>
           <p:nvSpPr>
             <p:cNvPr id="55" name="楕円 54"/>
-            <p:cNvSpPr/>
+            <p:cNvSpPr>
+              <a:spLocks noChangeAspect="1"/>
+            </p:cNvSpPr>
             <p:nvPr/>
           </p:nvSpPr>
           <p:spPr>
             <a:xfrm>
-              <a:off x="5291524" y="6386068"/>
-              <a:ext cx="503264" cy="513380"/>
+              <a:off x="5268401" y="6362946"/>
+              <a:ext cx="602196" cy="614301"/>
             </a:xfrm>
             <a:prstGeom prst="ellipse">
               <a:avLst/>
@@ -19207,7 +19306,7 @@
             <a:p>
               <a:pPr algn="ctr" defTabSz="924937"/>
               <a:r>
-                <a:rPr lang="en-US" altLang="ja-JP" sz="1700" dirty="0">
+                <a:rPr lang="en-US" altLang="ja-JP" sz="2000" dirty="0">
                   <a:solidFill>
                     <a:prstClr val="black"/>
                   </a:solidFill>
@@ -19216,7 +19315,7 @@
                 </a:rPr>
                 <a:t>R14</a:t>
               </a:r>
-              <a:endParaRPr lang="ja-JP" altLang="en-US" sz="1700" dirty="0">
+              <a:endParaRPr lang="ja-JP" altLang="en-US" sz="2000" dirty="0">
                 <a:solidFill>
                   <a:prstClr val="black"/>
                 </a:solidFill>
@@ -19229,13 +19328,15 @@
         <p:sp>
           <p:nvSpPr>
             <p:cNvPr id="56" name="楕円 55"/>
-            <p:cNvSpPr/>
+            <p:cNvSpPr>
+              <a:spLocks noChangeAspect="1"/>
+            </p:cNvSpPr>
             <p:nvPr/>
           </p:nvSpPr>
           <p:spPr>
             <a:xfrm>
-              <a:off x="6453185" y="6386068"/>
-              <a:ext cx="503264" cy="513380"/>
+              <a:off x="6430062" y="6362946"/>
+              <a:ext cx="602196" cy="614301"/>
             </a:xfrm>
             <a:prstGeom prst="ellipse">
               <a:avLst/>
@@ -19271,7 +19372,7 @@
             <a:p>
               <a:pPr algn="ctr" defTabSz="924937"/>
               <a:r>
-                <a:rPr lang="en-US" altLang="ja-JP" sz="1700" dirty="0">
+                <a:rPr lang="en-US" altLang="ja-JP" sz="2000" dirty="0">
                   <a:solidFill>
                     <a:prstClr val="black"/>
                   </a:solidFill>
@@ -19280,7 +19381,7 @@
                 </a:rPr>
                 <a:t>R15</a:t>
               </a:r>
-              <a:endParaRPr lang="ja-JP" altLang="en-US" sz="1700" dirty="0">
+              <a:endParaRPr lang="ja-JP" altLang="en-US" sz="2000" dirty="0">
                 <a:solidFill>
                   <a:prstClr val="black"/>
                 </a:solidFill>
@@ -19293,13 +19394,15 @@
         <p:sp>
           <p:nvSpPr>
             <p:cNvPr id="60" name="楕円 59"/>
-            <p:cNvSpPr/>
+            <p:cNvSpPr>
+              <a:spLocks noChangeAspect="1"/>
+            </p:cNvSpPr>
             <p:nvPr/>
           </p:nvSpPr>
           <p:spPr>
             <a:xfrm>
-              <a:off x="1795380" y="2937689"/>
-              <a:ext cx="503264" cy="513380"/>
+              <a:off x="1772257" y="2914567"/>
+              <a:ext cx="602196" cy="614302"/>
             </a:xfrm>
             <a:prstGeom prst="ellipse">
               <a:avLst/>
@@ -19335,7 +19438,7 @@
             <a:p>
               <a:pPr algn="ctr" defTabSz="924937"/>
               <a:r>
-                <a:rPr lang="en-US" altLang="ja-JP" sz="1700" dirty="0">
+                <a:rPr lang="en-US" altLang="ja-JP" sz="2000" dirty="0">
                   <a:solidFill>
                     <a:prstClr val="black"/>
                   </a:solidFill>
@@ -19344,7 +19447,7 @@
                 </a:rPr>
                 <a:t>R160</a:t>
               </a:r>
-              <a:endParaRPr lang="ja-JP" altLang="en-US" sz="1700" dirty="0">
+              <a:endParaRPr lang="ja-JP" altLang="en-US" sz="2000" dirty="0">
                 <a:solidFill>
                   <a:prstClr val="black"/>
                 </a:solidFill>
@@ -19357,13 +19460,15 @@
         <p:sp>
           <p:nvSpPr>
             <p:cNvPr id="61" name="楕円 60"/>
-            <p:cNvSpPr/>
+            <p:cNvSpPr>
+              <a:spLocks noChangeAspect="1"/>
+            </p:cNvSpPr>
             <p:nvPr/>
           </p:nvSpPr>
           <p:spPr>
             <a:xfrm>
-              <a:off x="1795380" y="5234894"/>
-              <a:ext cx="503264" cy="513380"/>
+              <a:off x="1772257" y="5211772"/>
+              <a:ext cx="602196" cy="614302"/>
             </a:xfrm>
             <a:prstGeom prst="ellipse">
               <a:avLst/>
@@ -19399,7 +19504,7 @@
             <a:p>
               <a:pPr algn="ctr" defTabSz="924937"/>
               <a:r>
-                <a:rPr lang="en-US" altLang="ja-JP" sz="1700" dirty="0">
+                <a:rPr lang="en-US" altLang="ja-JP" sz="2000" dirty="0">
                   <a:solidFill>
                     <a:prstClr val="black"/>
                   </a:solidFill>
@@ -19408,7 +19513,7 @@
                 </a:rPr>
                 <a:t>R162</a:t>
               </a:r>
-              <a:endParaRPr lang="ja-JP" altLang="en-US" sz="1700" dirty="0">
+              <a:endParaRPr lang="ja-JP" altLang="en-US" sz="2000" dirty="0">
                 <a:solidFill>
                   <a:prstClr val="black"/>
                 </a:solidFill>
@@ -19421,13 +19526,15 @@
         <p:sp>
           <p:nvSpPr>
             <p:cNvPr id="62" name="楕円 61"/>
-            <p:cNvSpPr/>
+            <p:cNvSpPr>
+              <a:spLocks noChangeAspect="1"/>
+            </p:cNvSpPr>
             <p:nvPr/>
           </p:nvSpPr>
           <p:spPr>
             <a:xfrm>
-              <a:off x="1795380" y="4091894"/>
-              <a:ext cx="503264" cy="513380"/>
+              <a:off x="1772257" y="4068771"/>
+              <a:ext cx="602196" cy="614302"/>
             </a:xfrm>
             <a:prstGeom prst="ellipse">
               <a:avLst/>
@@ -19463,7 +19570,7 @@
             <a:p>
               <a:pPr algn="ctr" defTabSz="924937"/>
               <a:r>
-                <a:rPr lang="en-US" altLang="ja-JP" sz="1700" dirty="0">
+                <a:rPr lang="en-US" altLang="ja-JP" sz="2000" dirty="0">
                   <a:solidFill>
                     <a:prstClr val="black"/>
                   </a:solidFill>
@@ -19472,7 +19579,7 @@
                 </a:rPr>
                 <a:t>R161</a:t>
               </a:r>
-              <a:endParaRPr lang="ja-JP" altLang="en-US" sz="1700" dirty="0">
+              <a:endParaRPr lang="ja-JP" altLang="en-US" sz="2000" dirty="0">
                 <a:solidFill>
                   <a:prstClr val="black"/>
                 </a:solidFill>
@@ -19485,13 +19592,15 @@
         <p:sp>
           <p:nvSpPr>
             <p:cNvPr id="63" name="楕円 62"/>
-            <p:cNvSpPr/>
+            <p:cNvSpPr>
+              <a:spLocks noChangeAspect="1"/>
+            </p:cNvSpPr>
             <p:nvPr/>
           </p:nvSpPr>
           <p:spPr>
             <a:xfrm>
-              <a:off x="1801849" y="6384752"/>
-              <a:ext cx="503264" cy="513380"/>
+              <a:off x="1778726" y="6361630"/>
+              <a:ext cx="602196" cy="614302"/>
             </a:xfrm>
             <a:prstGeom prst="ellipse">
               <a:avLst/>
@@ -19527,7 +19636,7 @@
             <a:p>
               <a:pPr algn="ctr" defTabSz="924937"/>
               <a:r>
-                <a:rPr lang="en-US" altLang="ja-JP" sz="1700" dirty="0">
+                <a:rPr lang="en-US" altLang="ja-JP" sz="2000" dirty="0">
                   <a:solidFill>
                     <a:prstClr val="black"/>
                   </a:solidFill>
@@ -19536,7 +19645,7 @@
                 </a:rPr>
                 <a:t>R163</a:t>
               </a:r>
-              <a:endParaRPr lang="ja-JP" altLang="en-US" sz="1700" dirty="0">
+              <a:endParaRPr lang="ja-JP" altLang="en-US" sz="2000" dirty="0">
                 <a:solidFill>
                   <a:prstClr val="black"/>
                 </a:solidFill>
@@ -19549,13 +19658,15 @@
         <p:sp>
           <p:nvSpPr>
             <p:cNvPr id="64" name="楕円 63"/>
-            <p:cNvSpPr/>
+            <p:cNvSpPr>
+              <a:spLocks noChangeAspect="1"/>
+            </p:cNvSpPr>
             <p:nvPr/>
           </p:nvSpPr>
           <p:spPr>
             <a:xfrm>
-              <a:off x="7608377" y="2948357"/>
-              <a:ext cx="503264" cy="513380"/>
+              <a:off x="7550571" y="2925235"/>
+              <a:ext cx="602196" cy="614301"/>
             </a:xfrm>
             <a:prstGeom prst="ellipse">
               <a:avLst/>
@@ -19591,7 +19702,7 @@
             <a:p>
               <a:pPr algn="ctr" defTabSz="924937"/>
               <a:r>
-                <a:rPr lang="en-US" altLang="ja-JP" sz="1700" dirty="0">
+                <a:rPr lang="en-US" altLang="ja-JP" sz="2000" dirty="0">
                   <a:solidFill>
                     <a:prstClr val="black"/>
                   </a:solidFill>
@@ -19600,7 +19711,7 @@
                 </a:rPr>
                 <a:t>R224</a:t>
               </a:r>
-              <a:endParaRPr lang="ja-JP" altLang="en-US" sz="1700" dirty="0">
+              <a:endParaRPr lang="ja-JP" altLang="en-US" sz="2000" dirty="0">
                 <a:solidFill>
                   <a:prstClr val="black"/>
                 </a:solidFill>
@@ -19613,13 +19724,15 @@
         <p:sp>
           <p:nvSpPr>
             <p:cNvPr id="65" name="楕円 64"/>
-            <p:cNvSpPr/>
+            <p:cNvSpPr>
+              <a:spLocks noChangeAspect="1"/>
+            </p:cNvSpPr>
             <p:nvPr/>
           </p:nvSpPr>
           <p:spPr>
             <a:xfrm>
-              <a:off x="7608377" y="5245562"/>
-              <a:ext cx="503264" cy="513380"/>
+              <a:off x="7550571" y="5222440"/>
+              <a:ext cx="602196" cy="614301"/>
             </a:xfrm>
             <a:prstGeom prst="ellipse">
               <a:avLst/>
@@ -19655,7 +19768,7 @@
             <a:p>
               <a:pPr algn="ctr" defTabSz="924937"/>
               <a:r>
-                <a:rPr lang="en-US" altLang="ja-JP" sz="1700" dirty="0">
+                <a:rPr lang="en-US" altLang="ja-JP" sz="2000" dirty="0">
                   <a:solidFill>
                     <a:prstClr val="black"/>
                   </a:solidFill>
@@ -19664,7 +19777,7 @@
                 </a:rPr>
                 <a:t>R226</a:t>
               </a:r>
-              <a:endParaRPr lang="ja-JP" altLang="en-US" sz="1700" dirty="0">
+              <a:endParaRPr lang="ja-JP" altLang="en-US" sz="2000" dirty="0">
                 <a:solidFill>
                   <a:prstClr val="black"/>
                 </a:solidFill>
@@ -19677,13 +19790,15 @@
         <p:sp>
           <p:nvSpPr>
             <p:cNvPr id="66" name="楕円 65"/>
-            <p:cNvSpPr/>
+            <p:cNvSpPr>
+              <a:spLocks noChangeAspect="1"/>
+            </p:cNvSpPr>
             <p:nvPr/>
           </p:nvSpPr>
           <p:spPr>
             <a:xfrm>
-              <a:off x="7608377" y="4102562"/>
-              <a:ext cx="503264" cy="513380"/>
+              <a:off x="7550571" y="4079440"/>
+              <a:ext cx="602196" cy="614301"/>
             </a:xfrm>
             <a:prstGeom prst="ellipse">
               <a:avLst/>
@@ -19719,7 +19834,7 @@
             <a:p>
               <a:pPr algn="ctr" defTabSz="924937"/>
               <a:r>
-                <a:rPr lang="en-US" altLang="ja-JP" sz="1700" dirty="0">
+                <a:rPr lang="en-US" altLang="ja-JP" sz="2000" dirty="0">
                   <a:solidFill>
                     <a:prstClr val="black"/>
                   </a:solidFill>
@@ -19728,7 +19843,7 @@
                 </a:rPr>
                 <a:t>R225</a:t>
               </a:r>
-              <a:endParaRPr lang="ja-JP" altLang="en-US" sz="1700" dirty="0">
+              <a:endParaRPr lang="ja-JP" altLang="en-US" sz="2000" dirty="0">
                 <a:solidFill>
                   <a:prstClr val="black"/>
                 </a:solidFill>
@@ -19741,13 +19856,15 @@
         <p:sp>
           <p:nvSpPr>
             <p:cNvPr id="67" name="楕円 66"/>
-            <p:cNvSpPr/>
+            <p:cNvSpPr>
+              <a:spLocks noChangeAspect="1"/>
+            </p:cNvSpPr>
             <p:nvPr/>
           </p:nvSpPr>
           <p:spPr>
             <a:xfrm>
-              <a:off x="7614846" y="6395420"/>
-              <a:ext cx="503264" cy="513380"/>
+              <a:off x="7557039" y="6372298"/>
+              <a:ext cx="602196" cy="614301"/>
             </a:xfrm>
             <a:prstGeom prst="ellipse">
               <a:avLst/>
@@ -19783,7 +19900,7 @@
             <a:p>
               <a:pPr algn="ctr" defTabSz="924937"/>
               <a:r>
-                <a:rPr lang="en-US" altLang="ja-JP" sz="1700" dirty="0">
+                <a:rPr lang="en-US" altLang="ja-JP" sz="2000" dirty="0">
                   <a:solidFill>
                     <a:prstClr val="black"/>
                   </a:solidFill>
@@ -19792,7 +19909,7 @@
                 </a:rPr>
                 <a:t>R227</a:t>
               </a:r>
-              <a:endParaRPr lang="ja-JP" altLang="en-US" sz="1700" dirty="0">
+              <a:endParaRPr lang="ja-JP" altLang="en-US" sz="2000" dirty="0">
                 <a:solidFill>
                   <a:prstClr val="black"/>
                 </a:solidFill>
